--- a/ppt_parziale.pptx
+++ b/ppt_parziale.pptx
@@ -4805,8 +4805,8 @@
         </p:nvSpPr>
         <p:spPr>
           <a:xfrm>
-            <a:off x="1651099" y="1548135"/>
-            <a:ext cx="10292079" cy="772020"/>
+            <a:off x="1660527" y="1739113"/>
+            <a:ext cx="5560406" cy="772020"/>
           </a:xfrm>
         </p:spPr>
         <p:txBody>
@@ -4817,91 +4817,91 @@
           <a:p>
             <a:pPr algn="just"/>
             <a:r>
-              <a:rPr lang="it-IT" sz="1800" dirty="0" err="1"/>
+              <a:rPr lang="it-IT" sz="1400" dirty="0" err="1"/>
               <a:t>Rent</a:t>
             </a:r>
             <a:r>
-              <a:rPr lang="it-IT" sz="1800" dirty="0"/>
+              <a:rPr lang="it-IT" sz="1400" dirty="0"/>
               <a:t> : </a:t>
             </a:r>
             <a:r>
-              <a:rPr lang="it-IT" sz="1800" dirty="0" err="1"/>
+              <a:rPr lang="it-IT" sz="1400" dirty="0" err="1"/>
               <a:t>it</a:t>
             </a:r>
             <a:r>
-              <a:rPr lang="it-IT" sz="1800" dirty="0"/>
+              <a:rPr lang="it-IT" sz="1400" dirty="0"/>
               <a:t> </a:t>
             </a:r>
             <a:r>
-              <a:rPr lang="it-IT" sz="1800" dirty="0" err="1"/>
+              <a:rPr lang="it-IT" sz="1400" dirty="0" err="1"/>
               <a:t>contains</a:t>
             </a:r>
             <a:r>
-              <a:rPr lang="it-IT" sz="1800" dirty="0"/>
+              <a:rPr lang="it-IT" sz="1400" dirty="0"/>
               <a:t> data </a:t>
             </a:r>
             <a:r>
-              <a:rPr lang="it-IT" sz="1800" dirty="0" err="1"/>
+              <a:rPr lang="it-IT" sz="1400" dirty="0" err="1"/>
               <a:t>about</a:t>
             </a:r>
             <a:r>
-              <a:rPr lang="it-IT" sz="1800" dirty="0"/>
+              <a:rPr lang="it-IT" sz="1400" dirty="0"/>
               <a:t> online </a:t>
             </a:r>
             <a:r>
-              <a:rPr lang="it-IT" sz="1800" dirty="0" err="1"/>
+              <a:rPr lang="it-IT" sz="1400" dirty="0" err="1"/>
               <a:t>rent</a:t>
             </a:r>
             <a:r>
-              <a:rPr lang="it-IT" sz="1800" dirty="0"/>
+              <a:rPr lang="it-IT" sz="1400" dirty="0"/>
               <a:t> advertisements in SF. In </a:t>
             </a:r>
             <a:r>
-              <a:rPr lang="it-IT" sz="1800" dirty="0" err="1"/>
+              <a:rPr lang="it-IT" sz="1400" dirty="0" err="1"/>
               <a:t>particular</a:t>
             </a:r>
             <a:r>
-              <a:rPr lang="it-IT" sz="1800" dirty="0"/>
+              <a:rPr lang="it-IT" sz="1400" dirty="0"/>
               <a:t> </a:t>
             </a:r>
             <a:r>
-              <a:rPr lang="it-IT" sz="1800" dirty="0" err="1"/>
+              <a:rPr lang="it-IT" sz="1400" dirty="0" err="1"/>
               <a:t>we</a:t>
             </a:r>
             <a:r>
-              <a:rPr lang="it-IT" sz="1800" dirty="0"/>
+              <a:rPr lang="it-IT" sz="1400" dirty="0"/>
               <a:t> are </a:t>
             </a:r>
             <a:r>
-              <a:rPr lang="it-IT" sz="1800" dirty="0" err="1"/>
+              <a:rPr lang="it-IT" sz="1400" dirty="0" err="1"/>
               <a:t>focusing</a:t>
             </a:r>
             <a:r>
-              <a:rPr lang="it-IT" sz="1800" dirty="0"/>
+              <a:rPr lang="it-IT" sz="1400" dirty="0"/>
               <a:t> on the information </a:t>
             </a:r>
             <a:r>
-              <a:rPr lang="it-IT" sz="1800" dirty="0" err="1"/>
+              <a:rPr lang="it-IT" sz="1400" dirty="0" err="1"/>
               <a:t>about</a:t>
             </a:r>
             <a:r>
-              <a:rPr lang="it-IT" sz="1800" dirty="0"/>
+              <a:rPr lang="it-IT" sz="1400" dirty="0"/>
               <a:t> </a:t>
             </a:r>
             <a:r>
-              <a:rPr lang="it-IT" sz="1800" dirty="0" err="1"/>
+              <a:rPr lang="it-IT" sz="1400" dirty="0" err="1"/>
               <a:t>neighborhood</a:t>
             </a:r>
             <a:r>
-              <a:rPr lang="it-IT" sz="1800" dirty="0"/>
+              <a:rPr lang="it-IT" sz="1400" dirty="0"/>
               <a:t>, </a:t>
             </a:r>
             <a:r>
-              <a:rPr lang="it-IT" sz="1800" dirty="0" err="1"/>
+              <a:rPr lang="it-IT" sz="1400" dirty="0" err="1"/>
               <a:t>rent</a:t>
             </a:r>
             <a:r>
-              <a:rPr lang="it-IT" sz="1800" dirty="0"/>
+              <a:rPr lang="it-IT" sz="1400" dirty="0"/>
               <a:t>/mq and time.</a:t>
             </a:r>
           </a:p>
@@ -4938,7 +4938,7 @@
         </p:blipFill>
         <p:spPr>
           <a:xfrm>
-            <a:off x="477832" y="1348965"/>
+            <a:off x="487259" y="1651245"/>
             <a:ext cx="914400" cy="914400"/>
           </a:xfrm>
           <a:prstGeom prst="rect">
@@ -4977,7 +4977,7 @@
         </p:blipFill>
         <p:spPr>
           <a:xfrm>
-            <a:off x="477832" y="3522314"/>
+            <a:off x="487259" y="3837632"/>
             <a:ext cx="914400" cy="914400"/>
           </a:xfrm>
           <a:prstGeom prst="rect">
@@ -5016,7 +5016,7 @@
         </p:blipFill>
         <p:spPr>
           <a:xfrm>
-            <a:off x="477832" y="2344499"/>
+            <a:off x="487259" y="2744438"/>
             <a:ext cx="914400" cy="914400"/>
           </a:xfrm>
           <a:prstGeom prst="rect">
@@ -5055,7 +5055,7 @@
         </p:blipFill>
         <p:spPr>
           <a:xfrm>
-            <a:off x="433051" y="4506533"/>
+            <a:off x="419493" y="4834506"/>
             <a:ext cx="914400" cy="914400"/>
           </a:xfrm>
           <a:prstGeom prst="rect">
@@ -5077,7 +5077,7 @@
         </p:nvSpPr>
         <p:spPr>
           <a:xfrm>
-            <a:off x="3407687" y="5520844"/>
+            <a:off x="3407687" y="5748906"/>
             <a:ext cx="5376625" cy="369332"/>
           </a:xfrm>
           <a:prstGeom prst="rect">
@@ -5133,8 +5133,8 @@
         </p:nvSpPr>
         <p:spPr>
           <a:xfrm>
-            <a:off x="1637011" y="3646654"/>
-            <a:ext cx="10292079" cy="923330"/>
+            <a:off x="1646439" y="3837632"/>
+            <a:ext cx="5560406" cy="954107"/>
           </a:xfrm>
           <a:prstGeom prst="rect">
             <a:avLst/>
@@ -5149,119 +5149,119 @@
           <a:p>
             <a:pPr algn="just"/>
             <a:r>
-              <a:rPr lang="it-IT" sz="1800" dirty="0"/>
+              <a:rPr lang="it-IT" sz="1400" dirty="0"/>
               <a:t>Construction : </a:t>
             </a:r>
             <a:r>
-              <a:rPr lang="it-IT" sz="1800" dirty="0" err="1"/>
+              <a:rPr lang="it-IT" sz="1400" dirty="0" err="1"/>
               <a:t>it</a:t>
             </a:r>
             <a:r>
-              <a:rPr lang="it-IT" sz="1800" dirty="0"/>
+              <a:rPr lang="it-IT" sz="1400" dirty="0"/>
               <a:t> </a:t>
             </a:r>
             <a:r>
-              <a:rPr lang="it-IT" sz="1800" dirty="0" err="1"/>
+              <a:rPr lang="it-IT" sz="1400" dirty="0" err="1"/>
               <a:t>contains</a:t>
             </a:r>
             <a:r>
-              <a:rPr lang="it-IT" sz="1800" dirty="0"/>
+              <a:rPr lang="it-IT" sz="1400" dirty="0"/>
               <a:t> </a:t>
             </a:r>
             <a:r>
-              <a:rPr lang="it-IT" sz="1800" dirty="0" err="1"/>
+              <a:rPr lang="it-IT" sz="1400" dirty="0" err="1"/>
               <a:t>all</a:t>
             </a:r>
             <a:r>
-              <a:rPr lang="it-IT" sz="1800" dirty="0"/>
+              <a:rPr lang="it-IT" sz="1400" dirty="0"/>
               <a:t> the </a:t>
             </a:r>
             <a:r>
-              <a:rPr lang="it-IT" sz="1800" dirty="0" err="1"/>
+              <a:rPr lang="it-IT" sz="1400" dirty="0" err="1"/>
               <a:t>permits</a:t>
             </a:r>
             <a:r>
-              <a:rPr lang="it-IT" sz="1800" dirty="0"/>
+              <a:rPr lang="it-IT" sz="1400" dirty="0"/>
               <a:t> of </a:t>
             </a:r>
             <a:r>
-              <a:rPr lang="it-IT" sz="1800" dirty="0" err="1"/>
+              <a:rPr lang="it-IT" sz="1400" dirty="0" err="1"/>
               <a:t>construction</a:t>
             </a:r>
             <a:r>
-              <a:rPr lang="it-IT" sz="1800" dirty="0"/>
+              <a:rPr lang="it-IT" sz="1400" dirty="0"/>
               <a:t> </a:t>
             </a:r>
             <a:r>
-              <a:rPr lang="it-IT" sz="1800" dirty="0" err="1"/>
+              <a:rPr lang="it-IT" sz="1400" dirty="0" err="1"/>
               <a:t>granted</a:t>
             </a:r>
             <a:r>
-              <a:rPr lang="it-IT" sz="1800" dirty="0"/>
+              <a:rPr lang="it-IT" sz="1400" dirty="0"/>
               <a:t> by the city of SF. </a:t>
             </a:r>
             <a:r>
-              <a:rPr lang="it-IT" sz="1800" dirty="0" err="1"/>
+              <a:rPr lang="it-IT" sz="1400" dirty="0" err="1"/>
               <a:t>We</a:t>
             </a:r>
             <a:r>
-              <a:rPr lang="it-IT" sz="1800" dirty="0"/>
+              <a:rPr lang="it-IT" sz="1400" dirty="0"/>
               <a:t> </a:t>
             </a:r>
             <a:r>
-              <a:rPr lang="it-IT" sz="1800" dirty="0" err="1"/>
+              <a:rPr lang="it-IT" sz="1400" dirty="0" err="1"/>
               <a:t>extracted</a:t>
             </a:r>
             <a:r>
-              <a:rPr lang="it-IT" sz="1800" dirty="0"/>
+              <a:rPr lang="it-IT" sz="1400" dirty="0"/>
               <a:t> the information </a:t>
             </a:r>
             <a:r>
-              <a:rPr lang="it-IT" sz="1800" dirty="0" err="1"/>
+              <a:rPr lang="it-IT" sz="1400" dirty="0" err="1"/>
               <a:t>regarding</a:t>
             </a:r>
             <a:r>
-              <a:rPr lang="it-IT" sz="1800" dirty="0"/>
+              <a:rPr lang="it-IT" sz="1400" dirty="0"/>
               <a:t> </a:t>
             </a:r>
             <a:r>
-              <a:rPr lang="it-IT" sz="1800" dirty="0" err="1"/>
+              <a:rPr lang="it-IT" sz="1400" dirty="0" err="1"/>
               <a:t>excusively</a:t>
             </a:r>
             <a:r>
-              <a:rPr lang="it-IT" sz="1800" dirty="0"/>
+              <a:rPr lang="it-IT" sz="1400" dirty="0"/>
               <a:t> housing buildings in order to </a:t>
             </a:r>
             <a:r>
-              <a:rPr lang="it-IT" sz="1800" dirty="0" err="1"/>
+              <a:rPr lang="it-IT" sz="1400" dirty="0" err="1"/>
               <a:t>have</a:t>
             </a:r>
             <a:r>
-              <a:rPr lang="it-IT" sz="1800" dirty="0"/>
+              <a:rPr lang="it-IT" sz="1400" dirty="0"/>
               <a:t> an idea of the locations of the new </a:t>
             </a:r>
             <a:r>
-              <a:rPr lang="it-IT" sz="1800" dirty="0" err="1"/>
+              <a:rPr lang="it-IT" sz="1400" dirty="0" err="1"/>
               <a:t>houses</a:t>
             </a:r>
             <a:r>
-              <a:rPr lang="it-IT" sz="1800" dirty="0"/>
+              <a:rPr lang="it-IT" sz="1400" dirty="0"/>
               <a:t> </a:t>
             </a:r>
             <a:r>
-              <a:rPr lang="it-IT" sz="1800" dirty="0" err="1"/>
+              <a:rPr lang="it-IT" sz="1400" dirty="0" err="1"/>
               <a:t>built</a:t>
             </a:r>
             <a:r>
-              <a:rPr lang="it-IT" sz="1800" dirty="0"/>
+              <a:rPr lang="it-IT" sz="1400" dirty="0"/>
               <a:t> in the </a:t>
             </a:r>
             <a:r>
-              <a:rPr lang="it-IT" sz="1800" dirty="0" err="1"/>
+              <a:rPr lang="it-IT" sz="1400" dirty="0" err="1"/>
               <a:t>period</a:t>
             </a:r>
             <a:r>
-              <a:rPr lang="it-IT" sz="1800" dirty="0"/>
+              <a:rPr lang="it-IT" sz="1400" dirty="0"/>
               <a:t> of the study.</a:t>
             </a:r>
           </a:p>
@@ -5281,8 +5281,8 @@
         </p:nvSpPr>
         <p:spPr>
           <a:xfrm>
-            <a:off x="1637011" y="4779067"/>
-            <a:ext cx="6849456" cy="369332"/>
+            <a:off x="1646439" y="5148352"/>
+            <a:ext cx="5560406" cy="307777"/>
           </a:xfrm>
           <a:prstGeom prst="rect">
             <a:avLst/>
@@ -5297,51 +5297,51 @@
           <a:p>
             <a:pPr algn="just"/>
             <a:r>
-              <a:rPr lang="it-IT" sz="1800" dirty="0" err="1"/>
+              <a:rPr lang="it-IT" sz="1400" dirty="0" err="1"/>
               <a:t>Parcels</a:t>
             </a:r>
             <a:r>
-              <a:rPr lang="it-IT" sz="1800" dirty="0"/>
+              <a:rPr lang="it-IT" sz="1400" dirty="0"/>
               <a:t> : </a:t>
             </a:r>
             <a:r>
-              <a:rPr lang="it-IT" sz="1800" dirty="0" err="1"/>
+              <a:rPr lang="it-IT" sz="1400" dirty="0" err="1"/>
               <a:t>it</a:t>
             </a:r>
             <a:r>
-              <a:rPr lang="it-IT" sz="1800" dirty="0"/>
+              <a:rPr lang="it-IT" sz="1400" dirty="0"/>
               <a:t> </a:t>
             </a:r>
             <a:r>
-              <a:rPr lang="it-IT" sz="1800" dirty="0" err="1"/>
+              <a:rPr lang="it-IT" sz="1400" dirty="0" err="1"/>
               <a:t>contains</a:t>
             </a:r>
             <a:r>
-              <a:rPr lang="it-IT" sz="1800" dirty="0"/>
+              <a:rPr lang="it-IT" sz="1400" dirty="0"/>
               <a:t> the </a:t>
             </a:r>
             <a:r>
-              <a:rPr lang="it-IT" sz="1800" dirty="0" err="1"/>
+              <a:rPr lang="it-IT" sz="1400" dirty="0" err="1"/>
               <a:t>coordinates</a:t>
             </a:r>
             <a:r>
-              <a:rPr lang="it-IT" sz="1800" dirty="0"/>
+              <a:rPr lang="it-IT" sz="1400" dirty="0"/>
               <a:t> of the </a:t>
             </a:r>
             <a:r>
-              <a:rPr lang="it-IT" sz="1800" dirty="0" err="1"/>
+              <a:rPr lang="it-IT" sz="1400" dirty="0" err="1"/>
               <a:t>parcels</a:t>
             </a:r>
             <a:r>
-              <a:rPr lang="it-IT" sz="1800" dirty="0"/>
+              <a:rPr lang="it-IT" sz="1400" dirty="0"/>
               <a:t> </a:t>
             </a:r>
             <a:r>
-              <a:rPr lang="it-IT" sz="1800" dirty="0" err="1"/>
+              <a:rPr lang="it-IT" sz="1400" dirty="0" err="1"/>
               <a:t>units</a:t>
             </a:r>
             <a:r>
-              <a:rPr lang="it-IT" sz="1800" dirty="0"/>
+              <a:rPr lang="it-IT" sz="1400" dirty="0"/>
               <a:t> in SF.</a:t>
             </a:r>
           </a:p>
@@ -5361,8 +5361,8 @@
         </p:nvSpPr>
         <p:spPr>
           <a:xfrm>
-            <a:off x="1651099" y="2570410"/>
-            <a:ext cx="10277991" cy="646331"/>
+            <a:off x="1660527" y="2761388"/>
+            <a:ext cx="5560406" cy="738664"/>
           </a:xfrm>
           <a:prstGeom prst="rect">
             <a:avLst/>
@@ -5377,80 +5377,528 @@
           <a:p>
             <a:pPr algn="just"/>
             <a:r>
-              <a:rPr lang="it-IT" sz="1800" dirty="0" err="1"/>
+              <a:rPr lang="it-IT" sz="1400" dirty="0" err="1"/>
               <a:t>Evictions</a:t>
             </a:r>
             <a:r>
-              <a:rPr lang="it-IT" sz="1800" dirty="0"/>
+              <a:rPr lang="it-IT" sz="1400" dirty="0"/>
               <a:t> : </a:t>
             </a:r>
             <a:r>
-              <a:rPr lang="it-IT" sz="1800" dirty="0" err="1"/>
+              <a:rPr lang="it-IT" sz="1400" dirty="0" err="1"/>
               <a:t>it</a:t>
             </a:r>
             <a:r>
-              <a:rPr lang="it-IT" sz="1800" dirty="0"/>
+              <a:rPr lang="it-IT" sz="1400" dirty="0"/>
               <a:t> </a:t>
             </a:r>
             <a:r>
-              <a:rPr lang="it-IT" sz="1800" dirty="0" err="1"/>
+              <a:rPr lang="it-IT" sz="1400" dirty="0" err="1"/>
               <a:t>contains</a:t>
             </a:r>
             <a:r>
-              <a:rPr lang="it-IT" sz="1800" dirty="0"/>
+              <a:rPr lang="it-IT" sz="1400" dirty="0"/>
               <a:t> the information ( </a:t>
             </a:r>
             <a:r>
-              <a:rPr lang="it-IT" sz="1800" dirty="0" err="1"/>
+              <a:rPr lang="it-IT" sz="1400" dirty="0" err="1"/>
               <a:t>coordinates,neighborhood</a:t>
             </a:r>
             <a:r>
-              <a:rPr lang="it-IT" sz="1800" dirty="0"/>
+              <a:rPr lang="it-IT" sz="1400" dirty="0"/>
               <a:t> and time) of the </a:t>
             </a:r>
             <a:r>
-              <a:rPr lang="it-IT" sz="1800" dirty="0" err="1"/>
+              <a:rPr lang="it-IT" sz="1400" dirty="0" err="1"/>
               <a:t>eviction</a:t>
             </a:r>
             <a:r>
-              <a:rPr lang="it-IT" sz="1800" dirty="0"/>
+              <a:rPr lang="it-IT" sz="1400" dirty="0"/>
               <a:t> </a:t>
             </a:r>
             <a:r>
-              <a:rPr lang="it-IT" sz="1800" dirty="0" err="1"/>
+              <a:rPr lang="it-IT" sz="1400" dirty="0" err="1"/>
               <a:t>notices</a:t>
             </a:r>
             <a:r>
-              <a:rPr lang="it-IT" sz="1800" dirty="0"/>
+              <a:rPr lang="it-IT" sz="1400" dirty="0"/>
               <a:t> </a:t>
             </a:r>
             <a:r>
-              <a:rPr lang="it-IT" sz="1800" dirty="0" err="1"/>
+              <a:rPr lang="it-IT" sz="1400" dirty="0" err="1"/>
               <a:t>emitted</a:t>
             </a:r>
             <a:r>
-              <a:rPr lang="it-IT" sz="1800" dirty="0"/>
+              <a:rPr lang="it-IT" sz="1400" dirty="0"/>
               <a:t> in SF </a:t>
             </a:r>
             <a:r>
-              <a:rPr lang="it-IT" sz="1800" dirty="0" err="1"/>
+              <a:rPr lang="it-IT" sz="1400" dirty="0" err="1"/>
               <a:t>during</a:t>
             </a:r>
             <a:r>
-              <a:rPr lang="it-IT" sz="1800" dirty="0"/>
+              <a:rPr lang="it-IT" sz="1400" dirty="0"/>
               <a:t> the </a:t>
             </a:r>
             <a:r>
-              <a:rPr lang="it-IT" sz="1800" dirty="0" err="1"/>
+              <a:rPr lang="it-IT" sz="1400" dirty="0" err="1"/>
               <a:t>period</a:t>
             </a:r>
             <a:r>
-              <a:rPr lang="it-IT" sz="1800" dirty="0"/>
+              <a:rPr lang="it-IT" sz="1400" dirty="0"/>
               <a:t> of study.</a:t>
             </a:r>
           </a:p>
         </p:txBody>
       </p:sp>
+      <p:cxnSp>
+        <p:nvCxnSpPr>
+          <p:cNvPr id="8" name="Connettore diritto 7">
+            <a:extLst>
+              <a:ext uri="{FF2B5EF4-FFF2-40B4-BE49-F238E27FC236}">
+                <a16:creationId xmlns:a16="http://schemas.microsoft.com/office/drawing/2014/main" id="{159FD746-17BE-529D-95D1-DD74700CFAC5}"/>
+              </a:ext>
+            </a:extLst>
+          </p:cNvPr>
+          <p:cNvCxnSpPr>
+            <a:cxnSpLocks/>
+          </p:cNvCxnSpPr>
+          <p:nvPr/>
+        </p:nvCxnSpPr>
+        <p:spPr>
+          <a:xfrm>
+            <a:off x="1743959" y="4970045"/>
+            <a:ext cx="9054446" cy="0"/>
+          </a:xfrm>
+          <a:prstGeom prst="line">
+            <a:avLst/>
+          </a:prstGeom>
+        </p:spPr>
+        <p:style>
+          <a:lnRef idx="1">
+            <a:schemeClr val="dk1"/>
+          </a:lnRef>
+          <a:fillRef idx="0">
+            <a:schemeClr val="dk1"/>
+          </a:fillRef>
+          <a:effectRef idx="0">
+            <a:schemeClr val="dk1"/>
+          </a:effectRef>
+          <a:fontRef idx="minor">
+            <a:schemeClr val="tx1"/>
+          </a:fontRef>
+        </p:style>
+      </p:cxnSp>
+      <p:sp>
+        <p:nvSpPr>
+          <p:cNvPr id="14" name="CasellaDiTesto 13">
+            <a:extLst>
+              <a:ext uri="{FF2B5EF4-FFF2-40B4-BE49-F238E27FC236}">
+                <a16:creationId xmlns:a16="http://schemas.microsoft.com/office/drawing/2014/main" id="{90D55121-67E2-5009-167C-715B091E7865}"/>
+              </a:ext>
+            </a:extLst>
+          </p:cNvPr>
+          <p:cNvSpPr txBox="1"/>
+          <p:nvPr/>
+        </p:nvSpPr>
+        <p:spPr>
+          <a:xfrm>
+            <a:off x="8314442" y="1203608"/>
+            <a:ext cx="1997663" cy="369332"/>
+          </a:xfrm>
+          <a:prstGeom prst="rect">
+            <a:avLst/>
+          </a:prstGeom>
+          <a:noFill/>
+        </p:spPr>
+        <p:txBody>
+          <a:bodyPr wrap="none" rtlCol="0">
+            <a:spAutoFit/>
+          </a:bodyPr>
+          <a:lstStyle/>
+          <a:p>
+            <a:r>
+              <a:rPr lang="it-IT" dirty="0" err="1"/>
+              <a:t>Main</a:t>
+            </a:r>
+            <a:r>
+              <a:rPr lang="it-IT" dirty="0"/>
+              <a:t> information:</a:t>
+            </a:r>
+          </a:p>
+        </p:txBody>
+      </p:sp>
+      <p:sp>
+        <p:nvSpPr>
+          <p:cNvPr id="15" name="CasellaDiTesto 14">
+            <a:extLst>
+              <a:ext uri="{FF2B5EF4-FFF2-40B4-BE49-F238E27FC236}">
+                <a16:creationId xmlns:a16="http://schemas.microsoft.com/office/drawing/2014/main" id="{9310539C-EF93-BD2D-8A70-57768877A4B9}"/>
+              </a:ext>
+            </a:extLst>
+          </p:cNvPr>
+          <p:cNvSpPr txBox="1"/>
+          <p:nvPr/>
+        </p:nvSpPr>
+        <p:spPr>
+          <a:xfrm>
+            <a:off x="8050490" y="1739113"/>
+            <a:ext cx="2856319" cy="738664"/>
+          </a:xfrm>
+          <a:prstGeom prst="rect">
+            <a:avLst/>
+          </a:prstGeom>
+          <a:noFill/>
+        </p:spPr>
+        <p:txBody>
+          <a:bodyPr wrap="square" rtlCol="0">
+            <a:spAutoFit/>
+          </a:bodyPr>
+          <a:lstStyle/>
+          <a:p>
+            <a:pPr marL="285750" indent="-285750">
+              <a:buFont typeface="Arial" panose="020B0604020202020204" pitchFamily="34" charset="0"/>
+              <a:buChar char="•"/>
+            </a:pPr>
+            <a:r>
+              <a:rPr lang="it-IT" sz="1400" dirty="0" err="1"/>
+              <a:t>Neighborhood</a:t>
+            </a:r>
+            <a:endParaRPr lang="it-IT" sz="1400" dirty="0"/>
+          </a:p>
+          <a:p>
+            <a:pPr marL="285750" indent="-285750">
+              <a:buFont typeface="Arial" panose="020B0604020202020204" pitchFamily="34" charset="0"/>
+              <a:buChar char="•"/>
+            </a:pPr>
+            <a:r>
+              <a:rPr lang="it-IT" sz="1400" dirty="0"/>
+              <a:t>Price/mq</a:t>
+            </a:r>
+          </a:p>
+          <a:p>
+            <a:pPr marL="285750" indent="-285750">
+              <a:buFont typeface="Arial" panose="020B0604020202020204" pitchFamily="34" charset="0"/>
+              <a:buChar char="•"/>
+            </a:pPr>
+            <a:r>
+              <a:rPr lang="it-IT" sz="1400" dirty="0"/>
+              <a:t>Date of the advertisement</a:t>
+            </a:r>
+          </a:p>
+        </p:txBody>
+      </p:sp>
+      <p:sp>
+        <p:nvSpPr>
+          <p:cNvPr id="16" name="CasellaDiTesto 15">
+            <a:extLst>
+              <a:ext uri="{FF2B5EF4-FFF2-40B4-BE49-F238E27FC236}">
+                <a16:creationId xmlns:a16="http://schemas.microsoft.com/office/drawing/2014/main" id="{AFD7BDF9-A7D7-DE42-96C9-4E4E56F13065}"/>
+              </a:ext>
+            </a:extLst>
+          </p:cNvPr>
+          <p:cNvSpPr txBox="1"/>
+          <p:nvPr/>
+        </p:nvSpPr>
+        <p:spPr>
+          <a:xfrm>
+            <a:off x="8050490" y="2761388"/>
+            <a:ext cx="2358433" cy="738664"/>
+          </a:xfrm>
+          <a:prstGeom prst="rect">
+            <a:avLst/>
+          </a:prstGeom>
+          <a:noFill/>
+        </p:spPr>
+        <p:txBody>
+          <a:bodyPr wrap="square" rtlCol="0">
+            <a:spAutoFit/>
+          </a:bodyPr>
+          <a:lstStyle/>
+          <a:p>
+            <a:pPr marL="285750" indent="-285750">
+              <a:buFont typeface="Arial" panose="020B0604020202020204" pitchFamily="34" charset="0"/>
+              <a:buChar char="•"/>
+            </a:pPr>
+            <a:r>
+              <a:rPr lang="it-IT" sz="1400" dirty="0" err="1"/>
+              <a:t>Address</a:t>
+            </a:r>
+            <a:endParaRPr lang="it-IT" sz="1400" dirty="0"/>
+          </a:p>
+          <a:p>
+            <a:pPr marL="285750" indent="-285750">
+              <a:buFont typeface="Arial" panose="020B0604020202020204" pitchFamily="34" charset="0"/>
+              <a:buChar char="•"/>
+            </a:pPr>
+            <a:r>
+              <a:rPr lang="it-IT" sz="1400" dirty="0" err="1"/>
+              <a:t>Neighborhood</a:t>
+            </a:r>
+            <a:endParaRPr lang="it-IT" sz="1400" dirty="0"/>
+          </a:p>
+          <a:p>
+            <a:pPr marL="285750" indent="-285750">
+              <a:buFont typeface="Arial" panose="020B0604020202020204" pitchFamily="34" charset="0"/>
+              <a:buChar char="•"/>
+            </a:pPr>
+            <a:r>
+              <a:rPr lang="it-IT" sz="1400" dirty="0"/>
+              <a:t>Date</a:t>
+            </a:r>
+          </a:p>
+        </p:txBody>
+      </p:sp>
+      <p:sp>
+        <p:nvSpPr>
+          <p:cNvPr id="17" name="CasellaDiTesto 16">
+            <a:extLst>
+              <a:ext uri="{FF2B5EF4-FFF2-40B4-BE49-F238E27FC236}">
+                <a16:creationId xmlns:a16="http://schemas.microsoft.com/office/drawing/2014/main" id="{BFD6D017-9448-E728-3C28-C34A61AEF57F}"/>
+              </a:ext>
+            </a:extLst>
+          </p:cNvPr>
+          <p:cNvSpPr txBox="1"/>
+          <p:nvPr/>
+        </p:nvSpPr>
+        <p:spPr>
+          <a:xfrm flipH="1">
+            <a:off x="8050490" y="3837632"/>
+            <a:ext cx="2931735" cy="954107"/>
+          </a:xfrm>
+          <a:prstGeom prst="rect">
+            <a:avLst/>
+          </a:prstGeom>
+          <a:noFill/>
+        </p:spPr>
+        <p:txBody>
+          <a:bodyPr wrap="square" rtlCol="0">
+            <a:spAutoFit/>
+          </a:bodyPr>
+          <a:lstStyle/>
+          <a:p>
+            <a:pPr marL="285750" indent="-285750">
+              <a:buFont typeface="Arial" panose="020B0604020202020204" pitchFamily="34" charset="0"/>
+              <a:buChar char="•"/>
+            </a:pPr>
+            <a:r>
+              <a:rPr lang="it-IT" sz="1400" dirty="0" err="1"/>
+              <a:t>Address</a:t>
+            </a:r>
+            <a:r>
+              <a:rPr lang="it-IT" sz="1400" dirty="0"/>
+              <a:t>   </a:t>
+            </a:r>
+          </a:p>
+          <a:p>
+            <a:pPr marL="285750" indent="-285750">
+              <a:buFont typeface="Arial" panose="020B0604020202020204" pitchFamily="34" charset="0"/>
+              <a:buChar char="•"/>
+            </a:pPr>
+            <a:r>
+              <a:rPr lang="it-IT" sz="1400" dirty="0"/>
+              <a:t>Date (of </a:t>
+            </a:r>
+            <a:r>
+              <a:rPr lang="it-IT" sz="1400" dirty="0" err="1"/>
+              <a:t>emission</a:t>
+            </a:r>
+            <a:r>
+              <a:rPr lang="it-IT" sz="1400" dirty="0"/>
+              <a:t>)</a:t>
+            </a:r>
+          </a:p>
+          <a:p>
+            <a:pPr marL="285750" indent="-285750">
+              <a:buFont typeface="Arial" panose="020B0604020202020204" pitchFamily="34" charset="0"/>
+              <a:buChar char="•"/>
+            </a:pPr>
+            <a:r>
+              <a:rPr lang="it-IT" sz="1400" dirty="0" err="1"/>
+              <a:t>Existing</a:t>
+            </a:r>
+            <a:r>
+              <a:rPr lang="it-IT" sz="1400" dirty="0"/>
+              <a:t> and </a:t>
+            </a:r>
+            <a:r>
+              <a:rPr lang="it-IT" sz="1400" dirty="0" err="1"/>
+              <a:t>proposed</a:t>
+            </a:r>
+            <a:r>
+              <a:rPr lang="it-IT" sz="1400" dirty="0"/>
+              <a:t> use</a:t>
+            </a:r>
+          </a:p>
+          <a:p>
+            <a:pPr marL="285750" indent="-285750">
+              <a:buFont typeface="Arial" panose="020B0604020202020204" pitchFamily="34" charset="0"/>
+              <a:buChar char="•"/>
+            </a:pPr>
+            <a:r>
+              <a:rPr lang="it-IT" sz="1400" dirty="0" err="1"/>
+              <a:t>Existing</a:t>
+            </a:r>
+            <a:r>
+              <a:rPr lang="it-IT" sz="1400" dirty="0"/>
+              <a:t> and </a:t>
+            </a:r>
+            <a:r>
+              <a:rPr lang="it-IT" sz="1400" dirty="0" err="1"/>
+              <a:t>proposed</a:t>
+            </a:r>
+            <a:r>
+              <a:rPr lang="it-IT" sz="1400" dirty="0"/>
+              <a:t> </a:t>
+            </a:r>
+            <a:r>
+              <a:rPr lang="it-IT" sz="1400" dirty="0" err="1"/>
+              <a:t>units</a:t>
+            </a:r>
+            <a:endParaRPr lang="it-IT" sz="1400" dirty="0"/>
+          </a:p>
+        </p:txBody>
+      </p:sp>
+      <p:sp>
+        <p:nvSpPr>
+          <p:cNvPr id="18" name="CasellaDiTesto 17">
+            <a:extLst>
+              <a:ext uri="{FF2B5EF4-FFF2-40B4-BE49-F238E27FC236}">
+                <a16:creationId xmlns:a16="http://schemas.microsoft.com/office/drawing/2014/main" id="{4C6F436B-CD52-7A6E-F5D8-A63567641A34}"/>
+              </a:ext>
+            </a:extLst>
+          </p:cNvPr>
+          <p:cNvSpPr txBox="1"/>
+          <p:nvPr/>
+        </p:nvSpPr>
+        <p:spPr>
+          <a:xfrm>
+            <a:off x="8050491" y="4970045"/>
+            <a:ext cx="3157980" cy="523220"/>
+          </a:xfrm>
+          <a:prstGeom prst="rect">
+            <a:avLst/>
+          </a:prstGeom>
+          <a:noFill/>
+        </p:spPr>
+        <p:txBody>
+          <a:bodyPr wrap="square" rtlCol="0">
+            <a:spAutoFit/>
+          </a:bodyPr>
+          <a:lstStyle/>
+          <a:p>
+            <a:pPr marL="285750" indent="-285750">
+              <a:buFont typeface="Arial" panose="020B0604020202020204" pitchFamily="34" charset="0"/>
+              <a:buChar char="•"/>
+            </a:pPr>
+            <a:r>
+              <a:rPr lang="it-IT" sz="1400" dirty="0" err="1"/>
+              <a:t>Latitude</a:t>
+            </a:r>
+            <a:r>
+              <a:rPr lang="it-IT" sz="1400" dirty="0"/>
+              <a:t> and </a:t>
+            </a:r>
+            <a:r>
+              <a:rPr lang="it-IT" sz="1400" dirty="0" err="1"/>
+              <a:t>longitude</a:t>
+            </a:r>
+            <a:r>
+              <a:rPr lang="it-IT" sz="1400" dirty="0"/>
+              <a:t> of the </a:t>
+            </a:r>
+            <a:r>
+              <a:rPr lang="it-IT" sz="1400" dirty="0" err="1"/>
+              <a:t>vertices</a:t>
+            </a:r>
+            <a:r>
+              <a:rPr lang="it-IT" sz="1400" dirty="0"/>
+              <a:t> of the </a:t>
+            </a:r>
+            <a:r>
+              <a:rPr lang="it-IT" sz="1400" dirty="0" err="1"/>
+              <a:t>parcel</a:t>
+            </a:r>
+            <a:endParaRPr lang="it-IT" sz="1400" dirty="0"/>
+          </a:p>
+        </p:txBody>
+      </p:sp>
+      <p:cxnSp>
+        <p:nvCxnSpPr>
+          <p:cNvPr id="22" name="Connettore diritto 21">
+            <a:extLst>
+              <a:ext uri="{FF2B5EF4-FFF2-40B4-BE49-F238E27FC236}">
+                <a16:creationId xmlns:a16="http://schemas.microsoft.com/office/drawing/2014/main" id="{7FB0F68A-3515-E1D3-95E4-58480D4D1F89}"/>
+              </a:ext>
+            </a:extLst>
+          </p:cNvPr>
+          <p:cNvCxnSpPr>
+            <a:cxnSpLocks/>
+          </p:cNvCxnSpPr>
+          <p:nvPr/>
+        </p:nvCxnSpPr>
+        <p:spPr>
+          <a:xfrm>
+            <a:off x="1743959" y="3713292"/>
+            <a:ext cx="9040357" cy="0"/>
+          </a:xfrm>
+          <a:prstGeom prst="line">
+            <a:avLst/>
+          </a:prstGeom>
+        </p:spPr>
+        <p:style>
+          <a:lnRef idx="1">
+            <a:schemeClr val="dk1"/>
+          </a:lnRef>
+          <a:fillRef idx="0">
+            <a:schemeClr val="dk1"/>
+          </a:fillRef>
+          <a:effectRef idx="0">
+            <a:schemeClr val="dk1"/>
+          </a:effectRef>
+          <a:fontRef idx="minor">
+            <a:schemeClr val="tx1"/>
+          </a:fontRef>
+        </p:style>
+      </p:cxnSp>
+      <p:cxnSp>
+        <p:nvCxnSpPr>
+          <p:cNvPr id="23" name="Connettore diritto 22">
+            <a:extLst>
+              <a:ext uri="{FF2B5EF4-FFF2-40B4-BE49-F238E27FC236}">
+                <a16:creationId xmlns:a16="http://schemas.microsoft.com/office/drawing/2014/main" id="{4C154775-C37D-6DA9-A632-7504616C6298}"/>
+              </a:ext>
+            </a:extLst>
+          </p:cNvPr>
+          <p:cNvCxnSpPr>
+            <a:cxnSpLocks/>
+          </p:cNvCxnSpPr>
+          <p:nvPr/>
+        </p:nvCxnSpPr>
+        <p:spPr>
+          <a:xfrm>
+            <a:off x="1743959" y="2638840"/>
+            <a:ext cx="8955463" cy="0"/>
+          </a:xfrm>
+          <a:prstGeom prst="line">
+            <a:avLst/>
+          </a:prstGeom>
+        </p:spPr>
+        <p:style>
+          <a:lnRef idx="1">
+            <a:schemeClr val="dk1"/>
+          </a:lnRef>
+          <a:fillRef idx="0">
+            <a:schemeClr val="dk1"/>
+          </a:fillRef>
+          <a:effectRef idx="0">
+            <a:schemeClr val="dk1"/>
+          </a:effectRef>
+          <a:fontRef idx="minor">
+            <a:schemeClr val="tx1"/>
+          </a:fontRef>
+        </p:style>
+      </p:cxnSp>
     </p:spTree>
     <p:extLst>
       <p:ext uri="{BB962C8B-B14F-4D97-AF65-F5344CB8AC3E}">
@@ -5671,8 +6119,8 @@
         </p:nvSpPr>
         <p:spPr>
           <a:xfrm>
-            <a:off x="6103143" y="976160"/>
-            <a:ext cx="5526527" cy="1445493"/>
+            <a:off x="6103143" y="1037744"/>
+            <a:ext cx="5606257" cy="814420"/>
           </a:xfrm>
         </p:spPr>
         <p:txBody>
@@ -5688,15 +6136,7 @@
             </a:pPr>
             <a:r>
               <a:rPr lang="en-US" sz="3200" dirty="0"/>
-              <a:t>Goals and </a:t>
-            </a:r>
-            <a:r>
-              <a:rPr lang="en-US" sz="3200" dirty="0" err="1"/>
-              <a:t>reasearch</a:t>
-            </a:r>
-            <a:r>
-              <a:rPr lang="en-US" sz="3200" dirty="0"/>
-              <a:t> questions</a:t>
+              <a:t>Goals and research questions</a:t>
             </a:r>
           </a:p>
         </p:txBody>
@@ -5811,24 +6251,47 @@
         </p:nvSpPr>
         <p:spPr>
           <a:xfrm>
-            <a:off x="6103145" y="2421653"/>
-            <a:ext cx="5526526" cy="3558579"/>
+            <a:off x="6119596" y="2097095"/>
+            <a:ext cx="5526526" cy="3781181"/>
           </a:xfrm>
         </p:spPr>
         <p:txBody>
           <a:bodyPr vert="horz" lIns="91440" tIns="45720" rIns="91440" bIns="45720" rtlCol="0">
-            <a:normAutofit fontScale="62500" lnSpcReduction="20000"/>
+            <a:normAutofit fontScale="47500" lnSpcReduction="20000"/>
           </a:bodyPr>
           <a:lstStyle/>
+          <a:p>
+            <a:pPr marL="457200" indent="-457200">
+              <a:lnSpc>
+                <a:spcPct val="90000"/>
+              </a:lnSpc>
+              <a:buFont typeface="Arial" panose="020B0604020202020204" pitchFamily="34" charset="0"/>
+              <a:buChar char="•"/>
+            </a:pPr>
+            <a:r>
+              <a:rPr lang="en-US" sz="3300" dirty="0"/>
+              <a:t>How the housing market prices have changed? Are there differences between distinct neighborhoods? Can we observe a connection between prices and number of eviction notices?</a:t>
+            </a:r>
+          </a:p>
           <a:p>
             <a:pPr>
               <a:lnSpc>
                 <a:spcPct val="90000"/>
               </a:lnSpc>
             </a:pPr>
-            <a:r>
-              <a:rPr lang="en-US" sz="2900" dirty="0"/>
-              <a:t>How the prices of the housing market has changed? Are there differences between distinct neighborhoods? </a:t>
+            <a:endParaRPr lang="en-US" sz="3300" dirty="0"/>
+          </a:p>
+          <a:p>
+            <a:pPr marL="457200" indent="-457200">
+              <a:lnSpc>
+                <a:spcPct val="90000"/>
+              </a:lnSpc>
+              <a:buFont typeface="Arial" panose="020B0604020202020204" pitchFamily="34" charset="0"/>
+              <a:buChar char="•"/>
+            </a:pPr>
+            <a:r>
+              <a:rPr lang="en-US" sz="3300" dirty="0"/>
+              <a:t>How could the government act to fight the gentrification and displacement phenomena? Will the construction of new houses produce an increase of the prices (because of an improvement of the quality of the neighborhood) or the opposite ( because of the increment of the offer )? </a:t>
             </a:r>
           </a:p>
           <a:p>
@@ -5837,35 +6300,18 @@
                 <a:spcPct val="90000"/>
               </a:lnSpc>
             </a:pPr>
-            <a:endParaRPr lang="en-US" sz="2900" dirty="0"/>
-          </a:p>
-          <a:p>
-            <a:pPr>
+            <a:endParaRPr lang="en-US" sz="3300" dirty="0"/>
+          </a:p>
+          <a:p>
+            <a:pPr marL="457200" indent="-457200">
               <a:lnSpc>
                 <a:spcPct val="90000"/>
               </a:lnSpc>
+              <a:buFont typeface="Arial" panose="020B0604020202020204" pitchFamily="34" charset="0"/>
+              <a:buChar char="•"/>
             </a:pPr>
             <a:r>
-              <a:rPr lang="en-US" sz="2900" dirty="0"/>
-              <a:t>How could the government act to fight the gentrification and displacement phenomena? Will the construction of new houses produce an increase of the prices (because of an improvement of the quality of the neighborhood) or the opposite ( because of the increment of the offer )? </a:t>
-            </a:r>
-          </a:p>
-          <a:p>
-            <a:pPr>
-              <a:lnSpc>
-                <a:spcPct val="90000"/>
-              </a:lnSpc>
-            </a:pPr>
-            <a:endParaRPr lang="en-US" sz="2900" dirty="0"/>
-          </a:p>
-          <a:p>
-            <a:pPr>
-              <a:lnSpc>
-                <a:spcPct val="90000"/>
-              </a:lnSpc>
-            </a:pPr>
-            <a:r>
-              <a:rPr lang="en-US" sz="2900" dirty="0"/>
+              <a:rPr lang="en-US" sz="3300" dirty="0"/>
               <a:t>Assuming that the number of eviction notices can be considered as a rough measure of the gentrification, how has it been during the past years and how can we expect it will evolve?</a:t>
             </a:r>
           </a:p>
@@ -6003,7 +6449,7 @@
         </p:nvSpPr>
         <p:spPr>
           <a:xfrm>
-            <a:off x="3266361" y="756585"/>
+            <a:off x="3266362" y="756585"/>
             <a:ext cx="5659275" cy="541295"/>
           </a:xfrm>
         </p:spPr>
@@ -6060,296 +6506,333 @@
               </a:bodyPr>
               <a:lstStyle/>
               <a:p>
-                <a:pPr marL="285750" indent="-285750" algn="just">
-                  <a:buFont typeface="Arial" panose="020B0604020202020204" pitchFamily="34" charset="0"/>
-                  <a:buChar char="•"/>
+                <a:pPr marL="342900" indent="-342900" algn="just">
+                  <a:buFont typeface="+mj-lt"/>
+                  <a:buAutoNum type="arabicPeriod"/>
                 </a:pPr>
                 <a:r>
-                  <a:rPr lang="it-IT" sz="1800" dirty="0"/>
+                  <a:rPr lang="it-IT" sz="1400" dirty="0"/>
                   <a:t>Exploratory </a:t>
                 </a:r>
                 <a:r>
-                  <a:rPr lang="it-IT" sz="1800" dirty="0" err="1"/>
+                  <a:rPr lang="it-IT" sz="1400" dirty="0" err="1"/>
                   <a:t>analysis</a:t>
                 </a:r>
                 <a:r>
-                  <a:rPr lang="it-IT" sz="1800" dirty="0"/>
+                  <a:rPr lang="it-IT" sz="1400" dirty="0"/>
                   <a:t> of the </a:t>
                 </a:r>
                 <a:r>
-                  <a:rPr lang="it-IT" sz="1800" dirty="0" err="1"/>
+                  <a:rPr lang="it-IT" sz="1400" dirty="0" err="1"/>
                   <a:t>average</a:t>
                 </a:r>
                 <a:r>
-                  <a:rPr lang="it-IT" sz="1800" dirty="0"/>
-                  <a:t> prices for </a:t>
+                  <a:rPr lang="it-IT" sz="1400" dirty="0"/>
+                  <a:t> prices and </a:t>
                 </a:r>
                 <a:r>
-                  <a:rPr lang="it-IT" sz="1800" dirty="0" err="1"/>
+                  <a:rPr lang="it-IT" sz="1400" dirty="0" err="1"/>
+                  <a:t>number</a:t>
+                </a:r>
+                <a:r>
+                  <a:rPr lang="it-IT" sz="1400" dirty="0"/>
+                  <a:t> of </a:t>
+                </a:r>
+                <a:r>
+                  <a:rPr lang="it-IT" sz="1400" dirty="0" err="1"/>
+                  <a:t>eviction</a:t>
+                </a:r>
+                <a:r>
+                  <a:rPr lang="it-IT" sz="1400" dirty="0"/>
+                  <a:t> </a:t>
+                </a:r>
+                <a:r>
+                  <a:rPr lang="it-IT" sz="1400" dirty="0" err="1"/>
+                  <a:t>notices</a:t>
+                </a:r>
+                <a:r>
+                  <a:rPr lang="it-IT" sz="1400" dirty="0"/>
+                  <a:t> for </a:t>
+                </a:r>
+                <a:r>
+                  <a:rPr lang="it-IT" sz="1400" dirty="0" err="1"/>
                   <a:t>each</a:t>
                 </a:r>
                 <a:r>
-                  <a:rPr lang="it-IT" sz="1800" dirty="0"/>
+                  <a:rPr lang="it-IT" sz="1400" dirty="0"/>
                   <a:t> </a:t>
                 </a:r>
                 <a:r>
-                  <a:rPr lang="it-IT" sz="1800" dirty="0" err="1"/>
+                  <a:rPr lang="it-IT" sz="1400" dirty="0" err="1"/>
                   <a:t>neighborhood</a:t>
                 </a:r>
                 <a:r>
-                  <a:rPr lang="it-IT" sz="1800" dirty="0"/>
+                  <a:rPr lang="it-IT" sz="1400" dirty="0"/>
                   <a:t> </a:t>
                 </a:r>
                 <a:r>
-                  <a:rPr lang="it-IT" sz="1800" dirty="0" err="1"/>
+                  <a:rPr lang="it-IT" sz="1400" dirty="0" err="1"/>
                   <a:t>as</a:t>
                 </a:r>
                 <a:r>
-                  <a:rPr lang="it-IT" sz="1800" dirty="0"/>
+                  <a:rPr lang="it-IT" sz="1400" dirty="0"/>
                   <a:t> </a:t>
                 </a:r>
                 <a:r>
-                  <a:rPr lang="it-IT" sz="1800" dirty="0" err="1"/>
+                  <a:rPr lang="it-IT" sz="1400" dirty="0" err="1"/>
                   <a:t>functions</a:t>
                 </a:r>
                 <a:r>
-                  <a:rPr lang="it-IT" sz="1800" dirty="0"/>
+                  <a:rPr lang="it-IT" sz="1400" dirty="0"/>
                   <a:t> of time</a:t>
                 </a:r>
               </a:p>
               <a:p>
-                <a:pPr marL="285750" indent="-285750" algn="just">
-                  <a:buFont typeface="Arial" panose="020B0604020202020204" pitchFamily="34" charset="0"/>
-                  <a:buChar char="•"/>
+                <a:pPr marL="342900" indent="-342900" algn="just">
+                  <a:buFont typeface="+mj-lt"/>
+                  <a:buAutoNum type="arabicPeriod"/>
                 </a:pPr>
                 <a:r>
-                  <a:rPr lang="it-IT" sz="1800" dirty="0"/>
+                  <a:rPr lang="it-IT" sz="1400" dirty="0"/>
                   <a:t>GAM model for : </a:t>
                 </a:r>
                 <a14:m>
                   <m:oMath xmlns:m="http://schemas.openxmlformats.org/officeDocument/2006/math">
                     <m:r>
-                      <a:rPr lang="it-IT" sz="1800" b="0" i="1" smtClean="0">
+                      <a:rPr lang="it-IT" sz="1400" b="0" i="1" smtClean="0">
                         <a:latin typeface="Cambria Math" panose="02040503050406030204" pitchFamily="18" charset="0"/>
                       </a:rPr>
                       <m:t>𝑟𝑒𝑛𝑡</m:t>
                     </m:r>
                     <m:r>
-                      <a:rPr lang="it-IT" sz="1800" b="0" i="1" smtClean="0">
+                      <a:rPr lang="it-IT" sz="1400" b="0" i="1" smtClean="0">
                         <a:latin typeface="Cambria Math" panose="02040503050406030204" pitchFamily="18" charset="0"/>
                       </a:rPr>
                       <m:t> </m:t>
                     </m:r>
                     <m:r>
-                      <a:rPr lang="it-IT" sz="1800" b="0" i="1" smtClean="0">
+                      <a:rPr lang="it-IT" sz="1400" b="0" i="1" smtClean="0">
                         <a:latin typeface="Cambria Math" panose="02040503050406030204" pitchFamily="18" charset="0"/>
                       </a:rPr>
                       <m:t>𝑝𝑟𝑖𝑐𝑒</m:t>
                     </m:r>
                     <m:r>
-                      <a:rPr lang="it-IT" sz="1800" b="0" i="1" smtClean="0">
+                      <a:rPr lang="it-IT" sz="1400" b="0" i="1" smtClean="0">
                         <a:latin typeface="Cambria Math" panose="02040503050406030204" pitchFamily="18" charset="0"/>
                       </a:rPr>
-                      <m:t>  ~ </m:t>
+                      <m:t>  ~  </m:t>
                     </m:r>
                     <m:r>
-                      <a:rPr lang="it-IT" sz="1800" b="0" i="1" smtClean="0">
+                      <a:rPr lang="it-IT" sz="1400" b="0" i="1" smtClean="0">
+                        <a:latin typeface="Cambria Math" panose="02040503050406030204" pitchFamily="18" charset="0"/>
+                      </a:rPr>
+                      <m:t>𝑛𝑒𝑖𝑔h𝑏𝑜𝑟h</m:t>
+                    </m:r>
+                    <m:r>
+                      <a:rPr lang="it-IT" sz="1400" b="0" i="1" smtClean="0">
+                        <a:latin typeface="Cambria Math" panose="02040503050406030204" pitchFamily="18" charset="0"/>
+                      </a:rPr>
+                      <m:t>𝑜𝑜𝑑</m:t>
+                    </m:r>
+                    <m:r>
+                      <a:rPr lang="it-IT" sz="1400" b="0" i="1" smtClean="0">
+                        <a:latin typeface="Cambria Math" panose="02040503050406030204" pitchFamily="18" charset="0"/>
+                      </a:rPr>
+                      <m:t>+#</m:t>
+                    </m:r>
+                    <m:r>
+                      <a:rPr lang="it-IT" sz="1400" b="0" i="1" smtClean="0">
+                        <a:latin typeface="Cambria Math" panose="02040503050406030204" pitchFamily="18" charset="0"/>
+                      </a:rPr>
+                      <m:t>𝑛𝑒𝑤</m:t>
+                    </m:r>
+                    <m:r>
+                      <a:rPr lang="it-IT" sz="1400" b="0" i="1" smtClean="0">
+                        <a:latin typeface="Cambria Math" panose="02040503050406030204" pitchFamily="18" charset="0"/>
+                      </a:rPr>
+                      <m:t> </m:t>
+                    </m:r>
+                    <m:r>
+                      <a:rPr lang="it-IT" sz="1400" b="0" i="1" smtClean="0">
+                        <a:latin typeface="Cambria Math" panose="02040503050406030204" pitchFamily="18" charset="0"/>
+                      </a:rPr>
+                      <m:t>𝑐𝑜𝑛𝑠𝑡𝑟𝑢𝑐𝑡𝑖𝑜𝑛</m:t>
+                    </m:r>
+                    <m:r>
+                      <a:rPr lang="it-IT" sz="1400" b="0" i="1" smtClean="0">
+                        <a:latin typeface="Cambria Math" panose="02040503050406030204" pitchFamily="18" charset="0"/>
+                      </a:rPr>
+                      <m:t> </m:t>
+                    </m:r>
+                    <m:r>
+                      <a:rPr lang="it-IT" sz="1400" b="0" i="1" smtClean="0">
+                        <a:latin typeface="Cambria Math" panose="02040503050406030204" pitchFamily="18" charset="0"/>
+                      </a:rPr>
+                      <m:t>𝑤𝑖𝑡h𝑖𝑛</m:t>
+                    </m:r>
+                    <m:r>
+                      <a:rPr lang="it-IT" sz="1400" b="0" i="1" smtClean="0">
+                        <a:latin typeface="Cambria Math" panose="02040503050406030204" pitchFamily="18" charset="0"/>
+                      </a:rPr>
+                      <m:t> 0.5 , 1 ,2.5 </m:t>
+                    </m:r>
+                    <m:r>
+                      <a:rPr lang="it-IT" sz="1400" b="0" i="1" smtClean="0">
+                        <a:latin typeface="Cambria Math" panose="02040503050406030204" pitchFamily="18" charset="0"/>
+                      </a:rPr>
+                      <m:t>𝑘𝑚</m:t>
+                    </m:r>
+                    <m:r>
+                      <a:rPr lang="it-IT" sz="1400" b="0" i="1" smtClean="0">
+                        <a:latin typeface="Cambria Math" panose="02040503050406030204" pitchFamily="18" charset="0"/>
+                      </a:rPr>
+                      <m:t>+</m:t>
+                    </m:r>
+                    <m:r>
+                      <a:rPr lang="it-IT" sz="1400" b="0" i="1" smtClean="0">
+                        <a:latin typeface="Cambria Math" panose="02040503050406030204" pitchFamily="18" charset="0"/>
+                      </a:rPr>
+                      <m:t>𝑦𝑒𝑎𝑟</m:t>
+                    </m:r>
+                  </m:oMath>
+                </a14:m>
+                <a:endParaRPr lang="it-IT" sz="1400" dirty="0"/>
+              </a:p>
+              <a:p>
+                <a:pPr marL="342900" indent="-342900" algn="just">
+                  <a:buFont typeface="+mj-lt"/>
+                  <a:buAutoNum type="arabicPeriod"/>
+                </a:pPr>
+                <a:r>
+                  <a:rPr lang="it-IT" sz="1400" dirty="0"/>
+                  <a:t>GAM model for : </a:t>
+                </a:r>
+                <a14:m>
+                  <m:oMath xmlns:m="http://schemas.openxmlformats.org/officeDocument/2006/math">
+                    <m:r>
+                      <a:rPr lang="it-IT" sz="1400" b="0" i="1" smtClean="0">
+                        <a:latin typeface="Cambria Math" panose="02040503050406030204" pitchFamily="18" charset="0"/>
+                      </a:rPr>
+                      <m:t>#</m:t>
+                    </m:r>
+                    <m:r>
+                      <a:rPr lang="it-IT" sz="1400" b="0" i="1" smtClean="0">
+                        <a:latin typeface="Cambria Math" panose="02040503050406030204" pitchFamily="18" charset="0"/>
+                      </a:rPr>
+                      <m:t>𝑒𝑣𝑖𝑐𝑡𝑖𝑜𝑛</m:t>
+                    </m:r>
+                    <m:r>
+                      <a:rPr lang="it-IT" sz="1400" b="0" i="1" smtClean="0">
+                        <a:latin typeface="Cambria Math" panose="02040503050406030204" pitchFamily="18" charset="0"/>
+                      </a:rPr>
+                      <m:t> </m:t>
+                    </m:r>
+                    <m:r>
+                      <a:rPr lang="it-IT" sz="1400" b="0" i="1" smtClean="0">
+                        <a:latin typeface="Cambria Math" panose="02040503050406030204" pitchFamily="18" charset="0"/>
+                      </a:rPr>
+                      <m:t>𝑛𝑜𝑡𝑖𝑐𝑒𝑠</m:t>
+                    </m:r>
+                    <m:r>
+                      <a:rPr lang="it-IT" sz="1400" b="0" i="1" smtClean="0">
+                        <a:latin typeface="Cambria Math" panose="02040503050406030204" pitchFamily="18" charset="0"/>
+                      </a:rPr>
+                      <m:t> ~  </m:t>
+                    </m:r>
+                    <m:r>
+                      <a:rPr lang="it-IT" sz="1400" b="0" i="1" smtClean="0">
+                        <a:latin typeface="Cambria Math" panose="02040503050406030204" pitchFamily="18" charset="0"/>
+                      </a:rPr>
+                      <m:t>𝑟𝑒𝑛𝑡</m:t>
+                    </m:r>
+                    <m:r>
+                      <a:rPr lang="it-IT" sz="1400" b="0" i="1" smtClean="0">
+                        <a:latin typeface="Cambria Math" panose="02040503050406030204" pitchFamily="18" charset="0"/>
+                      </a:rPr>
+                      <m:t> </m:t>
+                    </m:r>
+                    <m:r>
+                      <a:rPr lang="it-IT" sz="1400" b="0" i="1" smtClean="0">
+                        <a:latin typeface="Cambria Math" panose="02040503050406030204" pitchFamily="18" charset="0"/>
+                      </a:rPr>
+                      <m:t>𝑝𝑟𝑖𝑐𝑒</m:t>
+                    </m:r>
+                    <m:r>
+                      <a:rPr lang="it-IT" sz="1400" b="0" i="1" smtClean="0">
+                        <a:latin typeface="Cambria Math" panose="02040503050406030204" pitchFamily="18" charset="0"/>
+                      </a:rPr>
+                      <m:t>+</m:t>
+                    </m:r>
+                    <m:r>
+                      <a:rPr lang="it-IT" sz="1400" b="0" i="1" smtClean="0">
                         <a:latin typeface="Cambria Math" panose="02040503050406030204" pitchFamily="18" charset="0"/>
                       </a:rPr>
                       <m:t>𝑛𝑒𝑖𝑔h𝑏𝑜𝑟h𝑜𝑜𝑑</m:t>
                     </m:r>
                     <m:r>
-                      <a:rPr lang="it-IT" sz="1800" b="0" i="1" smtClean="0">
+                      <a:rPr lang="it-IT" sz="1400" b="0" i="1" smtClean="0">
                         <a:latin typeface="Cambria Math" panose="02040503050406030204" pitchFamily="18" charset="0"/>
                       </a:rPr>
-                      <m:t>+</m:t>
+                      <m:t> +</m:t>
                     </m:r>
                     <m:r>
-                      <a:rPr lang="it-IT" sz="1800" b="0" i="1" smtClean="0">
+                      <a:rPr lang="it-IT" sz="1400" b="0" i="1" smtClean="0">
                         <a:latin typeface="Cambria Math" panose="02040503050406030204" pitchFamily="18" charset="0"/>
                       </a:rPr>
-                      <m:t>𝑛𝑢𝑚𝑏𝑒𝑟</m:t>
+                      <m:t>𝑦𝑒𝑎𝑟</m:t>
                     </m:r>
                     <m:r>
-                      <a:rPr lang="it-IT" sz="1800" b="0" i="1" smtClean="0">
+                      <a:rPr lang="it-IT" sz="1400" b="0" i="1" smtClean="0">
+                        <a:latin typeface="Cambria Math" panose="02040503050406030204" pitchFamily="18" charset="0"/>
+                      </a:rPr>
+                      <m:t>+#</m:t>
+                    </m:r>
+                    <m:r>
+                      <a:rPr lang="it-IT" sz="1400" b="0" i="1" smtClean="0">
+                        <a:latin typeface="Cambria Math" panose="02040503050406030204" pitchFamily="18" charset="0"/>
+                      </a:rPr>
+                      <m:t>𝑛𝑒𝑎𝑟</m:t>
+                    </m:r>
+                    <m:r>
+                      <a:rPr lang="it-IT" sz="1400" b="0" i="1" smtClean="0">
                         <a:latin typeface="Cambria Math" panose="02040503050406030204" pitchFamily="18" charset="0"/>
                       </a:rPr>
                       <m:t> </m:t>
                     </m:r>
                     <m:r>
-                      <a:rPr lang="it-IT" sz="1800" b="0" i="1" smtClean="0">
+                      <a:rPr lang="it-IT" sz="1400" b="0" i="1" smtClean="0">
                         <a:latin typeface="Cambria Math" panose="02040503050406030204" pitchFamily="18" charset="0"/>
                       </a:rPr>
-                      <m:t>𝑜𝑓</m:t>
+                      <m:t>𝑛𝑒𝑤</m:t>
                     </m:r>
                     <m:r>
-                      <a:rPr lang="it-IT" sz="1800" b="0" i="1" smtClean="0">
+                      <a:rPr lang="it-IT" sz="1400" b="0" i="1" smtClean="0">
                         <a:latin typeface="Cambria Math" panose="02040503050406030204" pitchFamily="18" charset="0"/>
                       </a:rPr>
                       <m:t> </m:t>
                     </m:r>
                     <m:r>
-                      <a:rPr lang="it-IT" sz="1800" b="0" i="1" smtClean="0">
+                      <a:rPr lang="it-IT" sz="1400" b="0" i="1" smtClean="0">
                         <a:latin typeface="Cambria Math" panose="02040503050406030204" pitchFamily="18" charset="0"/>
                       </a:rPr>
-                      <m:t>𝑛𝑒𝑎𝑟</m:t>
+                      <m:t>𝑐𝑜𝑛𝑠𝑡𝑟𝑢𝑐𝑡𝑖𝑜𝑛</m:t>
                     </m:r>
                     <m:r>
-                      <a:rPr lang="it-IT" sz="1800" b="0" i="1" smtClean="0">
+                      <a:rPr lang="it-IT" sz="1400" b="0" i="1" smtClean="0">
                         <a:latin typeface="Cambria Math" panose="02040503050406030204" pitchFamily="18" charset="0"/>
                       </a:rPr>
                       <m:t> </m:t>
                     </m:r>
-                    <m:r>
-                      <a:rPr lang="it-IT" sz="1800" b="0" i="1" smtClean="0">
-                        <a:latin typeface="Cambria Math" panose="02040503050406030204" pitchFamily="18" charset="0"/>
-                      </a:rPr>
-                      <m:t>𝑐𝑜𝑛𝑠𝑡𝑟𝑢𝑐𝑡𝑖𝑜𝑛𝑠</m:t>
-                    </m:r>
-                    <m:r>
-                      <a:rPr lang="it-IT" sz="1800" b="0" i="1" smtClean="0">
-                        <a:latin typeface="Cambria Math" panose="02040503050406030204" pitchFamily="18" charset="0"/>
-                      </a:rPr>
-                      <m:t>+ ….</m:t>
-                    </m:r>
                   </m:oMath>
                 </a14:m>
-                <a:endParaRPr lang="it-IT" sz="1800" b="0" dirty="0"/>
+                <a:endParaRPr lang="it-IT" sz="1400" dirty="0"/>
               </a:p>
               <a:p>
                 <a:pPr algn="just"/>
                 <a:r>
-                  <a:rPr lang="it-IT" sz="1800" dirty="0"/>
-                  <a:t>      In order to </a:t>
+                  <a:rPr lang="it-IT" sz="1400" dirty="0"/>
+                  <a:t>     </a:t>
                 </a:r>
-                <a:r>
-                  <a:rPr lang="it-IT" sz="1800" dirty="0" err="1"/>
-                  <a:t>construct</a:t>
-                </a:r>
-                <a:r>
-                  <a:rPr lang="it-IT" sz="1800" dirty="0"/>
-                  <a:t> </a:t>
-                </a:r>
-                <a:r>
-                  <a:rPr lang="it-IT" sz="1800" dirty="0" err="1"/>
-                  <a:t>this</a:t>
-                </a:r>
-                <a:r>
-                  <a:rPr lang="it-IT" sz="1800" dirty="0"/>
-                  <a:t> model </a:t>
-                </a:r>
-                <a:r>
-                  <a:rPr lang="it-IT" sz="1800" dirty="0" err="1"/>
-                  <a:t>we</a:t>
-                </a:r>
-                <a:r>
-                  <a:rPr lang="it-IT" sz="1800" dirty="0"/>
-                  <a:t>  …..</a:t>
-                </a:r>
-              </a:p>
-              <a:p>
-                <a:pPr marL="285750" indent="-285750" algn="just">
-                  <a:buFont typeface="Arial" panose="020B0604020202020204" pitchFamily="34" charset="0"/>
-                  <a:buChar char="•"/>
-                </a:pPr>
-                <a:r>
-                  <a:rPr lang="it-IT" sz="1800" dirty="0"/>
-                  <a:t>GAM model for : </a:t>
-                </a:r>
-                <a14:m>
-                  <m:oMath xmlns:m="http://schemas.openxmlformats.org/officeDocument/2006/math">
-                    <m:r>
-                      <a:rPr lang="it-IT" sz="1800" b="0" i="1" smtClean="0">
-                        <a:latin typeface="Cambria Math" panose="02040503050406030204" pitchFamily="18" charset="0"/>
-                      </a:rPr>
-                      <m:t>#</m:t>
-                    </m:r>
-                    <m:r>
-                      <a:rPr lang="it-IT" sz="1800" b="0" i="1" smtClean="0">
-                        <a:latin typeface="Cambria Math" panose="02040503050406030204" pitchFamily="18" charset="0"/>
-                      </a:rPr>
-                      <m:t>𝑒𝑣𝑖𝑐𝑡𝑖𝑜𝑛</m:t>
-                    </m:r>
-                    <m:r>
-                      <a:rPr lang="it-IT" sz="1800" b="0" i="1" smtClean="0">
-                        <a:latin typeface="Cambria Math" panose="02040503050406030204" pitchFamily="18" charset="0"/>
-                      </a:rPr>
-                      <m:t> </m:t>
-                    </m:r>
-                    <m:r>
-                      <a:rPr lang="it-IT" sz="1800" b="0" i="1" smtClean="0">
-                        <a:latin typeface="Cambria Math" panose="02040503050406030204" pitchFamily="18" charset="0"/>
-                      </a:rPr>
-                      <m:t>𝑛𝑜𝑡𝑖𝑐𝑒𝑠</m:t>
-                    </m:r>
-                    <m:r>
-                      <a:rPr lang="it-IT" sz="1800" b="0" i="1" smtClean="0">
-                        <a:latin typeface="Cambria Math" panose="02040503050406030204" pitchFamily="18" charset="0"/>
-                      </a:rPr>
-                      <m:t> ~  </m:t>
-                    </m:r>
-                    <m:r>
-                      <a:rPr lang="it-IT" sz="1800" b="0" i="1" smtClean="0">
-                        <a:latin typeface="Cambria Math" panose="02040503050406030204" pitchFamily="18" charset="0"/>
-                      </a:rPr>
-                      <m:t>𝑟𝑒𝑛𝑡</m:t>
-                    </m:r>
-                    <m:r>
-                      <a:rPr lang="it-IT" sz="1800" b="0" i="1" smtClean="0">
-                        <a:latin typeface="Cambria Math" panose="02040503050406030204" pitchFamily="18" charset="0"/>
-                      </a:rPr>
-                      <m:t> </m:t>
-                    </m:r>
-                    <m:r>
-                      <a:rPr lang="it-IT" sz="1800" b="0" i="1" smtClean="0">
-                        <a:latin typeface="Cambria Math" panose="02040503050406030204" pitchFamily="18" charset="0"/>
-                      </a:rPr>
-                      <m:t>𝑝𝑟𝑖𝑐𝑒</m:t>
-                    </m:r>
-                    <m:r>
-                      <a:rPr lang="it-IT" sz="1800" b="0" i="1" smtClean="0">
-                        <a:latin typeface="Cambria Math" panose="02040503050406030204" pitchFamily="18" charset="0"/>
-                      </a:rPr>
-                      <m:t>+ ….</m:t>
-                    </m:r>
-                  </m:oMath>
-                </a14:m>
-                <a:endParaRPr lang="it-IT" sz="1800" dirty="0"/>
-              </a:p>
-              <a:p>
-                <a:pPr algn="just"/>
-                <a:r>
-                  <a:rPr lang="it-IT" sz="1800" dirty="0"/>
-                  <a:t>     In order to </a:t>
-                </a:r>
-                <a:r>
-                  <a:rPr lang="it-IT" sz="1800" dirty="0" err="1"/>
-                  <a:t>construct</a:t>
-                </a:r>
-                <a:r>
-                  <a:rPr lang="it-IT" sz="1800" dirty="0"/>
-                  <a:t> </a:t>
-                </a:r>
-                <a:r>
-                  <a:rPr lang="it-IT" sz="1800" dirty="0" err="1"/>
-                  <a:t>this</a:t>
-                </a:r>
-                <a:r>
-                  <a:rPr lang="it-IT" sz="1800" dirty="0"/>
-                  <a:t> model </a:t>
-                </a:r>
-                <a:r>
-                  <a:rPr lang="it-IT" sz="1800" dirty="0" err="1"/>
-                  <a:t>we</a:t>
-                </a:r>
-                <a:r>
-                  <a:rPr lang="it-IT" sz="1800" dirty="0"/>
-                  <a:t> ….</a:t>
-                </a:r>
-              </a:p>
-              <a:p>
-                <a:pPr algn="just"/>
-                <a:endParaRPr lang="it-IT" sz="1800" dirty="0"/>
               </a:p>
               <a:p>
                 <a:pPr algn="just"/>
@@ -6383,7 +6866,7 @@
               <a:blipFill>
                 <a:blip r:embed="rId2"/>
                 <a:stretch>
-                  <a:fillRect l="-415" t="-746"/>
+                  <a:fillRect l="-237" t="-448"/>
                 </a:stretch>
               </a:blipFill>
             </p:spPr>
@@ -6402,6 +6885,386 @@
           </p:sp>
         </mc:Fallback>
       </mc:AlternateContent>
+      <p:sp>
+        <p:nvSpPr>
+          <p:cNvPr id="4" name="CasellaDiTesto 3">
+            <a:extLst>
+              <a:ext uri="{FF2B5EF4-FFF2-40B4-BE49-F238E27FC236}">
+                <a16:creationId xmlns:a16="http://schemas.microsoft.com/office/drawing/2014/main" id="{16D53DB9-F081-B7E3-EE64-F6A127454483}"/>
+              </a:ext>
+            </a:extLst>
+          </p:cNvPr>
+          <p:cNvSpPr txBox="1"/>
+          <p:nvPr/>
+        </p:nvSpPr>
+        <p:spPr>
+          <a:xfrm>
+            <a:off x="949958" y="3147911"/>
+            <a:ext cx="5403708" cy="2031325"/>
+          </a:xfrm>
+          <a:prstGeom prst="rect">
+            <a:avLst/>
+          </a:prstGeom>
+          <a:noFill/>
+        </p:spPr>
+        <p:txBody>
+          <a:bodyPr wrap="square" rtlCol="0">
+            <a:spAutoFit/>
+          </a:bodyPr>
+          <a:lstStyle/>
+          <a:p>
+            <a:r>
+              <a:rPr lang="it-IT" sz="1400" dirty="0"/>
+              <a:t>For point 2 </a:t>
+            </a:r>
+            <a:r>
+              <a:rPr lang="it-IT" sz="1400" dirty="0" err="1"/>
+              <a:t>we</a:t>
+            </a:r>
+            <a:r>
+              <a:rPr lang="it-IT" sz="1400" dirty="0"/>
+              <a:t> are planning to :</a:t>
+            </a:r>
+          </a:p>
+          <a:p>
+            <a:pPr marL="285750" indent="-285750">
+              <a:buFont typeface="Arial" panose="020B0604020202020204" pitchFamily="34" charset="0"/>
+              <a:buChar char="•"/>
+            </a:pPr>
+            <a:r>
+              <a:rPr lang="it-IT" sz="1400" dirty="0"/>
+              <a:t>Compute the </a:t>
+            </a:r>
+            <a:r>
+              <a:rPr lang="it-IT" sz="1400" dirty="0" err="1"/>
+              <a:t>average</a:t>
+            </a:r>
+            <a:r>
+              <a:rPr lang="it-IT" sz="1400" dirty="0"/>
+              <a:t> price for </a:t>
+            </a:r>
+            <a:r>
+              <a:rPr lang="it-IT" sz="1400" dirty="0" err="1"/>
+              <a:t>each</a:t>
+            </a:r>
+            <a:r>
+              <a:rPr lang="it-IT" sz="1400" dirty="0"/>
+              <a:t> </a:t>
+            </a:r>
+            <a:r>
+              <a:rPr lang="it-IT" sz="1400" dirty="0" err="1"/>
+              <a:t>neighborhood</a:t>
+            </a:r>
+            <a:r>
+              <a:rPr lang="it-IT" sz="1400" dirty="0"/>
+              <a:t> for </a:t>
+            </a:r>
+            <a:r>
+              <a:rPr lang="it-IT" sz="1400" dirty="0" err="1"/>
+              <a:t>each</a:t>
+            </a:r>
+            <a:r>
+              <a:rPr lang="it-IT" sz="1400" dirty="0"/>
+              <a:t> </a:t>
+            </a:r>
+            <a:r>
+              <a:rPr lang="it-IT" sz="1400" dirty="0" err="1"/>
+              <a:t>year</a:t>
+            </a:r>
+            <a:endParaRPr lang="it-IT" sz="1400" dirty="0"/>
+          </a:p>
+          <a:p>
+            <a:pPr marL="285750" indent="-285750">
+              <a:buFont typeface="Arial" panose="020B0604020202020204" pitchFamily="34" charset="0"/>
+              <a:buChar char="•"/>
+            </a:pPr>
+            <a:r>
+              <a:rPr lang="it-IT" sz="1400" dirty="0"/>
+              <a:t>Compute an «</a:t>
+            </a:r>
+            <a:r>
+              <a:rPr lang="it-IT" sz="1400" dirty="0" err="1"/>
+              <a:t>interpolated</a:t>
+            </a:r>
+            <a:r>
+              <a:rPr lang="it-IT" sz="1400" dirty="0"/>
+              <a:t>» price for </a:t>
+            </a:r>
+            <a:r>
+              <a:rPr lang="it-IT" sz="1400" dirty="0" err="1"/>
+              <a:t>each</a:t>
+            </a:r>
+            <a:r>
+              <a:rPr lang="it-IT" sz="1400" dirty="0"/>
+              <a:t> </a:t>
+            </a:r>
+            <a:r>
+              <a:rPr lang="it-IT" sz="1400" dirty="0" err="1"/>
+              <a:t>parcel</a:t>
+            </a:r>
+            <a:r>
+              <a:rPr lang="it-IT" sz="1400" dirty="0"/>
+              <a:t> </a:t>
+            </a:r>
+            <a:r>
+              <a:rPr lang="it-IT" sz="1400" dirty="0" err="1"/>
+              <a:t>as</a:t>
+            </a:r>
+            <a:r>
+              <a:rPr lang="it-IT" sz="1400" dirty="0"/>
+              <a:t> the </a:t>
+            </a:r>
+            <a:r>
+              <a:rPr lang="it-IT" sz="1400" dirty="0" err="1"/>
+              <a:t>average</a:t>
+            </a:r>
+            <a:r>
+              <a:rPr lang="it-IT" sz="1400" dirty="0"/>
+              <a:t> of the </a:t>
+            </a:r>
+            <a:r>
+              <a:rPr lang="it-IT" sz="1400" dirty="0" err="1"/>
+              <a:t>average</a:t>
+            </a:r>
+            <a:r>
+              <a:rPr lang="it-IT" sz="1400" dirty="0"/>
+              <a:t> prices of the </a:t>
+            </a:r>
+            <a:r>
+              <a:rPr lang="it-IT" sz="1400" dirty="0" err="1"/>
+              <a:t>neighborhood</a:t>
+            </a:r>
+            <a:r>
+              <a:rPr lang="it-IT" sz="1400" dirty="0"/>
+              <a:t> </a:t>
+            </a:r>
+            <a:r>
+              <a:rPr lang="it-IT" sz="1400" dirty="0" err="1"/>
+              <a:t>weighting</a:t>
+            </a:r>
+            <a:r>
+              <a:rPr lang="it-IT" sz="1400" dirty="0"/>
+              <a:t> on the </a:t>
+            </a:r>
+            <a:r>
+              <a:rPr lang="it-IT" sz="1400" dirty="0" err="1"/>
+              <a:t>distance</a:t>
+            </a:r>
+            <a:r>
+              <a:rPr lang="it-IT" sz="1400" dirty="0"/>
+              <a:t> (</a:t>
+            </a:r>
+            <a:r>
+              <a:rPr lang="it-IT" sz="1400" dirty="0" err="1"/>
+              <a:t>between</a:t>
+            </a:r>
+            <a:r>
+              <a:rPr lang="it-IT" sz="1400" dirty="0"/>
+              <a:t> </a:t>
+            </a:r>
+            <a:r>
+              <a:rPr lang="it-IT" sz="1400" dirty="0" err="1"/>
+              <a:t>centroids</a:t>
+            </a:r>
+            <a:r>
+              <a:rPr lang="it-IT" sz="1400" dirty="0"/>
+              <a:t> of </a:t>
+            </a:r>
+            <a:r>
+              <a:rPr lang="it-IT" sz="1400" dirty="0" err="1"/>
+              <a:t>parcel</a:t>
+            </a:r>
+            <a:r>
+              <a:rPr lang="it-IT" sz="1400" dirty="0"/>
+              <a:t> and </a:t>
+            </a:r>
+            <a:r>
+              <a:rPr lang="it-IT" sz="1400" dirty="0" err="1"/>
+              <a:t>neighborhood</a:t>
+            </a:r>
+            <a:r>
+              <a:rPr lang="it-IT" sz="1400" dirty="0"/>
+              <a:t>) for </a:t>
+            </a:r>
+            <a:r>
+              <a:rPr lang="it-IT" sz="1400" dirty="0" err="1"/>
+              <a:t>each</a:t>
+            </a:r>
+            <a:r>
+              <a:rPr lang="it-IT" sz="1400" dirty="0"/>
+              <a:t> </a:t>
+            </a:r>
+            <a:r>
+              <a:rPr lang="it-IT" sz="1400" dirty="0" err="1"/>
+              <a:t>year</a:t>
+            </a:r>
+            <a:endParaRPr lang="it-IT" sz="1400" dirty="0"/>
+          </a:p>
+          <a:p>
+            <a:pPr marL="285750" indent="-285750">
+              <a:buFont typeface="Arial" panose="020B0604020202020204" pitchFamily="34" charset="0"/>
+              <a:buChar char="•"/>
+            </a:pPr>
+            <a:r>
+              <a:rPr lang="it-IT" sz="1400" dirty="0"/>
+              <a:t>Compute for </a:t>
+            </a:r>
+            <a:r>
+              <a:rPr lang="it-IT" sz="1400" dirty="0" err="1"/>
+              <a:t>each</a:t>
+            </a:r>
+            <a:r>
+              <a:rPr lang="it-IT" sz="1400" dirty="0"/>
+              <a:t> </a:t>
+            </a:r>
+            <a:r>
+              <a:rPr lang="it-IT" sz="1400" dirty="0" err="1"/>
+              <a:t>parcel</a:t>
+            </a:r>
+            <a:r>
+              <a:rPr lang="it-IT" sz="1400" dirty="0"/>
+              <a:t> the </a:t>
+            </a:r>
+            <a:r>
+              <a:rPr lang="it-IT" sz="1400" dirty="0" err="1"/>
+              <a:t>number</a:t>
+            </a:r>
+            <a:r>
+              <a:rPr lang="it-IT" sz="1400" dirty="0"/>
+              <a:t> of </a:t>
+            </a:r>
+            <a:r>
+              <a:rPr lang="it-IT" sz="1400" dirty="0" err="1"/>
+              <a:t>recent</a:t>
+            </a:r>
+            <a:r>
+              <a:rPr lang="it-IT" sz="1400" dirty="0"/>
+              <a:t> </a:t>
+            </a:r>
+            <a:r>
+              <a:rPr lang="it-IT" sz="1400" dirty="0" err="1"/>
+              <a:t>constructions</a:t>
+            </a:r>
+            <a:r>
+              <a:rPr lang="it-IT" sz="1400" dirty="0"/>
+              <a:t> for </a:t>
+            </a:r>
+            <a:r>
+              <a:rPr lang="it-IT" sz="1400" dirty="0" err="1"/>
+              <a:t>each</a:t>
+            </a:r>
+            <a:r>
+              <a:rPr lang="it-IT" sz="1400" dirty="0"/>
+              <a:t> </a:t>
+            </a:r>
+            <a:r>
+              <a:rPr lang="it-IT" sz="1400" dirty="0" err="1"/>
+              <a:t>parcel</a:t>
+            </a:r>
+            <a:r>
+              <a:rPr lang="it-IT" sz="1400" dirty="0"/>
+              <a:t> for </a:t>
+            </a:r>
+            <a:r>
+              <a:rPr lang="it-IT" sz="1400" dirty="0" err="1"/>
+              <a:t>each</a:t>
+            </a:r>
+            <a:r>
+              <a:rPr lang="it-IT" sz="1400" dirty="0"/>
+              <a:t> </a:t>
+            </a:r>
+            <a:r>
+              <a:rPr lang="it-IT" sz="1400" dirty="0" err="1"/>
+              <a:t>year</a:t>
+            </a:r>
+            <a:r>
+              <a:rPr lang="it-IT" sz="1400" dirty="0"/>
+              <a:t> </a:t>
+            </a:r>
+            <a:r>
+              <a:rPr lang="it-IT" sz="1400" dirty="0" err="1"/>
+              <a:t>within</a:t>
+            </a:r>
+            <a:r>
+              <a:rPr lang="it-IT" sz="1400" dirty="0"/>
+              <a:t> 0.5, 1 , 2.5 km </a:t>
+            </a:r>
+          </a:p>
+          <a:p>
+            <a:pPr marL="285750" indent="-285750">
+              <a:buFont typeface="Arial" panose="020B0604020202020204" pitchFamily="34" charset="0"/>
+              <a:buChar char="•"/>
+            </a:pPr>
+            <a:r>
+              <a:rPr lang="it-IT" sz="1400" dirty="0"/>
+              <a:t>Build the GAM model and </a:t>
+            </a:r>
+            <a:r>
+              <a:rPr lang="it-IT" sz="1400" dirty="0" err="1"/>
+              <a:t>analyze</a:t>
+            </a:r>
+            <a:r>
+              <a:rPr lang="it-IT" sz="1400" dirty="0"/>
+              <a:t> the </a:t>
+            </a:r>
+            <a:r>
+              <a:rPr lang="it-IT" sz="1400" dirty="0" err="1"/>
+              <a:t>results</a:t>
+            </a:r>
+            <a:endParaRPr lang="it-IT" sz="1400" dirty="0"/>
+          </a:p>
+        </p:txBody>
+      </p:sp>
+      <p:sp>
+        <p:nvSpPr>
+          <p:cNvPr id="5" name="CasellaDiTesto 4">
+            <a:extLst>
+              <a:ext uri="{FF2B5EF4-FFF2-40B4-BE49-F238E27FC236}">
+                <a16:creationId xmlns:a16="http://schemas.microsoft.com/office/drawing/2014/main" id="{0D743A18-F021-ADC8-FEC1-B753467B8CE6}"/>
+              </a:ext>
+            </a:extLst>
+          </p:cNvPr>
+          <p:cNvSpPr txBox="1"/>
+          <p:nvPr/>
+        </p:nvSpPr>
+        <p:spPr>
+          <a:xfrm>
+            <a:off x="7041823" y="3147911"/>
+            <a:ext cx="3271101" cy="523220"/>
+          </a:xfrm>
+          <a:prstGeom prst="rect">
+            <a:avLst/>
+          </a:prstGeom>
+          <a:noFill/>
+        </p:spPr>
+        <p:txBody>
+          <a:bodyPr wrap="square" rtlCol="0">
+            <a:spAutoFit/>
+          </a:bodyPr>
+          <a:lstStyle/>
+          <a:p>
+            <a:r>
+              <a:rPr lang="it-IT" sz="1400" dirty="0"/>
+              <a:t>For point 3 </a:t>
+            </a:r>
+            <a:r>
+              <a:rPr lang="it-IT" sz="1400" dirty="0" err="1"/>
+              <a:t>we</a:t>
+            </a:r>
+            <a:r>
+              <a:rPr lang="it-IT" sz="1400" dirty="0"/>
+              <a:t> are planning to :</a:t>
+            </a:r>
+          </a:p>
+          <a:p>
+            <a:pPr marL="285750" indent="-285750">
+              <a:buFont typeface="Arial" panose="020B0604020202020204" pitchFamily="34" charset="0"/>
+              <a:buChar char="•"/>
+            </a:pPr>
+            <a:endParaRPr lang="it-IT" sz="1400" dirty="0"/>
+          </a:p>
+        </p:txBody>
+      </p:sp>
     </p:spTree>
     <p:extLst>
       <p:ext uri="{BB962C8B-B14F-4D97-AF65-F5344CB8AC3E}">

--- a/ppt_parziale.pptx
+++ b/ppt_parziale.pptx
@@ -6119,8 +6119,8 @@
         </p:nvSpPr>
         <p:spPr>
           <a:xfrm>
-            <a:off x="6103143" y="1037744"/>
-            <a:ext cx="5606257" cy="814420"/>
+            <a:off x="6225692" y="979711"/>
+            <a:ext cx="5356970" cy="814420"/>
           </a:xfrm>
         </p:spPr>
         <p:txBody>
@@ -6251,72 +6251,72 @@
         </p:nvSpPr>
         <p:spPr>
           <a:xfrm>
-            <a:off x="6119596" y="2097095"/>
-            <a:ext cx="5526526" cy="3781181"/>
+            <a:off x="6056135" y="1946433"/>
+            <a:ext cx="5526526" cy="4128074"/>
           </a:xfrm>
         </p:spPr>
         <p:txBody>
           <a:bodyPr vert="horz" lIns="91440" tIns="45720" rIns="91440" bIns="45720" rtlCol="0">
-            <a:normAutofit fontScale="47500" lnSpcReduction="20000"/>
+            <a:normAutofit fontScale="40000" lnSpcReduction="20000"/>
           </a:bodyPr>
           <a:lstStyle/>
           <a:p>
-            <a:pPr marL="457200" indent="-457200">
+            <a:pPr marL="457200" indent="-457200" algn="just">
               <a:lnSpc>
-                <a:spcPct val="90000"/>
+                <a:spcPct val="120000"/>
               </a:lnSpc>
               <a:buFont typeface="Arial" panose="020B0604020202020204" pitchFamily="34" charset="0"/>
               <a:buChar char="•"/>
             </a:pPr>
             <a:r>
-              <a:rPr lang="en-US" sz="3300" dirty="0"/>
+              <a:rPr lang="en-US" sz="3800" dirty="0"/>
               <a:t>How the housing market prices have changed? Are there differences between distinct neighborhoods? Can we observe a connection between prices and number of eviction notices?</a:t>
             </a:r>
           </a:p>
           <a:p>
-            <a:pPr>
+            <a:pPr algn="just">
               <a:lnSpc>
-                <a:spcPct val="90000"/>
+                <a:spcPct val="120000"/>
               </a:lnSpc>
             </a:pPr>
-            <a:endParaRPr lang="en-US" sz="3300" dirty="0"/>
-          </a:p>
-          <a:p>
-            <a:pPr marL="457200" indent="-457200">
+            <a:endParaRPr lang="en-US" sz="3800" dirty="0"/>
+          </a:p>
+          <a:p>
+            <a:pPr marL="457200" indent="-457200" algn="just">
               <a:lnSpc>
-                <a:spcPct val="90000"/>
+                <a:spcPct val="120000"/>
               </a:lnSpc>
               <a:buFont typeface="Arial" panose="020B0604020202020204" pitchFamily="34" charset="0"/>
               <a:buChar char="•"/>
             </a:pPr>
             <a:r>
-              <a:rPr lang="en-US" sz="3300" dirty="0"/>
+              <a:rPr lang="en-US" sz="3800" dirty="0"/>
               <a:t>How could the government act to fight the gentrification and displacement phenomena? Will the construction of new houses produce an increase of the prices (because of an improvement of the quality of the neighborhood) or the opposite ( because of the increment of the offer )? </a:t>
             </a:r>
           </a:p>
           <a:p>
-            <a:pPr>
+            <a:pPr algn="just">
               <a:lnSpc>
-                <a:spcPct val="90000"/>
+                <a:spcPct val="120000"/>
               </a:lnSpc>
             </a:pPr>
-            <a:endParaRPr lang="en-US" sz="3300" dirty="0"/>
-          </a:p>
-          <a:p>
-            <a:pPr marL="457200" indent="-457200">
+            <a:endParaRPr lang="en-US" sz="3800" dirty="0"/>
+          </a:p>
+          <a:p>
+            <a:pPr marL="457200" indent="-457200" algn="just">
               <a:lnSpc>
-                <a:spcPct val="90000"/>
+                <a:spcPct val="120000"/>
               </a:lnSpc>
               <a:buFont typeface="Arial" panose="020B0604020202020204" pitchFamily="34" charset="0"/>
               <a:buChar char="•"/>
             </a:pPr>
             <a:r>
-              <a:rPr lang="en-US" sz="3300" dirty="0"/>
+              <a:rPr lang="en-US" sz="3800" dirty="0"/>
               <a:t>Assuming that the number of eviction notices can be considered as a rough measure of the gentrification, how has it been during the past years and how can we expect it will evolve?</a:t>
             </a:r>
           </a:p>
           <a:p>
-            <a:pPr>
+            <a:pPr algn="just">
               <a:lnSpc>
                 <a:spcPct val="90000"/>
               </a:lnSpc>
@@ -6476,8 +6476,8 @@
           </a:p>
         </p:txBody>
       </p:sp>
-      <mc:AlternateContent xmlns:mc="http://schemas.openxmlformats.org/markup-compatibility/2006">
-        <mc:Choice xmlns:a14="http://schemas.microsoft.com/office/drawing/2010/main" Requires="a14">
+      <mc:AlternateContent xmlns:mc="http://schemas.openxmlformats.org/markup-compatibility/2006" xmlns:a14="http://schemas.microsoft.com/office/drawing/2010/main">
+        <mc:Choice Requires="a14">
           <p:sp>
             <p:nvSpPr>
               <p:cNvPr id="3" name="Sottotitolo 2">
@@ -6626,13 +6626,7 @@
                       <a:rPr lang="it-IT" sz="1400" b="0" i="1" smtClean="0">
                         <a:latin typeface="Cambria Math" panose="02040503050406030204" pitchFamily="18" charset="0"/>
                       </a:rPr>
-                      <m:t>𝑛𝑒𝑖𝑔h𝑏𝑜𝑟h</m:t>
-                    </m:r>
-                    <m:r>
-                      <a:rPr lang="it-IT" sz="1400" b="0" i="1" smtClean="0">
-                        <a:latin typeface="Cambria Math" panose="02040503050406030204" pitchFamily="18" charset="0"/>
-                      </a:rPr>
-                      <m:t>𝑜𝑜𝑑</m:t>
+                      <m:t>𝑛𝑒𝑖𝑔h𝑏𝑜𝑟h𝑜𝑜𝑑</m:t>
                     </m:r>
                     <m:r>
                       <a:rPr lang="it-IT" sz="1400" b="0" i="1" smtClean="0">
@@ -6841,7 +6835,7 @@
             </p:txBody>
           </p:sp>
         </mc:Choice>
-        <mc:Fallback>
+        <mc:Fallback xmlns="">
           <p:sp>
             <p:nvSpPr>
               <p:cNvPr id="3" name="Sottotitolo 2">

--- a/ppt_parziale.pptx
+++ b/ppt_parziale.pptx
@@ -8,7 +8,8 @@
     <p:sldId id="256" r:id="rId2"/>
     <p:sldId id="257" r:id="rId3"/>
     <p:sldId id="258" r:id="rId4"/>
-    <p:sldId id="259" r:id="rId5"/>
+    <p:sldId id="260" r:id="rId5"/>
+    <p:sldId id="259" r:id="rId6"/>
   </p:sldIdLst>
   <p:sldSz cx="12192000" cy="6858000"/>
   <p:notesSz cx="6858000" cy="9144000"/>
@@ -267,7 +268,7 @@
           <a:p>
             <a:fld id="{81B8F32D-D8B6-4B9E-9CBF-DCAC30B7B93D}" type="datetimeFigureOut">
               <a:rPr lang="en-US" smtClean="0"/>
-              <a:t>11/13/2022</a:t>
+              <a:t>11/14/2022</a:t>
             </a:fld>
             <a:endParaRPr lang="en-US"/>
           </a:p>
@@ -583,7 +584,7 @@
           <a:p>
             <a:fld id="{81B8F32D-D8B6-4B9E-9CBF-DCAC30B7B93D}" type="datetimeFigureOut">
               <a:rPr lang="en-US" smtClean="0"/>
-              <a:t>11/13/2022</a:t>
+              <a:t>11/14/2022</a:t>
             </a:fld>
             <a:endParaRPr lang="en-US"/>
           </a:p>
@@ -888,7 +889,7 @@
           <a:p>
             <a:fld id="{81B8F32D-D8B6-4B9E-9CBF-DCAC30B7B93D}" type="datetimeFigureOut">
               <a:rPr lang="en-US" smtClean="0"/>
-              <a:t>11/13/2022</a:t>
+              <a:t>11/14/2022</a:t>
             </a:fld>
             <a:endParaRPr lang="en-US"/>
           </a:p>
@@ -1095,7 +1096,7 @@
           <a:p>
             <a:fld id="{81B8F32D-D8B6-4B9E-9CBF-DCAC30B7B93D}" type="datetimeFigureOut">
               <a:rPr lang="en-US" smtClean="0"/>
-              <a:t>11/13/2022</a:t>
+              <a:t>11/14/2022</a:t>
             </a:fld>
             <a:endParaRPr lang="en-US"/>
           </a:p>
@@ -1443,7 +1444,7 @@
           <a:p>
             <a:fld id="{81B8F32D-D8B6-4B9E-9CBF-DCAC30B7B93D}" type="datetimeFigureOut">
               <a:rPr lang="en-US" smtClean="0"/>
-              <a:t>11/13/2022</a:t>
+              <a:t>11/14/2022</a:t>
             </a:fld>
             <a:endParaRPr lang="en-US"/>
           </a:p>
@@ -1914,7 +1915,7 @@
           <a:p>
             <a:fld id="{81B8F32D-D8B6-4B9E-9CBF-DCAC30B7B93D}" type="datetimeFigureOut">
               <a:rPr lang="en-US" smtClean="0"/>
-              <a:t>11/13/2022</a:t>
+              <a:t>11/14/2022</a:t>
             </a:fld>
             <a:endParaRPr lang="en-US"/>
           </a:p>
@@ -2449,7 +2450,7 @@
           <a:p>
             <a:fld id="{81B8F32D-D8B6-4B9E-9CBF-DCAC30B7B93D}" type="datetimeFigureOut">
               <a:rPr lang="en-US" smtClean="0"/>
-              <a:t>11/13/2022</a:t>
+              <a:t>11/14/2022</a:t>
             </a:fld>
             <a:endParaRPr lang="en-US"/>
           </a:p>
@@ -2666,7 +2667,7 @@
           <a:p>
             <a:fld id="{81B8F32D-D8B6-4B9E-9CBF-DCAC30B7B93D}" type="datetimeFigureOut">
               <a:rPr lang="en-US" smtClean="0"/>
-              <a:t>11/13/2022</a:t>
+              <a:t>11/14/2022</a:t>
             </a:fld>
             <a:endParaRPr lang="en-US"/>
           </a:p>
@@ -2871,7 +2872,7 @@
           <a:p>
             <a:fld id="{81B8F32D-D8B6-4B9E-9CBF-DCAC30B7B93D}" type="datetimeFigureOut">
               <a:rPr lang="en-US" smtClean="0"/>
-              <a:t>11/13/2022</a:t>
+              <a:t>11/14/2022</a:t>
             </a:fld>
             <a:endParaRPr lang="en-US"/>
           </a:p>
@@ -3201,7 +3202,7 @@
           <a:p>
             <a:fld id="{81B8F32D-D8B6-4B9E-9CBF-DCAC30B7B93D}" type="datetimeFigureOut">
               <a:rPr lang="en-US" smtClean="0"/>
-              <a:t>11/13/2022</a:t>
+              <a:t>11/14/2022</a:t>
             </a:fld>
             <a:endParaRPr lang="en-US"/>
           </a:p>
@@ -3511,7 +3512,7 @@
           <a:p>
             <a:fld id="{81B8F32D-D8B6-4B9E-9CBF-DCAC30B7B93D}" type="datetimeFigureOut">
               <a:rPr lang="en-US" smtClean="0"/>
-              <a:t>11/13/2022</a:t>
+              <a:t>11/14/2022</a:t>
             </a:fld>
             <a:endParaRPr lang="en-US"/>
           </a:p>
@@ -3752,7 +3753,7 @@
             <a:fld id="{81B8F32D-D8B6-4B9E-9CBF-DCAC30B7B93D}" type="datetimeFigureOut">
               <a:rPr lang="en-US" smtClean="0"/>
               <a:pPr/>
-              <a:t>11/13/2022</a:t>
+              <a:t>11/14/2022</a:t>
             </a:fld>
             <a:endParaRPr lang="en-US" dirty="0"/>
           </a:p>
@@ -4397,7 +4398,7 @@
           <a:p>
             <a:r>
               <a:rPr lang="en-US" sz="2800" b="1" dirty="0"/>
-              <a:t>Exploration of Displacement and gentrification phenomena </a:t>
+              <a:t>Exploration of displacement and gentrification phenomena </a:t>
             </a:r>
           </a:p>
         </p:txBody>
@@ -4425,7 +4426,7 @@
         </p:blipFill>
         <p:spPr>
           <a:xfrm>
-            <a:off x="6280340" y="489856"/>
+            <a:off x="6280340" y="480430"/>
             <a:ext cx="5349331" cy="5878282"/>
           </a:xfrm>
           <a:prstGeom prst="rect">
@@ -4572,16 +4573,13 @@
             </a:pPr>
             <a:r>
               <a:rPr lang="it-IT" dirty="0"/>
-              <a:t>Pietro Bogani, Sara </a:t>
+              <a:t>Pietro Bogani, Tomaso Castellani, Sara </a:t>
             </a:r>
             <a:r>
               <a:rPr lang="it-IT" dirty="0" err="1"/>
               <a:t>Tonazzi</a:t>
             </a:r>
-            <a:r>
-              <a:rPr lang="it-IT" dirty="0"/>
-              <a:t> , Tomaso Castellani</a:t>
-            </a:r>
+            <a:endParaRPr lang="it-IT" dirty="0"/>
           </a:p>
         </p:txBody>
       </p:sp>
@@ -4805,8 +4803,8 @@
         </p:nvSpPr>
         <p:spPr>
           <a:xfrm>
-            <a:off x="1660527" y="1739113"/>
-            <a:ext cx="5560406" cy="772020"/>
+            <a:off x="1660527" y="1869172"/>
+            <a:ext cx="5560406" cy="537216"/>
           </a:xfrm>
         </p:spPr>
         <p:txBody>
@@ -4822,7 +4820,7 @@
             </a:r>
             <a:r>
               <a:rPr lang="it-IT" sz="1400" dirty="0"/>
-              <a:t> : </a:t>
+              <a:t>: </a:t>
             </a:r>
             <a:r>
               <a:rPr lang="it-IT" sz="1400" dirty="0" err="1"/>
@@ -4854,55 +4852,23 @@
             </a:r>
             <a:r>
               <a:rPr lang="it-IT" sz="1400" dirty="0"/>
-              <a:t> advertisements in SF. In </a:t>
-            </a:r>
-            <a:r>
-              <a:rPr lang="it-IT" sz="1400" dirty="0" err="1"/>
-              <a:t>particular</a:t>
-            </a:r>
-            <a:r>
-              <a:rPr lang="it-IT" sz="1400" dirty="0"/>
-              <a:t> </a:t>
-            </a:r>
-            <a:r>
-              <a:rPr lang="it-IT" sz="1400" dirty="0" err="1"/>
-              <a:t>we</a:t>
-            </a:r>
-            <a:r>
-              <a:rPr lang="it-IT" sz="1400" dirty="0"/>
-              <a:t> are </a:t>
-            </a:r>
-            <a:r>
-              <a:rPr lang="it-IT" sz="1400" dirty="0" err="1"/>
-              <a:t>focusing</a:t>
-            </a:r>
-            <a:r>
-              <a:rPr lang="it-IT" sz="1400" dirty="0"/>
-              <a:t> on the information </a:t>
-            </a:r>
-            <a:r>
-              <a:rPr lang="it-IT" sz="1400" dirty="0" err="1"/>
-              <a:t>about</a:t>
-            </a:r>
-            <a:r>
-              <a:rPr lang="it-IT" sz="1400" dirty="0"/>
-              <a:t> </a:t>
-            </a:r>
-            <a:r>
-              <a:rPr lang="it-IT" sz="1400" dirty="0" err="1"/>
-              <a:t>neighborhood</a:t>
-            </a:r>
-            <a:r>
-              <a:rPr lang="it-IT" sz="1400" dirty="0"/>
-              <a:t>, </a:t>
-            </a:r>
-            <a:r>
-              <a:rPr lang="it-IT" sz="1400" dirty="0" err="1"/>
-              <a:t>rent</a:t>
-            </a:r>
-            <a:r>
-              <a:rPr lang="it-IT" sz="1400" dirty="0"/>
-              <a:t>/mq and time.</a:t>
+              <a:t> advertisements in SF </a:t>
+            </a:r>
+            <a:r>
+              <a:rPr lang="it-IT" sz="1400" dirty="0" err="1"/>
+              <a:t>taken</a:t>
+            </a:r>
+            <a:r>
+              <a:rPr lang="it-IT" sz="1400" dirty="0"/>
+              <a:t> from </a:t>
+            </a:r>
+            <a:r>
+              <a:rPr lang="it-IT" sz="1400" dirty="0" err="1"/>
+              <a:t>Craiglist</a:t>
+            </a:r>
+            <a:r>
+              <a:rPr lang="it-IT" sz="1400" dirty="0"/>
+              <a:t>. </a:t>
             </a:r>
           </a:p>
         </p:txBody>
@@ -5077,7 +5043,7 @@
         </p:nvSpPr>
         <p:spPr>
           <a:xfrm>
-            <a:off x="3407687" y="5748906"/>
+            <a:off x="3407687" y="5965574"/>
             <a:ext cx="5376625" cy="369332"/>
           </a:xfrm>
           <a:prstGeom prst="rect">
@@ -5114,7 +5080,7 @@
             </a:r>
             <a:r>
               <a:rPr lang="it-IT" dirty="0"/>
-              <a:t> 2008-2018 </a:t>
+              <a:t> 2007-2018 </a:t>
             </a:r>
           </a:p>
         </p:txBody>
@@ -5133,8 +5099,8 @@
         </p:nvSpPr>
         <p:spPr>
           <a:xfrm>
-            <a:off x="1646439" y="3837632"/>
-            <a:ext cx="5560406" cy="954107"/>
+            <a:off x="1646439" y="3770104"/>
+            <a:ext cx="5560406" cy="1169551"/>
           </a:xfrm>
           <a:prstGeom prst="rect">
             <a:avLst/>
@@ -5150,7 +5116,7 @@
             <a:pPr algn="just"/>
             <a:r>
               <a:rPr lang="it-IT" sz="1400" dirty="0"/>
-              <a:t>Construction : </a:t>
+              <a:t>Construction: </a:t>
             </a:r>
             <a:r>
               <a:rPr lang="it-IT" sz="1400" dirty="0" err="1"/>
@@ -5230,15 +5196,23 @@
             </a:r>
             <a:r>
               <a:rPr lang="it-IT" sz="1400" dirty="0"/>
-              <a:t> housing buildings in order to </a:t>
-            </a:r>
-            <a:r>
-              <a:rPr lang="it-IT" sz="1400" dirty="0" err="1"/>
-              <a:t>have</a:t>
-            </a:r>
-            <a:r>
-              <a:rPr lang="it-IT" sz="1400" dirty="0"/>
-              <a:t> an idea of the locations of the new </a:t>
+              <a:t> housing buildings (with an </a:t>
+            </a:r>
+            <a:r>
+              <a:rPr lang="it-IT" sz="1400" dirty="0" err="1"/>
+              <a:t>increase</a:t>
+            </a:r>
+            <a:r>
+              <a:rPr lang="it-IT" sz="1400" dirty="0"/>
+              <a:t> of the </a:t>
+            </a:r>
+            <a:r>
+              <a:rPr lang="it-IT" sz="1400" dirty="0" err="1"/>
+              <a:t>units</a:t>
+            </a:r>
+            <a:r>
+              <a:rPr lang="it-IT" sz="1400" dirty="0"/>
+              <a:t>) in order to have an idea of the locations of the new </a:t>
             </a:r>
             <a:r>
               <a:rPr lang="it-IT" sz="1400" dirty="0" err="1"/>
@@ -5282,7 +5256,7 @@
         <p:spPr>
           <a:xfrm>
             <a:off x="1646439" y="5148352"/>
-            <a:ext cx="5560406" cy="307777"/>
+            <a:ext cx="5560406" cy="523220"/>
           </a:xfrm>
           <a:prstGeom prst="rect">
             <a:avLst/>
@@ -5302,7 +5276,7 @@
             </a:r>
             <a:r>
               <a:rPr lang="it-IT" sz="1400" dirty="0"/>
-              <a:t> : </a:t>
+              <a:t>: </a:t>
             </a:r>
             <a:r>
               <a:rPr lang="it-IT" sz="1400" dirty="0" err="1"/>
@@ -5327,6 +5301,14 @@
             <a:r>
               <a:rPr lang="it-IT" sz="1400" dirty="0"/>
               <a:t> of the </a:t>
+            </a:r>
+            <a:r>
+              <a:rPr lang="it-IT" sz="1400" dirty="0" err="1"/>
+              <a:t>residential</a:t>
+            </a:r>
+            <a:r>
+              <a:rPr lang="it-IT" sz="1400" dirty="0"/>
+              <a:t> </a:t>
             </a:r>
             <a:r>
               <a:rPr lang="it-IT" sz="1400" dirty="0" err="1"/>
@@ -5361,8 +5343,8 @@
         </p:nvSpPr>
         <p:spPr>
           <a:xfrm>
-            <a:off x="1660527" y="2761388"/>
-            <a:ext cx="5560406" cy="738664"/>
+            <a:off x="1660527" y="2874496"/>
+            <a:ext cx="5560406" cy="523220"/>
           </a:xfrm>
           <a:prstGeom prst="rect">
             <a:avLst/>
@@ -5378,11 +5360,11 @@
             <a:pPr algn="just"/>
             <a:r>
               <a:rPr lang="it-IT" sz="1400" dirty="0" err="1"/>
-              <a:t>Evictions</a:t>
-            </a:r>
-            <a:r>
-              <a:rPr lang="it-IT" sz="1400" dirty="0"/>
-              <a:t> : </a:t>
+              <a:t>Evictions&amp;Buyout</a:t>
+            </a:r>
+            <a:r>
+              <a:rPr lang="it-IT" sz="1400" dirty="0"/>
+              <a:t>: </a:t>
             </a:r>
             <a:r>
               <a:rPr lang="it-IT" sz="1400" dirty="0" err="1"/>
@@ -5398,15 +5380,7 @@
             </a:r>
             <a:r>
               <a:rPr lang="it-IT" sz="1400" dirty="0"/>
-              <a:t> the information ( </a:t>
-            </a:r>
-            <a:r>
-              <a:rPr lang="it-IT" sz="1400" dirty="0" err="1"/>
-              <a:t>coordinates,neighborhood</a:t>
-            </a:r>
-            <a:r>
-              <a:rPr lang="it-IT" sz="1400" dirty="0"/>
-              <a:t> and time) of the </a:t>
+              <a:t> the information of the </a:t>
             </a:r>
             <a:r>
               <a:rPr lang="it-IT" sz="1400" dirty="0" err="1"/>
@@ -5422,7 +5396,7 @@
             </a:r>
             <a:r>
               <a:rPr lang="it-IT" sz="1400" dirty="0"/>
-              <a:t> </a:t>
+              <a:t> and buyout agreements </a:t>
             </a:r>
             <a:r>
               <a:rPr lang="it-IT" sz="1400" dirty="0" err="1"/>
@@ -5542,8 +5516,8 @@
         </p:nvSpPr>
         <p:spPr>
           <a:xfrm>
-            <a:off x="8050490" y="1739113"/>
-            <a:ext cx="2856319" cy="738664"/>
+            <a:off x="8050490" y="1611538"/>
+            <a:ext cx="2846896" cy="954107"/>
           </a:xfrm>
           <a:prstGeom prst="rect">
             <a:avLst/>
@@ -5586,6 +5560,24 @@
               <a:t>Date of the advertisement</a:t>
             </a:r>
           </a:p>
+          <a:p>
+            <a:pPr marL="285750" indent="-285750">
+              <a:buFont typeface="Arial" panose="020B0604020202020204" pitchFamily="34" charset="0"/>
+              <a:buChar char="•"/>
+            </a:pPr>
+            <a:r>
+              <a:rPr lang="it-IT" sz="1400" dirty="0"/>
+              <a:t># Beds, </a:t>
+            </a:r>
+            <a:r>
+              <a:rPr lang="it-IT" sz="1400" dirty="0" err="1"/>
+              <a:t>baths</a:t>
+            </a:r>
+            <a:r>
+              <a:rPr lang="it-IT" sz="1400" dirty="0"/>
+              <a:t> and rooms</a:t>
+            </a:r>
+          </a:p>
         </p:txBody>
       </p:sp>
       <p:sp>
@@ -5602,8 +5594,8 @@
         </p:nvSpPr>
         <p:spPr>
           <a:xfrm>
-            <a:off x="8050490" y="2761388"/>
-            <a:ext cx="2358433" cy="738664"/>
+            <a:off x="8050490" y="2587343"/>
+            <a:ext cx="2648932" cy="1169551"/>
           </a:xfrm>
           <a:prstGeom prst="rect">
             <a:avLst/>
@@ -5647,6 +5639,40 @@
               <a:t>Date</a:t>
             </a:r>
           </a:p>
+          <a:p>
+            <a:pPr marL="285750" indent="-285750">
+              <a:buFont typeface="Arial" panose="020B0604020202020204" pitchFamily="34" charset="0"/>
+              <a:buChar char="•"/>
+            </a:pPr>
+            <a:r>
+              <a:rPr lang="it-IT" sz="1400" dirty="0" err="1"/>
+              <a:t>Motivation</a:t>
+            </a:r>
+            <a:r>
+              <a:rPr lang="it-IT" sz="1400" dirty="0"/>
+              <a:t> of the </a:t>
+            </a:r>
+            <a:r>
+              <a:rPr lang="it-IT" sz="1400" dirty="0" err="1"/>
+              <a:t>eviction</a:t>
+            </a:r>
+            <a:endParaRPr lang="it-IT" sz="1400" dirty="0"/>
+          </a:p>
+          <a:p>
+            <a:pPr marL="285750" indent="-285750">
+              <a:buFont typeface="Arial" panose="020B0604020202020204" pitchFamily="34" charset="0"/>
+              <a:buChar char="•"/>
+            </a:pPr>
+            <a:r>
+              <a:rPr lang="it-IT" sz="1400" dirty="0"/>
+              <a:t>Buyout </a:t>
+            </a:r>
+            <a:r>
+              <a:rPr lang="it-IT" sz="1400" dirty="0" err="1"/>
+              <a:t>amount</a:t>
+            </a:r>
+            <a:endParaRPr lang="it-IT" sz="1400" dirty="0"/>
+          </a:p>
         </p:txBody>
       </p:sp>
       <p:sp>
@@ -5774,7 +5800,7 @@
         <p:spPr>
           <a:xfrm>
             <a:off x="8050491" y="4970045"/>
-            <a:ext cx="3157980" cy="523220"/>
+            <a:ext cx="3157980" cy="954107"/>
           </a:xfrm>
           <a:prstGeom prst="rect">
             <a:avLst/>
@@ -5818,6 +5844,56 @@
             <a:r>
               <a:rPr lang="it-IT" sz="1400" dirty="0" err="1"/>
               <a:t>parcel</a:t>
+            </a:r>
+            <a:endParaRPr lang="it-IT" sz="1400" dirty="0"/>
+          </a:p>
+          <a:p>
+            <a:pPr marL="285750" indent="-285750">
+              <a:buFont typeface="Arial" panose="020B0604020202020204" pitchFamily="34" charset="0"/>
+              <a:buChar char="•"/>
+            </a:pPr>
+            <a:r>
+              <a:rPr lang="it-IT" sz="1400" dirty="0"/>
+              <a:t># </a:t>
+            </a:r>
+            <a:r>
+              <a:rPr lang="it-IT" sz="1400" dirty="0" err="1"/>
+              <a:t>houses</a:t>
+            </a:r>
+            <a:r>
+              <a:rPr lang="it-IT" sz="1400" dirty="0"/>
+              <a:t> for </a:t>
+            </a:r>
+            <a:r>
+              <a:rPr lang="it-IT" sz="1400" dirty="0" err="1"/>
+              <a:t>each</a:t>
+            </a:r>
+            <a:r>
+              <a:rPr lang="it-IT" sz="1400" dirty="0"/>
+              <a:t> </a:t>
+            </a:r>
+            <a:r>
+              <a:rPr lang="it-IT" sz="1400" dirty="0" err="1"/>
+              <a:t>parcel</a:t>
+            </a:r>
+            <a:endParaRPr lang="it-IT" sz="1400" dirty="0"/>
+          </a:p>
+          <a:p>
+            <a:pPr marL="285750" indent="-285750">
+              <a:buFont typeface="Arial" panose="020B0604020202020204" pitchFamily="34" charset="0"/>
+              <a:buChar char="•"/>
+            </a:pPr>
+            <a:r>
+              <a:rPr lang="it-IT" sz="1400" dirty="0" err="1"/>
+              <a:t>Year</a:t>
+            </a:r>
+            <a:r>
+              <a:rPr lang="it-IT" sz="1400" dirty="0"/>
+              <a:t> of </a:t>
+            </a:r>
+            <a:r>
+              <a:rPr lang="it-IT" sz="1400" dirty="0" err="1"/>
+              <a:t>construction</a:t>
             </a:r>
             <a:endParaRPr lang="it-IT" sz="1400" dirty="0"/>
           </a:p>
@@ -5877,7 +5953,7 @@
         </p:nvCxnSpPr>
         <p:spPr>
           <a:xfrm>
-            <a:off x="1743959" y="2638840"/>
+            <a:off x="1743959" y="2604243"/>
             <a:ext cx="8955463" cy="0"/>
           </a:xfrm>
           <a:prstGeom prst="line">
@@ -6269,17 +6345,9 @@
               <a:buChar char="•"/>
             </a:pPr>
             <a:r>
-              <a:rPr lang="en-US" sz="3800" dirty="0"/>
-              <a:t>How the housing market prices have changed? Are there differences between distinct neighborhoods? Can we observe a connection between prices and number of eviction notices?</a:t>
-            </a:r>
-          </a:p>
-          <a:p>
-            <a:pPr algn="just">
-              <a:lnSpc>
-                <a:spcPct val="120000"/>
-              </a:lnSpc>
-            </a:pPr>
-            <a:endParaRPr lang="en-US" sz="3800" dirty="0"/>
+              <a:rPr lang="en-US" sz="4300" dirty="0"/>
+              <a:t>How the housing market prices have changed? Are there differences between distinct neighborhoods? Can we observe a connection between prices, number of eviction notices/buyout agreements? Do they carry the same information?</a:t>
+            </a:r>
           </a:p>
           <a:p>
             <a:pPr marL="457200" indent="-457200" algn="just">
@@ -6290,17 +6358,9 @@
               <a:buChar char="•"/>
             </a:pPr>
             <a:r>
-              <a:rPr lang="en-US" sz="3800" dirty="0"/>
-              <a:t>How could the government act to fight the gentrification and displacement phenomena? Will the construction of new houses produce an increase of the prices (because of an improvement of the quality of the neighborhood) or the opposite ( because of the increment of the offer )? </a:t>
-            </a:r>
-          </a:p>
-          <a:p>
-            <a:pPr algn="just">
-              <a:lnSpc>
-                <a:spcPct val="120000"/>
-              </a:lnSpc>
-            </a:pPr>
-            <a:endParaRPr lang="en-US" sz="3800" dirty="0"/>
+              <a:rPr lang="en-US" sz="4300" dirty="0"/>
+              <a:t>How could the government act to fight the gentrification and displacement phenomena? Will the increasing of the housing supply mitigate rent increases or will it stimulate the demand for nearby housing by improving neighborhood quality? </a:t>
+            </a:r>
           </a:p>
           <a:p>
             <a:pPr marL="457200" indent="-457200" algn="just">
@@ -6311,7 +6371,7 @@
               <a:buChar char="•"/>
             </a:pPr>
             <a:r>
-              <a:rPr lang="en-US" sz="3800" dirty="0"/>
+              <a:rPr lang="en-US" sz="4300" dirty="0"/>
               <a:t>Assuming that the number of eviction notices can be considered as a rough measure of the gentrification, how has it been during the past years and how can we expect it will evolve?</a:t>
             </a:r>
           </a:p>
@@ -6415,6 +6475,594 @@
 </file>
 
 <file path=ppt/slides/slide4.xml><?xml version="1.0" encoding="utf-8"?>
+<p:sld xmlns:a="http://schemas.openxmlformats.org/drawingml/2006/main" xmlns:r="http://schemas.openxmlformats.org/officeDocument/2006/relationships" xmlns:p="http://schemas.openxmlformats.org/presentationml/2006/main">
+  <p:cSld>
+    <p:bg>
+      <p:bgPr>
+        <a:solidFill>
+          <a:schemeClr val="bg1"/>
+        </a:solidFill>
+        <a:effectLst/>
+      </p:bgPr>
+    </p:bg>
+    <p:spTree>
+      <p:nvGrpSpPr>
+        <p:cNvPr id="1" name=""/>
+        <p:cNvGrpSpPr/>
+        <p:nvPr/>
+      </p:nvGrpSpPr>
+      <p:grpSpPr>
+        <a:xfrm>
+          <a:off x="0" y="0"/>
+          <a:ext cx="0" cy="0"/>
+          <a:chOff x="0" y="0"/>
+          <a:chExt cx="0" cy="0"/>
+        </a:xfrm>
+      </p:grpSpPr>
+      <p:cxnSp>
+        <p:nvCxnSpPr>
+          <p:cNvPr id="10" name="Straight Connector 9">
+            <a:extLst>
+              <a:ext uri="{FF2B5EF4-FFF2-40B4-BE49-F238E27FC236}">
+                <a16:creationId xmlns:a16="http://schemas.microsoft.com/office/drawing/2014/main" id="{108D74AC-B125-4E11-BA53-E9E383966DF8}"/>
+              </a:ext>
+              <a:ext uri="{C183D7F6-B498-43B3-948B-1728B52AA6E4}">
+                <adec:decorative xmlns:adec="http://schemas.microsoft.com/office/drawing/2017/decorative" val="1"/>
+              </a:ext>
+            </a:extLst>
+          </p:cNvPr>
+          <p:cNvCxnSpPr>
+            <a:cxnSpLocks noGrp="1" noRot="1" noChangeAspect="1" noMove="1" noResize="1" noEditPoints="1" noAdjustHandles="1" noChangeArrowheads="1" noChangeShapeType="1"/>
+          </p:cNvCxnSpPr>
+          <p:nvPr>
+            <p:extLst>
+              <p:ext uri="{386F3935-93C4-4BCD-93E2-E3B085C9AB24}">
+                <p16:designElem xmlns:p16="http://schemas.microsoft.com/office/powerpoint/2015/main" val="1"/>
+              </p:ext>
+            </p:extLst>
+          </p:nvPr>
+        </p:nvCxnSpPr>
+        <p:spPr>
+          <a:xfrm>
+            <a:off x="482600" y="489855"/>
+            <a:ext cx="11147071" cy="0"/>
+          </a:xfrm>
+          <a:prstGeom prst="line">
+            <a:avLst/>
+          </a:prstGeom>
+          <a:ln w="28575">
+            <a:solidFill>
+              <a:schemeClr val="tx2"/>
+            </a:solidFill>
+          </a:ln>
+        </p:spPr>
+        <p:style>
+          <a:lnRef idx="1">
+            <a:schemeClr val="dk1"/>
+          </a:lnRef>
+          <a:fillRef idx="0">
+            <a:schemeClr val="dk1"/>
+          </a:fillRef>
+          <a:effectRef idx="0">
+            <a:schemeClr val="dk1"/>
+          </a:effectRef>
+          <a:fontRef idx="minor">
+            <a:schemeClr val="tx1"/>
+          </a:fontRef>
+        </p:style>
+      </p:cxnSp>
+      <p:cxnSp>
+        <p:nvCxnSpPr>
+          <p:cNvPr id="12" name="Straight Connector 11">
+            <a:extLst>
+              <a:ext uri="{FF2B5EF4-FFF2-40B4-BE49-F238E27FC236}">
+                <a16:creationId xmlns:a16="http://schemas.microsoft.com/office/drawing/2014/main" id="{9DC76EBE-FB9D-4054-B5D8-19E3EAFE40B2}"/>
+              </a:ext>
+              <a:ext uri="{C183D7F6-B498-43B3-948B-1728B52AA6E4}">
+                <adec:decorative xmlns:adec="http://schemas.microsoft.com/office/drawing/2017/decorative" val="1"/>
+              </a:ext>
+            </a:extLst>
+          </p:cNvPr>
+          <p:cNvCxnSpPr>
+            <a:cxnSpLocks noGrp="1" noRot="1" noChangeAspect="1" noMove="1" noResize="1" noEditPoints="1" noAdjustHandles="1" noChangeArrowheads="1" noChangeShapeType="1"/>
+          </p:cNvCxnSpPr>
+          <p:nvPr>
+            <p:extLst>
+              <p:ext uri="{386F3935-93C4-4BCD-93E2-E3B085C9AB24}">
+                <p16:designElem xmlns:p16="http://schemas.microsoft.com/office/powerpoint/2015/main" val="1"/>
+              </p:ext>
+            </p:extLst>
+          </p:nvPr>
+        </p:nvCxnSpPr>
+        <p:spPr>
+          <a:xfrm>
+            <a:off x="482600" y="6368138"/>
+            <a:ext cx="11147071" cy="0"/>
+          </a:xfrm>
+          <a:prstGeom prst="line">
+            <a:avLst/>
+          </a:prstGeom>
+          <a:ln w="28575">
+            <a:solidFill>
+              <a:schemeClr val="tx2"/>
+            </a:solidFill>
+          </a:ln>
+        </p:spPr>
+        <p:style>
+          <a:lnRef idx="1">
+            <a:schemeClr val="dk1"/>
+          </a:lnRef>
+          <a:fillRef idx="0">
+            <a:schemeClr val="dk1"/>
+          </a:fillRef>
+          <a:effectRef idx="0">
+            <a:schemeClr val="dk1"/>
+          </a:effectRef>
+          <a:fontRef idx="minor">
+            <a:schemeClr val="tx1"/>
+          </a:fontRef>
+        </p:style>
+      </p:cxnSp>
+      <p:sp useBgFill="1">
+        <p:nvSpPr>
+          <p:cNvPr id="14" name="Rectangle 13">
+            <a:extLst>
+              <a:ext uri="{FF2B5EF4-FFF2-40B4-BE49-F238E27FC236}">
+                <a16:creationId xmlns:a16="http://schemas.microsoft.com/office/drawing/2014/main" id="{92B0CFF1-78D7-4A83-A95E-71F9E3831622}"/>
+              </a:ext>
+              <a:ext uri="{C183D7F6-B498-43B3-948B-1728B52AA6E4}">
+                <adec:decorative xmlns:adec="http://schemas.microsoft.com/office/drawing/2017/decorative" val="1"/>
+              </a:ext>
+            </a:extLst>
+          </p:cNvPr>
+          <p:cNvSpPr>
+            <a:spLocks noGrp="1" noRot="1" noChangeAspect="1" noMove="1" noResize="1" noEditPoints="1" noAdjustHandles="1" noChangeArrowheads="1" noChangeShapeType="1" noTextEdit="1"/>
+          </p:cNvSpPr>
+          <p:nvPr>
+            <p:extLst>
+              <p:ext uri="{386F3935-93C4-4BCD-93E2-E3B085C9AB24}">
+                <p16:designElem xmlns:p16="http://schemas.microsoft.com/office/powerpoint/2015/main" val="1"/>
+              </p:ext>
+            </p:extLst>
+          </p:nvPr>
+        </p:nvSpPr>
+        <p:spPr>
+          <a:xfrm>
+            <a:off x="0" y="0"/>
+            <a:ext cx="12192000" cy="6858001"/>
+          </a:xfrm>
+          <a:prstGeom prst="rect">
+            <a:avLst/>
+          </a:prstGeom>
+          <a:ln>
+            <a:noFill/>
+          </a:ln>
+        </p:spPr>
+        <p:style>
+          <a:lnRef idx="2">
+            <a:schemeClr val="accent1">
+              <a:shade val="50000"/>
+            </a:schemeClr>
+          </a:lnRef>
+          <a:fillRef idx="1">
+            <a:schemeClr val="accent1"/>
+          </a:fillRef>
+          <a:effectRef idx="0">
+            <a:schemeClr val="accent1"/>
+          </a:effectRef>
+          <a:fontRef idx="minor">
+            <a:schemeClr val="lt1"/>
+          </a:fontRef>
+        </p:style>
+        <p:txBody>
+          <a:bodyPr rtlCol="0" anchor="ctr"/>
+          <a:lstStyle/>
+          <a:p>
+            <a:pPr algn="ctr"/>
+            <a:endParaRPr lang="en-US" dirty="0"/>
+          </a:p>
+        </p:txBody>
+      </p:sp>
+      <p:sp>
+        <p:nvSpPr>
+          <p:cNvPr id="2" name="Titolo 1">
+            <a:extLst>
+              <a:ext uri="{FF2B5EF4-FFF2-40B4-BE49-F238E27FC236}">
+                <a16:creationId xmlns:a16="http://schemas.microsoft.com/office/drawing/2014/main" id="{DC8DD53F-FF97-F021-89AD-6B55BA8F8996}"/>
+              </a:ext>
+            </a:extLst>
+          </p:cNvPr>
+          <p:cNvSpPr>
+            <a:spLocks noGrp="1"/>
+          </p:cNvSpPr>
+          <p:nvPr>
+            <p:ph type="ctrTitle"/>
+          </p:nvPr>
+        </p:nvSpPr>
+        <p:spPr>
+          <a:xfrm>
+            <a:off x="3417515" y="642151"/>
+            <a:ext cx="5356970" cy="814420"/>
+          </a:xfrm>
+        </p:spPr>
+        <p:txBody>
+          <a:bodyPr vert="horz" lIns="91440" tIns="45720" rIns="91440" bIns="45720" rtlCol="0" anchor="ctr">
+            <a:normAutofit/>
+          </a:bodyPr>
+          <a:lstStyle/>
+          <a:p>
+            <a:pPr>
+              <a:lnSpc>
+                <a:spcPct val="90000"/>
+              </a:lnSpc>
+            </a:pPr>
+            <a:r>
+              <a:rPr lang="en-US" sz="3200" dirty="0"/>
+              <a:t>Goals and research questions</a:t>
+            </a:r>
+          </a:p>
+        </p:txBody>
+      </p:sp>
+      <p:cxnSp>
+        <p:nvCxnSpPr>
+          <p:cNvPr id="16" name="Straight Connector 15">
+            <a:extLst>
+              <a:ext uri="{FF2B5EF4-FFF2-40B4-BE49-F238E27FC236}">
+                <a16:creationId xmlns:a16="http://schemas.microsoft.com/office/drawing/2014/main" id="{5971AF9D-C565-4DF8-BDC9-EE1451B02007}"/>
+              </a:ext>
+              <a:ext uri="{C183D7F6-B498-43B3-948B-1728B52AA6E4}">
+                <adec:decorative xmlns:adec="http://schemas.microsoft.com/office/drawing/2017/decorative" val="1"/>
+              </a:ext>
+            </a:extLst>
+          </p:cNvPr>
+          <p:cNvCxnSpPr>
+            <a:cxnSpLocks noGrp="1" noRot="1" noChangeAspect="1" noMove="1" noResize="1" noEditPoints="1" noAdjustHandles="1" noChangeArrowheads="1" noChangeShapeType="1"/>
+          </p:cNvCxnSpPr>
+          <p:nvPr>
+            <p:extLst>
+              <p:ext uri="{386F3935-93C4-4BCD-93E2-E3B085C9AB24}">
+                <p16:designElem xmlns:p16="http://schemas.microsoft.com/office/powerpoint/2015/main" val="1"/>
+              </p:ext>
+            </p:extLst>
+          </p:nvPr>
+        </p:nvCxnSpPr>
+        <p:spPr>
+          <a:xfrm>
+            <a:off x="482600" y="489855"/>
+            <a:ext cx="11147071" cy="0"/>
+          </a:xfrm>
+          <a:prstGeom prst="line">
+            <a:avLst/>
+          </a:prstGeom>
+          <a:ln w="28575">
+            <a:solidFill>
+              <a:schemeClr val="tx1"/>
+            </a:solidFill>
+          </a:ln>
+        </p:spPr>
+        <p:style>
+          <a:lnRef idx="1">
+            <a:schemeClr val="dk1"/>
+          </a:lnRef>
+          <a:fillRef idx="0">
+            <a:schemeClr val="dk1"/>
+          </a:fillRef>
+          <a:effectRef idx="0">
+            <a:schemeClr val="dk1"/>
+          </a:effectRef>
+          <a:fontRef idx="minor">
+            <a:schemeClr val="tx1"/>
+          </a:fontRef>
+        </p:style>
+      </p:cxnSp>
+      <p:sp>
+        <p:nvSpPr>
+          <p:cNvPr id="3" name="Sottotitolo 2">
+            <a:extLst>
+              <a:ext uri="{FF2B5EF4-FFF2-40B4-BE49-F238E27FC236}">
+                <a16:creationId xmlns:a16="http://schemas.microsoft.com/office/drawing/2014/main" id="{51CE8FE2-0969-2CC3-40AB-94D62B0CDFBD}"/>
+              </a:ext>
+            </a:extLst>
+          </p:cNvPr>
+          <p:cNvSpPr>
+            <a:spLocks noGrp="1"/>
+          </p:cNvSpPr>
+          <p:nvPr>
+            <p:ph type="subTitle" idx="1"/>
+          </p:nvPr>
+        </p:nvSpPr>
+        <p:spPr>
+          <a:xfrm>
+            <a:off x="482600" y="2550450"/>
+            <a:ext cx="6288265" cy="3638209"/>
+          </a:xfrm>
+        </p:spPr>
+        <p:txBody>
+          <a:bodyPr vert="horz" lIns="91440" tIns="45720" rIns="91440" bIns="45720" rtlCol="0">
+            <a:normAutofit fontScale="40000" lnSpcReduction="20000"/>
+          </a:bodyPr>
+          <a:lstStyle/>
+          <a:p>
+            <a:pPr marL="457200" indent="-457200" algn="just">
+              <a:lnSpc>
+                <a:spcPct val="120000"/>
+              </a:lnSpc>
+              <a:buFont typeface="Arial" panose="020B0604020202020204" pitchFamily="34" charset="0"/>
+              <a:buChar char="•"/>
+            </a:pPr>
+            <a:r>
+              <a:rPr lang="en-US" sz="3800" dirty="0"/>
+              <a:t>How the housing market prices have changed? Are there differences between distinct neighborhoods? Can we observe a connection between prices and number of eviction notices?</a:t>
+            </a:r>
+          </a:p>
+          <a:p>
+            <a:pPr algn="just">
+              <a:lnSpc>
+                <a:spcPct val="120000"/>
+              </a:lnSpc>
+            </a:pPr>
+            <a:endParaRPr lang="en-US" sz="3800" dirty="0"/>
+          </a:p>
+          <a:p>
+            <a:pPr marL="457200" indent="-457200" algn="just">
+              <a:lnSpc>
+                <a:spcPct val="120000"/>
+              </a:lnSpc>
+              <a:buFont typeface="Arial" panose="020B0604020202020204" pitchFamily="34" charset="0"/>
+              <a:buChar char="•"/>
+            </a:pPr>
+            <a:r>
+              <a:rPr lang="en-US" sz="3800" dirty="0"/>
+              <a:t>How could the government act to fight the gentrification and displacement phenomena? Will the construction of new houses produce an increase of the prices (because of an improvement of the quality of the neighborhood) or the opposite ( because of the increment of the offer )? </a:t>
+            </a:r>
+          </a:p>
+          <a:p>
+            <a:pPr algn="just">
+              <a:lnSpc>
+                <a:spcPct val="120000"/>
+              </a:lnSpc>
+            </a:pPr>
+            <a:endParaRPr lang="en-US" sz="3800" dirty="0"/>
+          </a:p>
+          <a:p>
+            <a:pPr marL="457200" indent="-457200" algn="just">
+              <a:lnSpc>
+                <a:spcPct val="120000"/>
+              </a:lnSpc>
+              <a:buFont typeface="Arial" panose="020B0604020202020204" pitchFamily="34" charset="0"/>
+              <a:buChar char="•"/>
+            </a:pPr>
+            <a:r>
+              <a:rPr lang="en-US" sz="3800" dirty="0"/>
+              <a:t>Assuming that the number of eviction notices can be considered as a rough measure of the gentrification, how has it been during the past years and how can we expect it will evolve?</a:t>
+            </a:r>
+          </a:p>
+          <a:p>
+            <a:pPr algn="just">
+              <a:lnSpc>
+                <a:spcPct val="90000"/>
+              </a:lnSpc>
+            </a:pPr>
+            <a:endParaRPr lang="en-US" sz="1100" dirty="0"/>
+          </a:p>
+          <a:p>
+            <a:pPr>
+              <a:lnSpc>
+                <a:spcPct val="90000"/>
+              </a:lnSpc>
+            </a:pPr>
+            <a:endParaRPr lang="en-US" sz="1100" dirty="0"/>
+          </a:p>
+          <a:p>
+            <a:pPr>
+              <a:lnSpc>
+                <a:spcPct val="90000"/>
+              </a:lnSpc>
+            </a:pPr>
+            <a:endParaRPr lang="en-US" sz="1100" dirty="0"/>
+          </a:p>
+          <a:p>
+            <a:pPr>
+              <a:lnSpc>
+                <a:spcPct val="90000"/>
+              </a:lnSpc>
+            </a:pPr>
+            <a:endParaRPr lang="en-US" sz="1100" dirty="0"/>
+          </a:p>
+        </p:txBody>
+      </p:sp>
+      <p:cxnSp>
+        <p:nvCxnSpPr>
+          <p:cNvPr id="18" name="Straight Connector 17">
+            <a:extLst>
+              <a:ext uri="{FF2B5EF4-FFF2-40B4-BE49-F238E27FC236}">
+                <a16:creationId xmlns:a16="http://schemas.microsoft.com/office/drawing/2014/main" id="{E1661F5C-3018-4F57-B263-B9267D4DEE44}"/>
+              </a:ext>
+              <a:ext uri="{C183D7F6-B498-43B3-948B-1728B52AA6E4}">
+                <adec:decorative xmlns:adec="http://schemas.microsoft.com/office/drawing/2017/decorative" val="1"/>
+              </a:ext>
+            </a:extLst>
+          </p:cNvPr>
+          <p:cNvCxnSpPr>
+            <a:cxnSpLocks noGrp="1" noRot="1" noChangeAspect="1" noMove="1" noResize="1" noEditPoints="1" noAdjustHandles="1" noChangeArrowheads="1" noChangeShapeType="1"/>
+          </p:cNvCxnSpPr>
+          <p:nvPr>
+            <p:extLst>
+              <p:ext uri="{386F3935-93C4-4BCD-93E2-E3B085C9AB24}">
+                <p16:designElem xmlns:p16="http://schemas.microsoft.com/office/powerpoint/2015/main" val="1"/>
+              </p:ext>
+            </p:extLst>
+          </p:nvPr>
+        </p:nvCxnSpPr>
+        <p:spPr>
+          <a:xfrm>
+            <a:off x="482600" y="6368138"/>
+            <a:ext cx="11147071" cy="0"/>
+          </a:xfrm>
+          <a:prstGeom prst="line">
+            <a:avLst/>
+          </a:prstGeom>
+          <a:ln w="28575">
+            <a:solidFill>
+              <a:schemeClr val="tx1"/>
+            </a:solidFill>
+          </a:ln>
+        </p:spPr>
+        <p:style>
+          <a:lnRef idx="1">
+            <a:schemeClr val="dk1"/>
+          </a:lnRef>
+          <a:fillRef idx="0">
+            <a:schemeClr val="dk1"/>
+          </a:fillRef>
+          <a:effectRef idx="0">
+            <a:schemeClr val="dk1"/>
+          </a:effectRef>
+          <a:fontRef idx="minor">
+            <a:schemeClr val="tx1"/>
+          </a:fontRef>
+        </p:style>
+      </p:cxnSp>
+      <p:pic>
+        <p:nvPicPr>
+          <p:cNvPr id="5" name="Elemento grafico 4" descr="Badge Punto interrogativo contorno">
+            <a:extLst>
+              <a:ext uri="{FF2B5EF4-FFF2-40B4-BE49-F238E27FC236}">
+                <a16:creationId xmlns:a16="http://schemas.microsoft.com/office/drawing/2014/main" id="{86006BA8-FC5F-AA40-CA1E-5ADDADB377EC}"/>
+              </a:ext>
+            </a:extLst>
+          </p:cNvPr>
+          <p:cNvPicPr>
+            <a:picLocks noChangeAspect="1"/>
+          </p:cNvPicPr>
+          <p:nvPr/>
+        </p:nvPicPr>
+        <p:blipFill>
+          <a:blip r:embed="rId2">
+            <a:extLst>
+              <a:ext uri="{28A0092B-C50C-407E-A947-70E740481C1C}">
+                <a14:useLocalDpi xmlns:a14="http://schemas.microsoft.com/office/drawing/2010/main" val="0"/>
+              </a:ext>
+              <a:ext uri="{96DAC541-7B7A-43D3-8B79-37D633B846F1}">
+                <asvg:svgBlip xmlns:asvg="http://schemas.microsoft.com/office/drawing/2016/SVG/main" r:embed="rId3"/>
+              </a:ext>
+            </a:extLst>
+          </a:blip>
+          <a:stretch>
+            <a:fillRect/>
+          </a:stretch>
+        </p:blipFill>
+        <p:spPr>
+          <a:xfrm>
+            <a:off x="2998773" y="1294533"/>
+            <a:ext cx="1255917" cy="1255917"/>
+          </a:xfrm>
+          <a:prstGeom prst="rect">
+            <a:avLst/>
+          </a:prstGeom>
+        </p:spPr>
+      </p:pic>
+      <p:pic>
+        <p:nvPicPr>
+          <p:cNvPr id="8" name="Elemento grafico 7" descr="Presentazione con elenco di controllo contorno">
+            <a:extLst>
+              <a:ext uri="{FF2B5EF4-FFF2-40B4-BE49-F238E27FC236}">
+                <a16:creationId xmlns:a16="http://schemas.microsoft.com/office/drawing/2014/main" id="{1EA5E7D9-2A62-7C9E-C9CF-A151E1DD2FF9}"/>
+              </a:ext>
+            </a:extLst>
+          </p:cNvPr>
+          <p:cNvPicPr>
+            <a:picLocks noChangeAspect="1"/>
+          </p:cNvPicPr>
+          <p:nvPr/>
+        </p:nvPicPr>
+        <p:blipFill>
+          <a:blip r:embed="rId4">
+            <a:extLst>
+              <a:ext uri="{28A0092B-C50C-407E-A947-70E740481C1C}">
+                <a14:useLocalDpi xmlns:a14="http://schemas.microsoft.com/office/drawing/2010/main" val="0"/>
+              </a:ext>
+              <a:ext uri="{96DAC541-7B7A-43D3-8B79-37D633B846F1}">
+                <asvg:svgBlip xmlns:asvg="http://schemas.microsoft.com/office/drawing/2016/SVG/main" r:embed="rId5"/>
+              </a:ext>
+            </a:extLst>
+          </a:blip>
+          <a:stretch>
+            <a:fillRect/>
+          </a:stretch>
+        </p:blipFill>
+        <p:spPr>
+          <a:xfrm>
+            <a:off x="8745438" y="1312311"/>
+            <a:ext cx="914400" cy="914400"/>
+          </a:xfrm>
+          <a:prstGeom prst="rect">
+            <a:avLst/>
+          </a:prstGeom>
+        </p:spPr>
+      </p:pic>
+      <p:sp>
+        <p:nvSpPr>
+          <p:cNvPr id="9" name="CasellaDiTesto 8">
+            <a:extLst>
+              <a:ext uri="{FF2B5EF4-FFF2-40B4-BE49-F238E27FC236}">
+                <a16:creationId xmlns:a16="http://schemas.microsoft.com/office/drawing/2014/main" id="{6E620E6D-36BB-4B56-72A9-5BB17503C099}"/>
+              </a:ext>
+            </a:extLst>
+          </p:cNvPr>
+          <p:cNvSpPr txBox="1"/>
+          <p:nvPr/>
+        </p:nvSpPr>
+        <p:spPr>
+          <a:xfrm>
+            <a:off x="7383294" y="2551933"/>
+            <a:ext cx="4134255" cy="323165"/>
+          </a:xfrm>
+          <a:prstGeom prst="rect">
+            <a:avLst/>
+          </a:prstGeom>
+          <a:noFill/>
+        </p:spPr>
+        <p:txBody>
+          <a:bodyPr wrap="square" rtlCol="0">
+            <a:spAutoFit/>
+          </a:bodyPr>
+          <a:lstStyle/>
+          <a:p>
+            <a:pPr marL="285750" indent="-285750">
+              <a:buFont typeface="Arial" panose="020B0604020202020204" pitchFamily="34" charset="0"/>
+              <a:buChar char="•"/>
+            </a:pPr>
+            <a:r>
+              <a:rPr lang="it-IT" sz="1500" dirty="0" err="1"/>
+              <a:t>Try</a:t>
+            </a:r>
+            <a:r>
+              <a:rPr lang="it-IT" sz="1500" dirty="0"/>
+              <a:t> to </a:t>
+            </a:r>
+            <a:r>
+              <a:rPr lang="it-IT" sz="1500" dirty="0" err="1"/>
+              <a:t>understand</a:t>
+            </a:r>
+            <a:endParaRPr lang="it-IT" sz="1500" dirty="0"/>
+          </a:p>
+        </p:txBody>
+      </p:sp>
+    </p:spTree>
+    <p:extLst>
+      <p:ext uri="{BB962C8B-B14F-4D97-AF65-F5344CB8AC3E}">
+        <p14:creationId xmlns:p14="http://schemas.microsoft.com/office/powerpoint/2010/main" val="2484962945"/>
+      </p:ext>
+    </p:extLst>
+  </p:cSld>
+  <p:clrMapOvr>
+    <a:masterClrMapping/>
+  </p:clrMapOvr>
+</p:sld>
+</file>
+
+<file path=ppt/slides/slide5.xml><?xml version="1.0" encoding="utf-8"?>
 <p:sld xmlns:a="http://schemas.openxmlformats.org/drawingml/2006/main" xmlns:r="http://schemas.openxmlformats.org/officeDocument/2006/relationships" xmlns:p="http://schemas.openxmlformats.org/presentationml/2006/main">
   <p:cSld>
     <p:spTree>

--- a/ppt_parziale.pptx
+++ b/ppt_parziale.pptx
@@ -7,9 +7,8 @@
   <p:sldIdLst>
     <p:sldId id="256" r:id="rId2"/>
     <p:sldId id="257" r:id="rId3"/>
-    <p:sldId id="258" r:id="rId4"/>
-    <p:sldId id="260" r:id="rId5"/>
-    <p:sldId id="259" r:id="rId6"/>
+    <p:sldId id="260" r:id="rId4"/>
+    <p:sldId id="259" r:id="rId5"/>
   </p:sldIdLst>
   <p:sldSz cx="12192000" cy="6858000"/>
   <p:notesSz cx="6858000" cy="9144000"/>
@@ -4355,16 +4354,15 @@
           </a:bodyPr>
           <a:lstStyle/>
           <a:p>
-            <a:pPr>
+            <a:pPr algn="ctr">
               <a:lnSpc>
                 <a:spcPct val="90000"/>
               </a:lnSpc>
             </a:pPr>
             <a:r>
-              <a:rPr lang="en-US" sz="5600"/>
+              <a:rPr lang="en-US" sz="5600" dirty="0"/>
               <a:t>Analysis of San Francisco Housing Market </a:t>
             </a:r>
-            <a:endParaRPr lang="en-US" sz="5600" dirty="0"/>
           </a:p>
         </p:txBody>
       </p:sp>
@@ -4396,6 +4394,7 @@
           </a:bodyPr>
           <a:lstStyle/>
           <a:p>
+            <a:pPr algn="ctr"/>
             <a:r>
               <a:rPr lang="en-US" sz="2800" b="1" dirty="0"/>
               <a:t>Exploration of displacement and gentrification phenomena </a:t>
@@ -6195,7 +6194,7 @@
         </p:nvSpPr>
         <p:spPr>
           <a:xfrm>
-            <a:off x="6225692" y="979711"/>
+            <a:off x="3377650" y="572501"/>
             <a:ext cx="5356970" cy="814420"/>
           </a:xfrm>
         </p:spPr>
@@ -6301,8 +6300,8 @@
         </p:blipFill>
         <p:spPr>
           <a:xfrm>
-            <a:off x="482600" y="877564"/>
-            <a:ext cx="5102674" cy="5102674"/>
+            <a:off x="8612823" y="3162432"/>
+            <a:ext cx="3085841" cy="3085841"/>
           </a:xfrm>
           <a:prstGeom prst="rect">
             <a:avLst/>
@@ -6327,493 +6326,24 @@
         </p:nvSpPr>
         <p:spPr>
           <a:xfrm>
-            <a:off x="6056135" y="1946433"/>
-            <a:ext cx="5526526" cy="4128074"/>
+            <a:off x="3004748" y="1790499"/>
+            <a:ext cx="7577972" cy="1266634"/>
           </a:xfrm>
         </p:spPr>
         <p:txBody>
           <a:bodyPr vert="horz" lIns="91440" tIns="45720" rIns="91440" bIns="45720" rtlCol="0">
-            <a:normAutofit fontScale="40000" lnSpcReduction="20000"/>
+            <a:normAutofit fontScale="25000" lnSpcReduction="20000"/>
           </a:bodyPr>
           <a:lstStyle/>
-          <a:p>
-            <a:pPr marL="457200" indent="-457200" algn="just">
-              <a:lnSpc>
-                <a:spcPct val="120000"/>
-              </a:lnSpc>
-              <a:buFont typeface="Arial" panose="020B0604020202020204" pitchFamily="34" charset="0"/>
-              <a:buChar char="•"/>
-            </a:pPr>
-            <a:r>
-              <a:rPr lang="en-US" sz="4300" dirty="0"/>
-              <a:t>How the housing market prices have changed? Are there differences between distinct neighborhoods? Can we observe a connection between prices, number of eviction notices/buyout agreements? Do they carry the same information?</a:t>
-            </a:r>
-          </a:p>
-          <a:p>
-            <a:pPr marL="457200" indent="-457200" algn="just">
-              <a:lnSpc>
-                <a:spcPct val="120000"/>
-              </a:lnSpc>
-              <a:buFont typeface="Arial" panose="020B0604020202020204" pitchFamily="34" charset="0"/>
-              <a:buChar char="•"/>
-            </a:pPr>
-            <a:r>
-              <a:rPr lang="en-US" sz="4300" dirty="0"/>
-              <a:t>How could the government act to fight the gentrification and displacement phenomena? Will the increasing of the housing supply mitigate rent increases or will it stimulate the demand for nearby housing by improving neighborhood quality? </a:t>
-            </a:r>
-          </a:p>
-          <a:p>
-            <a:pPr marL="457200" indent="-457200" algn="just">
-              <a:lnSpc>
-                <a:spcPct val="120000"/>
-              </a:lnSpc>
-              <a:buFont typeface="Arial" panose="020B0604020202020204" pitchFamily="34" charset="0"/>
-              <a:buChar char="•"/>
-            </a:pPr>
-            <a:r>
-              <a:rPr lang="en-US" sz="4300" dirty="0"/>
-              <a:t>Assuming that the number of eviction notices can be considered as a rough measure of the gentrification, how has it been during the past years and how can we expect it will evolve?</a:t>
-            </a:r>
-          </a:p>
-          <a:p>
-            <a:pPr algn="just">
-              <a:lnSpc>
-                <a:spcPct val="90000"/>
-              </a:lnSpc>
-            </a:pPr>
-            <a:endParaRPr lang="en-US" sz="1100" dirty="0"/>
-          </a:p>
-          <a:p>
-            <a:pPr>
-              <a:lnSpc>
-                <a:spcPct val="90000"/>
-              </a:lnSpc>
-            </a:pPr>
-            <a:endParaRPr lang="en-US" sz="1100" dirty="0"/>
-          </a:p>
-          <a:p>
-            <a:pPr>
-              <a:lnSpc>
-                <a:spcPct val="90000"/>
-              </a:lnSpc>
-            </a:pPr>
-            <a:endParaRPr lang="en-US" sz="1100" dirty="0"/>
-          </a:p>
-          <a:p>
-            <a:pPr>
-              <a:lnSpc>
-                <a:spcPct val="90000"/>
-              </a:lnSpc>
-            </a:pPr>
-            <a:endParaRPr lang="en-US" sz="1100" dirty="0"/>
-          </a:p>
-        </p:txBody>
-      </p:sp>
-      <p:cxnSp>
-        <p:nvCxnSpPr>
-          <p:cNvPr id="18" name="Straight Connector 17">
-            <a:extLst>
-              <a:ext uri="{FF2B5EF4-FFF2-40B4-BE49-F238E27FC236}">
-                <a16:creationId xmlns:a16="http://schemas.microsoft.com/office/drawing/2014/main" id="{E1661F5C-3018-4F57-B263-B9267D4DEE44}"/>
-              </a:ext>
-              <a:ext uri="{C183D7F6-B498-43B3-948B-1728B52AA6E4}">
-                <adec:decorative xmlns:adec="http://schemas.microsoft.com/office/drawing/2017/decorative" val="1"/>
-              </a:ext>
-            </a:extLst>
-          </p:cNvPr>
-          <p:cNvCxnSpPr>
-            <a:cxnSpLocks noGrp="1" noRot="1" noChangeAspect="1" noMove="1" noResize="1" noEditPoints="1" noAdjustHandles="1" noChangeArrowheads="1" noChangeShapeType="1"/>
-          </p:cNvCxnSpPr>
-          <p:nvPr>
-            <p:extLst>
-              <p:ext uri="{386F3935-93C4-4BCD-93E2-E3B085C9AB24}">
-                <p16:designElem xmlns:p16="http://schemas.microsoft.com/office/powerpoint/2015/main" val="1"/>
-              </p:ext>
-            </p:extLst>
-          </p:nvPr>
-        </p:nvCxnSpPr>
-        <p:spPr>
-          <a:xfrm>
-            <a:off x="482600" y="6368138"/>
-            <a:ext cx="11147071" cy="0"/>
-          </a:xfrm>
-          <a:prstGeom prst="line">
-            <a:avLst/>
-          </a:prstGeom>
-          <a:ln w="28575">
-            <a:solidFill>
-              <a:schemeClr val="tx1"/>
-            </a:solidFill>
-          </a:ln>
-        </p:spPr>
-        <p:style>
-          <a:lnRef idx="1">
-            <a:schemeClr val="dk1"/>
-          </a:lnRef>
-          <a:fillRef idx="0">
-            <a:schemeClr val="dk1"/>
-          </a:fillRef>
-          <a:effectRef idx="0">
-            <a:schemeClr val="dk1"/>
-          </a:effectRef>
-          <a:fontRef idx="minor">
-            <a:schemeClr val="tx1"/>
-          </a:fontRef>
-        </p:style>
-      </p:cxnSp>
-    </p:spTree>
-    <p:extLst>
-      <p:ext uri="{BB962C8B-B14F-4D97-AF65-F5344CB8AC3E}">
-        <p14:creationId xmlns:p14="http://schemas.microsoft.com/office/powerpoint/2010/main" val="3061847589"/>
-      </p:ext>
-    </p:extLst>
-  </p:cSld>
-  <p:clrMapOvr>
-    <a:masterClrMapping/>
-  </p:clrMapOvr>
-</p:sld>
-</file>
-
-<file path=ppt/slides/slide4.xml><?xml version="1.0" encoding="utf-8"?>
-<p:sld xmlns:a="http://schemas.openxmlformats.org/drawingml/2006/main" xmlns:r="http://schemas.openxmlformats.org/officeDocument/2006/relationships" xmlns:p="http://schemas.openxmlformats.org/presentationml/2006/main">
-  <p:cSld>
-    <p:bg>
-      <p:bgPr>
-        <a:solidFill>
-          <a:schemeClr val="bg1"/>
-        </a:solidFill>
-        <a:effectLst/>
-      </p:bgPr>
-    </p:bg>
-    <p:spTree>
-      <p:nvGrpSpPr>
-        <p:cNvPr id="1" name=""/>
-        <p:cNvGrpSpPr/>
-        <p:nvPr/>
-      </p:nvGrpSpPr>
-      <p:grpSpPr>
-        <a:xfrm>
-          <a:off x="0" y="0"/>
-          <a:ext cx="0" cy="0"/>
-          <a:chOff x="0" y="0"/>
-          <a:chExt cx="0" cy="0"/>
-        </a:xfrm>
-      </p:grpSpPr>
-      <p:cxnSp>
-        <p:nvCxnSpPr>
-          <p:cNvPr id="10" name="Straight Connector 9">
-            <a:extLst>
-              <a:ext uri="{FF2B5EF4-FFF2-40B4-BE49-F238E27FC236}">
-                <a16:creationId xmlns:a16="http://schemas.microsoft.com/office/drawing/2014/main" id="{108D74AC-B125-4E11-BA53-E9E383966DF8}"/>
-              </a:ext>
-              <a:ext uri="{C183D7F6-B498-43B3-948B-1728B52AA6E4}">
-                <adec:decorative xmlns:adec="http://schemas.microsoft.com/office/drawing/2017/decorative" val="1"/>
-              </a:ext>
-            </a:extLst>
-          </p:cNvPr>
-          <p:cNvCxnSpPr>
-            <a:cxnSpLocks noGrp="1" noRot="1" noChangeAspect="1" noMove="1" noResize="1" noEditPoints="1" noAdjustHandles="1" noChangeArrowheads="1" noChangeShapeType="1"/>
-          </p:cNvCxnSpPr>
-          <p:nvPr>
-            <p:extLst>
-              <p:ext uri="{386F3935-93C4-4BCD-93E2-E3B085C9AB24}">
-                <p16:designElem xmlns:p16="http://schemas.microsoft.com/office/powerpoint/2015/main" val="1"/>
-              </p:ext>
-            </p:extLst>
-          </p:nvPr>
-        </p:nvCxnSpPr>
-        <p:spPr>
-          <a:xfrm>
-            <a:off x="482600" y="489855"/>
-            <a:ext cx="11147071" cy="0"/>
-          </a:xfrm>
-          <a:prstGeom prst="line">
-            <a:avLst/>
-          </a:prstGeom>
-          <a:ln w="28575">
-            <a:solidFill>
-              <a:schemeClr val="tx2"/>
-            </a:solidFill>
-          </a:ln>
-        </p:spPr>
-        <p:style>
-          <a:lnRef idx="1">
-            <a:schemeClr val="dk1"/>
-          </a:lnRef>
-          <a:fillRef idx="0">
-            <a:schemeClr val="dk1"/>
-          </a:fillRef>
-          <a:effectRef idx="0">
-            <a:schemeClr val="dk1"/>
-          </a:effectRef>
-          <a:fontRef idx="minor">
-            <a:schemeClr val="tx1"/>
-          </a:fontRef>
-        </p:style>
-      </p:cxnSp>
-      <p:cxnSp>
-        <p:nvCxnSpPr>
-          <p:cNvPr id="12" name="Straight Connector 11">
-            <a:extLst>
-              <a:ext uri="{FF2B5EF4-FFF2-40B4-BE49-F238E27FC236}">
-                <a16:creationId xmlns:a16="http://schemas.microsoft.com/office/drawing/2014/main" id="{9DC76EBE-FB9D-4054-B5D8-19E3EAFE40B2}"/>
-              </a:ext>
-              <a:ext uri="{C183D7F6-B498-43B3-948B-1728B52AA6E4}">
-                <adec:decorative xmlns:adec="http://schemas.microsoft.com/office/drawing/2017/decorative" val="1"/>
-              </a:ext>
-            </a:extLst>
-          </p:cNvPr>
-          <p:cNvCxnSpPr>
-            <a:cxnSpLocks noGrp="1" noRot="1" noChangeAspect="1" noMove="1" noResize="1" noEditPoints="1" noAdjustHandles="1" noChangeArrowheads="1" noChangeShapeType="1"/>
-          </p:cNvCxnSpPr>
-          <p:nvPr>
-            <p:extLst>
-              <p:ext uri="{386F3935-93C4-4BCD-93E2-E3B085C9AB24}">
-                <p16:designElem xmlns:p16="http://schemas.microsoft.com/office/powerpoint/2015/main" val="1"/>
-              </p:ext>
-            </p:extLst>
-          </p:nvPr>
-        </p:nvCxnSpPr>
-        <p:spPr>
-          <a:xfrm>
-            <a:off x="482600" y="6368138"/>
-            <a:ext cx="11147071" cy="0"/>
-          </a:xfrm>
-          <a:prstGeom prst="line">
-            <a:avLst/>
-          </a:prstGeom>
-          <a:ln w="28575">
-            <a:solidFill>
-              <a:schemeClr val="tx2"/>
-            </a:solidFill>
-          </a:ln>
-        </p:spPr>
-        <p:style>
-          <a:lnRef idx="1">
-            <a:schemeClr val="dk1"/>
-          </a:lnRef>
-          <a:fillRef idx="0">
-            <a:schemeClr val="dk1"/>
-          </a:fillRef>
-          <a:effectRef idx="0">
-            <a:schemeClr val="dk1"/>
-          </a:effectRef>
-          <a:fontRef idx="minor">
-            <a:schemeClr val="tx1"/>
-          </a:fontRef>
-        </p:style>
-      </p:cxnSp>
-      <p:sp useBgFill="1">
-        <p:nvSpPr>
-          <p:cNvPr id="14" name="Rectangle 13">
-            <a:extLst>
-              <a:ext uri="{FF2B5EF4-FFF2-40B4-BE49-F238E27FC236}">
-                <a16:creationId xmlns:a16="http://schemas.microsoft.com/office/drawing/2014/main" id="{92B0CFF1-78D7-4A83-A95E-71F9E3831622}"/>
-              </a:ext>
-              <a:ext uri="{C183D7F6-B498-43B3-948B-1728B52AA6E4}">
-                <adec:decorative xmlns:adec="http://schemas.microsoft.com/office/drawing/2017/decorative" val="1"/>
-              </a:ext>
-            </a:extLst>
-          </p:cNvPr>
-          <p:cNvSpPr>
-            <a:spLocks noGrp="1" noRot="1" noChangeAspect="1" noMove="1" noResize="1" noEditPoints="1" noAdjustHandles="1" noChangeArrowheads="1" noChangeShapeType="1" noTextEdit="1"/>
-          </p:cNvSpPr>
-          <p:nvPr>
-            <p:extLst>
-              <p:ext uri="{386F3935-93C4-4BCD-93E2-E3B085C9AB24}">
-                <p16:designElem xmlns:p16="http://schemas.microsoft.com/office/powerpoint/2015/main" val="1"/>
-              </p:ext>
-            </p:extLst>
-          </p:nvPr>
-        </p:nvSpPr>
-        <p:spPr>
-          <a:xfrm>
-            <a:off x="0" y="0"/>
-            <a:ext cx="12192000" cy="6858001"/>
-          </a:xfrm>
-          <a:prstGeom prst="rect">
-            <a:avLst/>
-          </a:prstGeom>
-          <a:ln>
-            <a:noFill/>
-          </a:ln>
-        </p:spPr>
-        <p:style>
-          <a:lnRef idx="2">
-            <a:schemeClr val="accent1">
-              <a:shade val="50000"/>
-            </a:schemeClr>
-          </a:lnRef>
-          <a:fillRef idx="1">
-            <a:schemeClr val="accent1"/>
-          </a:fillRef>
-          <a:effectRef idx="0">
-            <a:schemeClr val="accent1"/>
-          </a:effectRef>
-          <a:fontRef idx="minor">
-            <a:schemeClr val="lt1"/>
-          </a:fontRef>
-        </p:style>
-        <p:txBody>
-          <a:bodyPr rtlCol="0" anchor="ctr"/>
-          <a:lstStyle/>
-          <a:p>
-            <a:pPr algn="ctr"/>
-            <a:endParaRPr lang="en-US" dirty="0"/>
-          </a:p>
-        </p:txBody>
-      </p:sp>
-      <p:sp>
-        <p:nvSpPr>
-          <p:cNvPr id="2" name="Titolo 1">
-            <a:extLst>
-              <a:ext uri="{FF2B5EF4-FFF2-40B4-BE49-F238E27FC236}">
-                <a16:creationId xmlns:a16="http://schemas.microsoft.com/office/drawing/2014/main" id="{DC8DD53F-FF97-F021-89AD-6B55BA8F8996}"/>
-              </a:ext>
-            </a:extLst>
-          </p:cNvPr>
-          <p:cNvSpPr>
-            <a:spLocks noGrp="1"/>
-          </p:cNvSpPr>
-          <p:nvPr>
-            <p:ph type="ctrTitle"/>
-          </p:nvPr>
-        </p:nvSpPr>
-        <p:spPr>
-          <a:xfrm>
-            <a:off x="3417515" y="642151"/>
-            <a:ext cx="5356970" cy="814420"/>
-          </a:xfrm>
-        </p:spPr>
-        <p:txBody>
-          <a:bodyPr vert="horz" lIns="91440" tIns="45720" rIns="91440" bIns="45720" rtlCol="0" anchor="ctr">
-            <a:normAutofit/>
-          </a:bodyPr>
-          <a:lstStyle/>
-          <a:p>
-            <a:pPr>
-              <a:lnSpc>
-                <a:spcPct val="90000"/>
-              </a:lnSpc>
-            </a:pPr>
-            <a:r>
-              <a:rPr lang="en-US" sz="3200" dirty="0"/>
-              <a:t>Goals and research questions</a:t>
-            </a:r>
-          </a:p>
-        </p:txBody>
-      </p:sp>
-      <p:cxnSp>
-        <p:nvCxnSpPr>
-          <p:cNvPr id="16" name="Straight Connector 15">
-            <a:extLst>
-              <a:ext uri="{FF2B5EF4-FFF2-40B4-BE49-F238E27FC236}">
-                <a16:creationId xmlns:a16="http://schemas.microsoft.com/office/drawing/2014/main" id="{5971AF9D-C565-4DF8-BDC9-EE1451B02007}"/>
-              </a:ext>
-              <a:ext uri="{C183D7F6-B498-43B3-948B-1728B52AA6E4}">
-                <adec:decorative xmlns:adec="http://schemas.microsoft.com/office/drawing/2017/decorative" val="1"/>
-              </a:ext>
-            </a:extLst>
-          </p:cNvPr>
-          <p:cNvCxnSpPr>
-            <a:cxnSpLocks noGrp="1" noRot="1" noChangeAspect="1" noMove="1" noResize="1" noEditPoints="1" noAdjustHandles="1" noChangeArrowheads="1" noChangeShapeType="1"/>
-          </p:cNvCxnSpPr>
-          <p:nvPr>
-            <p:extLst>
-              <p:ext uri="{386F3935-93C4-4BCD-93E2-E3B085C9AB24}">
-                <p16:designElem xmlns:p16="http://schemas.microsoft.com/office/powerpoint/2015/main" val="1"/>
-              </p:ext>
-            </p:extLst>
-          </p:nvPr>
-        </p:nvCxnSpPr>
-        <p:spPr>
-          <a:xfrm>
-            <a:off x="482600" y="489855"/>
-            <a:ext cx="11147071" cy="0"/>
-          </a:xfrm>
-          <a:prstGeom prst="line">
-            <a:avLst/>
-          </a:prstGeom>
-          <a:ln w="28575">
-            <a:solidFill>
-              <a:schemeClr val="tx1"/>
-            </a:solidFill>
-          </a:ln>
-        </p:spPr>
-        <p:style>
-          <a:lnRef idx="1">
-            <a:schemeClr val="dk1"/>
-          </a:lnRef>
-          <a:fillRef idx="0">
-            <a:schemeClr val="dk1"/>
-          </a:fillRef>
-          <a:effectRef idx="0">
-            <a:schemeClr val="dk1"/>
-          </a:effectRef>
-          <a:fontRef idx="minor">
-            <a:schemeClr val="tx1"/>
-          </a:fontRef>
-        </p:style>
-      </p:cxnSp>
-      <p:sp>
-        <p:nvSpPr>
-          <p:cNvPr id="3" name="Sottotitolo 2">
-            <a:extLst>
-              <a:ext uri="{FF2B5EF4-FFF2-40B4-BE49-F238E27FC236}">
-                <a16:creationId xmlns:a16="http://schemas.microsoft.com/office/drawing/2014/main" id="{51CE8FE2-0969-2CC3-40AB-94D62B0CDFBD}"/>
-              </a:ext>
-            </a:extLst>
-          </p:cNvPr>
-          <p:cNvSpPr>
-            <a:spLocks noGrp="1"/>
-          </p:cNvSpPr>
-          <p:nvPr>
-            <p:ph type="subTitle" idx="1"/>
-          </p:nvPr>
-        </p:nvSpPr>
-        <p:spPr>
-          <a:xfrm>
-            <a:off x="482600" y="2550450"/>
-            <a:ext cx="6288265" cy="3638209"/>
-          </a:xfrm>
-        </p:spPr>
-        <p:txBody>
-          <a:bodyPr vert="horz" lIns="91440" tIns="45720" rIns="91440" bIns="45720" rtlCol="0">
-            <a:normAutofit fontScale="40000" lnSpcReduction="20000"/>
-          </a:bodyPr>
-          <a:lstStyle/>
-          <a:p>
-            <a:pPr marL="457200" indent="-457200" algn="just">
-              <a:lnSpc>
-                <a:spcPct val="120000"/>
-              </a:lnSpc>
-              <a:buFont typeface="Arial" panose="020B0604020202020204" pitchFamily="34" charset="0"/>
-              <a:buChar char="•"/>
-            </a:pPr>
-            <a:r>
-              <a:rPr lang="en-US" sz="3800" dirty="0"/>
-              <a:t>How the housing market prices have changed? Are there differences between distinct neighborhoods? Can we observe a connection between prices and number of eviction notices?</a:t>
-            </a:r>
-          </a:p>
           <a:p>
             <a:pPr algn="just">
               <a:lnSpc>
                 <a:spcPct val="120000"/>
               </a:lnSpc>
             </a:pPr>
-            <a:endParaRPr lang="en-US" sz="3800" dirty="0"/>
-          </a:p>
-          <a:p>
-            <a:pPr marL="457200" indent="-457200" algn="just">
-              <a:lnSpc>
-                <a:spcPct val="120000"/>
-              </a:lnSpc>
-              <a:buFont typeface="Arial" panose="020B0604020202020204" pitchFamily="34" charset="0"/>
-              <a:buChar char="•"/>
-            </a:pPr>
-            <a:r>
-              <a:rPr lang="en-US" sz="3800" dirty="0"/>
-              <a:t>How could the government act to fight the gentrification and displacement phenomena? Will the construction of new houses produce an increase of the prices (because of an improvement of the quality of the neighborhood) or the opposite ( because of the increment of the offer )? </a:t>
+            <a:r>
+              <a:rPr lang="en-US" sz="6000" dirty="0"/>
+              <a:t>Our main goal is to study the gentrification and displacement phenomena in SF and to provide to the local government precious information about trends in the neighborhoods and measures to tackle the problem. In order to do so, we  take into consideration rent prices and eviction notices/buyout agreements as two different measures of displacement and gentrification</a:t>
             </a:r>
           </a:p>
           <a:p>
@@ -6822,44 +6352,23 @@
                 <a:spcPct val="120000"/>
               </a:lnSpc>
             </a:pPr>
-            <a:endParaRPr lang="en-US" sz="3800" dirty="0"/>
-          </a:p>
-          <a:p>
-            <a:pPr marL="457200" indent="-457200" algn="just">
+            <a:endParaRPr lang="en-US" sz="6000" dirty="0"/>
+          </a:p>
+          <a:p>
+            <a:pPr>
               <a:lnSpc>
                 <a:spcPct val="120000"/>
               </a:lnSpc>
-              <a:buFont typeface="Arial" panose="020B0604020202020204" pitchFamily="34" charset="0"/>
-              <a:buChar char="•"/>
             </a:pPr>
-            <a:r>
-              <a:rPr lang="en-US" sz="3800" dirty="0"/>
-              <a:t>Assuming that the number of eviction notices can be considered as a rough measure of the gentrification, how has it been during the past years and how can we expect it will evolve?</a:t>
-            </a:r>
-          </a:p>
-          <a:p>
-            <a:pPr algn="just">
+            <a:endParaRPr lang="en-US" sz="6000" dirty="0"/>
+          </a:p>
+          <a:p>
+            <a:pPr>
               <a:lnSpc>
-                <a:spcPct val="90000"/>
+                <a:spcPct val="120000"/>
               </a:lnSpc>
             </a:pPr>
-            <a:endParaRPr lang="en-US" sz="1100" dirty="0"/>
-          </a:p>
-          <a:p>
-            <a:pPr>
-              <a:lnSpc>
-                <a:spcPct val="90000"/>
-              </a:lnSpc>
-            </a:pPr>
-            <a:endParaRPr lang="en-US" sz="1100" dirty="0"/>
-          </a:p>
-          <a:p>
-            <a:pPr>
-              <a:lnSpc>
-                <a:spcPct val="90000"/>
-              </a:lnSpc>
-            </a:pPr>
-            <a:endParaRPr lang="en-US" sz="1100" dirty="0"/>
+            <a:endParaRPr lang="en-US" sz="6000" dirty="0"/>
           </a:p>
           <a:p>
             <a:pPr>
@@ -6925,49 +6434,10 @@
       </p:cxnSp>
       <p:pic>
         <p:nvPicPr>
-          <p:cNvPr id="5" name="Elemento grafico 4" descr="Badge Punto interrogativo contorno">
-            <a:extLst>
-              <a:ext uri="{FF2B5EF4-FFF2-40B4-BE49-F238E27FC236}">
-                <a16:creationId xmlns:a16="http://schemas.microsoft.com/office/drawing/2014/main" id="{86006BA8-FC5F-AA40-CA1E-5ADDADB377EC}"/>
-              </a:ext>
-            </a:extLst>
-          </p:cNvPr>
-          <p:cNvPicPr>
-            <a:picLocks noChangeAspect="1"/>
-          </p:cNvPicPr>
-          <p:nvPr/>
-        </p:nvPicPr>
-        <p:blipFill>
-          <a:blip r:embed="rId2">
-            <a:extLst>
-              <a:ext uri="{28A0092B-C50C-407E-A947-70E740481C1C}">
-                <a14:useLocalDpi xmlns:a14="http://schemas.microsoft.com/office/drawing/2010/main" val="0"/>
-              </a:ext>
-              <a:ext uri="{96DAC541-7B7A-43D3-8B79-37D633B846F1}">
-                <asvg:svgBlip xmlns:asvg="http://schemas.microsoft.com/office/drawing/2016/SVG/main" r:embed="rId3"/>
-              </a:ext>
-            </a:extLst>
-          </a:blip>
-          <a:stretch>
-            <a:fillRect/>
-          </a:stretch>
-        </p:blipFill>
-        <p:spPr>
-          <a:xfrm>
-            <a:off x="2998773" y="1294533"/>
-            <a:ext cx="1255917" cy="1255917"/>
-          </a:xfrm>
-          <a:prstGeom prst="rect">
-            <a:avLst/>
-          </a:prstGeom>
-        </p:spPr>
-      </p:pic>
-      <p:pic>
-        <p:nvPicPr>
-          <p:cNvPr id="8" name="Elemento grafico 7" descr="Presentazione con elenco di controllo contorno">
-            <a:extLst>
-              <a:ext uri="{FF2B5EF4-FFF2-40B4-BE49-F238E27FC236}">
-                <a16:creationId xmlns:a16="http://schemas.microsoft.com/office/drawing/2014/main" id="{1EA5E7D9-2A62-7C9E-C9CF-A151E1DD2FF9}"/>
+          <p:cNvPr id="8" name="Elemento grafico 7" descr="Tiro a segno con riempimento a tinta unita">
+            <a:extLst>
+              <a:ext uri="{FF2B5EF4-FFF2-40B4-BE49-F238E27FC236}">
+                <a16:creationId xmlns:a16="http://schemas.microsoft.com/office/drawing/2014/main" id="{65FEAA66-907E-D662-60F6-78F156DDBF81}"/>
               </a:ext>
             </a:extLst>
           </p:cNvPr>
@@ -6993,8 +6463,8 @@
         </p:blipFill>
         <p:spPr>
           <a:xfrm>
-            <a:off x="8745438" y="1312311"/>
-            <a:ext cx="914400" cy="914400"/>
+            <a:off x="1116874" y="1694697"/>
+            <a:ext cx="1458238" cy="1458238"/>
           </a:xfrm>
           <a:prstGeom prst="rect">
             <a:avLst/>
@@ -7006,7 +6476,7 @@
           <p:cNvPr id="9" name="CasellaDiTesto 8">
             <a:extLst>
               <a:ext uri="{FF2B5EF4-FFF2-40B4-BE49-F238E27FC236}">
-                <a16:creationId xmlns:a16="http://schemas.microsoft.com/office/drawing/2014/main" id="{6E620E6D-36BB-4B56-72A9-5BB17503C099}"/>
+                <a16:creationId xmlns:a16="http://schemas.microsoft.com/office/drawing/2014/main" id="{A1EE5849-E56D-9FB1-01F3-B131B39FFF27}"/>
               </a:ext>
             </a:extLst>
           </p:cNvPr>
@@ -7015,8 +6485,8 @@
         </p:nvSpPr>
         <p:spPr>
           <a:xfrm>
-            <a:off x="7383294" y="2551933"/>
-            <a:ext cx="4134255" cy="323165"/>
+            <a:off x="1116874" y="3587773"/>
+            <a:ext cx="7353025" cy="2697726"/>
           </a:xfrm>
           <a:prstGeom prst="rect">
             <a:avLst/>
@@ -7029,30 +6499,47 @@
           </a:bodyPr>
           <a:lstStyle/>
           <a:p>
-            <a:pPr marL="285750" indent="-285750">
-              <a:buFont typeface="Arial" panose="020B0604020202020204" pitchFamily="34" charset="0"/>
-              <a:buChar char="•"/>
+            <a:pPr algn="just"/>
+            <a:r>
+              <a:rPr lang="en-US" sz="1500" dirty="0"/>
+              <a:t>How have the housing market prices changed? Are there differences between neighborhoods? What about the number of eviction notices/buyout agreements? Did they change during the past 15 years and how are they distributed across SF?</a:t>
+            </a:r>
+          </a:p>
+          <a:p>
+            <a:pPr algn="just"/>
+            <a:r>
+              <a:rPr lang="en-US" sz="1500" dirty="0"/>
+              <a:t>Increasing the housing supply should mitigate rent increases, but new buildings could also stimulate demand for nearby housing by improving neighborhood quality, which of these two effect is the prevalent one? </a:t>
+            </a:r>
+          </a:p>
+          <a:p>
+            <a:pPr algn="just"/>
+            <a:r>
+              <a:rPr lang="en-US" sz="1500" dirty="0"/>
+              <a:t>Which is the effect of new construction and rent prices on the number of eviction notices/buyout agreements in nearby buildings?</a:t>
+            </a:r>
+          </a:p>
+          <a:p>
+            <a:pPr algn="just"/>
+            <a:r>
+              <a:rPr lang="en-US" sz="1500" dirty="0"/>
+              <a:t>Do the two proxies for displacement/gentrification behave differently to new construction? Do they suggest different policies?</a:t>
+            </a:r>
+          </a:p>
+          <a:p>
+            <a:pPr>
+              <a:lnSpc>
+                <a:spcPct val="120000"/>
+              </a:lnSpc>
             </a:pPr>
-            <a:r>
-              <a:rPr lang="it-IT" sz="1500" dirty="0" err="1"/>
-              <a:t>Try</a:t>
-            </a:r>
-            <a:r>
-              <a:rPr lang="it-IT" sz="1500" dirty="0"/>
-              <a:t> to </a:t>
-            </a:r>
-            <a:r>
-              <a:rPr lang="it-IT" sz="1500" dirty="0" err="1"/>
-              <a:t>understand</a:t>
-            </a:r>
-            <a:endParaRPr lang="it-IT" sz="1500" dirty="0"/>
+            <a:endParaRPr lang="en-US" sz="1800" dirty="0"/>
           </a:p>
         </p:txBody>
       </p:sp>
     </p:spTree>
     <p:extLst>
       <p:ext uri="{BB962C8B-B14F-4D97-AF65-F5344CB8AC3E}">
-        <p14:creationId xmlns:p14="http://schemas.microsoft.com/office/powerpoint/2010/main" val="2484962945"/>
+        <p14:creationId xmlns:p14="http://schemas.microsoft.com/office/powerpoint/2010/main" val="571444457"/>
       </p:ext>
     </p:extLst>
   </p:cSld>
@@ -7062,7 +6549,7 @@
 </p:sld>
 </file>
 
-<file path=ppt/slides/slide5.xml><?xml version="1.0" encoding="utf-8"?>
+<file path=ppt/slides/slide4.xml><?xml version="1.0" encoding="utf-8"?>
 <p:sld xmlns:a="http://schemas.openxmlformats.org/drawingml/2006/main" xmlns:r="http://schemas.openxmlformats.org/officeDocument/2006/relationships" xmlns:p="http://schemas.openxmlformats.org/presentationml/2006/main">
   <p:cSld>
     <p:spTree>
@@ -7124,8 +6611,8 @@
           </a:p>
         </p:txBody>
       </p:sp>
-      <mc:AlternateContent xmlns:mc="http://schemas.openxmlformats.org/markup-compatibility/2006" xmlns:a14="http://schemas.microsoft.com/office/drawing/2010/main">
-        <mc:Choice Requires="a14">
+      <mc:AlternateContent xmlns:mc="http://schemas.openxmlformats.org/markup-compatibility/2006">
+        <mc:Choice xmlns:a14="http://schemas.microsoft.com/office/drawing/2010/main" Requires="a14">
           <p:sp>
             <p:nvSpPr>
               <p:cNvPr id="3" name="Sottotitolo 2">
@@ -7144,13 +6631,13 @@
             </p:nvSpPr>
             <p:spPr>
               <a:xfrm>
-                <a:off x="949958" y="1678764"/>
-                <a:ext cx="10292079" cy="4078941"/>
+                <a:off x="738292" y="1729564"/>
+                <a:ext cx="10292079" cy="1377703"/>
               </a:xfrm>
             </p:spPr>
             <p:txBody>
               <a:bodyPr>
-                <a:normAutofit/>
+                <a:normAutofit fontScale="92500" lnSpcReduction="10000"/>
               </a:bodyPr>
               <a:lstStyle/>
               <a:p>
@@ -7168,23 +6655,31 @@
                 </a:r>
                 <a:r>
                   <a:rPr lang="it-IT" sz="1400" dirty="0"/>
-                  <a:t> of the </a:t>
+                  <a:t>: </a:t>
                 </a:r>
                 <a:r>
                   <a:rPr lang="it-IT" sz="1400" dirty="0" err="1"/>
-                  <a:t>average</a:t>
+                  <a:t>functional</a:t>
                 </a:r>
                 <a:r>
                   <a:rPr lang="it-IT" sz="1400" dirty="0"/>
-                  <a:t> prices and </a:t>
+                  <a:t> </a:t>
                 </a:r>
                 <a:r>
                   <a:rPr lang="it-IT" sz="1400" dirty="0" err="1"/>
-                  <a:t>number</a:t>
+                  <a:t>tests</a:t>
                 </a:r>
                 <a:r>
                   <a:rPr lang="it-IT" sz="1400" dirty="0"/>
-                  <a:t> of </a:t>
+                  <a:t> and one-way ANOVA for </a:t>
+                </a:r>
+                <a:r>
+                  <a:rPr lang="it-IT" sz="1400" dirty="0" err="1"/>
+                  <a:t>rent</a:t>
+                </a:r>
+                <a:r>
+                  <a:rPr lang="it-IT" sz="1400" dirty="0"/>
+                  <a:t> prices or </a:t>
                 </a:r>
                 <a:r>
                   <a:rPr lang="it-IT" sz="1400" dirty="0" err="1"/>
@@ -7200,31 +6695,7 @@
                 </a:r>
                 <a:r>
                   <a:rPr lang="it-IT" sz="1400" dirty="0"/>
-                  <a:t> for </a:t>
-                </a:r>
-                <a:r>
-                  <a:rPr lang="it-IT" sz="1400" dirty="0" err="1"/>
-                  <a:t>each</a:t>
-                </a:r>
-                <a:r>
-                  <a:rPr lang="it-IT" sz="1400" dirty="0"/>
-                  <a:t> </a:t>
-                </a:r>
-                <a:r>
-                  <a:rPr lang="it-IT" sz="1400" dirty="0" err="1"/>
-                  <a:t>neighborhood</a:t>
-                </a:r>
-                <a:r>
-                  <a:rPr lang="it-IT" sz="1400" dirty="0"/>
-                  <a:t> </a:t>
-                </a:r>
-                <a:r>
-                  <a:rPr lang="it-IT" sz="1400" dirty="0" err="1"/>
-                  <a:t>as</a:t>
-                </a:r>
-                <a:r>
-                  <a:rPr lang="it-IT" sz="1400" dirty="0"/>
-                  <a:t> </a:t>
+                  <a:t> as </a:t>
                 </a:r>
                 <a:r>
                   <a:rPr lang="it-IT" sz="1400" dirty="0" err="1"/>
@@ -7232,8 +6703,21 @@
                 </a:r>
                 <a:r>
                   <a:rPr lang="it-IT" sz="1400" dirty="0"/>
-                  <a:t> of time</a:t>
+                  <a:t> of time </a:t>
                 </a:r>
+                <a:r>
+                  <a:rPr lang="it-IT" sz="1400" dirty="0" err="1"/>
+                  <a:t>grouping</a:t>
+                </a:r>
+                <a:r>
+                  <a:rPr lang="it-IT" sz="1400" dirty="0"/>
+                  <a:t> by </a:t>
+                </a:r>
+                <a:r>
+                  <a:rPr lang="it-IT" sz="1400" dirty="0" err="1"/>
+                  <a:t>neighborhood</a:t>
+                </a:r>
+                <a:endParaRPr lang="it-IT" sz="1400" dirty="0"/>
               </a:p>
               <a:p>
                 <a:pPr marL="342900" indent="-342900" algn="just">
@@ -7242,103 +6726,175 @@
                 </a:pPr>
                 <a:r>
                   <a:rPr lang="it-IT" sz="1400" dirty="0"/>
-                  <a:t>GAM model for : </a:t>
+                  <a:t>GAM model for: </a:t>
                 </a:r>
                 <a14:m>
                   <m:oMath xmlns:m="http://schemas.openxmlformats.org/officeDocument/2006/math">
                     <m:r>
-                      <a:rPr lang="it-IT" sz="1400" b="0" i="1" smtClean="0">
+                      <a:rPr lang="it-IT" sz="1300" b="0" i="1" smtClean="0">
                         <a:latin typeface="Cambria Math" panose="02040503050406030204" pitchFamily="18" charset="0"/>
                       </a:rPr>
                       <m:t>𝑟𝑒𝑛𝑡</m:t>
                     </m:r>
                     <m:r>
-                      <a:rPr lang="it-IT" sz="1400" b="0" i="1" smtClean="0">
+                      <a:rPr lang="it-IT" sz="1300" b="0" i="1" smtClean="0">
                         <a:latin typeface="Cambria Math" panose="02040503050406030204" pitchFamily="18" charset="0"/>
                       </a:rPr>
                       <m:t> </m:t>
                     </m:r>
                     <m:r>
-                      <a:rPr lang="it-IT" sz="1400" b="0" i="1" smtClean="0">
+                      <a:rPr lang="it-IT" sz="1300" b="0" i="1" smtClean="0">
                         <a:latin typeface="Cambria Math" panose="02040503050406030204" pitchFamily="18" charset="0"/>
                       </a:rPr>
                       <m:t>𝑝𝑟𝑖𝑐𝑒</m:t>
                     </m:r>
                     <m:r>
-                      <a:rPr lang="it-IT" sz="1400" b="0" i="1" smtClean="0">
+                      <a:rPr lang="it-IT" sz="1300" b="0" i="1" smtClean="0">
                         <a:latin typeface="Cambria Math" panose="02040503050406030204" pitchFamily="18" charset="0"/>
                       </a:rPr>
                       <m:t>  ~  </m:t>
                     </m:r>
                     <m:r>
-                      <a:rPr lang="it-IT" sz="1400" b="0" i="1" smtClean="0">
+                      <a:rPr lang="it-IT" sz="1300" b="0" i="1" smtClean="0">
                         <a:latin typeface="Cambria Math" panose="02040503050406030204" pitchFamily="18" charset="0"/>
                       </a:rPr>
-                      <m:t>𝑛𝑒𝑖𝑔h𝑏𝑜𝑟h𝑜𝑜𝑑</m:t>
+                      <m:t>𝑛h𝑜𝑜𝑑</m:t>
                     </m:r>
                     <m:r>
-                      <a:rPr lang="it-IT" sz="1400" b="0" i="1" smtClean="0">
+                      <a:rPr lang="it-IT" sz="1300" b="0" i="1" smtClean="0">
                         <a:latin typeface="Cambria Math" panose="02040503050406030204" pitchFamily="18" charset="0"/>
                       </a:rPr>
-                      <m:t>+#</m:t>
+                      <m:t> +</m:t>
                     </m:r>
                     <m:r>
-                      <a:rPr lang="it-IT" sz="1400" b="0" i="1" smtClean="0">
+                      <a:rPr lang="it-IT" sz="1300" b="0" i="1" smtClean="0">
+                        <a:latin typeface="Cambria Math" panose="02040503050406030204" pitchFamily="18" charset="0"/>
+                      </a:rPr>
+                      <m:t>𝑦𝑒𝑎𝑟</m:t>
+                    </m:r>
+                    <m:r>
+                      <a:rPr lang="it-IT" sz="1300" b="0" i="1" smtClean="0">
+                        <a:latin typeface="Cambria Math" panose="02040503050406030204" pitchFamily="18" charset="0"/>
+                      </a:rPr>
+                      <m:t>+</m:t>
+                    </m:r>
+                    <m:r>
+                      <a:rPr lang="it-IT" sz="1300" b="0" i="1" smtClean="0">
+                        <a:latin typeface="Cambria Math" panose="02040503050406030204" pitchFamily="18" charset="0"/>
+                      </a:rPr>
+                      <m:t>𝑛h𝑜𝑜𝑑</m:t>
+                    </m:r>
+                    <m:r>
+                      <a:rPr lang="it-IT" sz="1300" b="0" i="1" smtClean="0">
+                        <a:latin typeface="Cambria Math" panose="02040503050406030204" pitchFamily="18" charset="0"/>
+                      </a:rPr>
+                      <m:t>:</m:t>
+                    </m:r>
+                    <m:r>
+                      <a:rPr lang="it-IT" sz="1300" b="0" i="1" smtClean="0">
+                        <a:latin typeface="Cambria Math" panose="02040503050406030204" pitchFamily="18" charset="0"/>
+                      </a:rPr>
+                      <m:t>𝑦𝑒𝑎𝑟</m:t>
+                    </m:r>
+                    <m:r>
+                      <a:rPr lang="it-IT" sz="1300" b="0" i="1" smtClean="0">
+                        <a:latin typeface="Cambria Math" panose="02040503050406030204" pitchFamily="18" charset="0"/>
+                      </a:rPr>
+                      <m:t> + #</m:t>
+                    </m:r>
+                    <m:r>
+                      <a:rPr lang="it-IT" sz="1300" b="0" i="1" smtClean="0">
                         <a:latin typeface="Cambria Math" panose="02040503050406030204" pitchFamily="18" charset="0"/>
                       </a:rPr>
                       <m:t>𝑛𝑒𝑤</m:t>
                     </m:r>
                     <m:r>
-                      <a:rPr lang="it-IT" sz="1400" b="0" i="1" smtClean="0">
+                      <a:rPr lang="it-IT" sz="1300" b="0" i="1" smtClean="0">
                         <a:latin typeface="Cambria Math" panose="02040503050406030204" pitchFamily="18" charset="0"/>
                       </a:rPr>
                       <m:t> </m:t>
                     </m:r>
                     <m:r>
-                      <a:rPr lang="it-IT" sz="1400" b="0" i="1" smtClean="0">
+                      <a:rPr lang="it-IT" sz="1300" b="0" i="1" smtClean="0">
                         <a:latin typeface="Cambria Math" panose="02040503050406030204" pitchFamily="18" charset="0"/>
                       </a:rPr>
-                      <m:t>𝑐𝑜𝑛𝑠𝑡𝑟𝑢𝑐𝑡𝑖𝑜𝑛</m:t>
+                      <m:t>𝑐𝑜𝑛𝑠𝑡𝑟𝑢𝑐𝑡𝑖𝑜𝑛𝑠</m:t>
                     </m:r>
                     <m:r>
-                      <a:rPr lang="it-IT" sz="1400" b="0" i="1" smtClean="0">
+                      <a:rPr lang="it-IT" sz="1300" b="0" i="1" smtClean="0">
                         <a:latin typeface="Cambria Math" panose="02040503050406030204" pitchFamily="18" charset="0"/>
                       </a:rPr>
                       <m:t> </m:t>
                     </m:r>
                     <m:r>
-                      <a:rPr lang="it-IT" sz="1400" b="0" i="1" smtClean="0">
+                      <a:rPr lang="it-IT" sz="1300" b="0" i="1" smtClean="0">
                         <a:latin typeface="Cambria Math" panose="02040503050406030204" pitchFamily="18" charset="0"/>
                       </a:rPr>
                       <m:t>𝑤𝑖𝑡h𝑖𝑛</m:t>
                     </m:r>
                     <m:r>
-                      <a:rPr lang="it-IT" sz="1400" b="0" i="1" smtClean="0">
+                      <a:rPr lang="it-IT" sz="1300" b="0" i="1" smtClean="0">
                         <a:latin typeface="Cambria Math" panose="02040503050406030204" pitchFamily="18" charset="0"/>
                       </a:rPr>
                       <m:t> 0.5 , 1 ,2.5 </m:t>
                     </m:r>
                     <m:r>
-                      <a:rPr lang="it-IT" sz="1400" b="0" i="1" smtClean="0">
+                      <a:rPr lang="it-IT" sz="1300" b="0" i="1" smtClean="0">
                         <a:latin typeface="Cambria Math" panose="02040503050406030204" pitchFamily="18" charset="0"/>
                       </a:rPr>
                       <m:t>𝑘𝑚</m:t>
                     </m:r>
                     <m:r>
-                      <a:rPr lang="it-IT" sz="1400" b="0" i="1" smtClean="0">
+                      <a:rPr lang="it-IT" sz="1300" b="0" i="1" smtClean="0">
                         <a:latin typeface="Cambria Math" panose="02040503050406030204" pitchFamily="18" charset="0"/>
                       </a:rPr>
                       <m:t>+</m:t>
                     </m:r>
                     <m:r>
-                      <a:rPr lang="it-IT" sz="1400" b="0" i="1" smtClean="0">
+                      <a:rPr lang="it-IT" sz="1300" b="0" i="1" smtClean="0">
                         <a:latin typeface="Cambria Math" panose="02040503050406030204" pitchFamily="18" charset="0"/>
                       </a:rPr>
-                      <m:t>𝑦𝑒𝑎𝑟</m:t>
+                      <m:t>𝑑𝑖𝑠𝑡𝑎𝑛𝑐𝑒</m:t>
+                    </m:r>
+                    <m:r>
+                      <a:rPr lang="it-IT" sz="1300" b="0" i="1" smtClean="0">
+                        <a:latin typeface="Cambria Math" panose="02040503050406030204" pitchFamily="18" charset="0"/>
+                      </a:rPr>
+                      <m:t> </m:t>
+                    </m:r>
+                    <m:r>
+                      <a:rPr lang="it-IT" sz="1300" b="0" i="1" smtClean="0">
+                        <a:latin typeface="Cambria Math" panose="02040503050406030204" pitchFamily="18" charset="0"/>
+                      </a:rPr>
+                      <m:t>𝑓𝑟𝑜𝑚</m:t>
+                    </m:r>
+                    <m:r>
+                      <a:rPr lang="it-IT" sz="1300" b="0" i="1" smtClean="0">
+                        <a:latin typeface="Cambria Math" panose="02040503050406030204" pitchFamily="18" charset="0"/>
+                      </a:rPr>
+                      <m:t> </m:t>
+                    </m:r>
+                    <m:r>
+                      <a:rPr lang="it-IT" sz="1300" b="0" i="1" smtClean="0">
+                        <a:latin typeface="Cambria Math" panose="02040503050406030204" pitchFamily="18" charset="0"/>
+                      </a:rPr>
+                      <m:t>𝑓𝑖𝑛𝑎𝑛𝑐𝑖𝑎𝑙</m:t>
+                    </m:r>
+                    <m:r>
+                      <a:rPr lang="it-IT" sz="1300" b="0" i="1" smtClean="0">
+                        <a:latin typeface="Cambria Math" panose="02040503050406030204" pitchFamily="18" charset="0"/>
+                      </a:rPr>
+                      <m:t> </m:t>
+                    </m:r>
+                    <m:r>
+                      <a:rPr lang="it-IT" sz="1300" b="0" i="1" smtClean="0">
+                        <a:latin typeface="Cambria Math" panose="02040503050406030204" pitchFamily="18" charset="0"/>
+                      </a:rPr>
+                      <m:t>𝑑𝑖𝑠𝑡𝑟𝑖𝑐𝑡</m:t>
                     </m:r>
                   </m:oMath>
                 </a14:m>
-                <a:endParaRPr lang="it-IT" sz="1400" dirty="0"/>
+                <a:endParaRPr lang="it-IT" sz="1300" b="0" dirty="0"/>
               </a:p>
               <a:p>
                 <a:pPr marL="342900" indent="-342900" algn="just">
@@ -7483,7 +7039,7 @@
             </p:txBody>
           </p:sp>
         </mc:Choice>
-        <mc:Fallback xmlns="">
+        <mc:Fallback>
           <p:sp>
             <p:nvSpPr>
               <p:cNvPr id="3" name="Sottotitolo 2">
@@ -7502,13 +7058,13 @@
             </p:nvSpPr>
             <p:spPr>
               <a:xfrm>
-                <a:off x="949958" y="1678764"/>
-                <a:ext cx="10292079" cy="4078941"/>
+                <a:off x="738292" y="1729564"/>
+                <a:ext cx="10292079" cy="1377703"/>
               </a:xfrm>
               <a:blipFill>
                 <a:blip r:embed="rId2"/>
                 <a:stretch>
-                  <a:fillRect l="-237" t="-448"/>
+                  <a:fillRect l="-118" t="-2655" r="-118"/>
                 </a:stretch>
               </a:blipFill>
             </p:spPr>
@@ -7541,8 +7097,8 @@
         </p:nvSpPr>
         <p:spPr>
           <a:xfrm>
-            <a:off x="949958" y="3147911"/>
-            <a:ext cx="5403708" cy="2031325"/>
+            <a:off x="738292" y="3120148"/>
+            <a:ext cx="10641525" cy="1384995"/>
           </a:xfrm>
           <a:prstGeom prst="rect">
             <a:avLst/>
@@ -7555,6 +7111,7 @@
           </a:bodyPr>
           <a:lstStyle/>
           <a:p>
+            <a:pPr algn="just"/>
             <a:r>
               <a:rPr lang="it-IT" sz="1400" dirty="0"/>
               <a:t>For point 2 </a:t>
@@ -7569,7 +7126,7 @@
             </a:r>
           </a:p>
           <a:p>
-            <a:pPr marL="285750" indent="-285750">
+            <a:pPr marL="285750" indent="-285750" algn="just">
               <a:buFont typeface="Arial" panose="020B0604020202020204" pitchFamily="34" charset="0"/>
               <a:buChar char="•"/>
             </a:pPr>
@@ -7616,7 +7173,7 @@
             <a:endParaRPr lang="it-IT" sz="1400" dirty="0"/>
           </a:p>
           <a:p>
-            <a:pPr marL="285750" indent="-285750">
+            <a:pPr marL="285750" indent="-285750" algn="just">
               <a:buFont typeface="Arial" panose="020B0604020202020204" pitchFamily="34" charset="0"/>
               <a:buChar char="•"/>
             </a:pPr>
@@ -7646,31 +7203,79 @@
             </a:r>
             <a:r>
               <a:rPr lang="it-IT" sz="1400" dirty="0"/>
+              <a:t> as the </a:t>
+            </a:r>
+            <a:r>
+              <a:rPr lang="it-IT" sz="1400" dirty="0" err="1"/>
+              <a:t>average</a:t>
+            </a:r>
+            <a:r>
+              <a:rPr lang="it-IT" sz="1400" dirty="0"/>
+              <a:t> of the </a:t>
+            </a:r>
+            <a:r>
+              <a:rPr lang="it-IT" sz="1400" dirty="0" err="1"/>
+              <a:t>average</a:t>
+            </a:r>
+            <a:r>
+              <a:rPr lang="it-IT" sz="1400" dirty="0"/>
+              <a:t> prices of the </a:t>
+            </a:r>
+            <a:r>
+              <a:rPr lang="it-IT" sz="1400" dirty="0" err="1"/>
+              <a:t>neighborhood</a:t>
+            </a:r>
+            <a:r>
+              <a:rPr lang="it-IT" sz="1400" dirty="0"/>
               <a:t> </a:t>
             </a:r>
             <a:r>
               <a:rPr lang="it-IT" sz="1400" dirty="0" err="1"/>
-              <a:t>as</a:t>
-            </a:r>
-            <a:r>
-              <a:rPr lang="it-IT" sz="1400" dirty="0"/>
-              <a:t> the </a:t>
-            </a:r>
-            <a:r>
-              <a:rPr lang="it-IT" sz="1400" dirty="0" err="1"/>
-              <a:t>average</a:t>
-            </a:r>
-            <a:r>
-              <a:rPr lang="it-IT" sz="1400" dirty="0"/>
-              <a:t> of the </a:t>
-            </a:r>
-            <a:r>
-              <a:rPr lang="it-IT" sz="1400" dirty="0" err="1"/>
-              <a:t>average</a:t>
-            </a:r>
-            <a:r>
-              <a:rPr lang="it-IT" sz="1400" dirty="0"/>
-              <a:t> prices of the </a:t>
+              <a:t>weighting</a:t>
+            </a:r>
+            <a:r>
+              <a:rPr lang="it-IT" sz="1400" dirty="0"/>
+              <a:t> on the </a:t>
+            </a:r>
+            <a:r>
+              <a:rPr lang="it-IT" sz="1400" dirty="0" err="1"/>
+              <a:t>distance</a:t>
+            </a:r>
+            <a:r>
+              <a:rPr lang="it-IT" sz="1400" dirty="0"/>
+              <a:t> (</a:t>
+            </a:r>
+            <a:r>
+              <a:rPr lang="it-IT" sz="1400" dirty="0" err="1"/>
+              <a:t>between</a:t>
+            </a:r>
+            <a:r>
+              <a:rPr lang="it-IT" sz="1400" dirty="0"/>
+              <a:t> </a:t>
+            </a:r>
+            <a:r>
+              <a:rPr lang="it-IT" sz="1400" dirty="0" err="1"/>
+              <a:t>centroid</a:t>
+            </a:r>
+            <a:r>
+              <a:rPr lang="it-IT" sz="1400" dirty="0"/>
+              <a:t> of </a:t>
+            </a:r>
+            <a:r>
+              <a:rPr lang="it-IT" sz="1400" dirty="0" err="1"/>
+              <a:t>parcel</a:t>
+            </a:r>
+            <a:r>
+              <a:rPr lang="it-IT" sz="1400" dirty="0"/>
+              <a:t> and </a:t>
+            </a:r>
+            <a:r>
+              <a:rPr lang="it-IT" sz="1400" dirty="0" err="1"/>
+              <a:t>centroid</a:t>
+            </a:r>
+            <a:r>
+              <a:rPr lang="it-IT" sz="1400" dirty="0"/>
+              <a:t> of </a:t>
             </a:r>
             <a:r>
               <a:rPr lang="it-IT" sz="1400" dirty="0" err="1"/>
@@ -7678,72 +7283,24 @@
             </a:r>
             <a:r>
               <a:rPr lang="it-IT" sz="1400" dirty="0"/>
+              <a:t>) for </a:t>
+            </a:r>
+            <a:r>
+              <a:rPr lang="it-IT" sz="1400" dirty="0" err="1"/>
+              <a:t>each</a:t>
+            </a:r>
+            <a:r>
+              <a:rPr lang="it-IT" sz="1400" dirty="0"/>
               <a:t> </a:t>
             </a:r>
             <a:r>
               <a:rPr lang="it-IT" sz="1400" dirty="0" err="1"/>
-              <a:t>weighting</a:t>
-            </a:r>
-            <a:r>
-              <a:rPr lang="it-IT" sz="1400" dirty="0"/>
-              <a:t> on the </a:t>
-            </a:r>
-            <a:r>
-              <a:rPr lang="it-IT" sz="1400" dirty="0" err="1"/>
-              <a:t>distance</a:t>
-            </a:r>
-            <a:r>
-              <a:rPr lang="it-IT" sz="1400" dirty="0"/>
-              <a:t> (</a:t>
-            </a:r>
-            <a:r>
-              <a:rPr lang="it-IT" sz="1400" dirty="0" err="1"/>
-              <a:t>between</a:t>
-            </a:r>
-            <a:r>
-              <a:rPr lang="it-IT" sz="1400" dirty="0"/>
-              <a:t> </a:t>
-            </a:r>
-            <a:r>
-              <a:rPr lang="it-IT" sz="1400" dirty="0" err="1"/>
-              <a:t>centroids</a:t>
-            </a:r>
-            <a:r>
-              <a:rPr lang="it-IT" sz="1400" dirty="0"/>
-              <a:t> of </a:t>
-            </a:r>
-            <a:r>
-              <a:rPr lang="it-IT" sz="1400" dirty="0" err="1"/>
-              <a:t>parcel</a:t>
-            </a:r>
-            <a:r>
-              <a:rPr lang="it-IT" sz="1400" dirty="0"/>
-              <a:t> and </a:t>
-            </a:r>
-            <a:r>
-              <a:rPr lang="it-IT" sz="1400" dirty="0" err="1"/>
-              <a:t>neighborhood</a:t>
-            </a:r>
-            <a:r>
-              <a:rPr lang="it-IT" sz="1400" dirty="0"/>
-              <a:t>) for </a:t>
-            </a:r>
-            <a:r>
-              <a:rPr lang="it-IT" sz="1400" dirty="0" err="1"/>
-              <a:t>each</a:t>
-            </a:r>
-            <a:r>
-              <a:rPr lang="it-IT" sz="1400" dirty="0"/>
-              <a:t> </a:t>
-            </a:r>
-            <a:r>
-              <a:rPr lang="it-IT" sz="1400" dirty="0" err="1"/>
               <a:t>year</a:t>
             </a:r>
             <a:endParaRPr lang="it-IT" sz="1400" dirty="0"/>
           </a:p>
           <a:p>
-            <a:pPr marL="285750" indent="-285750">
+            <a:pPr marL="285750" indent="-285750" algn="just">
               <a:buFont typeface="Arial" panose="020B0604020202020204" pitchFamily="34" charset="0"/>
               <a:buChar char="•"/>
             </a:pPr>
@@ -7833,7 +7390,7 @@
             </a:r>
           </a:p>
           <a:p>
-            <a:pPr marL="285750" indent="-285750">
+            <a:pPr marL="285750" indent="-285750" algn="just">
               <a:buFont typeface="Arial" panose="020B0604020202020204" pitchFamily="34" charset="0"/>
               <a:buChar char="•"/>
             </a:pPr>
@@ -7871,8 +7428,8 @@
         </p:nvSpPr>
         <p:spPr>
           <a:xfrm>
-            <a:off x="7041823" y="3147911"/>
-            <a:ext cx="3271101" cy="523220"/>
+            <a:off x="738292" y="4659329"/>
+            <a:ext cx="10827179" cy="1169551"/>
           </a:xfrm>
           <a:prstGeom prst="rect">
             <a:avLst/>
@@ -7885,6 +7442,7 @@
           </a:bodyPr>
           <a:lstStyle/>
           <a:p>
+            <a:pPr algn="just"/>
             <a:r>
               <a:rPr lang="it-IT" sz="1400" dirty="0"/>
               <a:t>For point 3 </a:t>
@@ -7899,10 +7457,211 @@
             </a:r>
           </a:p>
           <a:p>
-            <a:pPr marL="285750" indent="-285750">
+            <a:pPr marL="285750" indent="-285750" algn="just">
               <a:buFont typeface="Arial" panose="020B0604020202020204" pitchFamily="34" charset="0"/>
               <a:buChar char="•"/>
             </a:pPr>
+            <a:r>
+              <a:rPr lang="it-IT" sz="1400" dirty="0"/>
+              <a:t>Compute the </a:t>
+            </a:r>
+            <a:r>
+              <a:rPr lang="it-IT" sz="1400" dirty="0" err="1"/>
+              <a:t>number</a:t>
+            </a:r>
+            <a:r>
+              <a:rPr lang="it-IT" sz="1400" dirty="0"/>
+              <a:t> of </a:t>
+            </a:r>
+            <a:r>
+              <a:rPr lang="it-IT" sz="1400" dirty="0" err="1"/>
+              <a:t>eviction</a:t>
+            </a:r>
+            <a:r>
+              <a:rPr lang="it-IT" sz="1400" dirty="0"/>
+              <a:t> </a:t>
+            </a:r>
+            <a:r>
+              <a:rPr lang="it-IT" sz="1400" dirty="0" err="1"/>
+              <a:t>notices</a:t>
+            </a:r>
+            <a:r>
+              <a:rPr lang="it-IT" sz="1400" dirty="0"/>
+              <a:t> for </a:t>
+            </a:r>
+            <a:r>
+              <a:rPr lang="it-IT" sz="1400" dirty="0" err="1"/>
+              <a:t>each</a:t>
+            </a:r>
+            <a:r>
+              <a:rPr lang="it-IT" sz="1400" dirty="0"/>
+              <a:t> </a:t>
+            </a:r>
+            <a:r>
+              <a:rPr lang="it-IT" sz="1400" dirty="0" err="1"/>
+              <a:t>neighborhood</a:t>
+            </a:r>
+            <a:r>
+              <a:rPr lang="it-IT" sz="1400" dirty="0"/>
+              <a:t> for </a:t>
+            </a:r>
+            <a:r>
+              <a:rPr lang="it-IT" sz="1400" dirty="0" err="1"/>
+              <a:t>each</a:t>
+            </a:r>
+            <a:r>
+              <a:rPr lang="it-IT" sz="1400" dirty="0"/>
+              <a:t> </a:t>
+            </a:r>
+            <a:r>
+              <a:rPr lang="it-IT" sz="1400" dirty="0" err="1"/>
+              <a:t>year</a:t>
+            </a:r>
+            <a:endParaRPr lang="it-IT" sz="1400" dirty="0"/>
+          </a:p>
+          <a:p>
+            <a:pPr marL="285750" indent="-285750" algn="just">
+              <a:buFont typeface="Arial" panose="020B0604020202020204" pitchFamily="34" charset="0"/>
+              <a:buChar char="•"/>
+            </a:pPr>
+            <a:r>
+              <a:rPr lang="it-IT" sz="1400" dirty="0"/>
+              <a:t>Compute the </a:t>
+            </a:r>
+            <a:r>
+              <a:rPr lang="it-IT" sz="1400" dirty="0" err="1"/>
+              <a:t>number</a:t>
+            </a:r>
+            <a:r>
+              <a:rPr lang="it-IT" sz="1400" dirty="0"/>
+              <a:t> of new </a:t>
+            </a:r>
+            <a:r>
+              <a:rPr lang="it-IT" sz="1400" dirty="0" err="1"/>
+              <a:t>constructions</a:t>
+            </a:r>
+            <a:r>
+              <a:rPr lang="it-IT" sz="1400" dirty="0"/>
+              <a:t> in </a:t>
+            </a:r>
+            <a:r>
+              <a:rPr lang="it-IT" sz="1400" dirty="0" err="1"/>
+              <a:t>each</a:t>
+            </a:r>
+            <a:r>
+              <a:rPr lang="it-IT" sz="1400" dirty="0"/>
+              <a:t> </a:t>
+            </a:r>
+            <a:r>
+              <a:rPr lang="it-IT" sz="1400" dirty="0" err="1"/>
+              <a:t>neighborhood</a:t>
+            </a:r>
+            <a:r>
+              <a:rPr lang="it-IT" sz="1400" dirty="0"/>
+              <a:t> for </a:t>
+            </a:r>
+            <a:r>
+              <a:rPr lang="it-IT" sz="1400" dirty="0" err="1"/>
+              <a:t>each</a:t>
+            </a:r>
+            <a:r>
+              <a:rPr lang="it-IT" sz="1400" dirty="0"/>
+              <a:t> </a:t>
+            </a:r>
+            <a:r>
+              <a:rPr lang="it-IT" sz="1400" dirty="0" err="1"/>
+              <a:t>year</a:t>
+            </a:r>
+            <a:r>
+              <a:rPr lang="it-IT" sz="1400" dirty="0"/>
+              <a:t> (to do so, </a:t>
+            </a:r>
+            <a:r>
+              <a:rPr lang="it-IT" sz="1400" dirty="0" err="1"/>
+              <a:t>we</a:t>
+            </a:r>
+            <a:r>
+              <a:rPr lang="it-IT" sz="1400" dirty="0"/>
+              <a:t> are </a:t>
+            </a:r>
+            <a:r>
+              <a:rPr lang="it-IT" sz="1400" dirty="0" err="1"/>
+              <a:t>trying</a:t>
+            </a:r>
+            <a:r>
+              <a:rPr lang="it-IT" sz="1400" dirty="0"/>
+              <a:t> to </a:t>
+            </a:r>
+            <a:r>
+              <a:rPr lang="it-IT" sz="1400" dirty="0" err="1"/>
+              <a:t>find</a:t>
+            </a:r>
+            <a:r>
+              <a:rPr lang="it-IT" sz="1400" dirty="0"/>
+              <a:t> a way to pass from «</a:t>
+            </a:r>
+            <a:r>
+              <a:rPr lang="it-IT" sz="1400" dirty="0" err="1"/>
+              <a:t>address</a:t>
+            </a:r>
+            <a:r>
+              <a:rPr lang="it-IT" sz="1400" dirty="0"/>
+              <a:t> </a:t>
+            </a:r>
+            <a:r>
+              <a:rPr lang="it-IT" sz="1400" dirty="0" err="1"/>
+              <a:t>level</a:t>
+            </a:r>
+            <a:r>
+              <a:rPr lang="it-IT" sz="1400" dirty="0"/>
+              <a:t>» to «</a:t>
+            </a:r>
+            <a:r>
+              <a:rPr lang="it-IT" sz="1400" dirty="0" err="1"/>
+              <a:t>neighborhood</a:t>
+            </a:r>
+            <a:r>
+              <a:rPr lang="it-IT" sz="1400" dirty="0"/>
+              <a:t> </a:t>
+            </a:r>
+            <a:r>
+              <a:rPr lang="it-IT" sz="1400" dirty="0" err="1"/>
+              <a:t>level</a:t>
+            </a:r>
+            <a:r>
+              <a:rPr lang="it-IT" sz="1400" dirty="0"/>
+              <a:t>» of the </a:t>
+            </a:r>
+            <a:r>
+              <a:rPr lang="it-IT" sz="1400" dirty="0" err="1"/>
+              <a:t>constructions</a:t>
+            </a:r>
+            <a:r>
+              <a:rPr lang="it-IT" sz="1400" dirty="0"/>
+              <a:t>)</a:t>
+            </a:r>
+          </a:p>
+          <a:p>
+            <a:pPr marL="285750" indent="-285750" algn="just">
+              <a:buFont typeface="Arial" panose="020B0604020202020204" pitchFamily="34" charset="0"/>
+              <a:buChar char="•"/>
+            </a:pPr>
+            <a:r>
+              <a:rPr lang="it-IT" sz="1400" dirty="0"/>
+              <a:t>Build the GAM model and </a:t>
+            </a:r>
+            <a:r>
+              <a:rPr lang="it-IT" sz="1400" dirty="0" err="1"/>
+              <a:t>analyze</a:t>
+            </a:r>
+            <a:r>
+              <a:rPr lang="it-IT" sz="1400" dirty="0"/>
+              <a:t> the </a:t>
+            </a:r>
+            <a:r>
+              <a:rPr lang="it-IT" sz="1400" dirty="0" err="1"/>
+              <a:t>results</a:t>
+            </a:r>
             <a:endParaRPr lang="it-IT" sz="1400" dirty="0"/>
           </a:p>
         </p:txBody>

--- a/ppt_parziale.pptx
+++ b/ppt_parziale.pptx
@@ -6631,8 +6631,8 @@
             </p:nvSpPr>
             <p:spPr>
               <a:xfrm>
-                <a:off x="738292" y="1729564"/>
-                <a:ext cx="10292079" cy="1377703"/>
+                <a:off x="707977" y="1603425"/>
+                <a:ext cx="10776046" cy="1635072"/>
               </a:xfrm>
             </p:spPr>
             <p:txBody>
@@ -6646,78 +6646,78 @@
                   <a:buAutoNum type="arabicPeriod"/>
                 </a:pPr>
                 <a:r>
-                  <a:rPr lang="it-IT" sz="1400" dirty="0"/>
+                  <a:rPr lang="it-IT" sz="1500" dirty="0"/>
                   <a:t>Exploratory </a:t>
                 </a:r>
                 <a:r>
-                  <a:rPr lang="it-IT" sz="1400" dirty="0" err="1"/>
+                  <a:rPr lang="it-IT" sz="1500" dirty="0" err="1"/>
                   <a:t>analysis</a:t>
                 </a:r>
                 <a:r>
-                  <a:rPr lang="it-IT" sz="1400" dirty="0"/>
+                  <a:rPr lang="it-IT" sz="1500" dirty="0"/>
                   <a:t>: </a:t>
                 </a:r>
                 <a:r>
-                  <a:rPr lang="it-IT" sz="1400" dirty="0" err="1"/>
+                  <a:rPr lang="it-IT" sz="1500" dirty="0" err="1"/>
                   <a:t>functional</a:t>
                 </a:r>
                 <a:r>
-                  <a:rPr lang="it-IT" sz="1400" dirty="0"/>
+                  <a:rPr lang="it-IT" sz="1500" dirty="0"/>
                   <a:t> </a:t>
                 </a:r>
                 <a:r>
-                  <a:rPr lang="it-IT" sz="1400" dirty="0" err="1"/>
+                  <a:rPr lang="it-IT" sz="1500" dirty="0" err="1"/>
                   <a:t>tests</a:t>
                 </a:r>
                 <a:r>
-                  <a:rPr lang="it-IT" sz="1400" dirty="0"/>
+                  <a:rPr lang="it-IT" sz="1500" dirty="0"/>
                   <a:t> and one-way ANOVA for </a:t>
                 </a:r>
                 <a:r>
-                  <a:rPr lang="it-IT" sz="1400" dirty="0" err="1"/>
+                  <a:rPr lang="it-IT" sz="1500" dirty="0" err="1"/>
                   <a:t>rent</a:t>
                 </a:r>
                 <a:r>
-                  <a:rPr lang="it-IT" sz="1400" dirty="0"/>
+                  <a:rPr lang="it-IT" sz="1500" dirty="0"/>
                   <a:t> prices or </a:t>
                 </a:r>
                 <a:r>
-                  <a:rPr lang="it-IT" sz="1400" dirty="0" err="1"/>
+                  <a:rPr lang="it-IT" sz="1500" dirty="0" err="1"/>
                   <a:t>eviction</a:t>
                 </a:r>
                 <a:r>
-                  <a:rPr lang="it-IT" sz="1400" dirty="0"/>
+                  <a:rPr lang="it-IT" sz="1500" dirty="0"/>
                   <a:t> </a:t>
                 </a:r>
                 <a:r>
-                  <a:rPr lang="it-IT" sz="1400" dirty="0" err="1"/>
+                  <a:rPr lang="it-IT" sz="1500" dirty="0" err="1"/>
                   <a:t>notices</a:t>
                 </a:r>
                 <a:r>
-                  <a:rPr lang="it-IT" sz="1400" dirty="0"/>
+                  <a:rPr lang="it-IT" sz="1500" dirty="0"/>
                   <a:t> as </a:t>
                 </a:r>
                 <a:r>
-                  <a:rPr lang="it-IT" sz="1400" dirty="0" err="1"/>
+                  <a:rPr lang="it-IT" sz="1500" dirty="0" err="1"/>
                   <a:t>functions</a:t>
                 </a:r>
                 <a:r>
-                  <a:rPr lang="it-IT" sz="1400" dirty="0"/>
+                  <a:rPr lang="it-IT" sz="1500" dirty="0"/>
                   <a:t> of time </a:t>
                 </a:r>
                 <a:r>
-                  <a:rPr lang="it-IT" sz="1400" dirty="0" err="1"/>
+                  <a:rPr lang="it-IT" sz="1500" dirty="0" err="1"/>
                   <a:t>grouping</a:t>
                 </a:r>
                 <a:r>
-                  <a:rPr lang="it-IT" sz="1400" dirty="0"/>
+                  <a:rPr lang="it-IT" sz="1500" dirty="0"/>
                   <a:t> by </a:t>
                 </a:r>
                 <a:r>
-                  <a:rPr lang="it-IT" sz="1400" dirty="0" err="1"/>
+                  <a:rPr lang="it-IT" sz="1500" dirty="0" err="1"/>
                   <a:t>neighborhood</a:t>
                 </a:r>
-                <a:endParaRPr lang="it-IT" sz="1400" dirty="0"/>
+                <a:endParaRPr lang="it-IT" sz="1500" dirty="0"/>
               </a:p>
               <a:p>
                 <a:pPr marL="342900" indent="-342900" algn="just">
@@ -6725,176 +6725,176 @@
                   <a:buAutoNum type="arabicPeriod"/>
                 </a:pPr>
                 <a:r>
-                  <a:rPr lang="it-IT" sz="1400" dirty="0"/>
+                  <a:rPr lang="it-IT" sz="1500" dirty="0"/>
                   <a:t>GAM model for: </a:t>
                 </a:r>
                 <a14:m>
                   <m:oMath xmlns:m="http://schemas.openxmlformats.org/officeDocument/2006/math">
                     <m:r>
-                      <a:rPr lang="it-IT" sz="1300" b="0" i="1" smtClean="0">
+                      <a:rPr lang="it-IT" sz="1500" b="0" i="1" smtClean="0">
                         <a:latin typeface="Cambria Math" panose="02040503050406030204" pitchFamily="18" charset="0"/>
                       </a:rPr>
                       <m:t>𝑟𝑒𝑛𝑡</m:t>
                     </m:r>
                     <m:r>
-                      <a:rPr lang="it-IT" sz="1300" b="0" i="1" smtClean="0">
+                      <a:rPr lang="it-IT" sz="1500" b="0" i="1" smtClean="0">
                         <a:latin typeface="Cambria Math" panose="02040503050406030204" pitchFamily="18" charset="0"/>
                       </a:rPr>
                       <m:t> </m:t>
                     </m:r>
                     <m:r>
-                      <a:rPr lang="it-IT" sz="1300" b="0" i="1" smtClean="0">
+                      <a:rPr lang="it-IT" sz="1500" b="0" i="1" smtClean="0">
                         <a:latin typeface="Cambria Math" panose="02040503050406030204" pitchFamily="18" charset="0"/>
                       </a:rPr>
                       <m:t>𝑝𝑟𝑖𝑐𝑒</m:t>
                     </m:r>
                     <m:r>
-                      <a:rPr lang="it-IT" sz="1300" b="0" i="1" smtClean="0">
+                      <a:rPr lang="it-IT" sz="1500" b="0" i="1" smtClean="0">
                         <a:latin typeface="Cambria Math" panose="02040503050406030204" pitchFamily="18" charset="0"/>
                       </a:rPr>
                       <m:t>  ~  </m:t>
                     </m:r>
                     <m:r>
-                      <a:rPr lang="it-IT" sz="1300" b="0" i="1" smtClean="0">
+                      <a:rPr lang="it-IT" sz="1500" b="0" i="1" smtClean="0">
                         <a:latin typeface="Cambria Math" panose="02040503050406030204" pitchFamily="18" charset="0"/>
                       </a:rPr>
                       <m:t>𝑛h𝑜𝑜𝑑</m:t>
                     </m:r>
                     <m:r>
-                      <a:rPr lang="it-IT" sz="1300" b="0" i="1" smtClean="0">
+                      <a:rPr lang="it-IT" sz="1500" b="0" i="1" smtClean="0">
                         <a:latin typeface="Cambria Math" panose="02040503050406030204" pitchFamily="18" charset="0"/>
                       </a:rPr>
                       <m:t> +</m:t>
                     </m:r>
                     <m:r>
-                      <a:rPr lang="it-IT" sz="1300" b="0" i="1" smtClean="0">
+                      <a:rPr lang="it-IT" sz="1500" b="0" i="1" smtClean="0">
                         <a:latin typeface="Cambria Math" panose="02040503050406030204" pitchFamily="18" charset="0"/>
                       </a:rPr>
                       <m:t>𝑦𝑒𝑎𝑟</m:t>
                     </m:r>
                     <m:r>
-                      <a:rPr lang="it-IT" sz="1300" b="0" i="1" smtClean="0">
+                      <a:rPr lang="it-IT" sz="1500" b="0" i="1" smtClean="0">
                         <a:latin typeface="Cambria Math" panose="02040503050406030204" pitchFamily="18" charset="0"/>
                       </a:rPr>
                       <m:t>+</m:t>
                     </m:r>
                     <m:r>
-                      <a:rPr lang="it-IT" sz="1300" b="0" i="1" smtClean="0">
+                      <a:rPr lang="it-IT" sz="1500" b="0" i="1" smtClean="0">
                         <a:latin typeface="Cambria Math" panose="02040503050406030204" pitchFamily="18" charset="0"/>
                       </a:rPr>
                       <m:t>𝑛h𝑜𝑜𝑑</m:t>
                     </m:r>
                     <m:r>
-                      <a:rPr lang="it-IT" sz="1300" b="0" i="1" smtClean="0">
+                      <a:rPr lang="it-IT" sz="1500" b="0" i="1" smtClean="0">
                         <a:latin typeface="Cambria Math" panose="02040503050406030204" pitchFamily="18" charset="0"/>
                       </a:rPr>
                       <m:t>:</m:t>
                     </m:r>
                     <m:r>
-                      <a:rPr lang="it-IT" sz="1300" b="0" i="1" smtClean="0">
+                      <a:rPr lang="it-IT" sz="1500" b="0" i="1" smtClean="0">
                         <a:latin typeface="Cambria Math" panose="02040503050406030204" pitchFamily="18" charset="0"/>
                       </a:rPr>
                       <m:t>𝑦𝑒𝑎𝑟</m:t>
                     </m:r>
                     <m:r>
-                      <a:rPr lang="it-IT" sz="1300" b="0" i="1" smtClean="0">
+                      <a:rPr lang="it-IT" sz="1500" b="0" i="1" smtClean="0">
                         <a:latin typeface="Cambria Math" panose="02040503050406030204" pitchFamily="18" charset="0"/>
                       </a:rPr>
                       <m:t> + #</m:t>
                     </m:r>
                     <m:r>
-                      <a:rPr lang="it-IT" sz="1300" b="0" i="1" smtClean="0">
+                      <a:rPr lang="it-IT" sz="1500" b="0" i="1" smtClean="0">
                         <a:latin typeface="Cambria Math" panose="02040503050406030204" pitchFamily="18" charset="0"/>
                       </a:rPr>
                       <m:t>𝑛𝑒𝑤</m:t>
                     </m:r>
                     <m:r>
-                      <a:rPr lang="it-IT" sz="1300" b="0" i="1" smtClean="0">
+                      <a:rPr lang="it-IT" sz="1500" b="0" i="1" smtClean="0">
                         <a:latin typeface="Cambria Math" panose="02040503050406030204" pitchFamily="18" charset="0"/>
                       </a:rPr>
                       <m:t> </m:t>
                     </m:r>
                     <m:r>
-                      <a:rPr lang="it-IT" sz="1300" b="0" i="1" smtClean="0">
+                      <a:rPr lang="it-IT" sz="1500" b="0" i="1" smtClean="0">
                         <a:latin typeface="Cambria Math" panose="02040503050406030204" pitchFamily="18" charset="0"/>
                       </a:rPr>
                       <m:t>𝑐𝑜𝑛𝑠𝑡𝑟𝑢𝑐𝑡𝑖𝑜𝑛𝑠</m:t>
                     </m:r>
                     <m:r>
-                      <a:rPr lang="it-IT" sz="1300" b="0" i="1" smtClean="0">
+                      <a:rPr lang="it-IT" sz="1500" b="0" i="1" smtClean="0">
                         <a:latin typeface="Cambria Math" panose="02040503050406030204" pitchFamily="18" charset="0"/>
                       </a:rPr>
                       <m:t> </m:t>
                     </m:r>
                     <m:r>
-                      <a:rPr lang="it-IT" sz="1300" b="0" i="1" smtClean="0">
+                      <a:rPr lang="it-IT" sz="1500" b="0" i="1" smtClean="0">
                         <a:latin typeface="Cambria Math" panose="02040503050406030204" pitchFamily="18" charset="0"/>
                       </a:rPr>
                       <m:t>𝑤𝑖𝑡h𝑖𝑛</m:t>
                     </m:r>
                     <m:r>
-                      <a:rPr lang="it-IT" sz="1300" b="0" i="1" smtClean="0">
+                      <a:rPr lang="it-IT" sz="1500" b="0" i="1" smtClean="0">
                         <a:latin typeface="Cambria Math" panose="02040503050406030204" pitchFamily="18" charset="0"/>
                       </a:rPr>
                       <m:t> 0.5 , 1 ,2.5 </m:t>
                     </m:r>
                     <m:r>
-                      <a:rPr lang="it-IT" sz="1300" b="0" i="1" smtClean="0">
+                      <a:rPr lang="it-IT" sz="1500" b="0" i="1" smtClean="0">
                         <a:latin typeface="Cambria Math" panose="02040503050406030204" pitchFamily="18" charset="0"/>
                       </a:rPr>
                       <m:t>𝑘𝑚</m:t>
                     </m:r>
                     <m:r>
-                      <a:rPr lang="it-IT" sz="1300" b="0" i="1" smtClean="0">
+                      <a:rPr lang="it-IT" sz="1500" b="0" i="1" smtClean="0">
                         <a:latin typeface="Cambria Math" panose="02040503050406030204" pitchFamily="18" charset="0"/>
                       </a:rPr>
                       <m:t>+</m:t>
                     </m:r>
                     <m:r>
-                      <a:rPr lang="it-IT" sz="1300" b="0" i="1" smtClean="0">
+                      <a:rPr lang="it-IT" sz="1500" b="0" i="1" smtClean="0">
                         <a:latin typeface="Cambria Math" panose="02040503050406030204" pitchFamily="18" charset="0"/>
                       </a:rPr>
                       <m:t>𝑑𝑖𝑠𝑡𝑎𝑛𝑐𝑒</m:t>
                     </m:r>
                     <m:r>
-                      <a:rPr lang="it-IT" sz="1300" b="0" i="1" smtClean="0">
+                      <a:rPr lang="it-IT" sz="1500" b="0" i="1" smtClean="0">
                         <a:latin typeface="Cambria Math" panose="02040503050406030204" pitchFamily="18" charset="0"/>
                       </a:rPr>
                       <m:t> </m:t>
                     </m:r>
                     <m:r>
-                      <a:rPr lang="it-IT" sz="1300" b="0" i="1" smtClean="0">
+                      <a:rPr lang="it-IT" sz="1500" b="0" i="1" smtClean="0">
                         <a:latin typeface="Cambria Math" panose="02040503050406030204" pitchFamily="18" charset="0"/>
                       </a:rPr>
                       <m:t>𝑓𝑟𝑜𝑚</m:t>
                     </m:r>
                     <m:r>
-                      <a:rPr lang="it-IT" sz="1300" b="0" i="1" smtClean="0">
+                      <a:rPr lang="it-IT" sz="1500" b="0" i="1" smtClean="0">
                         <a:latin typeface="Cambria Math" panose="02040503050406030204" pitchFamily="18" charset="0"/>
                       </a:rPr>
                       <m:t> </m:t>
                     </m:r>
                     <m:r>
-                      <a:rPr lang="it-IT" sz="1300" b="0" i="1" smtClean="0">
+                      <a:rPr lang="it-IT" sz="1500" b="0" i="1" smtClean="0">
                         <a:latin typeface="Cambria Math" panose="02040503050406030204" pitchFamily="18" charset="0"/>
                       </a:rPr>
                       <m:t>𝑓𝑖𝑛𝑎𝑛𝑐𝑖𝑎𝑙</m:t>
                     </m:r>
                     <m:r>
-                      <a:rPr lang="it-IT" sz="1300" b="0" i="1" smtClean="0">
+                      <a:rPr lang="it-IT" sz="1500" b="0" i="1" smtClean="0">
                         <a:latin typeface="Cambria Math" panose="02040503050406030204" pitchFamily="18" charset="0"/>
                       </a:rPr>
                       <m:t> </m:t>
                     </m:r>
                     <m:r>
-                      <a:rPr lang="it-IT" sz="1300" b="0" i="1" smtClean="0">
+                      <a:rPr lang="it-IT" sz="1500" b="0" i="1" smtClean="0">
                         <a:latin typeface="Cambria Math" panose="02040503050406030204" pitchFamily="18" charset="0"/>
                       </a:rPr>
                       <m:t>𝑑𝑖𝑠𝑡𝑟𝑖𝑐𝑡</m:t>
                     </m:r>
                   </m:oMath>
                 </a14:m>
-                <a:endParaRPr lang="it-IT" sz="1300" b="0" dirty="0"/>
+                <a:endParaRPr lang="it-IT" sz="1500" b="0" dirty="0"/>
               </a:p>
               <a:p>
                 <a:pPr marL="342900" indent="-342900" algn="just">
@@ -6902,139 +6902,250 @@
                   <a:buAutoNum type="arabicPeriod"/>
                 </a:pPr>
                 <a:r>
-                  <a:rPr lang="it-IT" sz="1400" dirty="0"/>
+                  <a:rPr lang="it-IT" sz="1500" dirty="0"/>
                   <a:t>GAM model for : </a:t>
                 </a:r>
                 <a14:m>
                   <m:oMath xmlns:m="http://schemas.openxmlformats.org/officeDocument/2006/math">
                     <m:r>
-                      <a:rPr lang="it-IT" sz="1400" b="0" i="1" smtClean="0">
+                      <a:rPr lang="it-IT" sz="1500" b="0" i="1" smtClean="0">
                         <a:latin typeface="Cambria Math" panose="02040503050406030204" pitchFamily="18" charset="0"/>
                       </a:rPr>
                       <m:t>#</m:t>
                     </m:r>
                     <m:r>
-                      <a:rPr lang="it-IT" sz="1400" b="0" i="1" smtClean="0">
+                      <a:rPr lang="it-IT" sz="1500" b="0" i="1" smtClean="0">
                         <a:latin typeface="Cambria Math" panose="02040503050406030204" pitchFamily="18" charset="0"/>
                       </a:rPr>
                       <m:t>𝑒𝑣𝑖𝑐𝑡𝑖𝑜𝑛</m:t>
                     </m:r>
                     <m:r>
-                      <a:rPr lang="it-IT" sz="1400" b="0" i="1" smtClean="0">
+                      <a:rPr lang="it-IT" sz="1500" b="0" i="1" smtClean="0">
                         <a:latin typeface="Cambria Math" panose="02040503050406030204" pitchFamily="18" charset="0"/>
                       </a:rPr>
                       <m:t> </m:t>
                     </m:r>
                     <m:r>
-                      <a:rPr lang="it-IT" sz="1400" b="0" i="1" smtClean="0">
+                      <a:rPr lang="it-IT" sz="1500" b="0" i="1" smtClean="0">
                         <a:latin typeface="Cambria Math" panose="02040503050406030204" pitchFamily="18" charset="0"/>
                       </a:rPr>
                       <m:t>𝑛𝑜𝑡𝑖𝑐𝑒𝑠</m:t>
                     </m:r>
                     <m:r>
-                      <a:rPr lang="it-IT" sz="1400" b="0" i="1" smtClean="0">
+                      <a:rPr lang="it-IT" sz="1500" b="0" i="1" smtClean="0">
                         <a:latin typeface="Cambria Math" panose="02040503050406030204" pitchFamily="18" charset="0"/>
                       </a:rPr>
                       <m:t> ~  </m:t>
                     </m:r>
                     <m:r>
-                      <a:rPr lang="it-IT" sz="1400" b="0" i="1" smtClean="0">
+                      <a:rPr lang="it-IT" sz="1500" b="0" i="1" smtClean="0">
                         <a:latin typeface="Cambria Math" panose="02040503050406030204" pitchFamily="18" charset="0"/>
                       </a:rPr>
                       <m:t>𝑟𝑒𝑛𝑡</m:t>
                     </m:r>
                     <m:r>
-                      <a:rPr lang="it-IT" sz="1400" b="0" i="1" smtClean="0">
+                      <a:rPr lang="it-IT" sz="1500" b="0" i="1" smtClean="0">
                         <a:latin typeface="Cambria Math" panose="02040503050406030204" pitchFamily="18" charset="0"/>
                       </a:rPr>
                       <m:t> </m:t>
                     </m:r>
                     <m:r>
-                      <a:rPr lang="it-IT" sz="1400" b="0" i="1" smtClean="0">
+                      <a:rPr lang="it-IT" sz="1500" b="0" i="1" smtClean="0">
                         <a:latin typeface="Cambria Math" panose="02040503050406030204" pitchFamily="18" charset="0"/>
                       </a:rPr>
                       <m:t>𝑝𝑟𝑖𝑐𝑒</m:t>
                     </m:r>
                     <m:r>
-                      <a:rPr lang="it-IT" sz="1400" b="0" i="1" smtClean="0">
+                      <a:rPr lang="it-IT" sz="1500" b="0" i="1" smtClean="0">
                         <a:latin typeface="Cambria Math" panose="02040503050406030204" pitchFamily="18" charset="0"/>
                       </a:rPr>
                       <m:t>+</m:t>
                     </m:r>
                     <m:r>
-                      <a:rPr lang="it-IT" sz="1400" b="0" i="1" smtClean="0">
+                      <a:rPr lang="it-IT" sz="1500" b="0" i="1" smtClean="0">
                         <a:latin typeface="Cambria Math" panose="02040503050406030204" pitchFamily="18" charset="0"/>
                       </a:rPr>
                       <m:t>𝑛𝑒𝑖𝑔h𝑏𝑜𝑟h𝑜𝑜𝑑</m:t>
                     </m:r>
                     <m:r>
-                      <a:rPr lang="it-IT" sz="1400" b="0" i="1" smtClean="0">
+                      <a:rPr lang="it-IT" sz="1500" b="0" i="1" smtClean="0">
                         <a:latin typeface="Cambria Math" panose="02040503050406030204" pitchFamily="18" charset="0"/>
                       </a:rPr>
                       <m:t> +</m:t>
                     </m:r>
                     <m:r>
-                      <a:rPr lang="it-IT" sz="1400" b="0" i="1" smtClean="0">
+                      <a:rPr lang="it-IT" sz="1500" b="0" i="1" smtClean="0">
                         <a:latin typeface="Cambria Math" panose="02040503050406030204" pitchFamily="18" charset="0"/>
                       </a:rPr>
                       <m:t>𝑦𝑒𝑎𝑟</m:t>
                     </m:r>
                     <m:r>
-                      <a:rPr lang="it-IT" sz="1400" b="0" i="1" smtClean="0">
+                      <a:rPr lang="it-IT" sz="1500" b="0" i="1" smtClean="0">
                         <a:latin typeface="Cambria Math" panose="02040503050406030204" pitchFamily="18" charset="0"/>
                       </a:rPr>
                       <m:t>+#</m:t>
                     </m:r>
                     <m:r>
-                      <a:rPr lang="it-IT" sz="1400" b="0" i="1" smtClean="0">
+                      <a:rPr lang="it-IT" sz="1500" b="0" i="1" smtClean="0">
                         <a:latin typeface="Cambria Math" panose="02040503050406030204" pitchFamily="18" charset="0"/>
                       </a:rPr>
                       <m:t>𝑛𝑒𝑎𝑟</m:t>
                     </m:r>
                     <m:r>
-                      <a:rPr lang="it-IT" sz="1400" b="0" i="1" smtClean="0">
+                      <a:rPr lang="it-IT" sz="1500" b="0" i="1" smtClean="0">
                         <a:latin typeface="Cambria Math" panose="02040503050406030204" pitchFamily="18" charset="0"/>
                       </a:rPr>
                       <m:t> </m:t>
                     </m:r>
                     <m:r>
-                      <a:rPr lang="it-IT" sz="1400" b="0" i="1" smtClean="0">
+                      <a:rPr lang="it-IT" sz="1500" b="0" i="1" smtClean="0">
                         <a:latin typeface="Cambria Math" panose="02040503050406030204" pitchFamily="18" charset="0"/>
                       </a:rPr>
                       <m:t>𝑛𝑒𝑤</m:t>
                     </m:r>
                     <m:r>
-                      <a:rPr lang="it-IT" sz="1400" b="0" i="1" smtClean="0">
+                      <a:rPr lang="it-IT" sz="1500" b="0" i="1" smtClean="0">
                         <a:latin typeface="Cambria Math" panose="02040503050406030204" pitchFamily="18" charset="0"/>
                       </a:rPr>
                       <m:t> </m:t>
                     </m:r>
                     <m:r>
-                      <a:rPr lang="it-IT" sz="1400" b="0" i="1" smtClean="0">
+                      <a:rPr lang="it-IT" sz="1500" b="0" i="1" smtClean="0">
                         <a:latin typeface="Cambria Math" panose="02040503050406030204" pitchFamily="18" charset="0"/>
                       </a:rPr>
                       <m:t>𝑐𝑜𝑛𝑠𝑡𝑟𝑢𝑐𝑡𝑖𝑜𝑛</m:t>
                     </m:r>
                     <m:r>
-                      <a:rPr lang="it-IT" sz="1400" b="0" i="1" smtClean="0">
+                      <a:rPr lang="it-IT" sz="1500" b="0" i="1" smtClean="0">
                         <a:latin typeface="Cambria Math" panose="02040503050406030204" pitchFamily="18" charset="0"/>
                       </a:rPr>
                       <m:t> </m:t>
                     </m:r>
                   </m:oMath>
                 </a14:m>
-                <a:endParaRPr lang="it-IT" sz="1400" dirty="0"/>
+                <a:endParaRPr lang="it-IT" sz="1500" dirty="0"/>
               </a:p>
               <a:p>
-                <a:pPr algn="just"/>
+                <a:pPr marL="342900" indent="-342900" algn="just">
+                  <a:buFont typeface="+mj-lt"/>
+                  <a:buAutoNum type="arabicPeriod"/>
+                </a:pPr>
                 <a:r>
-                  <a:rPr lang="it-IT" sz="1400" dirty="0"/>
-                  <a:t>     </a:t>
+                  <a:rPr lang="it-IT" sz="1500" dirty="0" err="1"/>
+                  <a:t>We</a:t>
+                </a:r>
+                <a:r>
+                  <a:rPr lang="it-IT" sz="1500" dirty="0"/>
+                  <a:t> </a:t>
+                </a:r>
+                <a:r>
+                  <a:rPr lang="it-IT" sz="1500" dirty="0" err="1"/>
+                  <a:t>may</a:t>
+                </a:r>
+                <a:r>
+                  <a:rPr lang="it-IT" sz="1500" dirty="0"/>
+                  <a:t> </a:t>
+                </a:r>
+                <a:r>
+                  <a:rPr lang="it-IT" sz="1500" dirty="0" err="1"/>
+                  <a:t>add</a:t>
+                </a:r>
+                <a:r>
+                  <a:rPr lang="it-IT" sz="1500" dirty="0"/>
+                  <a:t> new techniques to go </a:t>
+                </a:r>
+                <a:r>
+                  <a:rPr lang="it-IT" sz="1500" dirty="0" err="1"/>
+                  <a:t>deeper</a:t>
+                </a:r>
+                <a:r>
+                  <a:rPr lang="it-IT" sz="1500" dirty="0"/>
+                  <a:t> </a:t>
+                </a:r>
+                <a:r>
+                  <a:rPr lang="it-IT" sz="1500" dirty="0" err="1"/>
+                  <a:t>into</a:t>
+                </a:r>
+                <a:r>
+                  <a:rPr lang="it-IT" sz="1500" dirty="0"/>
+                  <a:t> the </a:t>
+                </a:r>
+                <a:r>
+                  <a:rPr lang="it-IT" sz="1500" dirty="0" err="1"/>
+                  <a:t>analysis</a:t>
+                </a:r>
+                <a:r>
+                  <a:rPr lang="it-IT" sz="1500" dirty="0"/>
+                  <a:t> </a:t>
+                </a:r>
+                <a:r>
+                  <a:rPr lang="it-IT" sz="1500" dirty="0" err="1"/>
+                  <a:t>using</a:t>
+                </a:r>
+                <a:r>
+                  <a:rPr lang="it-IT" sz="1500" dirty="0"/>
+                  <a:t> the </a:t>
+                </a:r>
+                <a:r>
+                  <a:rPr lang="it-IT" sz="1500" dirty="0" err="1"/>
+                  <a:t>the</a:t>
+                </a:r>
+                <a:r>
+                  <a:rPr lang="it-IT" sz="1500" dirty="0"/>
+                  <a:t> </a:t>
+                </a:r>
+                <a:r>
+                  <a:rPr lang="it-IT" sz="1500" dirty="0" err="1"/>
+                  <a:t>latest</a:t>
+                </a:r>
+                <a:r>
+                  <a:rPr lang="it-IT" sz="1500" dirty="0"/>
+                  <a:t> tools </a:t>
+                </a:r>
+                <a:r>
+                  <a:rPr lang="it-IT" sz="1500" dirty="0" err="1"/>
+                  <a:t>viewed</a:t>
+                </a:r>
+                <a:r>
+                  <a:rPr lang="it-IT" sz="1500" dirty="0"/>
+                  <a:t> </a:t>
+                </a:r>
+                <a:r>
+                  <a:rPr lang="it-IT" sz="1500" dirty="0" err="1"/>
+                  <a:t>at</a:t>
+                </a:r>
+                <a:r>
+                  <a:rPr lang="it-IT" sz="1500" dirty="0"/>
+                  <a:t> </a:t>
+                </a:r>
+                <a:r>
+                  <a:rPr lang="it-IT" sz="1500" dirty="0" err="1"/>
+                  <a:t>lesson</a:t>
+                </a:r>
+                <a:r>
+                  <a:rPr lang="it-IT" sz="1500" dirty="0"/>
+                  <a:t> ( e.g. </a:t>
+                </a:r>
+                <a:r>
+                  <a:rPr lang="it-IT" sz="1500" dirty="0" err="1"/>
+                  <a:t>spatial</a:t>
+                </a:r>
+                <a:r>
+                  <a:rPr lang="it-IT" sz="1500" dirty="0"/>
+                  <a:t> </a:t>
+                </a:r>
+                <a:r>
+                  <a:rPr lang="it-IT" sz="1500" dirty="0" err="1"/>
+                  <a:t>regression</a:t>
+                </a:r>
+                <a:r>
+                  <a:rPr lang="it-IT" sz="1500" dirty="0"/>
+                  <a:t> )</a:t>
                 </a:r>
               </a:p>
               <a:p>
                 <a:pPr algn="just"/>
-                <a:endParaRPr lang="it-IT" sz="1800" dirty="0"/>
+                <a:endParaRPr lang="it-IT" sz="1400" dirty="0"/>
               </a:p>
             </p:txBody>
           </p:sp>
@@ -7058,13 +7169,13 @@
             </p:nvSpPr>
             <p:spPr>
               <a:xfrm>
-                <a:off x="738292" y="1729564"/>
-                <a:ext cx="10292079" cy="1377703"/>
+                <a:off x="707977" y="1603425"/>
+                <a:ext cx="10776046" cy="1635072"/>
               </a:xfrm>
               <a:blipFill>
                 <a:blip r:embed="rId2"/>
                 <a:stretch>
-                  <a:fillRect l="-118" t="-2655" r="-118"/>
+                  <a:fillRect l="-170" t="-2612" r="-170" b="-3358"/>
                 </a:stretch>
               </a:blipFill>
             </p:spPr>
@@ -7097,8 +7208,8 @@
         </p:nvSpPr>
         <p:spPr>
           <a:xfrm>
-            <a:off x="738292" y="3120148"/>
-            <a:ext cx="10641525" cy="1384995"/>
+            <a:off x="707977" y="3392683"/>
+            <a:ext cx="10776046" cy="1384995"/>
           </a:xfrm>
           <a:prstGeom prst="rect">
             <a:avLst/>
@@ -7306,23 +7417,7 @@
             </a:pPr>
             <a:r>
               <a:rPr lang="it-IT" sz="1400" dirty="0"/>
-              <a:t>Compute for </a:t>
-            </a:r>
-            <a:r>
-              <a:rPr lang="it-IT" sz="1400" dirty="0" err="1"/>
-              <a:t>each</a:t>
-            </a:r>
-            <a:r>
-              <a:rPr lang="it-IT" sz="1400" dirty="0"/>
-              <a:t> </a:t>
-            </a:r>
-            <a:r>
-              <a:rPr lang="it-IT" sz="1400" dirty="0" err="1"/>
-              <a:t>parcel</a:t>
-            </a:r>
-            <a:r>
-              <a:rPr lang="it-IT" sz="1400" dirty="0"/>
-              <a:t> the </a:t>
+              <a:t>Compute the </a:t>
             </a:r>
             <a:r>
               <a:rPr lang="it-IT" sz="1400" dirty="0" err="1"/>
@@ -7428,8 +7523,8 @@
         </p:nvSpPr>
         <p:spPr>
           <a:xfrm>
-            <a:off x="738292" y="4659329"/>
-            <a:ext cx="10827179" cy="1169551"/>
+            <a:off x="707977" y="4931864"/>
+            <a:ext cx="10776046" cy="1169551"/>
           </a:xfrm>
           <a:prstGeom prst="rect">
             <a:avLst/>

--- a/ppt_parziale.pptx
+++ b/ppt_parziale.pptx
@@ -267,7 +267,7 @@
           <a:p>
             <a:fld id="{81B8F32D-D8B6-4B9E-9CBF-DCAC30B7B93D}" type="datetimeFigureOut">
               <a:rPr lang="en-US" smtClean="0"/>
-              <a:t>11/14/2022</a:t>
+              <a:t>11/15/2022</a:t>
             </a:fld>
             <a:endParaRPr lang="en-US"/>
           </a:p>
@@ -583,7 +583,7 @@
           <a:p>
             <a:fld id="{81B8F32D-D8B6-4B9E-9CBF-DCAC30B7B93D}" type="datetimeFigureOut">
               <a:rPr lang="en-US" smtClean="0"/>
-              <a:t>11/14/2022</a:t>
+              <a:t>11/15/2022</a:t>
             </a:fld>
             <a:endParaRPr lang="en-US"/>
           </a:p>
@@ -888,7 +888,7 @@
           <a:p>
             <a:fld id="{81B8F32D-D8B6-4B9E-9CBF-DCAC30B7B93D}" type="datetimeFigureOut">
               <a:rPr lang="en-US" smtClean="0"/>
-              <a:t>11/14/2022</a:t>
+              <a:t>11/15/2022</a:t>
             </a:fld>
             <a:endParaRPr lang="en-US"/>
           </a:p>
@@ -1095,7 +1095,7 @@
           <a:p>
             <a:fld id="{81B8F32D-D8B6-4B9E-9CBF-DCAC30B7B93D}" type="datetimeFigureOut">
               <a:rPr lang="en-US" smtClean="0"/>
-              <a:t>11/14/2022</a:t>
+              <a:t>11/15/2022</a:t>
             </a:fld>
             <a:endParaRPr lang="en-US"/>
           </a:p>
@@ -1443,7 +1443,7 @@
           <a:p>
             <a:fld id="{81B8F32D-D8B6-4B9E-9CBF-DCAC30B7B93D}" type="datetimeFigureOut">
               <a:rPr lang="en-US" smtClean="0"/>
-              <a:t>11/14/2022</a:t>
+              <a:t>11/15/2022</a:t>
             </a:fld>
             <a:endParaRPr lang="en-US"/>
           </a:p>
@@ -1914,7 +1914,7 @@
           <a:p>
             <a:fld id="{81B8F32D-D8B6-4B9E-9CBF-DCAC30B7B93D}" type="datetimeFigureOut">
               <a:rPr lang="en-US" smtClean="0"/>
-              <a:t>11/14/2022</a:t>
+              <a:t>11/15/2022</a:t>
             </a:fld>
             <a:endParaRPr lang="en-US"/>
           </a:p>
@@ -2449,7 +2449,7 @@
           <a:p>
             <a:fld id="{81B8F32D-D8B6-4B9E-9CBF-DCAC30B7B93D}" type="datetimeFigureOut">
               <a:rPr lang="en-US" smtClean="0"/>
-              <a:t>11/14/2022</a:t>
+              <a:t>11/15/2022</a:t>
             </a:fld>
             <a:endParaRPr lang="en-US"/>
           </a:p>
@@ -2666,7 +2666,7 @@
           <a:p>
             <a:fld id="{81B8F32D-D8B6-4B9E-9CBF-DCAC30B7B93D}" type="datetimeFigureOut">
               <a:rPr lang="en-US" smtClean="0"/>
-              <a:t>11/14/2022</a:t>
+              <a:t>11/15/2022</a:t>
             </a:fld>
             <a:endParaRPr lang="en-US"/>
           </a:p>
@@ -2871,7 +2871,7 @@
           <a:p>
             <a:fld id="{81B8F32D-D8B6-4B9E-9CBF-DCAC30B7B93D}" type="datetimeFigureOut">
               <a:rPr lang="en-US" smtClean="0"/>
-              <a:t>11/14/2022</a:t>
+              <a:t>11/15/2022</a:t>
             </a:fld>
             <a:endParaRPr lang="en-US"/>
           </a:p>
@@ -3201,7 +3201,7 @@
           <a:p>
             <a:fld id="{81B8F32D-D8B6-4B9E-9CBF-DCAC30B7B93D}" type="datetimeFigureOut">
               <a:rPr lang="en-US" smtClean="0"/>
-              <a:t>11/14/2022</a:t>
+              <a:t>11/15/2022</a:t>
             </a:fld>
             <a:endParaRPr lang="en-US"/>
           </a:p>
@@ -3511,7 +3511,7 @@
           <a:p>
             <a:fld id="{81B8F32D-D8B6-4B9E-9CBF-DCAC30B7B93D}" type="datetimeFigureOut">
               <a:rPr lang="en-US" smtClean="0"/>
-              <a:t>11/14/2022</a:t>
+              <a:t>11/15/2022</a:t>
             </a:fld>
             <a:endParaRPr lang="en-US"/>
           </a:p>
@@ -3752,7 +3752,7 @@
             <a:fld id="{81B8F32D-D8B6-4B9E-9CBF-DCAC30B7B93D}" type="datetimeFigureOut">
               <a:rPr lang="en-US" smtClean="0"/>
               <a:pPr/>
-              <a:t>11/14/2022</a:t>
+              <a:t>11/15/2022</a:t>
             </a:fld>
             <a:endParaRPr lang="en-US" dirty="0"/>
           </a:p>
@@ -6637,7 +6637,7 @@
             </p:spPr>
             <p:txBody>
               <a:bodyPr>
-                <a:normAutofit fontScale="92500" lnSpcReduction="10000"/>
+                <a:normAutofit fontScale="92500" lnSpcReduction="20000"/>
               </a:bodyPr>
               <a:lstStyle/>
               <a:p>
@@ -6679,45 +6679,8 @@
                 </a:r>
                 <a:r>
                   <a:rPr lang="it-IT" sz="1500" dirty="0"/>
-                  <a:t> prices or </a:t>
+                  <a:t> prices or eviction notices as functions of time grouping by neighborhood</a:t>
                 </a:r>
-                <a:r>
-                  <a:rPr lang="it-IT" sz="1500" dirty="0" err="1"/>
-                  <a:t>eviction</a:t>
-                </a:r>
-                <a:r>
-                  <a:rPr lang="it-IT" sz="1500" dirty="0"/>
-                  <a:t> </a:t>
-                </a:r>
-                <a:r>
-                  <a:rPr lang="it-IT" sz="1500" dirty="0" err="1"/>
-                  <a:t>notices</a:t>
-                </a:r>
-                <a:r>
-                  <a:rPr lang="it-IT" sz="1500" dirty="0"/>
-                  <a:t> as </a:t>
-                </a:r>
-                <a:r>
-                  <a:rPr lang="it-IT" sz="1500" dirty="0" err="1"/>
-                  <a:t>functions</a:t>
-                </a:r>
-                <a:r>
-                  <a:rPr lang="it-IT" sz="1500" dirty="0"/>
-                  <a:t> of time </a:t>
-                </a:r>
-                <a:r>
-                  <a:rPr lang="it-IT" sz="1500" dirty="0" err="1"/>
-                  <a:t>grouping</a:t>
-                </a:r>
-                <a:r>
-                  <a:rPr lang="it-IT" sz="1500" dirty="0"/>
-                  <a:t> by </a:t>
-                </a:r>
-                <a:r>
-                  <a:rPr lang="it-IT" sz="1500" dirty="0" err="1"/>
-                  <a:t>neighborhood</a:t>
-                </a:r>
-                <a:endParaRPr lang="it-IT" sz="1500" dirty="0"/>
               </a:p>
               <a:p>
                 <a:pPr marL="342900" indent="-342900" algn="just">
@@ -6726,15 +6689,70 @@
                 </a:pPr>
                 <a:r>
                   <a:rPr lang="it-IT" sz="1500" dirty="0"/>
-                  <a:t>GAM model for: </a:t>
+                  <a:t>GAM model for:</a:t>
                 </a:r>
                 <a14:m>
                   <m:oMath xmlns:m="http://schemas.openxmlformats.org/officeDocument/2006/math">
+                    <m:sSub>
+                      <m:sSubPr>
+                        <m:ctrlPr>
+                          <a:rPr lang="it-IT" sz="1500" b="0" i="1" smtClean="0">
+                            <a:latin typeface="Cambria Math" panose="02040503050406030204" pitchFamily="18" charset="0"/>
+                          </a:rPr>
+                        </m:ctrlPr>
+                      </m:sSubPr>
+                      <m:e>
+                        <m:r>
+                          <a:rPr lang="it-IT" sz="1500" b="0" i="1" smtClean="0">
+                            <a:latin typeface="Cambria Math" panose="02040503050406030204" pitchFamily="18" charset="0"/>
+                          </a:rPr>
+                          <m:t>𝑟𝑒𝑛𝑡</m:t>
+                        </m:r>
+                        <m:r>
+                          <a:rPr lang="it-IT" sz="1500" b="0" i="1" smtClean="0">
+                            <a:latin typeface="Cambria Math" panose="02040503050406030204" pitchFamily="18" charset="0"/>
+                          </a:rPr>
+                          <m:t> </m:t>
+                        </m:r>
+                        <m:r>
+                          <a:rPr lang="it-IT" sz="1500" b="0" i="1" smtClean="0">
+                            <a:latin typeface="Cambria Math" panose="02040503050406030204" pitchFamily="18" charset="0"/>
+                          </a:rPr>
+                          <m:t>𝑝𝑟𝑖𝑐𝑒</m:t>
+                        </m:r>
+                      </m:e>
+                      <m:sub>
+                        <m:r>
+                          <a:rPr lang="it-IT" sz="1500" b="0" i="1" smtClean="0">
+                            <a:latin typeface="Cambria Math" panose="02040503050406030204" pitchFamily="18" charset="0"/>
+                          </a:rPr>
+                          <m:t>𝑝𝑎𝑟𝑐𝑒𝑙</m:t>
+                        </m:r>
+                        <m:r>
+                          <a:rPr lang="it-IT" sz="1500" b="0" i="1" smtClean="0">
+                            <a:latin typeface="Cambria Math" panose="02040503050406030204" pitchFamily="18" charset="0"/>
+                          </a:rPr>
+                          <m:t>, </m:t>
+                        </m:r>
+                        <m:r>
+                          <a:rPr lang="it-IT" sz="1500" b="0" i="1" smtClean="0">
+                            <a:latin typeface="Cambria Math" panose="02040503050406030204" pitchFamily="18" charset="0"/>
+                          </a:rPr>
+                          <m:t>𝑦𝑒𝑎𝑟</m:t>
+                        </m:r>
+                      </m:sub>
+                    </m:sSub>
                     <m:r>
                       <a:rPr lang="it-IT" sz="1500" b="0" i="1" smtClean="0">
                         <a:latin typeface="Cambria Math" panose="02040503050406030204" pitchFamily="18" charset="0"/>
                       </a:rPr>
-                      <m:t>𝑟𝑒𝑛𝑡</m:t>
+                      <m:t>  </m:t>
+                    </m:r>
+                    <m:r>
+                      <a:rPr lang="it-IT" sz="1500" b="0" i="1" smtClean="0">
+                        <a:latin typeface="Cambria Math" panose="02040503050406030204" pitchFamily="18" charset="0"/>
+                      </a:rPr>
+                      <m:t>~</m:t>
                     </m:r>
                     <m:r>
                       <a:rPr lang="it-IT" sz="1500" b="0" i="1" smtClean="0">
@@ -6742,29 +6760,36 @@
                       </a:rPr>
                       <m:t> </m:t>
                     </m:r>
+                    <m:sSub>
+                      <m:sSubPr>
+                        <m:ctrlPr>
+                          <a:rPr lang="it-IT" sz="1500" b="0" i="1" smtClean="0">
+                            <a:latin typeface="Cambria Math" panose="02040503050406030204" pitchFamily="18" charset="0"/>
+                          </a:rPr>
+                        </m:ctrlPr>
+                      </m:sSubPr>
+                      <m:e>
+                        <m:r>
+                          <a:rPr lang="it-IT" sz="1500" i="1">
+                            <a:latin typeface="Cambria Math" panose="02040503050406030204" pitchFamily="18" charset="0"/>
+                          </a:rPr>
+                          <m:t>𝑛h𝑜𝑜𝑑</m:t>
+                        </m:r>
+                      </m:e>
+                      <m:sub>
+                        <m:r>
+                          <a:rPr lang="it-IT" sz="1500" b="0" i="1" smtClean="0">
+                            <a:latin typeface="Cambria Math" panose="02040503050406030204" pitchFamily="18" charset="0"/>
+                          </a:rPr>
+                          <m:t>𝑝𝑎𝑟𝑐𝑒𝑙</m:t>
+                        </m:r>
+                      </m:sub>
+                    </m:sSub>
                     <m:r>
                       <a:rPr lang="it-IT" sz="1500" b="0" i="1" smtClean="0">
                         <a:latin typeface="Cambria Math" panose="02040503050406030204" pitchFamily="18" charset="0"/>
                       </a:rPr>
-                      <m:t>𝑝𝑟𝑖𝑐𝑒</m:t>
-                    </m:r>
-                    <m:r>
-                      <a:rPr lang="it-IT" sz="1500" b="0" i="1" smtClean="0">
-                        <a:latin typeface="Cambria Math" panose="02040503050406030204" pitchFamily="18" charset="0"/>
-                      </a:rPr>
-                      <m:t>  ~  </m:t>
-                    </m:r>
-                    <m:r>
-                      <a:rPr lang="it-IT" sz="1500" b="0" i="1" smtClean="0">
-                        <a:latin typeface="Cambria Math" panose="02040503050406030204" pitchFamily="18" charset="0"/>
-                      </a:rPr>
-                      <m:t>𝑛h𝑜𝑜𝑑</m:t>
-                    </m:r>
-                    <m:r>
-                      <a:rPr lang="it-IT" sz="1500" b="0" i="1" smtClean="0">
-                        <a:latin typeface="Cambria Math" panose="02040503050406030204" pitchFamily="18" charset="0"/>
-                      </a:rPr>
-                      <m:t> +</m:t>
+                      <m:t>+</m:t>
                     </m:r>
                     <m:r>
                       <a:rPr lang="it-IT" sz="1500" b="0" i="1" smtClean="0">
@@ -6800,13 +6825,7 @@
                       <a:rPr lang="it-IT" sz="1500" b="0" i="1" smtClean="0">
                         <a:latin typeface="Cambria Math" panose="02040503050406030204" pitchFamily="18" charset="0"/>
                       </a:rPr>
-                      <m:t> + #</m:t>
-                    </m:r>
-                    <m:r>
-                      <a:rPr lang="it-IT" sz="1500" b="0" i="1" smtClean="0">
-                        <a:latin typeface="Cambria Math" panose="02040503050406030204" pitchFamily="18" charset="0"/>
-                      </a:rPr>
-                      <m:t>𝑛𝑒𝑤</m:t>
+                      <m:t>+</m:t>
                     </m:r>
                     <m:r>
                       <a:rPr lang="it-IT" sz="1500" b="0" i="1" smtClean="0">
@@ -6814,84 +6833,201 @@
                       </a:rPr>
                       <m:t> </m:t>
                     </m:r>
-                    <m:r>
-                      <a:rPr lang="it-IT" sz="1500" b="0" i="1" smtClean="0">
-                        <a:latin typeface="Cambria Math" panose="02040503050406030204" pitchFamily="18" charset="0"/>
-                      </a:rPr>
-                      <m:t>𝑐𝑜𝑛𝑠𝑡𝑟𝑢𝑐𝑡𝑖𝑜𝑛𝑠</m:t>
-                    </m:r>
-                    <m:r>
-                      <a:rPr lang="it-IT" sz="1500" b="0" i="1" smtClean="0">
-                        <a:latin typeface="Cambria Math" panose="02040503050406030204" pitchFamily="18" charset="0"/>
-                      </a:rPr>
-                      <m:t> </m:t>
-                    </m:r>
-                    <m:r>
-                      <a:rPr lang="it-IT" sz="1500" b="0" i="1" smtClean="0">
-                        <a:latin typeface="Cambria Math" panose="02040503050406030204" pitchFamily="18" charset="0"/>
-                      </a:rPr>
-                      <m:t>𝑤𝑖𝑡h𝑖𝑛</m:t>
-                    </m:r>
-                    <m:r>
-                      <a:rPr lang="it-IT" sz="1500" b="0" i="1" smtClean="0">
-                        <a:latin typeface="Cambria Math" panose="02040503050406030204" pitchFamily="18" charset="0"/>
-                      </a:rPr>
-                      <m:t> 0.5 , 1 ,2.5 </m:t>
-                    </m:r>
-                    <m:r>
-                      <a:rPr lang="it-IT" sz="1500" b="0" i="1" smtClean="0">
-                        <a:latin typeface="Cambria Math" panose="02040503050406030204" pitchFamily="18" charset="0"/>
-                      </a:rPr>
-                      <m:t>𝑘𝑚</m:t>
-                    </m:r>
+                    <m:nary>
+                      <m:naryPr>
+                        <m:chr m:val="∑"/>
+                        <m:ctrlPr>
+                          <a:rPr lang="it-IT" sz="1500" b="0" i="1" smtClean="0">
+                            <a:latin typeface="Cambria Math" panose="02040503050406030204" pitchFamily="18" charset="0"/>
+                          </a:rPr>
+                        </m:ctrlPr>
+                      </m:naryPr>
+                      <m:sub>
+                        <m:r>
+                          <m:rPr>
+                            <m:brk m:alnAt="23"/>
+                          </m:rPr>
+                          <a:rPr lang="it-IT" sz="1500" b="0" i="1" smtClean="0">
+                            <a:latin typeface="Cambria Math" panose="02040503050406030204" pitchFamily="18" charset="0"/>
+                          </a:rPr>
+                          <m:t>𝑡</m:t>
+                        </m:r>
+                        <m:r>
+                          <a:rPr lang="it-IT" sz="1500" b="0" i="1" smtClean="0">
+                            <a:latin typeface="Cambria Math" panose="02040503050406030204" pitchFamily="18" charset="0"/>
+                          </a:rPr>
+                          <m:t>=</m:t>
+                        </m:r>
+                        <m:r>
+                          <a:rPr lang="it-IT" sz="1500" b="0" i="1" smtClean="0">
+                            <a:latin typeface="Cambria Math" panose="02040503050406030204" pitchFamily="18" charset="0"/>
+                          </a:rPr>
+                          <m:t>𝑦𝑒𝑎𝑟</m:t>
+                        </m:r>
+                        <m:r>
+                          <a:rPr lang="it-IT" sz="1500" b="0" i="1" smtClean="0">
+                            <a:latin typeface="Cambria Math" panose="02040503050406030204" pitchFamily="18" charset="0"/>
+                          </a:rPr>
+                          <m:t>−4</m:t>
+                        </m:r>
+                      </m:sub>
+                      <m:sup>
+                        <m:r>
+                          <a:rPr lang="it-IT" sz="1500" b="0" i="1" smtClean="0">
+                            <a:latin typeface="Cambria Math" panose="02040503050406030204" pitchFamily="18" charset="0"/>
+                          </a:rPr>
+                          <m:t>𝑦𝑒𝑎𝑟</m:t>
+                        </m:r>
+                      </m:sup>
+                      <m:e>
+                        <m:sSub>
+                          <m:sSubPr>
+                            <m:ctrlPr>
+                              <a:rPr lang="it-IT" sz="1500" i="1" smtClean="0">
+                                <a:latin typeface="Cambria Math" panose="02040503050406030204" pitchFamily="18" charset="0"/>
+                              </a:rPr>
+                            </m:ctrlPr>
+                          </m:sSubPr>
+                          <m:e>
+                            <m:r>
+                              <a:rPr lang="it-IT" sz="1500" i="1">
+                                <a:latin typeface="Cambria Math" panose="02040503050406030204" pitchFamily="18" charset="0"/>
+                              </a:rPr>
+                              <m:t>#</m:t>
+                            </m:r>
+                            <m:r>
+                              <a:rPr lang="it-IT" sz="1500" i="1">
+                                <a:latin typeface="Cambria Math" panose="02040503050406030204" pitchFamily="18" charset="0"/>
+                              </a:rPr>
+                              <m:t>𝑛𝑒𝑤</m:t>
+                            </m:r>
+                            <m:r>
+                              <a:rPr lang="it-IT" sz="1500" i="1">
+                                <a:latin typeface="Cambria Math" panose="02040503050406030204" pitchFamily="18" charset="0"/>
+                              </a:rPr>
+                              <m:t> </m:t>
+                            </m:r>
+                            <m:r>
+                              <a:rPr lang="it-IT" sz="1500" i="1">
+                                <a:latin typeface="Cambria Math" panose="02040503050406030204" pitchFamily="18" charset="0"/>
+                              </a:rPr>
+                              <m:t>𝑐𝑜𝑛𝑠𝑡𝑟𝑢𝑐𝑡𝑖𝑜𝑛𝑠</m:t>
+                            </m:r>
+                            <m:r>
+                              <a:rPr lang="it-IT" sz="1500" i="1">
+                                <a:latin typeface="Cambria Math" panose="02040503050406030204" pitchFamily="18" charset="0"/>
+                              </a:rPr>
+                              <m:t> </m:t>
+                            </m:r>
+                            <m:r>
+                              <a:rPr lang="it-IT" sz="1500" i="1">
+                                <a:latin typeface="Cambria Math" panose="02040503050406030204" pitchFamily="18" charset="0"/>
+                              </a:rPr>
+                              <m:t>𝑤𝑖𝑡h𝑖𝑛</m:t>
+                            </m:r>
+                            <m:r>
+                              <a:rPr lang="it-IT" sz="1500" i="1">
+                                <a:latin typeface="Cambria Math" panose="02040503050406030204" pitchFamily="18" charset="0"/>
+                              </a:rPr>
+                              <m:t> 0.5 , 1 ,2.5 </m:t>
+                            </m:r>
+                            <m:r>
+                              <a:rPr lang="it-IT" sz="1500" i="1">
+                                <a:latin typeface="Cambria Math" panose="02040503050406030204" pitchFamily="18" charset="0"/>
+                              </a:rPr>
+                              <m:t>𝑘𝑚</m:t>
+                            </m:r>
+                          </m:e>
+                          <m:sub>
+                            <m:r>
+                              <a:rPr lang="it-IT" sz="1500" b="0" i="1" smtClean="0">
+                                <a:latin typeface="Cambria Math" panose="02040503050406030204" pitchFamily="18" charset="0"/>
+                              </a:rPr>
+                              <m:t>𝑝𝑎𝑟𝑐𝑒𝑙</m:t>
+                            </m:r>
+                            <m:r>
+                              <a:rPr lang="it-IT" sz="1500" b="0" i="1" smtClean="0">
+                                <a:latin typeface="Cambria Math" panose="02040503050406030204" pitchFamily="18" charset="0"/>
+                              </a:rPr>
+                              <m:t>,</m:t>
+                            </m:r>
+                            <m:r>
+                              <a:rPr lang="it-IT" sz="1500" b="0" i="1" smtClean="0">
+                                <a:latin typeface="Cambria Math" panose="02040503050406030204" pitchFamily="18" charset="0"/>
+                              </a:rPr>
+                              <m:t>𝑡</m:t>
+                            </m:r>
+                          </m:sub>
+                        </m:sSub>
+                      </m:e>
+                    </m:nary>
                     <m:r>
                       <a:rPr lang="it-IT" sz="1500" b="0" i="1" smtClean="0">
                         <a:latin typeface="Cambria Math" panose="02040503050406030204" pitchFamily="18" charset="0"/>
                       </a:rPr>
                       <m:t>+</m:t>
                     </m:r>
-                    <m:r>
-                      <a:rPr lang="it-IT" sz="1500" b="0" i="1" smtClean="0">
-                        <a:latin typeface="Cambria Math" panose="02040503050406030204" pitchFamily="18" charset="0"/>
-                      </a:rPr>
-                      <m:t>𝑑𝑖𝑠𝑡𝑎𝑛𝑐𝑒</m:t>
-                    </m:r>
-                    <m:r>
-                      <a:rPr lang="it-IT" sz="1500" b="0" i="1" smtClean="0">
-                        <a:latin typeface="Cambria Math" panose="02040503050406030204" pitchFamily="18" charset="0"/>
-                      </a:rPr>
-                      <m:t> </m:t>
-                    </m:r>
-                    <m:r>
-                      <a:rPr lang="it-IT" sz="1500" b="0" i="1" smtClean="0">
-                        <a:latin typeface="Cambria Math" panose="02040503050406030204" pitchFamily="18" charset="0"/>
-                      </a:rPr>
-                      <m:t>𝑓𝑟𝑜𝑚</m:t>
-                    </m:r>
-                    <m:r>
-                      <a:rPr lang="it-IT" sz="1500" b="0" i="1" smtClean="0">
-                        <a:latin typeface="Cambria Math" panose="02040503050406030204" pitchFamily="18" charset="0"/>
-                      </a:rPr>
-                      <m:t> </m:t>
-                    </m:r>
-                    <m:r>
-                      <a:rPr lang="it-IT" sz="1500" b="0" i="1" smtClean="0">
-                        <a:latin typeface="Cambria Math" panose="02040503050406030204" pitchFamily="18" charset="0"/>
-                      </a:rPr>
-                      <m:t>𝑓𝑖𝑛𝑎𝑛𝑐𝑖𝑎𝑙</m:t>
-                    </m:r>
-                    <m:r>
-                      <a:rPr lang="it-IT" sz="1500" b="0" i="1" smtClean="0">
-                        <a:latin typeface="Cambria Math" panose="02040503050406030204" pitchFamily="18" charset="0"/>
-                      </a:rPr>
-                      <m:t> </m:t>
-                    </m:r>
-                    <m:r>
-                      <a:rPr lang="it-IT" sz="1500" b="0" i="1" smtClean="0">
-                        <a:latin typeface="Cambria Math" panose="02040503050406030204" pitchFamily="18" charset="0"/>
-                      </a:rPr>
-                      <m:t>𝑑𝑖𝑠𝑡𝑟𝑖𝑐𝑡</m:t>
-                    </m:r>
+                    <m:sSub>
+                      <m:sSubPr>
+                        <m:ctrlPr>
+                          <a:rPr lang="it-IT" sz="1500" b="0" i="1" smtClean="0">
+                            <a:latin typeface="Cambria Math" panose="02040503050406030204" pitchFamily="18" charset="0"/>
+                          </a:rPr>
+                        </m:ctrlPr>
+                      </m:sSubPr>
+                      <m:e>
+                        <m:r>
+                          <a:rPr lang="it-IT" sz="1500" i="1">
+                            <a:latin typeface="Cambria Math" panose="02040503050406030204" pitchFamily="18" charset="0"/>
+                          </a:rPr>
+                          <m:t>𝑑𝑖𝑠𝑡𝑎𝑛𝑐𝑒</m:t>
+                        </m:r>
+                        <m:r>
+                          <a:rPr lang="it-IT" sz="1500" i="1">
+                            <a:latin typeface="Cambria Math" panose="02040503050406030204" pitchFamily="18" charset="0"/>
+                          </a:rPr>
+                          <m:t> </m:t>
+                        </m:r>
+                        <m:r>
+                          <a:rPr lang="it-IT" sz="1500" i="1">
+                            <a:latin typeface="Cambria Math" panose="02040503050406030204" pitchFamily="18" charset="0"/>
+                          </a:rPr>
+                          <m:t>𝑓𝑟𝑜𝑚</m:t>
+                        </m:r>
+                        <m:r>
+                          <a:rPr lang="it-IT" sz="1500" i="1">
+                            <a:latin typeface="Cambria Math" panose="02040503050406030204" pitchFamily="18" charset="0"/>
+                          </a:rPr>
+                          <m:t> </m:t>
+                        </m:r>
+                        <m:r>
+                          <a:rPr lang="it-IT" sz="1500" i="1">
+                            <a:latin typeface="Cambria Math" panose="02040503050406030204" pitchFamily="18" charset="0"/>
+                          </a:rPr>
+                          <m:t>𝑓𝑖𝑛𝑎𝑛𝑐𝑖𝑎𝑙</m:t>
+                        </m:r>
+                        <m:r>
+                          <a:rPr lang="it-IT" sz="1500" i="1">
+                            <a:latin typeface="Cambria Math" panose="02040503050406030204" pitchFamily="18" charset="0"/>
+                          </a:rPr>
+                          <m:t> </m:t>
+                        </m:r>
+                        <m:r>
+                          <a:rPr lang="it-IT" sz="1500" i="1">
+                            <a:latin typeface="Cambria Math" panose="02040503050406030204" pitchFamily="18" charset="0"/>
+                          </a:rPr>
+                          <m:t>𝑑𝑖𝑠𝑡𝑟𝑖𝑐𝑡</m:t>
+                        </m:r>
+                      </m:e>
+                      <m:sub>
+                        <m:r>
+                          <a:rPr lang="it-IT" sz="1500" b="0" i="1" smtClean="0">
+                            <a:latin typeface="Cambria Math" panose="02040503050406030204" pitchFamily="18" charset="0"/>
+                          </a:rPr>
+                          <m:t>𝑝𝑎𝑟𝑐𝑒𝑙</m:t>
+                        </m:r>
+                      </m:sub>
+                    </m:sSub>
                   </m:oMath>
                 </a14:m>
                 <a:endParaRPr lang="it-IT" sz="1500" b="0" dirty="0"/>
@@ -6907,54 +7043,116 @@
                 </a:r>
                 <a14:m>
                   <m:oMath xmlns:m="http://schemas.openxmlformats.org/officeDocument/2006/math">
-                    <m:r>
-                      <a:rPr lang="it-IT" sz="1500" b="0" i="1" smtClean="0">
-                        <a:latin typeface="Cambria Math" panose="02040503050406030204" pitchFamily="18" charset="0"/>
-                      </a:rPr>
-                      <m:t>#</m:t>
-                    </m:r>
-                    <m:r>
-                      <a:rPr lang="it-IT" sz="1500" b="0" i="1" smtClean="0">
-                        <a:latin typeface="Cambria Math" panose="02040503050406030204" pitchFamily="18" charset="0"/>
-                      </a:rPr>
-                      <m:t>𝑒𝑣𝑖𝑐𝑡𝑖𝑜𝑛</m:t>
-                    </m:r>
-                    <m:r>
-                      <a:rPr lang="it-IT" sz="1500" b="0" i="1" smtClean="0">
-                        <a:latin typeface="Cambria Math" panose="02040503050406030204" pitchFamily="18" charset="0"/>
-                      </a:rPr>
-                      <m:t> </m:t>
-                    </m:r>
-                    <m:r>
-                      <a:rPr lang="it-IT" sz="1500" b="0" i="1" smtClean="0">
-                        <a:latin typeface="Cambria Math" panose="02040503050406030204" pitchFamily="18" charset="0"/>
-                      </a:rPr>
-                      <m:t>𝑛𝑜𝑡𝑖𝑐𝑒𝑠</m:t>
-                    </m:r>
+                    <m:sSub>
+                      <m:sSubPr>
+                        <m:ctrlPr>
+                          <a:rPr lang="it-IT" sz="1500" b="0" i="1" smtClean="0">
+                            <a:latin typeface="Cambria Math" panose="02040503050406030204" pitchFamily="18" charset="0"/>
+                          </a:rPr>
+                        </m:ctrlPr>
+                      </m:sSubPr>
+                      <m:e>
+                        <m:r>
+                          <a:rPr lang="it-IT" sz="1500" b="0" i="1" smtClean="0">
+                            <a:latin typeface="Cambria Math" panose="02040503050406030204" pitchFamily="18" charset="0"/>
+                          </a:rPr>
+                          <m:t>#</m:t>
+                        </m:r>
+                        <m:r>
+                          <a:rPr lang="it-IT" sz="1500" b="0" i="1" smtClean="0">
+                            <a:latin typeface="Cambria Math" panose="02040503050406030204" pitchFamily="18" charset="0"/>
+                          </a:rPr>
+                          <m:t>𝑒𝑣𝑖𝑐𝑡𝑖𝑜𝑛</m:t>
+                        </m:r>
+                        <m:r>
+                          <a:rPr lang="it-IT" sz="1500" b="0" i="1" smtClean="0">
+                            <a:latin typeface="Cambria Math" panose="02040503050406030204" pitchFamily="18" charset="0"/>
+                          </a:rPr>
+                          <m:t> </m:t>
+                        </m:r>
+                        <m:r>
+                          <a:rPr lang="it-IT" sz="1500" b="0" i="1" smtClean="0">
+                            <a:latin typeface="Cambria Math" panose="02040503050406030204" pitchFamily="18" charset="0"/>
+                          </a:rPr>
+                          <m:t>𝑛𝑜𝑡𝑖𝑐𝑒𝑠</m:t>
+                        </m:r>
+                      </m:e>
+                      <m:sub>
+                        <m:r>
+                          <a:rPr lang="it-IT" sz="1500" b="0" i="1" smtClean="0">
+                            <a:latin typeface="Cambria Math" panose="02040503050406030204" pitchFamily="18" charset="0"/>
+                          </a:rPr>
+                          <m:t>𝑛h𝑜𝑜𝑑</m:t>
+                        </m:r>
+                        <m:r>
+                          <a:rPr lang="it-IT" sz="1500" b="0" i="1" smtClean="0">
+                            <a:latin typeface="Cambria Math" panose="02040503050406030204" pitchFamily="18" charset="0"/>
+                          </a:rPr>
+                          <m:t>,</m:t>
+                        </m:r>
+                        <m:r>
+                          <a:rPr lang="it-IT" sz="1500" b="0" i="1" smtClean="0">
+                            <a:latin typeface="Cambria Math" panose="02040503050406030204" pitchFamily="18" charset="0"/>
+                          </a:rPr>
+                          <m:t>𝑦𝑒𝑎𝑟</m:t>
+                        </m:r>
+                      </m:sub>
+                    </m:sSub>
                     <m:r>
                       <a:rPr lang="it-IT" sz="1500" b="0" i="1" smtClean="0">
                         <a:latin typeface="Cambria Math" panose="02040503050406030204" pitchFamily="18" charset="0"/>
                       </a:rPr>
                       <m:t> ~  </m:t>
                     </m:r>
-                    <m:r>
-                      <a:rPr lang="it-IT" sz="1500" b="0" i="1" smtClean="0">
-                        <a:latin typeface="Cambria Math" panose="02040503050406030204" pitchFamily="18" charset="0"/>
-                      </a:rPr>
-                      <m:t>𝑟𝑒𝑛𝑡</m:t>
-                    </m:r>
-                    <m:r>
-                      <a:rPr lang="it-IT" sz="1500" b="0" i="1" smtClean="0">
-                        <a:latin typeface="Cambria Math" panose="02040503050406030204" pitchFamily="18" charset="0"/>
-                      </a:rPr>
-                      <m:t> </m:t>
-                    </m:r>
-                    <m:r>
-                      <a:rPr lang="it-IT" sz="1500" b="0" i="1" smtClean="0">
-                        <a:latin typeface="Cambria Math" panose="02040503050406030204" pitchFamily="18" charset="0"/>
-                      </a:rPr>
-                      <m:t>𝑝𝑟𝑖𝑐𝑒</m:t>
-                    </m:r>
+                    <m:sSub>
+                      <m:sSubPr>
+                        <m:ctrlPr>
+                          <a:rPr lang="it-IT" sz="1500" b="0" i="1" smtClean="0">
+                            <a:latin typeface="Cambria Math" panose="02040503050406030204" pitchFamily="18" charset="0"/>
+                          </a:rPr>
+                        </m:ctrlPr>
+                      </m:sSubPr>
+                      <m:e>
+                        <m:r>
+                          <a:rPr lang="it-IT" sz="1500" b="0" i="1" smtClean="0">
+                            <a:latin typeface="Cambria Math" panose="02040503050406030204" pitchFamily="18" charset="0"/>
+                          </a:rPr>
+                          <m:t>𝑟𝑒𝑛𝑡</m:t>
+                        </m:r>
+                        <m:r>
+                          <a:rPr lang="it-IT" sz="1500" b="0" i="1" smtClean="0">
+                            <a:latin typeface="Cambria Math" panose="02040503050406030204" pitchFamily="18" charset="0"/>
+                          </a:rPr>
+                          <m:t> </m:t>
+                        </m:r>
+                        <m:r>
+                          <a:rPr lang="it-IT" sz="1500" b="0" i="1" smtClean="0">
+                            <a:latin typeface="Cambria Math" panose="02040503050406030204" pitchFamily="18" charset="0"/>
+                          </a:rPr>
+                          <m:t>𝑝𝑟𝑖𝑐𝑒</m:t>
+                        </m:r>
+                      </m:e>
+                      <m:sub>
+                        <m:r>
+                          <a:rPr lang="it-IT" sz="1500" b="0" i="1" smtClean="0">
+                            <a:latin typeface="Cambria Math" panose="02040503050406030204" pitchFamily="18" charset="0"/>
+                          </a:rPr>
+                          <m:t>𝑛h𝑜𝑜𝑑</m:t>
+                        </m:r>
+                        <m:r>
+                          <a:rPr lang="it-IT" sz="1500" b="0" i="1" smtClean="0">
+                            <a:latin typeface="Cambria Math" panose="02040503050406030204" pitchFamily="18" charset="0"/>
+                          </a:rPr>
+                          <m:t>,</m:t>
+                        </m:r>
+                        <m:r>
+                          <a:rPr lang="it-IT" sz="1500" b="0" i="1" smtClean="0">
+                            <a:latin typeface="Cambria Math" panose="02040503050406030204" pitchFamily="18" charset="0"/>
+                          </a:rPr>
+                          <m:t>𝑦𝑒𝑎𝑟</m:t>
+                        </m:r>
+                      </m:sub>
+                    </m:sSub>
                     <m:r>
                       <a:rPr lang="it-IT" sz="1500" b="0" i="1" smtClean="0">
                         <a:latin typeface="Cambria Math" panose="02040503050406030204" pitchFamily="18" charset="0"/>
@@ -6965,7 +7163,13 @@
                       <a:rPr lang="it-IT" sz="1500" b="0" i="1" smtClean="0">
                         <a:latin typeface="Cambria Math" panose="02040503050406030204" pitchFamily="18" charset="0"/>
                       </a:rPr>
-                      <m:t>𝑛𝑒𝑖𝑔h𝑏𝑜𝑟h𝑜𝑜𝑑</m:t>
+                      <m:t>𝑛</m:t>
+                    </m:r>
+                    <m:r>
+                      <a:rPr lang="it-IT" sz="1500" b="0" i="1" smtClean="0">
+                        <a:latin typeface="Cambria Math" panose="02040503050406030204" pitchFamily="18" charset="0"/>
+                      </a:rPr>
+                      <m:t>h𝑜𝑜𝑑</m:t>
                     </m:r>
                     <m:r>
                       <a:rPr lang="it-IT" sz="1500" b="0" i="1" smtClean="0">
@@ -6983,44 +7187,63 @@
                       <a:rPr lang="it-IT" sz="1500" b="0" i="1" smtClean="0">
                         <a:latin typeface="Cambria Math" panose="02040503050406030204" pitchFamily="18" charset="0"/>
                       </a:rPr>
-                      <m:t>+#</m:t>
+                      <m:t>+</m:t>
                     </m:r>
-                    <m:r>
-                      <a:rPr lang="it-IT" sz="1500" b="0" i="1" smtClean="0">
-                        <a:latin typeface="Cambria Math" panose="02040503050406030204" pitchFamily="18" charset="0"/>
-                      </a:rPr>
-                      <m:t>𝑛𝑒𝑎𝑟</m:t>
-                    </m:r>
-                    <m:r>
-                      <a:rPr lang="it-IT" sz="1500" b="0" i="1" smtClean="0">
-                        <a:latin typeface="Cambria Math" panose="02040503050406030204" pitchFamily="18" charset="0"/>
-                      </a:rPr>
-                      <m:t> </m:t>
-                    </m:r>
-                    <m:r>
-                      <a:rPr lang="it-IT" sz="1500" b="0" i="1" smtClean="0">
-                        <a:latin typeface="Cambria Math" panose="02040503050406030204" pitchFamily="18" charset="0"/>
-                      </a:rPr>
-                      <m:t>𝑛𝑒𝑤</m:t>
-                    </m:r>
-                    <m:r>
-                      <a:rPr lang="it-IT" sz="1500" b="0" i="1" smtClean="0">
-                        <a:latin typeface="Cambria Math" panose="02040503050406030204" pitchFamily="18" charset="0"/>
-                      </a:rPr>
-                      <m:t> </m:t>
-                    </m:r>
-                    <m:r>
-                      <a:rPr lang="it-IT" sz="1500" b="0" i="1" smtClean="0">
-                        <a:latin typeface="Cambria Math" panose="02040503050406030204" pitchFamily="18" charset="0"/>
-                      </a:rPr>
-                      <m:t>𝑐𝑜𝑛𝑠𝑡𝑟𝑢𝑐𝑡𝑖𝑜𝑛</m:t>
-                    </m:r>
-                    <m:r>
-                      <a:rPr lang="it-IT" sz="1500" b="0" i="1" smtClean="0">
-                        <a:latin typeface="Cambria Math" panose="02040503050406030204" pitchFamily="18" charset="0"/>
-                      </a:rPr>
-                      <m:t> </m:t>
-                    </m:r>
+                    <m:sSub>
+                      <m:sSubPr>
+                        <m:ctrlPr>
+                          <a:rPr lang="it-IT" sz="1500" b="0" i="1" smtClean="0">
+                            <a:latin typeface="Cambria Math" panose="02040503050406030204" pitchFamily="18" charset="0"/>
+                          </a:rPr>
+                        </m:ctrlPr>
+                      </m:sSubPr>
+                      <m:e>
+                        <m:r>
+                          <a:rPr lang="it-IT" sz="1500" i="1">
+                            <a:latin typeface="Cambria Math" panose="02040503050406030204" pitchFamily="18" charset="0"/>
+                          </a:rPr>
+                          <m:t>#</m:t>
+                        </m:r>
+                        <m:r>
+                          <a:rPr lang="it-IT" sz="1500" i="1">
+                            <a:latin typeface="Cambria Math" panose="02040503050406030204" pitchFamily="18" charset="0"/>
+                          </a:rPr>
+                          <m:t>𝑛𝑒𝑤</m:t>
+                        </m:r>
+                        <m:r>
+                          <a:rPr lang="it-IT" sz="1500" i="1">
+                            <a:latin typeface="Cambria Math" panose="02040503050406030204" pitchFamily="18" charset="0"/>
+                          </a:rPr>
+                          <m:t> </m:t>
+                        </m:r>
+                        <m:r>
+                          <a:rPr lang="it-IT" sz="1500" i="1">
+                            <a:latin typeface="Cambria Math" panose="02040503050406030204" pitchFamily="18" charset="0"/>
+                          </a:rPr>
+                          <m:t>𝑐𝑜𝑛𝑠𝑡𝑟𝑢𝑐𝑡𝑖𝑜𝑛𝑠</m:t>
+                        </m:r>
+                      </m:e>
+                      <m:sub>
+                        <m:r>
+                          <a:rPr lang="it-IT" sz="1500" b="0" i="1" smtClean="0">
+                            <a:latin typeface="Cambria Math" panose="02040503050406030204" pitchFamily="18" charset="0"/>
+                          </a:rPr>
+                          <m:t>𝑛h𝑜𝑜𝑑</m:t>
+                        </m:r>
+                        <m:r>
+                          <a:rPr lang="it-IT" sz="1500" b="0" i="1" smtClean="0">
+                            <a:latin typeface="Cambria Math" panose="02040503050406030204" pitchFamily="18" charset="0"/>
+                          </a:rPr>
+                          <m:t>,</m:t>
+                        </m:r>
+                        <m:r>
+                          <a:rPr lang="it-IT" sz="1500" b="0" i="1" smtClean="0">
+                            <a:latin typeface="Cambria Math" panose="02040503050406030204" pitchFamily="18" charset="0"/>
+                          </a:rPr>
+                          <m:t>𝑦𝑒𝑎𝑟</m:t>
+                        </m:r>
+                      </m:sub>
+                    </m:sSub>
                   </m:oMath>
                 </a14:m>
                 <a:endParaRPr lang="it-IT" sz="1500" dirty="0"/>
@@ -7175,7 +7398,7 @@
               <a:blipFill>
                 <a:blip r:embed="rId2"/>
                 <a:stretch>
-                  <a:fillRect l="-170" t="-2612" r="-170" b="-3358"/>
+                  <a:fillRect l="-170" t="-3731" r="-170"/>
                 </a:stretch>
               </a:blipFill>
             </p:spPr>

--- a/ppt_parziale.pptx
+++ b/ppt_parziale.pptx
@@ -6637,7 +6637,7 @@
             </p:spPr>
             <p:txBody>
               <a:bodyPr>
-                <a:normAutofit fontScale="92500" lnSpcReduction="20000"/>
+                <a:normAutofit/>
               </a:bodyPr>
               <a:lstStyle/>
               <a:p>
@@ -6646,39 +6646,39 @@
                   <a:buAutoNum type="arabicPeriod"/>
                 </a:pPr>
                 <a:r>
-                  <a:rPr lang="it-IT" sz="1500" dirty="0"/>
+                  <a:rPr lang="it-IT" sz="1200" dirty="0"/>
                   <a:t>Exploratory </a:t>
                 </a:r>
                 <a:r>
-                  <a:rPr lang="it-IT" sz="1500" dirty="0" err="1"/>
+                  <a:rPr lang="it-IT" sz="1200" dirty="0" err="1"/>
                   <a:t>analysis</a:t>
                 </a:r>
                 <a:r>
-                  <a:rPr lang="it-IT" sz="1500" dirty="0"/>
+                  <a:rPr lang="it-IT" sz="1200" dirty="0"/>
                   <a:t>: </a:t>
                 </a:r>
                 <a:r>
-                  <a:rPr lang="it-IT" sz="1500" dirty="0" err="1"/>
+                  <a:rPr lang="it-IT" sz="1200" dirty="0" err="1"/>
                   <a:t>functional</a:t>
                 </a:r>
                 <a:r>
-                  <a:rPr lang="it-IT" sz="1500" dirty="0"/>
+                  <a:rPr lang="it-IT" sz="1200" dirty="0"/>
                   <a:t> </a:t>
                 </a:r>
                 <a:r>
-                  <a:rPr lang="it-IT" sz="1500" dirty="0" err="1"/>
+                  <a:rPr lang="it-IT" sz="1200" dirty="0" err="1"/>
                   <a:t>tests</a:t>
                 </a:r>
                 <a:r>
-                  <a:rPr lang="it-IT" sz="1500" dirty="0"/>
+                  <a:rPr lang="it-IT" sz="1200" dirty="0"/>
                   <a:t> and one-way ANOVA for </a:t>
                 </a:r>
                 <a:r>
-                  <a:rPr lang="it-IT" sz="1500" dirty="0" err="1"/>
+                  <a:rPr lang="it-IT" sz="1200" dirty="0" err="1"/>
                   <a:t>rent</a:t>
                 </a:r>
                 <a:r>
-                  <a:rPr lang="it-IT" sz="1500" dirty="0"/>
+                  <a:rPr lang="it-IT" sz="1200" dirty="0"/>
                   <a:t> prices or eviction notices as functions of time grouping by neighborhood</a:t>
                 </a:r>
               </a:p>
@@ -6688,7 +6688,7 @@
                   <a:buAutoNum type="arabicPeriod"/>
                 </a:pPr>
                 <a:r>
-                  <a:rPr lang="it-IT" sz="1500" dirty="0"/>
+                  <a:rPr lang="it-IT" sz="1200" dirty="0"/>
                   <a:t>GAM model for:</a:t>
                 </a:r>
                 <a14:m>
@@ -6696,26 +6696,26 @@
                     <m:sSub>
                       <m:sSubPr>
                         <m:ctrlPr>
-                          <a:rPr lang="it-IT" sz="1500" b="0" i="1" smtClean="0">
+                          <a:rPr lang="it-IT" sz="1200" b="0" i="1" smtClean="0">
                             <a:latin typeface="Cambria Math" panose="02040503050406030204" pitchFamily="18" charset="0"/>
                           </a:rPr>
                         </m:ctrlPr>
                       </m:sSubPr>
                       <m:e>
                         <m:r>
-                          <a:rPr lang="it-IT" sz="1500" b="0" i="1" smtClean="0">
+                          <a:rPr lang="it-IT" sz="1200" b="0" i="1" smtClean="0">
                             <a:latin typeface="Cambria Math" panose="02040503050406030204" pitchFamily="18" charset="0"/>
                           </a:rPr>
                           <m:t>𝑟𝑒𝑛𝑡</m:t>
                         </m:r>
                         <m:r>
-                          <a:rPr lang="it-IT" sz="1500" b="0" i="1" smtClean="0">
+                          <a:rPr lang="it-IT" sz="1200" b="0" i="1" smtClean="0">
                             <a:latin typeface="Cambria Math" panose="02040503050406030204" pitchFamily="18" charset="0"/>
                           </a:rPr>
                           <m:t> </m:t>
                         </m:r>
                         <m:r>
-                          <a:rPr lang="it-IT" sz="1500" b="0" i="1" smtClean="0">
+                          <a:rPr lang="it-IT" sz="1200" b="0" i="1" smtClean="0">
                             <a:latin typeface="Cambria Math" panose="02040503050406030204" pitchFamily="18" charset="0"/>
                           </a:rPr>
                           <m:t>𝑝𝑟𝑖𝑐𝑒</m:t>
@@ -6723,19 +6723,19 @@
                       </m:e>
                       <m:sub>
                         <m:r>
-                          <a:rPr lang="it-IT" sz="1500" b="0" i="1" smtClean="0">
+                          <a:rPr lang="it-IT" sz="1200" b="0" i="1" smtClean="0">
                             <a:latin typeface="Cambria Math" panose="02040503050406030204" pitchFamily="18" charset="0"/>
                           </a:rPr>
                           <m:t>𝑝𝑎𝑟𝑐𝑒𝑙</m:t>
                         </m:r>
                         <m:r>
-                          <a:rPr lang="it-IT" sz="1500" b="0" i="1" smtClean="0">
+                          <a:rPr lang="it-IT" sz="1200" b="0" i="1" smtClean="0">
                             <a:latin typeface="Cambria Math" panose="02040503050406030204" pitchFamily="18" charset="0"/>
                           </a:rPr>
                           <m:t>, </m:t>
                         </m:r>
                         <m:r>
-                          <a:rPr lang="it-IT" sz="1500" b="0" i="1" smtClean="0">
+                          <a:rPr lang="it-IT" sz="1200" b="0" i="1" smtClean="0">
                             <a:latin typeface="Cambria Math" panose="02040503050406030204" pitchFamily="18" charset="0"/>
                           </a:rPr>
                           <m:t>𝑦𝑒𝑎𝑟</m:t>
@@ -6743,34 +6743,22 @@
                       </m:sub>
                     </m:sSub>
                     <m:r>
-                      <a:rPr lang="it-IT" sz="1500" b="0" i="1" smtClean="0">
+                      <a:rPr lang="it-IT" sz="1200" b="0" i="1" smtClean="0">
                         <a:latin typeface="Cambria Math" panose="02040503050406030204" pitchFamily="18" charset="0"/>
                       </a:rPr>
-                      <m:t>  </m:t>
-                    </m:r>
-                    <m:r>
-                      <a:rPr lang="it-IT" sz="1500" b="0" i="1" smtClean="0">
-                        <a:latin typeface="Cambria Math" panose="02040503050406030204" pitchFamily="18" charset="0"/>
-                      </a:rPr>
-                      <m:t>~</m:t>
-                    </m:r>
-                    <m:r>
-                      <a:rPr lang="it-IT" sz="1500" b="0" i="1" smtClean="0">
-                        <a:latin typeface="Cambria Math" panose="02040503050406030204" pitchFamily="18" charset="0"/>
-                      </a:rPr>
-                      <m:t> </m:t>
+                      <m:t>  ~ </m:t>
                     </m:r>
                     <m:sSub>
                       <m:sSubPr>
                         <m:ctrlPr>
-                          <a:rPr lang="it-IT" sz="1500" b="0" i="1" smtClean="0">
+                          <a:rPr lang="it-IT" sz="1200" b="0" i="1" smtClean="0">
                             <a:latin typeface="Cambria Math" panose="02040503050406030204" pitchFamily="18" charset="0"/>
                           </a:rPr>
                         </m:ctrlPr>
                       </m:sSubPr>
                       <m:e>
                         <m:r>
-                          <a:rPr lang="it-IT" sz="1500" i="1">
+                          <a:rPr lang="it-IT" sz="1200" i="1">
                             <a:latin typeface="Cambria Math" panose="02040503050406030204" pitchFamily="18" charset="0"/>
                           </a:rPr>
                           <m:t>𝑛h𝑜𝑜𝑑</m:t>
@@ -6778,7 +6766,7 @@
                       </m:e>
                       <m:sub>
                         <m:r>
-                          <a:rPr lang="it-IT" sz="1500" b="0" i="1" smtClean="0">
+                          <a:rPr lang="it-IT" sz="1200" b="0" i="1" smtClean="0">
                             <a:latin typeface="Cambria Math" panose="02040503050406030204" pitchFamily="18" charset="0"/>
                           </a:rPr>
                           <m:t>𝑝𝑎𝑟𝑐𝑒𝑙</m:t>
@@ -6786,58 +6774,52 @@
                       </m:sub>
                     </m:sSub>
                     <m:r>
-                      <a:rPr lang="it-IT" sz="1500" b="0" i="1" smtClean="0">
+                      <a:rPr lang="it-IT" sz="1200" b="0" i="1" smtClean="0">
                         <a:latin typeface="Cambria Math" panose="02040503050406030204" pitchFamily="18" charset="0"/>
                       </a:rPr>
                       <m:t>+</m:t>
                     </m:r>
                     <m:r>
-                      <a:rPr lang="it-IT" sz="1500" b="0" i="1" smtClean="0">
+                      <a:rPr lang="it-IT" sz="1200" b="0" i="1" smtClean="0">
                         <a:latin typeface="Cambria Math" panose="02040503050406030204" pitchFamily="18" charset="0"/>
                       </a:rPr>
                       <m:t>𝑦𝑒𝑎𝑟</m:t>
                     </m:r>
                     <m:r>
-                      <a:rPr lang="it-IT" sz="1500" b="0" i="1" smtClean="0">
+                      <a:rPr lang="it-IT" sz="1200" b="0" i="1" smtClean="0">
                         <a:latin typeface="Cambria Math" panose="02040503050406030204" pitchFamily="18" charset="0"/>
                       </a:rPr>
                       <m:t>+</m:t>
                     </m:r>
                     <m:r>
-                      <a:rPr lang="it-IT" sz="1500" b="0" i="1" smtClean="0">
+                      <a:rPr lang="it-IT" sz="1200" b="0" i="1" smtClean="0">
                         <a:latin typeface="Cambria Math" panose="02040503050406030204" pitchFamily="18" charset="0"/>
                       </a:rPr>
                       <m:t>𝑛h𝑜𝑜𝑑</m:t>
                     </m:r>
                     <m:r>
-                      <a:rPr lang="it-IT" sz="1500" b="0" i="1" smtClean="0">
+                      <a:rPr lang="it-IT" sz="1200" b="0" i="1" smtClean="0">
                         <a:latin typeface="Cambria Math" panose="02040503050406030204" pitchFamily="18" charset="0"/>
                       </a:rPr>
                       <m:t>:</m:t>
                     </m:r>
                     <m:r>
-                      <a:rPr lang="it-IT" sz="1500" b="0" i="1" smtClean="0">
+                      <a:rPr lang="it-IT" sz="1200" b="0" i="1" smtClean="0">
                         <a:latin typeface="Cambria Math" panose="02040503050406030204" pitchFamily="18" charset="0"/>
                       </a:rPr>
                       <m:t>𝑦𝑒𝑎𝑟</m:t>
                     </m:r>
                     <m:r>
-                      <a:rPr lang="it-IT" sz="1500" b="0" i="1" smtClean="0">
+                      <a:rPr lang="it-IT" sz="1200" b="0" i="1" smtClean="0">
                         <a:latin typeface="Cambria Math" panose="02040503050406030204" pitchFamily="18" charset="0"/>
                       </a:rPr>
-                      <m:t>+</m:t>
-                    </m:r>
-                    <m:r>
-                      <a:rPr lang="it-IT" sz="1500" b="0" i="1" smtClean="0">
-                        <a:latin typeface="Cambria Math" panose="02040503050406030204" pitchFamily="18" charset="0"/>
-                      </a:rPr>
-                      <m:t> </m:t>
+                      <m:t>+ </m:t>
                     </m:r>
                     <m:nary>
                       <m:naryPr>
                         <m:chr m:val="∑"/>
                         <m:ctrlPr>
-                          <a:rPr lang="it-IT" sz="1500" b="0" i="1" smtClean="0">
+                          <a:rPr lang="it-IT" sz="1200" b="0" i="1" smtClean="0">
                             <a:latin typeface="Cambria Math" panose="02040503050406030204" pitchFamily="18" charset="0"/>
                           </a:rPr>
                         </m:ctrlPr>
@@ -6847,33 +6829,39 @@
                           <m:rPr>
                             <m:brk m:alnAt="23"/>
                           </m:rPr>
-                          <a:rPr lang="it-IT" sz="1500" b="0" i="1" smtClean="0">
+                          <a:rPr lang="it-IT" sz="1200" b="0" i="1" smtClean="0">
                             <a:latin typeface="Cambria Math" panose="02040503050406030204" pitchFamily="18" charset="0"/>
                           </a:rPr>
                           <m:t>𝑡</m:t>
                         </m:r>
                         <m:r>
-                          <a:rPr lang="it-IT" sz="1500" b="0" i="1" smtClean="0">
+                          <a:rPr lang="it-IT" sz="1200" b="0" i="1" smtClean="0">
                             <a:latin typeface="Cambria Math" panose="02040503050406030204" pitchFamily="18" charset="0"/>
                           </a:rPr>
                           <m:t>=</m:t>
                         </m:r>
                         <m:r>
-                          <a:rPr lang="it-IT" sz="1500" b="0" i="1" smtClean="0">
+                          <a:rPr lang="it-IT" sz="1200" b="0" i="1" smtClean="0">
                             <a:latin typeface="Cambria Math" panose="02040503050406030204" pitchFamily="18" charset="0"/>
                           </a:rPr>
                           <m:t>𝑦𝑒𝑎𝑟</m:t>
                         </m:r>
                         <m:r>
-                          <a:rPr lang="it-IT" sz="1500" b="0" i="1" smtClean="0">
+                          <a:rPr lang="it-IT" sz="1200" b="0" i="1" smtClean="0">
                             <a:latin typeface="Cambria Math" panose="02040503050406030204" pitchFamily="18" charset="0"/>
                           </a:rPr>
-                          <m:t>−4</m:t>
+                          <m:t>−</m:t>
+                        </m:r>
+                        <m:r>
+                          <a:rPr lang="it-IT" sz="1200" b="0" i="1" smtClean="0">
+                            <a:latin typeface="Cambria Math" panose="02040503050406030204" pitchFamily="18" charset="0"/>
+                          </a:rPr>
+                          <m:t>𝑡h𝑟𝑒𝑠h𝑜𝑙𝑑</m:t>
                         </m:r>
                       </m:sub>
                       <m:sup>
                         <m:r>
-                          <a:rPr lang="it-IT" sz="1500" b="0" i="1" smtClean="0">
+                          <a:rPr lang="it-IT" sz="1200" b="0" i="1" smtClean="0">
                             <a:latin typeface="Cambria Math" panose="02040503050406030204" pitchFamily="18" charset="0"/>
                           </a:rPr>
                           <m:t>𝑦𝑒𝑎𝑟</m:t>
@@ -6883,56 +6871,56 @@
                         <m:sSub>
                           <m:sSubPr>
                             <m:ctrlPr>
-                              <a:rPr lang="it-IT" sz="1500" i="1" smtClean="0">
+                              <a:rPr lang="it-IT" sz="1200" i="1" smtClean="0">
                                 <a:latin typeface="Cambria Math" panose="02040503050406030204" pitchFamily="18" charset="0"/>
                               </a:rPr>
                             </m:ctrlPr>
                           </m:sSubPr>
                           <m:e>
                             <m:r>
-                              <a:rPr lang="it-IT" sz="1500" i="1">
+                              <a:rPr lang="it-IT" sz="1200" i="1">
                                 <a:latin typeface="Cambria Math" panose="02040503050406030204" pitchFamily="18" charset="0"/>
                               </a:rPr>
                               <m:t>#</m:t>
                             </m:r>
                             <m:r>
-                              <a:rPr lang="it-IT" sz="1500" i="1">
+                              <a:rPr lang="it-IT" sz="1200" i="1">
                                 <a:latin typeface="Cambria Math" panose="02040503050406030204" pitchFamily="18" charset="0"/>
                               </a:rPr>
                               <m:t>𝑛𝑒𝑤</m:t>
                             </m:r>
                             <m:r>
-                              <a:rPr lang="it-IT" sz="1500" i="1">
+                              <a:rPr lang="it-IT" sz="1200" i="1">
                                 <a:latin typeface="Cambria Math" panose="02040503050406030204" pitchFamily="18" charset="0"/>
                               </a:rPr>
                               <m:t> </m:t>
                             </m:r>
                             <m:r>
-                              <a:rPr lang="it-IT" sz="1500" i="1">
+                              <a:rPr lang="it-IT" sz="1200" i="1">
                                 <a:latin typeface="Cambria Math" panose="02040503050406030204" pitchFamily="18" charset="0"/>
                               </a:rPr>
                               <m:t>𝑐𝑜𝑛𝑠𝑡𝑟𝑢𝑐𝑡𝑖𝑜𝑛𝑠</m:t>
                             </m:r>
                             <m:r>
-                              <a:rPr lang="it-IT" sz="1500" i="1">
+                              <a:rPr lang="it-IT" sz="1200" i="1">
                                 <a:latin typeface="Cambria Math" panose="02040503050406030204" pitchFamily="18" charset="0"/>
                               </a:rPr>
                               <m:t> </m:t>
                             </m:r>
                             <m:r>
-                              <a:rPr lang="it-IT" sz="1500" i="1">
+                              <a:rPr lang="it-IT" sz="1200" i="1">
                                 <a:latin typeface="Cambria Math" panose="02040503050406030204" pitchFamily="18" charset="0"/>
                               </a:rPr>
                               <m:t>𝑤𝑖𝑡h𝑖𝑛</m:t>
                             </m:r>
                             <m:r>
-                              <a:rPr lang="it-IT" sz="1500" i="1">
+                              <a:rPr lang="it-IT" sz="1200" i="1">
                                 <a:latin typeface="Cambria Math" panose="02040503050406030204" pitchFamily="18" charset="0"/>
                               </a:rPr>
-                              <m:t> 0.5 , 1 ,2.5 </m:t>
+                              <m:t> 0.1 , 0.5 ,1, 2 </m:t>
                             </m:r>
                             <m:r>
-                              <a:rPr lang="it-IT" sz="1500" i="1">
+                              <a:rPr lang="it-IT" sz="1200" i="1">
                                 <a:latin typeface="Cambria Math" panose="02040503050406030204" pitchFamily="18" charset="0"/>
                               </a:rPr>
                               <m:t>𝑘𝑚</m:t>
@@ -6940,19 +6928,19 @@
                           </m:e>
                           <m:sub>
                             <m:r>
-                              <a:rPr lang="it-IT" sz="1500" b="0" i="1" smtClean="0">
+                              <a:rPr lang="it-IT" sz="1200" b="0" i="1" smtClean="0">
                                 <a:latin typeface="Cambria Math" panose="02040503050406030204" pitchFamily="18" charset="0"/>
                               </a:rPr>
                               <m:t>𝑝𝑎𝑟𝑐𝑒𝑙</m:t>
                             </m:r>
                             <m:r>
-                              <a:rPr lang="it-IT" sz="1500" b="0" i="1" smtClean="0">
+                              <a:rPr lang="it-IT" sz="1200" b="0" i="1" smtClean="0">
                                 <a:latin typeface="Cambria Math" panose="02040503050406030204" pitchFamily="18" charset="0"/>
                               </a:rPr>
                               <m:t>,</m:t>
                             </m:r>
                             <m:r>
-                              <a:rPr lang="it-IT" sz="1500" b="0" i="1" smtClean="0">
+                              <a:rPr lang="it-IT" sz="1200" b="0" i="1" smtClean="0">
                                 <a:latin typeface="Cambria Math" panose="02040503050406030204" pitchFamily="18" charset="0"/>
                               </a:rPr>
                               <m:t>𝑡</m:t>
@@ -6962,7 +6950,7 @@
                       </m:e>
                     </m:nary>
                     <m:r>
-                      <a:rPr lang="it-IT" sz="1500" b="0" i="1" smtClean="0">
+                      <a:rPr lang="it-IT" sz="1200" b="0" i="1" smtClean="0">
                         <a:latin typeface="Cambria Math" panose="02040503050406030204" pitchFamily="18" charset="0"/>
                       </a:rPr>
                       <m:t>+</m:t>
@@ -6970,50 +6958,50 @@
                     <m:sSub>
                       <m:sSubPr>
                         <m:ctrlPr>
-                          <a:rPr lang="it-IT" sz="1500" b="0" i="1" smtClean="0">
+                          <a:rPr lang="it-IT" sz="1200" b="0" i="1" smtClean="0">
                             <a:latin typeface="Cambria Math" panose="02040503050406030204" pitchFamily="18" charset="0"/>
                           </a:rPr>
                         </m:ctrlPr>
                       </m:sSubPr>
                       <m:e>
                         <m:r>
-                          <a:rPr lang="it-IT" sz="1500" i="1">
+                          <a:rPr lang="it-IT" sz="1200" i="1">
                             <a:latin typeface="Cambria Math" panose="02040503050406030204" pitchFamily="18" charset="0"/>
                           </a:rPr>
                           <m:t>𝑑𝑖𝑠𝑡𝑎𝑛𝑐𝑒</m:t>
                         </m:r>
                         <m:r>
-                          <a:rPr lang="it-IT" sz="1500" i="1">
+                          <a:rPr lang="it-IT" sz="1200" i="1">
                             <a:latin typeface="Cambria Math" panose="02040503050406030204" pitchFamily="18" charset="0"/>
                           </a:rPr>
                           <m:t> </m:t>
                         </m:r>
                         <m:r>
-                          <a:rPr lang="it-IT" sz="1500" i="1">
+                          <a:rPr lang="it-IT" sz="1200" i="1">
                             <a:latin typeface="Cambria Math" panose="02040503050406030204" pitchFamily="18" charset="0"/>
                           </a:rPr>
                           <m:t>𝑓𝑟𝑜𝑚</m:t>
                         </m:r>
                         <m:r>
-                          <a:rPr lang="it-IT" sz="1500" i="1">
+                          <a:rPr lang="it-IT" sz="1200" i="1">
                             <a:latin typeface="Cambria Math" panose="02040503050406030204" pitchFamily="18" charset="0"/>
                           </a:rPr>
                           <m:t> </m:t>
                         </m:r>
                         <m:r>
-                          <a:rPr lang="it-IT" sz="1500" i="1">
+                          <a:rPr lang="it-IT" sz="1200" i="1">
                             <a:latin typeface="Cambria Math" panose="02040503050406030204" pitchFamily="18" charset="0"/>
                           </a:rPr>
                           <m:t>𝑓𝑖𝑛𝑎𝑛𝑐𝑖𝑎𝑙</m:t>
                         </m:r>
                         <m:r>
-                          <a:rPr lang="it-IT" sz="1500" i="1">
+                          <a:rPr lang="it-IT" sz="1200" i="1">
                             <a:latin typeface="Cambria Math" panose="02040503050406030204" pitchFamily="18" charset="0"/>
                           </a:rPr>
                           <m:t> </m:t>
                         </m:r>
                         <m:r>
-                          <a:rPr lang="it-IT" sz="1500" i="1">
+                          <a:rPr lang="it-IT" sz="1200" i="1">
                             <a:latin typeface="Cambria Math" panose="02040503050406030204" pitchFamily="18" charset="0"/>
                           </a:rPr>
                           <m:t>𝑑𝑖𝑠𝑡𝑟𝑖𝑐𝑡</m:t>
@@ -7021,7 +7009,7 @@
                       </m:e>
                       <m:sub>
                         <m:r>
-                          <a:rPr lang="it-IT" sz="1500" b="0" i="1" smtClean="0">
+                          <a:rPr lang="it-IT" sz="1200" b="0" i="1" smtClean="0">
                             <a:latin typeface="Cambria Math" panose="02040503050406030204" pitchFamily="18" charset="0"/>
                           </a:rPr>
                           <m:t>𝑝𝑎𝑟𝑐𝑒𝑙</m:t>
@@ -7030,7 +7018,7 @@
                     </m:sSub>
                   </m:oMath>
                 </a14:m>
-                <a:endParaRPr lang="it-IT" sz="1500" b="0" dirty="0"/>
+                <a:endParaRPr lang="it-IT" sz="1200" b="0" dirty="0"/>
               </a:p>
               <a:p>
                 <a:pPr marL="342900" indent="-342900" algn="just">
@@ -7038,7 +7026,7 @@
                   <a:buAutoNum type="arabicPeriod"/>
                 </a:pPr>
                 <a:r>
-                  <a:rPr lang="it-IT" sz="1500" dirty="0"/>
+                  <a:rPr lang="it-IT" sz="1200" dirty="0"/>
                   <a:t>GAM model for : </a:t>
                 </a:r>
                 <a14:m>
@@ -7046,32 +7034,32 @@
                     <m:sSub>
                       <m:sSubPr>
                         <m:ctrlPr>
-                          <a:rPr lang="it-IT" sz="1500" b="0" i="1" smtClean="0">
+                          <a:rPr lang="it-IT" sz="1200" b="0" i="1" smtClean="0">
                             <a:latin typeface="Cambria Math" panose="02040503050406030204" pitchFamily="18" charset="0"/>
                           </a:rPr>
                         </m:ctrlPr>
                       </m:sSubPr>
                       <m:e>
                         <m:r>
-                          <a:rPr lang="it-IT" sz="1500" b="0" i="1" smtClean="0">
+                          <a:rPr lang="it-IT" sz="1200" b="0" i="1" smtClean="0">
                             <a:latin typeface="Cambria Math" panose="02040503050406030204" pitchFamily="18" charset="0"/>
                           </a:rPr>
                           <m:t>#</m:t>
                         </m:r>
                         <m:r>
-                          <a:rPr lang="it-IT" sz="1500" b="0" i="1" smtClean="0">
+                          <a:rPr lang="it-IT" sz="1200" b="0" i="1" smtClean="0">
                             <a:latin typeface="Cambria Math" panose="02040503050406030204" pitchFamily="18" charset="0"/>
                           </a:rPr>
                           <m:t>𝑒𝑣𝑖𝑐𝑡𝑖𝑜𝑛</m:t>
                         </m:r>
                         <m:r>
-                          <a:rPr lang="it-IT" sz="1500" b="0" i="1" smtClean="0">
+                          <a:rPr lang="it-IT" sz="1200" b="0" i="1" smtClean="0">
                             <a:latin typeface="Cambria Math" panose="02040503050406030204" pitchFamily="18" charset="0"/>
                           </a:rPr>
                           <m:t> </m:t>
                         </m:r>
                         <m:r>
-                          <a:rPr lang="it-IT" sz="1500" b="0" i="1" smtClean="0">
+                          <a:rPr lang="it-IT" sz="1200" b="0" i="1" smtClean="0">
                             <a:latin typeface="Cambria Math" panose="02040503050406030204" pitchFamily="18" charset="0"/>
                           </a:rPr>
                           <m:t>𝑛𝑜𝑡𝑖𝑐𝑒𝑠</m:t>
@@ -7079,19 +7067,19 @@
                       </m:e>
                       <m:sub>
                         <m:r>
-                          <a:rPr lang="it-IT" sz="1500" b="0" i="1" smtClean="0">
+                          <a:rPr lang="it-IT" sz="1200" b="0" i="1" smtClean="0">
                             <a:latin typeface="Cambria Math" panose="02040503050406030204" pitchFamily="18" charset="0"/>
                           </a:rPr>
                           <m:t>𝑛h𝑜𝑜𝑑</m:t>
                         </m:r>
                         <m:r>
-                          <a:rPr lang="it-IT" sz="1500" b="0" i="1" smtClean="0">
+                          <a:rPr lang="it-IT" sz="1200" b="0" i="1" smtClean="0">
                             <a:latin typeface="Cambria Math" panose="02040503050406030204" pitchFamily="18" charset="0"/>
                           </a:rPr>
                           <m:t>,</m:t>
                         </m:r>
                         <m:r>
-                          <a:rPr lang="it-IT" sz="1500" b="0" i="1" smtClean="0">
+                          <a:rPr lang="it-IT" sz="1200" b="0" i="1" smtClean="0">
                             <a:latin typeface="Cambria Math" panose="02040503050406030204" pitchFamily="18" charset="0"/>
                           </a:rPr>
                           <m:t>𝑦𝑒𝑎𝑟</m:t>
@@ -7099,7 +7087,7 @@
                       </m:sub>
                     </m:sSub>
                     <m:r>
-                      <a:rPr lang="it-IT" sz="1500" b="0" i="1" smtClean="0">
+                      <a:rPr lang="it-IT" sz="1200" b="0" i="1" smtClean="0">
                         <a:latin typeface="Cambria Math" panose="02040503050406030204" pitchFamily="18" charset="0"/>
                       </a:rPr>
                       <m:t> ~  </m:t>
@@ -7107,26 +7095,26 @@
                     <m:sSub>
                       <m:sSubPr>
                         <m:ctrlPr>
-                          <a:rPr lang="it-IT" sz="1500" b="0" i="1" smtClean="0">
+                          <a:rPr lang="it-IT" sz="1200" b="0" i="1" smtClean="0">
                             <a:latin typeface="Cambria Math" panose="02040503050406030204" pitchFamily="18" charset="0"/>
                           </a:rPr>
                         </m:ctrlPr>
                       </m:sSubPr>
                       <m:e>
                         <m:r>
-                          <a:rPr lang="it-IT" sz="1500" b="0" i="1" smtClean="0">
+                          <a:rPr lang="it-IT" sz="1200" b="0" i="1" smtClean="0">
                             <a:latin typeface="Cambria Math" panose="02040503050406030204" pitchFamily="18" charset="0"/>
                           </a:rPr>
                           <m:t>𝑟𝑒𝑛𝑡</m:t>
                         </m:r>
                         <m:r>
-                          <a:rPr lang="it-IT" sz="1500" b="0" i="1" smtClean="0">
+                          <a:rPr lang="it-IT" sz="1200" b="0" i="1" smtClean="0">
                             <a:latin typeface="Cambria Math" panose="02040503050406030204" pitchFamily="18" charset="0"/>
                           </a:rPr>
                           <m:t> </m:t>
                         </m:r>
                         <m:r>
-                          <a:rPr lang="it-IT" sz="1500" b="0" i="1" smtClean="0">
+                          <a:rPr lang="it-IT" sz="1200" b="0" i="1" smtClean="0">
                             <a:latin typeface="Cambria Math" panose="02040503050406030204" pitchFamily="18" charset="0"/>
                           </a:rPr>
                           <m:t>𝑝𝑟𝑖𝑐𝑒</m:t>
@@ -7134,19 +7122,19 @@
                       </m:e>
                       <m:sub>
                         <m:r>
-                          <a:rPr lang="it-IT" sz="1500" b="0" i="1" smtClean="0">
+                          <a:rPr lang="it-IT" sz="1200" b="0" i="1" smtClean="0">
                             <a:latin typeface="Cambria Math" panose="02040503050406030204" pitchFamily="18" charset="0"/>
                           </a:rPr>
                           <m:t>𝑛h𝑜𝑜𝑑</m:t>
                         </m:r>
                         <m:r>
-                          <a:rPr lang="it-IT" sz="1500" b="0" i="1" smtClean="0">
+                          <a:rPr lang="it-IT" sz="1200" b="0" i="1" smtClean="0">
                             <a:latin typeface="Cambria Math" panose="02040503050406030204" pitchFamily="18" charset="0"/>
                           </a:rPr>
                           <m:t>,</m:t>
                         </m:r>
                         <m:r>
-                          <a:rPr lang="it-IT" sz="1500" b="0" i="1" smtClean="0">
+                          <a:rPr lang="it-IT" sz="1200" b="0" i="1" smtClean="0">
                             <a:latin typeface="Cambria Math" panose="02040503050406030204" pitchFamily="18" charset="0"/>
                           </a:rPr>
                           <m:t>𝑦𝑒𝑎𝑟</m:t>
@@ -7154,99 +7142,172 @@
                       </m:sub>
                     </m:sSub>
                     <m:r>
-                      <a:rPr lang="it-IT" sz="1500" b="0" i="1" smtClean="0">
+                      <a:rPr lang="it-IT" sz="1200" b="0" i="1" smtClean="0">
                         <a:latin typeface="Cambria Math" panose="02040503050406030204" pitchFamily="18" charset="0"/>
                       </a:rPr>
                       <m:t>+</m:t>
                     </m:r>
                     <m:r>
-                      <a:rPr lang="it-IT" sz="1500" b="0" i="1" smtClean="0">
+                      <a:rPr lang="it-IT" sz="1200" b="0" i="1" smtClean="0">
                         <a:latin typeface="Cambria Math" panose="02040503050406030204" pitchFamily="18" charset="0"/>
                       </a:rPr>
-                      <m:t>𝑛</m:t>
+                      <m:t>𝑛h𝑜𝑜𝑑</m:t>
                     </m:r>
                     <m:r>
-                      <a:rPr lang="it-IT" sz="1500" b="0" i="1" smtClean="0">
-                        <a:latin typeface="Cambria Math" panose="02040503050406030204" pitchFamily="18" charset="0"/>
-                      </a:rPr>
-                      <m:t>h𝑜𝑜𝑑</m:t>
-                    </m:r>
-                    <m:r>
-                      <a:rPr lang="it-IT" sz="1500" b="0" i="1" smtClean="0">
+                      <a:rPr lang="it-IT" sz="1200" b="0" i="1" smtClean="0">
                         <a:latin typeface="Cambria Math" panose="02040503050406030204" pitchFamily="18" charset="0"/>
                       </a:rPr>
                       <m:t> +</m:t>
                     </m:r>
                     <m:r>
-                      <a:rPr lang="it-IT" sz="1500" b="0" i="1" smtClean="0">
+                      <a:rPr lang="it-IT" sz="1200" b="0" i="1" smtClean="0">
                         <a:latin typeface="Cambria Math" panose="02040503050406030204" pitchFamily="18" charset="0"/>
                       </a:rPr>
                       <m:t>𝑦𝑒𝑎𝑟</m:t>
                     </m:r>
                     <m:r>
-                      <a:rPr lang="it-IT" sz="1500" b="0" i="1" smtClean="0">
+                      <a:rPr lang="it-IT" sz="1200" b="0" i="1" smtClean="0">
                         <a:latin typeface="Cambria Math" panose="02040503050406030204" pitchFamily="18" charset="0"/>
                       </a:rPr>
                       <m:t>+</m:t>
                     </m:r>
-                    <m:sSub>
-                      <m:sSubPr>
+                    <m:r>
+                      <a:rPr lang="it-IT" sz="1200" i="1">
+                        <a:latin typeface="Cambria Math" panose="02040503050406030204" pitchFamily="18" charset="0"/>
+                      </a:rPr>
+                      <m:t>𝑛h𝑜𝑜𝑑</m:t>
+                    </m:r>
+                    <m:r>
+                      <a:rPr lang="it-IT" sz="1200" i="1">
+                        <a:latin typeface="Cambria Math" panose="02040503050406030204" pitchFamily="18" charset="0"/>
+                      </a:rPr>
+                      <m:t>:</m:t>
+                    </m:r>
+                    <m:r>
+                      <a:rPr lang="it-IT" sz="1200" i="1">
+                        <a:latin typeface="Cambria Math" panose="02040503050406030204" pitchFamily="18" charset="0"/>
+                      </a:rPr>
+                      <m:t>𝑦𝑒𝑎𝑟</m:t>
+                    </m:r>
+                    <m:r>
+                      <a:rPr lang="it-IT" sz="1200" b="0" i="1" smtClean="0">
+                        <a:latin typeface="Cambria Math" panose="02040503050406030204" pitchFamily="18" charset="0"/>
+                      </a:rPr>
+                      <m:t>+</m:t>
+                    </m:r>
+                    <m:nary>
+                      <m:naryPr>
+                        <m:chr m:val="∑"/>
                         <m:ctrlPr>
-                          <a:rPr lang="it-IT" sz="1500" b="0" i="1" smtClean="0">
+                          <a:rPr lang="it-IT" sz="1200" i="1">
                             <a:latin typeface="Cambria Math" panose="02040503050406030204" pitchFamily="18" charset="0"/>
                           </a:rPr>
                         </m:ctrlPr>
-                      </m:sSubPr>
-                      <m:e>
+                      </m:naryPr>
+                      <m:sub>
                         <m:r>
-                          <a:rPr lang="it-IT" sz="1500" i="1">
+                          <m:rPr>
+                            <m:brk m:alnAt="23"/>
+                          </m:rPr>
+                          <a:rPr lang="it-IT" sz="1200" i="1">
                             <a:latin typeface="Cambria Math" panose="02040503050406030204" pitchFamily="18" charset="0"/>
                           </a:rPr>
-                          <m:t>#</m:t>
+                          <m:t>𝑡</m:t>
                         </m:r>
                         <m:r>
-                          <a:rPr lang="it-IT" sz="1500" i="1">
+                          <a:rPr lang="it-IT" sz="1200" i="1">
                             <a:latin typeface="Cambria Math" panose="02040503050406030204" pitchFamily="18" charset="0"/>
                           </a:rPr>
-                          <m:t>𝑛𝑒𝑤</m:t>
+                          <m:t>=</m:t>
                         </m:r>
                         <m:r>
-                          <a:rPr lang="it-IT" sz="1500" i="1">
-                            <a:latin typeface="Cambria Math" panose="02040503050406030204" pitchFamily="18" charset="0"/>
-                          </a:rPr>
-                          <m:t> </m:t>
-                        </m:r>
-                        <m:r>
-                          <a:rPr lang="it-IT" sz="1500" i="1">
-                            <a:latin typeface="Cambria Math" panose="02040503050406030204" pitchFamily="18" charset="0"/>
-                          </a:rPr>
-                          <m:t>𝑐𝑜𝑛𝑠𝑡𝑟𝑢𝑐𝑡𝑖𝑜𝑛𝑠</m:t>
-                        </m:r>
-                      </m:e>
-                      <m:sub>
-                        <m:r>
-                          <a:rPr lang="it-IT" sz="1500" b="0" i="1" smtClean="0">
-                            <a:latin typeface="Cambria Math" panose="02040503050406030204" pitchFamily="18" charset="0"/>
-                          </a:rPr>
-                          <m:t>𝑛h𝑜𝑜𝑑</m:t>
-                        </m:r>
-                        <m:r>
-                          <a:rPr lang="it-IT" sz="1500" b="0" i="1" smtClean="0">
-                            <a:latin typeface="Cambria Math" panose="02040503050406030204" pitchFamily="18" charset="0"/>
-                          </a:rPr>
-                          <m:t>,</m:t>
-                        </m:r>
-                        <m:r>
-                          <a:rPr lang="it-IT" sz="1500" b="0" i="1" smtClean="0">
+                          <a:rPr lang="it-IT" sz="1200" i="1">
                             <a:latin typeface="Cambria Math" panose="02040503050406030204" pitchFamily="18" charset="0"/>
                           </a:rPr>
                           <m:t>𝑦𝑒𝑎𝑟</m:t>
                         </m:r>
+                        <m:r>
+                          <a:rPr lang="it-IT" sz="1200" i="1">
+                            <a:latin typeface="Cambria Math" panose="02040503050406030204" pitchFamily="18" charset="0"/>
+                          </a:rPr>
+                          <m:t>−</m:t>
+                        </m:r>
+                        <m:r>
+                          <a:rPr lang="it-IT" sz="1200" i="1">
+                            <a:latin typeface="Cambria Math" panose="02040503050406030204" pitchFamily="18" charset="0"/>
+                          </a:rPr>
+                          <m:t>𝑡h𝑟𝑒𝑠h𝑜𝑙𝑑</m:t>
+                        </m:r>
                       </m:sub>
-                    </m:sSub>
+                      <m:sup>
+                        <m:r>
+                          <a:rPr lang="it-IT" sz="1200" i="1">
+                            <a:latin typeface="Cambria Math" panose="02040503050406030204" pitchFamily="18" charset="0"/>
+                          </a:rPr>
+                          <m:t>𝑦𝑒𝑎𝑟</m:t>
+                        </m:r>
+                      </m:sup>
+                      <m:e>
+                        <m:sSub>
+                          <m:sSubPr>
+                            <m:ctrlPr>
+                              <a:rPr lang="it-IT" sz="1200" i="1" smtClean="0">
+                                <a:latin typeface="Cambria Math" panose="02040503050406030204" pitchFamily="18" charset="0"/>
+                              </a:rPr>
+                            </m:ctrlPr>
+                          </m:sSubPr>
+                          <m:e>
+                            <m:r>
+                              <a:rPr lang="it-IT" sz="1200" i="1">
+                                <a:latin typeface="Cambria Math" panose="02040503050406030204" pitchFamily="18" charset="0"/>
+                              </a:rPr>
+                              <m:t>#</m:t>
+                            </m:r>
+                            <m:r>
+                              <a:rPr lang="it-IT" sz="1200" i="1">
+                                <a:latin typeface="Cambria Math" panose="02040503050406030204" pitchFamily="18" charset="0"/>
+                              </a:rPr>
+                              <m:t>𝑛𝑒𝑤</m:t>
+                            </m:r>
+                            <m:r>
+                              <a:rPr lang="it-IT" sz="1200" i="1">
+                                <a:latin typeface="Cambria Math" panose="02040503050406030204" pitchFamily="18" charset="0"/>
+                              </a:rPr>
+                              <m:t> </m:t>
+                            </m:r>
+                            <m:r>
+                              <a:rPr lang="it-IT" sz="1200" i="1">
+                                <a:latin typeface="Cambria Math" panose="02040503050406030204" pitchFamily="18" charset="0"/>
+                              </a:rPr>
+                              <m:t>𝑐𝑜𝑛𝑠𝑡𝑟𝑢𝑐𝑡𝑖𝑜𝑛𝑠</m:t>
+                            </m:r>
+                          </m:e>
+                          <m:sub>
+                            <m:r>
+                              <a:rPr lang="it-IT" sz="1200" b="0" i="1" smtClean="0">
+                                <a:latin typeface="Cambria Math" panose="02040503050406030204" pitchFamily="18" charset="0"/>
+                              </a:rPr>
+                              <m:t>𝑛h𝑜𝑜𝑑</m:t>
+                            </m:r>
+                            <m:r>
+                              <a:rPr lang="it-IT" sz="1200" i="1">
+                                <a:latin typeface="Cambria Math" panose="02040503050406030204" pitchFamily="18" charset="0"/>
+                              </a:rPr>
+                              <m:t>,</m:t>
+                            </m:r>
+                            <m:r>
+                              <a:rPr lang="it-IT" sz="1200" i="1">
+                                <a:latin typeface="Cambria Math" panose="02040503050406030204" pitchFamily="18" charset="0"/>
+                              </a:rPr>
+                              <m:t>𝑡</m:t>
+                            </m:r>
+                          </m:sub>
+                        </m:sSub>
+                      </m:e>
+                    </m:nary>
                   </m:oMath>
                 </a14:m>
-                <a:endParaRPr lang="it-IT" sz="1500" dirty="0"/>
+                <a:endParaRPr lang="it-IT" sz="1200" dirty="0"/>
               </a:p>
               <a:p>
                 <a:pPr marL="342900" indent="-342900" algn="just">
@@ -7254,121 +7315,121 @@
                   <a:buAutoNum type="arabicPeriod"/>
                 </a:pPr>
                 <a:r>
-                  <a:rPr lang="it-IT" sz="1500" dirty="0" err="1"/>
+                  <a:rPr lang="it-IT" sz="1200" dirty="0" err="1"/>
                   <a:t>We</a:t>
                 </a:r>
                 <a:r>
-                  <a:rPr lang="it-IT" sz="1500" dirty="0"/>
+                  <a:rPr lang="it-IT" sz="1200" dirty="0"/>
                   <a:t> </a:t>
                 </a:r>
                 <a:r>
-                  <a:rPr lang="it-IT" sz="1500" dirty="0" err="1"/>
+                  <a:rPr lang="it-IT" sz="1200" dirty="0" err="1"/>
                   <a:t>may</a:t>
                 </a:r>
                 <a:r>
-                  <a:rPr lang="it-IT" sz="1500" dirty="0"/>
+                  <a:rPr lang="it-IT" sz="1200" dirty="0"/>
                   <a:t> </a:t>
                 </a:r>
                 <a:r>
-                  <a:rPr lang="it-IT" sz="1500" dirty="0" err="1"/>
+                  <a:rPr lang="it-IT" sz="1200" dirty="0" err="1"/>
                   <a:t>add</a:t>
                 </a:r>
                 <a:r>
-                  <a:rPr lang="it-IT" sz="1500" dirty="0"/>
+                  <a:rPr lang="it-IT" sz="1200" dirty="0"/>
                   <a:t> new techniques to go </a:t>
                 </a:r>
                 <a:r>
-                  <a:rPr lang="it-IT" sz="1500" dirty="0" err="1"/>
+                  <a:rPr lang="it-IT" sz="1200" dirty="0" err="1"/>
                   <a:t>deeper</a:t>
                 </a:r>
                 <a:r>
-                  <a:rPr lang="it-IT" sz="1500" dirty="0"/>
+                  <a:rPr lang="it-IT" sz="1200" dirty="0"/>
                   <a:t> </a:t>
                 </a:r>
                 <a:r>
-                  <a:rPr lang="it-IT" sz="1500" dirty="0" err="1"/>
+                  <a:rPr lang="it-IT" sz="1200" dirty="0" err="1"/>
                   <a:t>into</a:t>
                 </a:r>
                 <a:r>
-                  <a:rPr lang="it-IT" sz="1500" dirty="0"/>
+                  <a:rPr lang="it-IT" sz="1200" dirty="0"/>
                   <a:t> the </a:t>
                 </a:r>
                 <a:r>
-                  <a:rPr lang="it-IT" sz="1500" dirty="0" err="1"/>
+                  <a:rPr lang="it-IT" sz="1200" dirty="0" err="1"/>
                   <a:t>analysis</a:t>
                 </a:r>
                 <a:r>
-                  <a:rPr lang="it-IT" sz="1500" dirty="0"/>
+                  <a:rPr lang="it-IT" sz="1200" dirty="0"/>
                   <a:t> </a:t>
                 </a:r>
                 <a:r>
-                  <a:rPr lang="it-IT" sz="1500" dirty="0" err="1"/>
+                  <a:rPr lang="it-IT" sz="1200" dirty="0" err="1"/>
                   <a:t>using</a:t>
                 </a:r>
                 <a:r>
-                  <a:rPr lang="it-IT" sz="1500" dirty="0"/>
+                  <a:rPr lang="it-IT" sz="1200" dirty="0"/>
                   <a:t> the </a:t>
                 </a:r>
                 <a:r>
-                  <a:rPr lang="it-IT" sz="1500" dirty="0" err="1"/>
+                  <a:rPr lang="it-IT" sz="1200" dirty="0" err="1"/>
                   <a:t>the</a:t>
                 </a:r>
                 <a:r>
-                  <a:rPr lang="it-IT" sz="1500" dirty="0"/>
+                  <a:rPr lang="it-IT" sz="1200" dirty="0"/>
                   <a:t> </a:t>
                 </a:r>
                 <a:r>
-                  <a:rPr lang="it-IT" sz="1500" dirty="0" err="1"/>
+                  <a:rPr lang="it-IT" sz="1200" dirty="0" err="1"/>
                   <a:t>latest</a:t>
                 </a:r>
                 <a:r>
-                  <a:rPr lang="it-IT" sz="1500" dirty="0"/>
+                  <a:rPr lang="it-IT" sz="1200" dirty="0"/>
                   <a:t> tools </a:t>
                 </a:r>
                 <a:r>
-                  <a:rPr lang="it-IT" sz="1500" dirty="0" err="1"/>
+                  <a:rPr lang="it-IT" sz="1200" dirty="0" err="1"/>
                   <a:t>viewed</a:t>
                 </a:r>
                 <a:r>
-                  <a:rPr lang="it-IT" sz="1500" dirty="0"/>
+                  <a:rPr lang="it-IT" sz="1200" dirty="0"/>
                   <a:t> </a:t>
                 </a:r>
                 <a:r>
-                  <a:rPr lang="it-IT" sz="1500" dirty="0" err="1"/>
+                  <a:rPr lang="it-IT" sz="1200" dirty="0" err="1"/>
                   <a:t>at</a:t>
                 </a:r>
                 <a:r>
-                  <a:rPr lang="it-IT" sz="1500" dirty="0"/>
+                  <a:rPr lang="it-IT" sz="1200" dirty="0"/>
                   <a:t> </a:t>
                 </a:r>
                 <a:r>
-                  <a:rPr lang="it-IT" sz="1500" dirty="0" err="1"/>
+                  <a:rPr lang="it-IT" sz="1200" dirty="0" err="1"/>
                   <a:t>lesson</a:t>
                 </a:r>
                 <a:r>
-                  <a:rPr lang="it-IT" sz="1500" dirty="0"/>
+                  <a:rPr lang="it-IT" sz="1200" dirty="0"/>
                   <a:t> ( e.g. </a:t>
                 </a:r>
                 <a:r>
-                  <a:rPr lang="it-IT" sz="1500" dirty="0" err="1"/>
+                  <a:rPr lang="it-IT" sz="1200" dirty="0" err="1"/>
                   <a:t>spatial</a:t>
                 </a:r>
                 <a:r>
-                  <a:rPr lang="it-IT" sz="1500" dirty="0"/>
+                  <a:rPr lang="it-IT" sz="1200" dirty="0"/>
                   <a:t> </a:t>
                 </a:r>
                 <a:r>
-                  <a:rPr lang="it-IT" sz="1500" dirty="0" err="1"/>
+                  <a:rPr lang="it-IT" sz="1200" dirty="0" err="1"/>
                   <a:t>regression</a:t>
                 </a:r>
                 <a:r>
-                  <a:rPr lang="it-IT" sz="1500" dirty="0"/>
+                  <a:rPr lang="it-IT" sz="1200" dirty="0"/>
                   <a:t> )</a:t>
                 </a:r>
               </a:p>
               <a:p>
                 <a:pPr algn="just"/>
-                <a:endParaRPr lang="it-IT" sz="1400" dirty="0"/>
+                <a:endParaRPr lang="it-IT" sz="1200" dirty="0"/>
               </a:p>
             </p:txBody>
           </p:sp>
@@ -7398,7 +7459,7 @@
               <a:blipFill>
                 <a:blip r:embed="rId2"/>
                 <a:stretch>
-                  <a:fillRect l="-170" t="-3731" r="-170"/>
+                  <a:fillRect l="-57" t="-746"/>
                 </a:stretch>
               </a:blipFill>
             </p:spPr>
@@ -7432,6 +7493,631 @@
         <p:spPr>
           <a:xfrm>
             <a:off x="707977" y="3392683"/>
+            <a:ext cx="10776046" cy="1569660"/>
+          </a:xfrm>
+          <a:prstGeom prst="rect">
+            <a:avLst/>
+          </a:prstGeom>
+          <a:noFill/>
+        </p:spPr>
+        <p:txBody>
+          <a:bodyPr wrap="square" rtlCol="0">
+            <a:spAutoFit/>
+          </a:bodyPr>
+          <a:lstStyle/>
+          <a:p>
+            <a:pPr algn="just"/>
+            <a:r>
+              <a:rPr lang="it-IT" sz="1200" dirty="0"/>
+              <a:t>For point 2 </a:t>
+            </a:r>
+            <a:r>
+              <a:rPr lang="it-IT" sz="1200" dirty="0" err="1"/>
+              <a:t>we</a:t>
+            </a:r>
+            <a:r>
+              <a:rPr lang="it-IT" sz="1200" dirty="0"/>
+              <a:t> are planning to :</a:t>
+            </a:r>
+          </a:p>
+          <a:p>
+            <a:pPr marL="285750" indent="-285750" algn="just">
+              <a:buFont typeface="Arial" panose="020B0604020202020204" pitchFamily="34" charset="0"/>
+              <a:buChar char="•"/>
+            </a:pPr>
+            <a:r>
+              <a:rPr lang="it-IT" sz="1200" dirty="0"/>
+              <a:t>Compute the </a:t>
+            </a:r>
+            <a:r>
+              <a:rPr lang="it-IT" sz="1200" dirty="0" err="1"/>
+              <a:t>average</a:t>
+            </a:r>
+            <a:r>
+              <a:rPr lang="it-IT" sz="1200" dirty="0"/>
+              <a:t> </a:t>
+            </a:r>
+            <a:r>
+              <a:rPr lang="it-IT" sz="1200" dirty="0" err="1"/>
+              <a:t>rent</a:t>
+            </a:r>
+            <a:r>
+              <a:rPr lang="it-IT" sz="1200" dirty="0"/>
+              <a:t> price for </a:t>
+            </a:r>
+            <a:r>
+              <a:rPr lang="it-IT" sz="1200" dirty="0" err="1"/>
+              <a:t>each</a:t>
+            </a:r>
+            <a:r>
+              <a:rPr lang="it-IT" sz="1200" dirty="0"/>
+              <a:t> </a:t>
+            </a:r>
+            <a:r>
+              <a:rPr lang="it-IT" sz="1200" dirty="0" err="1"/>
+              <a:t>neighborhood</a:t>
+            </a:r>
+            <a:r>
+              <a:rPr lang="it-IT" sz="1200" dirty="0"/>
+              <a:t> for </a:t>
+            </a:r>
+            <a:r>
+              <a:rPr lang="it-IT" sz="1200" dirty="0" err="1"/>
+              <a:t>each</a:t>
+            </a:r>
+            <a:r>
+              <a:rPr lang="it-IT" sz="1200" dirty="0"/>
+              <a:t> </a:t>
+            </a:r>
+            <a:r>
+              <a:rPr lang="it-IT" sz="1200" dirty="0" err="1"/>
+              <a:t>year</a:t>
+            </a:r>
+            <a:endParaRPr lang="it-IT" sz="1200" dirty="0"/>
+          </a:p>
+          <a:p>
+            <a:pPr marL="285750" indent="-285750" algn="just">
+              <a:buFont typeface="Arial" panose="020B0604020202020204" pitchFamily="34" charset="0"/>
+              <a:buChar char="•"/>
+            </a:pPr>
+            <a:r>
+              <a:rPr lang="it-IT" sz="1200" dirty="0"/>
+              <a:t>Compute an «</a:t>
+            </a:r>
+            <a:r>
+              <a:rPr lang="it-IT" sz="1200" dirty="0" err="1"/>
+              <a:t>interpolated</a:t>
+            </a:r>
+            <a:r>
+              <a:rPr lang="it-IT" sz="1200" dirty="0"/>
+              <a:t>» price for </a:t>
+            </a:r>
+            <a:r>
+              <a:rPr lang="it-IT" sz="1200" dirty="0" err="1"/>
+              <a:t>each</a:t>
+            </a:r>
+            <a:r>
+              <a:rPr lang="it-IT" sz="1200" dirty="0"/>
+              <a:t> </a:t>
+            </a:r>
+            <a:r>
+              <a:rPr lang="it-IT" sz="1200" dirty="0" err="1"/>
+              <a:t>parcel</a:t>
+            </a:r>
+            <a:r>
+              <a:rPr lang="it-IT" sz="1200" dirty="0"/>
+              <a:t> and for </a:t>
+            </a:r>
+            <a:r>
+              <a:rPr lang="it-IT" sz="1200" dirty="0" err="1"/>
+              <a:t>each</a:t>
+            </a:r>
+            <a:r>
+              <a:rPr lang="it-IT" sz="1200" dirty="0"/>
+              <a:t> </a:t>
+            </a:r>
+            <a:r>
+              <a:rPr lang="it-IT" sz="1200" dirty="0" err="1"/>
+              <a:t>year</a:t>
+            </a:r>
+            <a:r>
+              <a:rPr lang="it-IT" sz="1200" dirty="0"/>
+              <a:t> as the </a:t>
+            </a:r>
+            <a:r>
+              <a:rPr lang="it-IT" sz="1200" dirty="0" err="1"/>
+              <a:t>average</a:t>
+            </a:r>
+            <a:r>
+              <a:rPr lang="it-IT" sz="1200" dirty="0"/>
+              <a:t> (</a:t>
+            </a:r>
+            <a:r>
+              <a:rPr lang="it-IT" sz="1200" dirty="0" err="1"/>
+              <a:t>weighted</a:t>
+            </a:r>
+            <a:r>
+              <a:rPr lang="it-IT" sz="1200" dirty="0"/>
+              <a:t> on the </a:t>
+            </a:r>
+            <a:r>
+              <a:rPr lang="it-IT" sz="1200" dirty="0" err="1"/>
+              <a:t>distance</a:t>
+            </a:r>
+            <a:r>
+              <a:rPr lang="it-IT" sz="1200" dirty="0"/>
+              <a:t>) of the </a:t>
+            </a:r>
+            <a:r>
+              <a:rPr lang="it-IT" sz="1200" dirty="0" err="1"/>
+              <a:t>average</a:t>
+            </a:r>
+            <a:r>
+              <a:rPr lang="it-IT" sz="1200" dirty="0"/>
+              <a:t> prices of the </a:t>
+            </a:r>
+            <a:r>
+              <a:rPr lang="it-IT" sz="1200" dirty="0" err="1"/>
+              <a:t>neighborhoods</a:t>
+            </a:r>
+            <a:r>
+              <a:rPr lang="it-IT" sz="1200" dirty="0"/>
+              <a:t> (the </a:t>
+            </a:r>
+            <a:r>
+              <a:rPr lang="it-IT" sz="1200" dirty="0" err="1"/>
+              <a:t>distance</a:t>
+            </a:r>
+            <a:r>
+              <a:rPr lang="it-IT" sz="1200" dirty="0"/>
+              <a:t> to be </a:t>
+            </a:r>
+            <a:r>
+              <a:rPr lang="it-IT" sz="1200" dirty="0" err="1"/>
+              <a:t>weighted</a:t>
+            </a:r>
+            <a:r>
+              <a:rPr lang="it-IT" sz="1200" dirty="0"/>
+              <a:t> on </a:t>
+            </a:r>
+            <a:r>
+              <a:rPr lang="it-IT" sz="1200" dirty="0" err="1"/>
+              <a:t>is</a:t>
+            </a:r>
+            <a:r>
+              <a:rPr lang="it-IT" sz="1200" dirty="0"/>
+              <a:t> the one </a:t>
+            </a:r>
+            <a:r>
+              <a:rPr lang="it-IT" sz="1200" dirty="0" err="1"/>
+              <a:t>between</a:t>
+            </a:r>
+            <a:r>
+              <a:rPr lang="it-IT" sz="1200" dirty="0"/>
+              <a:t> the </a:t>
+            </a:r>
+            <a:r>
+              <a:rPr lang="it-IT" sz="1200" dirty="0" err="1"/>
+              <a:t>centroid</a:t>
+            </a:r>
+            <a:r>
+              <a:rPr lang="it-IT" sz="1200" dirty="0"/>
+              <a:t> of the </a:t>
+            </a:r>
+            <a:r>
+              <a:rPr lang="it-IT" sz="1200" dirty="0" err="1"/>
+              <a:t>parcel</a:t>
+            </a:r>
+            <a:r>
+              <a:rPr lang="it-IT" sz="1200" dirty="0"/>
+              <a:t> and the </a:t>
+            </a:r>
+            <a:r>
+              <a:rPr lang="it-IT" sz="1200" dirty="0" err="1"/>
+              <a:t>centroid</a:t>
+            </a:r>
+            <a:r>
+              <a:rPr lang="it-IT" sz="1200" dirty="0"/>
+              <a:t> of the </a:t>
+            </a:r>
+            <a:r>
+              <a:rPr lang="it-IT" sz="1200" dirty="0" err="1"/>
+              <a:t>neighborhoods</a:t>
+            </a:r>
+            <a:r>
+              <a:rPr lang="it-IT" sz="1200" dirty="0"/>
+              <a:t>)</a:t>
+            </a:r>
+          </a:p>
+          <a:p>
+            <a:pPr marL="285750" indent="-285750" algn="just">
+              <a:buFont typeface="Arial" panose="020B0604020202020204" pitchFamily="34" charset="0"/>
+              <a:buChar char="•"/>
+            </a:pPr>
+            <a:r>
+              <a:rPr lang="it-IT" sz="1200" dirty="0"/>
+              <a:t>Compute the </a:t>
+            </a:r>
+            <a:r>
+              <a:rPr lang="it-IT" sz="1200" dirty="0" err="1"/>
+              <a:t>number</a:t>
+            </a:r>
+            <a:r>
+              <a:rPr lang="it-IT" sz="1200" dirty="0"/>
+              <a:t> of </a:t>
+            </a:r>
+            <a:r>
+              <a:rPr lang="it-IT" sz="1200" dirty="0" err="1"/>
+              <a:t>recent</a:t>
+            </a:r>
+            <a:r>
+              <a:rPr lang="it-IT" sz="1200" dirty="0"/>
+              <a:t> </a:t>
+            </a:r>
+            <a:r>
+              <a:rPr lang="it-IT" sz="1200" dirty="0" err="1"/>
+              <a:t>constructions</a:t>
+            </a:r>
+            <a:r>
+              <a:rPr lang="it-IT" sz="1200" dirty="0"/>
+              <a:t> for </a:t>
+            </a:r>
+            <a:r>
+              <a:rPr lang="it-IT" sz="1200" dirty="0" err="1"/>
+              <a:t>each</a:t>
+            </a:r>
+            <a:r>
+              <a:rPr lang="it-IT" sz="1200" dirty="0"/>
+              <a:t> </a:t>
+            </a:r>
+            <a:r>
+              <a:rPr lang="it-IT" sz="1200" dirty="0" err="1"/>
+              <a:t>parcel</a:t>
+            </a:r>
+            <a:r>
+              <a:rPr lang="it-IT" sz="1200" dirty="0"/>
+              <a:t> and for </a:t>
+            </a:r>
+            <a:r>
+              <a:rPr lang="it-IT" sz="1200" dirty="0" err="1"/>
+              <a:t>each</a:t>
+            </a:r>
+            <a:r>
+              <a:rPr lang="it-IT" sz="1200" dirty="0"/>
+              <a:t> </a:t>
+            </a:r>
+            <a:r>
+              <a:rPr lang="it-IT" sz="1200" dirty="0" err="1"/>
+              <a:t>year</a:t>
+            </a:r>
+            <a:r>
+              <a:rPr lang="it-IT" sz="1200" dirty="0"/>
+              <a:t> </a:t>
+            </a:r>
+            <a:r>
+              <a:rPr lang="it-IT" sz="1200" dirty="0" err="1"/>
+              <a:t>within</a:t>
+            </a:r>
+            <a:r>
+              <a:rPr lang="it-IT" sz="1200" dirty="0"/>
+              <a:t> a 0.1, 0.5 , 1, 2 km </a:t>
+            </a:r>
+            <a:r>
+              <a:rPr lang="it-IT" sz="1200" dirty="0" err="1"/>
+              <a:t>radius</a:t>
+            </a:r>
+            <a:r>
+              <a:rPr lang="it-IT" sz="1200" dirty="0"/>
+              <a:t> from the </a:t>
+            </a:r>
+            <a:r>
+              <a:rPr lang="it-IT" sz="1200" dirty="0" err="1"/>
+              <a:t>parcel</a:t>
+            </a:r>
+            <a:r>
+              <a:rPr lang="it-IT" sz="1200" dirty="0"/>
+              <a:t> </a:t>
+            </a:r>
+            <a:r>
+              <a:rPr lang="it-IT" sz="1200" dirty="0" err="1"/>
+              <a:t>itself</a:t>
+            </a:r>
+            <a:r>
+              <a:rPr lang="it-IT" sz="1200" dirty="0"/>
+              <a:t> (</a:t>
+            </a:r>
+            <a:r>
+              <a:rPr lang="it-IT" sz="1200" dirty="0" err="1"/>
+              <a:t>those</a:t>
+            </a:r>
+            <a:r>
+              <a:rPr lang="it-IT" sz="1200" dirty="0"/>
+              <a:t> </a:t>
+            </a:r>
+            <a:r>
+              <a:rPr lang="it-IT" sz="1200" dirty="0" err="1"/>
+              <a:t>four</a:t>
+            </a:r>
+            <a:r>
+              <a:rPr lang="it-IT" sz="1200" dirty="0"/>
+              <a:t> </a:t>
+            </a:r>
+            <a:r>
+              <a:rPr lang="it-IT" sz="1200" dirty="0" err="1"/>
+              <a:t>values</a:t>
+            </a:r>
+            <a:r>
+              <a:rPr lang="it-IT" sz="1200" dirty="0"/>
+              <a:t> are </a:t>
+            </a:r>
+            <a:r>
+              <a:rPr lang="it-IT" sz="1200" dirty="0" err="1"/>
+              <a:t>tentative</a:t>
+            </a:r>
+            <a:r>
+              <a:rPr lang="it-IT" sz="1200" dirty="0"/>
+              <a:t> and </a:t>
+            </a:r>
+            <a:r>
+              <a:rPr lang="it-IT" sz="1200" dirty="0" err="1"/>
+              <a:t>may</a:t>
+            </a:r>
+            <a:r>
+              <a:rPr lang="it-IT" sz="1200" dirty="0"/>
+              <a:t> be </a:t>
+            </a:r>
+            <a:r>
+              <a:rPr lang="it-IT" sz="1200" dirty="0" err="1"/>
+              <a:t>changed</a:t>
+            </a:r>
+            <a:r>
+              <a:rPr lang="it-IT" sz="1200" dirty="0"/>
+              <a:t>)  </a:t>
+            </a:r>
+          </a:p>
+          <a:p>
+            <a:pPr marL="285750" indent="-285750" algn="just">
+              <a:buFont typeface="Arial" panose="020B0604020202020204" pitchFamily="34" charset="0"/>
+              <a:buChar char="•"/>
+            </a:pPr>
+            <a:r>
+              <a:rPr lang="it-IT" sz="1200" dirty="0" err="1"/>
+              <a:t>Threshold</a:t>
+            </a:r>
+            <a:r>
+              <a:rPr lang="it-IT" sz="1200" dirty="0"/>
+              <a:t>: </a:t>
+            </a:r>
+            <a:r>
+              <a:rPr lang="it-IT" sz="1200" dirty="0" err="1"/>
+              <a:t>past</a:t>
+            </a:r>
+            <a:r>
+              <a:rPr lang="it-IT" sz="1200" dirty="0"/>
+              <a:t> </a:t>
+            </a:r>
+            <a:r>
+              <a:rPr lang="it-IT" sz="1200" dirty="0" err="1"/>
+              <a:t>constructions</a:t>
+            </a:r>
+            <a:r>
+              <a:rPr lang="it-IT" sz="1200" dirty="0"/>
+              <a:t> </a:t>
+            </a:r>
+            <a:r>
+              <a:rPr lang="it-IT" sz="1200" dirty="0" err="1"/>
+              <a:t>have</a:t>
+            </a:r>
+            <a:r>
+              <a:rPr lang="it-IT" sz="1200" dirty="0"/>
+              <a:t> an </a:t>
+            </a:r>
+            <a:r>
+              <a:rPr lang="it-IT" sz="1200" dirty="0" err="1"/>
+              <a:t>effect</a:t>
+            </a:r>
+            <a:r>
+              <a:rPr lang="it-IT" sz="1200" dirty="0"/>
+              <a:t> for </a:t>
+            </a:r>
+            <a:r>
+              <a:rPr lang="it-IT" sz="1200" dirty="0" err="1"/>
+              <a:t>several</a:t>
+            </a:r>
+            <a:r>
+              <a:rPr lang="it-IT" sz="1200" dirty="0"/>
+              <a:t> </a:t>
+            </a:r>
+            <a:r>
+              <a:rPr lang="it-IT" sz="1200" dirty="0" err="1"/>
+              <a:t>years</a:t>
+            </a:r>
+            <a:r>
+              <a:rPr lang="it-IT" sz="1200" dirty="0"/>
+              <a:t> on </a:t>
+            </a:r>
+            <a:r>
+              <a:rPr lang="it-IT" sz="1200" dirty="0" err="1"/>
+              <a:t>nearby</a:t>
+            </a:r>
+            <a:r>
+              <a:rPr lang="it-IT" sz="1200" dirty="0"/>
+              <a:t> </a:t>
+            </a:r>
+            <a:r>
+              <a:rPr lang="it-IT" sz="1200" dirty="0" err="1"/>
+              <a:t>rents</a:t>
+            </a:r>
+            <a:r>
+              <a:rPr lang="it-IT" sz="1200" dirty="0"/>
+              <a:t>. </a:t>
+            </a:r>
+            <a:r>
+              <a:rPr lang="it-IT" sz="1200" dirty="0" err="1"/>
+              <a:t>We’ll</a:t>
+            </a:r>
+            <a:r>
+              <a:rPr lang="it-IT" sz="1200" dirty="0"/>
+              <a:t> set a </a:t>
+            </a:r>
+            <a:r>
+              <a:rPr lang="it-IT" sz="1200" dirty="0" err="1"/>
+              <a:t>threshold</a:t>
+            </a:r>
+            <a:r>
+              <a:rPr lang="it-IT" sz="1200" dirty="0"/>
+              <a:t> </a:t>
+            </a:r>
+            <a:r>
+              <a:rPr lang="it-IT" sz="1200" dirty="0" err="1"/>
+              <a:t>as</a:t>
+            </a:r>
+            <a:r>
+              <a:rPr lang="it-IT" sz="1200" dirty="0"/>
+              <a:t> the </a:t>
+            </a:r>
+            <a:r>
+              <a:rPr lang="it-IT" sz="1200" dirty="0" err="1"/>
+              <a:t>year</a:t>
+            </a:r>
+            <a:r>
+              <a:rPr lang="it-IT" sz="1200" dirty="0"/>
+              <a:t> s.t. the </a:t>
+            </a:r>
+            <a:r>
+              <a:rPr lang="it-IT" sz="1200" dirty="0" err="1"/>
+              <a:t>effect</a:t>
+            </a:r>
+            <a:r>
+              <a:rPr lang="it-IT" sz="1200" dirty="0"/>
+              <a:t> on </a:t>
+            </a:r>
+            <a:r>
+              <a:rPr lang="it-IT" sz="1200" dirty="0" err="1"/>
+              <a:t>rents</a:t>
+            </a:r>
+            <a:r>
+              <a:rPr lang="it-IT" sz="1200" dirty="0"/>
+              <a:t> </a:t>
+            </a:r>
+            <a:r>
+              <a:rPr lang="it-IT" sz="1200" dirty="0" err="1"/>
+              <a:t>is</a:t>
+            </a:r>
+            <a:r>
+              <a:rPr lang="it-IT" sz="1200" dirty="0"/>
+              <a:t> </a:t>
+            </a:r>
+            <a:r>
+              <a:rPr lang="it-IT" sz="1200" dirty="0" err="1"/>
+              <a:t>negligible</a:t>
+            </a:r>
+            <a:endParaRPr lang="it-IT" sz="1200" dirty="0"/>
+          </a:p>
+          <a:p>
+            <a:pPr marL="285750" indent="-285750" algn="just">
+              <a:buFont typeface="Arial" panose="020B0604020202020204" pitchFamily="34" charset="0"/>
+              <a:buChar char="•"/>
+            </a:pPr>
+            <a:r>
+              <a:rPr lang="it-IT" sz="1200" dirty="0"/>
+              <a:t>Build the </a:t>
+            </a:r>
+            <a:r>
+              <a:rPr lang="it-IT" sz="1200" dirty="0" err="1"/>
+              <a:t>final</a:t>
+            </a:r>
+            <a:r>
+              <a:rPr lang="it-IT" sz="1200" dirty="0"/>
+              <a:t> GAM model and </a:t>
+            </a:r>
+            <a:r>
+              <a:rPr lang="it-IT" sz="1200" dirty="0" err="1"/>
+              <a:t>analyze</a:t>
+            </a:r>
+            <a:r>
+              <a:rPr lang="it-IT" sz="1200" dirty="0"/>
+              <a:t> the </a:t>
+            </a:r>
+            <a:r>
+              <a:rPr lang="it-IT" sz="1200" dirty="0" err="1"/>
+              <a:t>results</a:t>
+            </a:r>
+            <a:r>
+              <a:rPr lang="it-IT" sz="1200" dirty="0"/>
+              <a:t>, </a:t>
+            </a:r>
+            <a:r>
+              <a:rPr lang="it-IT" sz="1200" dirty="0" err="1"/>
+              <a:t>looking</a:t>
+            </a:r>
+            <a:r>
+              <a:rPr lang="it-IT" sz="1200" dirty="0"/>
+              <a:t> in the </a:t>
+            </a:r>
+            <a:r>
+              <a:rPr lang="it-IT" sz="1200" dirty="0" err="1"/>
+              <a:t>particular</a:t>
+            </a:r>
+            <a:r>
+              <a:rPr lang="it-IT" sz="1200" dirty="0"/>
+              <a:t> </a:t>
+            </a:r>
+            <a:r>
+              <a:rPr lang="it-IT" sz="1200" dirty="0" err="1"/>
+              <a:t>at</a:t>
+            </a:r>
+            <a:r>
+              <a:rPr lang="it-IT" sz="1200" dirty="0"/>
+              <a:t> the </a:t>
+            </a:r>
+            <a:r>
+              <a:rPr lang="it-IT" sz="1200" dirty="0" err="1"/>
+              <a:t>relationship</a:t>
+            </a:r>
+            <a:r>
+              <a:rPr lang="it-IT" sz="1200" dirty="0"/>
+              <a:t> </a:t>
+            </a:r>
+            <a:r>
+              <a:rPr lang="it-IT" sz="1200" dirty="0" err="1"/>
+              <a:t>between</a:t>
+            </a:r>
+            <a:r>
+              <a:rPr lang="it-IT" sz="1200" dirty="0"/>
+              <a:t> </a:t>
+            </a:r>
+            <a:r>
+              <a:rPr lang="it-IT" sz="1200" dirty="0" err="1"/>
+              <a:t>rent</a:t>
+            </a:r>
+            <a:r>
+              <a:rPr lang="it-IT" sz="1200" dirty="0"/>
+              <a:t> prices and new </a:t>
+            </a:r>
+            <a:r>
+              <a:rPr lang="it-IT" sz="1200" dirty="0" err="1"/>
+              <a:t>construction</a:t>
+            </a:r>
+            <a:endParaRPr lang="it-IT" sz="1200" dirty="0"/>
+          </a:p>
+        </p:txBody>
+      </p:sp>
+      <p:sp>
+        <p:nvSpPr>
+          <p:cNvPr id="5" name="CasellaDiTesto 4">
+            <a:extLst>
+              <a:ext uri="{FF2B5EF4-FFF2-40B4-BE49-F238E27FC236}">
+                <a16:creationId xmlns:a16="http://schemas.microsoft.com/office/drawing/2014/main" id="{0D743A18-F021-ADC8-FEC1-B753467B8CE6}"/>
+              </a:ext>
+            </a:extLst>
+          </p:cNvPr>
+          <p:cNvSpPr txBox="1"/>
+          <p:nvPr/>
+        </p:nvSpPr>
+        <p:spPr>
+          <a:xfrm>
+            <a:off x="707977" y="4931864"/>
             <a:ext cx="10776046" cy="1384995"/>
           </a:xfrm>
           <a:prstGeom prst="rect">
@@ -7447,15 +8133,15 @@
           <a:p>
             <a:pPr algn="just"/>
             <a:r>
-              <a:rPr lang="it-IT" sz="1400" dirty="0"/>
-              <a:t>For point 2 </a:t>
-            </a:r>
-            <a:r>
-              <a:rPr lang="it-IT" sz="1400" dirty="0" err="1"/>
+              <a:rPr lang="it-IT" sz="1200" dirty="0"/>
+              <a:t>For point 3 </a:t>
+            </a:r>
+            <a:r>
+              <a:rPr lang="it-IT" sz="1200" dirty="0" err="1"/>
               <a:t>we</a:t>
             </a:r>
             <a:r>
-              <a:rPr lang="it-IT" sz="1400" dirty="0"/>
+              <a:rPr lang="it-IT" sz="1200" dirty="0"/>
               <a:t> are planning to :</a:t>
             </a:r>
           </a:p>
@@ -7465,46 +8151,62 @@
               <a:buChar char="•"/>
             </a:pPr>
             <a:r>
-              <a:rPr lang="it-IT" sz="1400" dirty="0"/>
+              <a:rPr lang="it-IT" sz="1200" dirty="0"/>
               <a:t>Compute the </a:t>
             </a:r>
             <a:r>
-              <a:rPr lang="it-IT" sz="1400" dirty="0" err="1"/>
-              <a:t>average</a:t>
-            </a:r>
-            <a:r>
-              <a:rPr lang="it-IT" sz="1400" dirty="0"/>
-              <a:t> price for </a:t>
-            </a:r>
-            <a:r>
-              <a:rPr lang="it-IT" sz="1400" dirty="0" err="1"/>
+              <a:rPr lang="it-IT" sz="1200" dirty="0" err="1"/>
+              <a:t>number</a:t>
+            </a:r>
+            <a:r>
+              <a:rPr lang="it-IT" sz="1200" dirty="0"/>
+              <a:t> of </a:t>
+            </a:r>
+            <a:r>
+              <a:rPr lang="it-IT" sz="1200" dirty="0" err="1"/>
+              <a:t>eviction</a:t>
+            </a:r>
+            <a:r>
+              <a:rPr lang="it-IT" sz="1200" dirty="0"/>
+              <a:t> </a:t>
+            </a:r>
+            <a:r>
+              <a:rPr lang="it-IT" sz="1200" dirty="0" err="1"/>
+              <a:t>notices</a:t>
+            </a:r>
+            <a:r>
+              <a:rPr lang="it-IT" sz="1200" dirty="0"/>
+              <a:t> for </a:t>
+            </a:r>
+            <a:r>
+              <a:rPr lang="it-IT" sz="1200" dirty="0" err="1"/>
               <a:t>each</a:t>
             </a:r>
             <a:r>
-              <a:rPr lang="it-IT" sz="1400" dirty="0"/>
+              <a:rPr lang="it-IT" sz="1200" dirty="0"/>
               <a:t> </a:t>
             </a:r>
             <a:r>
-              <a:rPr lang="it-IT" sz="1400" dirty="0" err="1"/>
+              <a:rPr lang="it-IT" sz="1200" dirty="0" err="1"/>
               <a:t>neighborhood</a:t>
             </a:r>
             <a:r>
-              <a:rPr lang="it-IT" sz="1400" dirty="0"/>
-              <a:t> for </a:t>
-            </a:r>
-            <a:r>
-              <a:rPr lang="it-IT" sz="1400" dirty="0" err="1"/>
+              <a:rPr lang="it-IT" sz="1200" dirty="0"/>
+              <a:t> and for </a:t>
+            </a:r>
+            <a:r>
+              <a:rPr lang="it-IT" sz="1200" dirty="0" err="1"/>
               <a:t>each</a:t>
             </a:r>
             <a:r>
-              <a:rPr lang="it-IT" sz="1400" dirty="0"/>
+              <a:rPr lang="it-IT" sz="1200" dirty="0"/>
               <a:t> </a:t>
             </a:r>
             <a:r>
-              <a:rPr lang="it-IT" sz="1400" dirty="0" err="1"/>
+              <a:rPr lang="it-IT" sz="1200" dirty="0" err="1"/>
               <a:t>year</a:t>
             </a:r>
-            <a:endParaRPr lang="it-IT" sz="1400" dirty="0"/>
+            <a:endParaRPr lang="it-IT" sz="1200" dirty="0"/>
           </a:p>
           <a:p>
             <a:pPr marL="285750" indent="-285750" algn="just">
@@ -7512,126 +8214,113 @@
               <a:buChar char="•"/>
             </a:pPr>
             <a:r>
-              <a:rPr lang="it-IT" sz="1400" dirty="0"/>
-              <a:t>Compute an «</a:t>
-            </a:r>
-            <a:r>
-              <a:rPr lang="it-IT" sz="1400" dirty="0" err="1"/>
-              <a:t>interpolated</a:t>
-            </a:r>
-            <a:r>
-              <a:rPr lang="it-IT" sz="1400" dirty="0"/>
-              <a:t>» price for </a:t>
-            </a:r>
-            <a:r>
-              <a:rPr lang="it-IT" sz="1400" dirty="0" err="1"/>
+              <a:rPr lang="it-IT" sz="1200" dirty="0"/>
+              <a:t>Compute the </a:t>
+            </a:r>
+            <a:r>
+              <a:rPr lang="it-IT" sz="1200" dirty="0" err="1"/>
+              <a:t>number</a:t>
+            </a:r>
+            <a:r>
+              <a:rPr lang="it-IT" sz="1200" dirty="0"/>
+              <a:t> of new </a:t>
+            </a:r>
+            <a:r>
+              <a:rPr lang="it-IT" sz="1200" dirty="0" err="1"/>
+              <a:t>constructions</a:t>
+            </a:r>
+            <a:r>
+              <a:rPr lang="it-IT" sz="1200" dirty="0"/>
+              <a:t> in </a:t>
+            </a:r>
+            <a:r>
+              <a:rPr lang="it-IT" sz="1200" dirty="0" err="1"/>
               <a:t>each</a:t>
             </a:r>
             <a:r>
-              <a:rPr lang="it-IT" sz="1400" dirty="0"/>
+              <a:rPr lang="it-IT" sz="1200" dirty="0"/>
               <a:t> </a:t>
             </a:r>
             <a:r>
-              <a:rPr lang="it-IT" sz="1400" dirty="0" err="1"/>
-              <a:t>parcel</a:t>
-            </a:r>
-            <a:r>
-              <a:rPr lang="it-IT" sz="1400" dirty="0"/>
-              <a:t> as the </a:t>
-            </a:r>
-            <a:r>
-              <a:rPr lang="it-IT" sz="1400" dirty="0" err="1"/>
-              <a:t>average</a:t>
-            </a:r>
-            <a:r>
-              <a:rPr lang="it-IT" sz="1400" dirty="0"/>
-              <a:t> of the </a:t>
-            </a:r>
-            <a:r>
-              <a:rPr lang="it-IT" sz="1400" dirty="0" err="1"/>
-              <a:t>average</a:t>
-            </a:r>
-            <a:r>
-              <a:rPr lang="it-IT" sz="1400" dirty="0"/>
-              <a:t> prices of the </a:t>
-            </a:r>
-            <a:r>
-              <a:rPr lang="it-IT" sz="1400" dirty="0" err="1"/>
+              <a:rPr lang="it-IT" sz="1200" dirty="0" err="1"/>
               <a:t>neighborhood</a:t>
             </a:r>
             <a:r>
-              <a:rPr lang="it-IT" sz="1400" dirty="0"/>
+              <a:rPr lang="it-IT" sz="1200" dirty="0"/>
+              <a:t> for </a:t>
+            </a:r>
+            <a:r>
+              <a:rPr lang="it-IT" sz="1200" dirty="0" err="1"/>
+              <a:t>each</a:t>
+            </a:r>
+            <a:r>
+              <a:rPr lang="it-IT" sz="1200" dirty="0"/>
               <a:t> </a:t>
             </a:r>
             <a:r>
-              <a:rPr lang="it-IT" sz="1400" dirty="0" err="1"/>
-              <a:t>weighting</a:t>
-            </a:r>
-            <a:r>
-              <a:rPr lang="it-IT" sz="1400" dirty="0"/>
-              <a:t> on the </a:t>
-            </a:r>
-            <a:r>
-              <a:rPr lang="it-IT" sz="1400" dirty="0" err="1"/>
-              <a:t>distance</a:t>
-            </a:r>
-            <a:r>
-              <a:rPr lang="it-IT" sz="1400" dirty="0"/>
-              <a:t> (</a:t>
-            </a:r>
-            <a:r>
-              <a:rPr lang="it-IT" sz="1400" dirty="0" err="1"/>
-              <a:t>between</a:t>
-            </a:r>
-            <a:r>
-              <a:rPr lang="it-IT" sz="1400" dirty="0"/>
+              <a:rPr lang="it-IT" sz="1200" dirty="0" err="1"/>
+              <a:t>year</a:t>
+            </a:r>
+            <a:r>
+              <a:rPr lang="it-IT" sz="1200" dirty="0"/>
+              <a:t> (to do so, </a:t>
+            </a:r>
+            <a:r>
+              <a:rPr lang="it-IT" sz="1200" dirty="0" err="1"/>
+              <a:t>we</a:t>
+            </a:r>
+            <a:r>
+              <a:rPr lang="it-IT" sz="1200" dirty="0"/>
+              <a:t> are building a </a:t>
+            </a:r>
+            <a:r>
+              <a:rPr lang="it-IT" sz="1200" dirty="0" err="1"/>
+              <a:t>function</a:t>
+            </a:r>
+            <a:r>
+              <a:rPr lang="it-IT" sz="1200" dirty="0"/>
+              <a:t> to pass from «</a:t>
+            </a:r>
+            <a:r>
+              <a:rPr lang="it-IT" sz="1200" dirty="0" err="1"/>
+              <a:t>address</a:t>
+            </a:r>
+            <a:r>
+              <a:rPr lang="it-IT" sz="1200" dirty="0"/>
               <a:t> </a:t>
             </a:r>
             <a:r>
-              <a:rPr lang="it-IT" sz="1400" dirty="0" err="1"/>
-              <a:t>centroid</a:t>
-            </a:r>
-            <a:r>
-              <a:rPr lang="it-IT" sz="1400" dirty="0"/>
-              <a:t> of </a:t>
-            </a:r>
-            <a:r>
-              <a:rPr lang="it-IT" sz="1400" dirty="0" err="1"/>
-              <a:t>parcel</a:t>
-            </a:r>
-            <a:r>
-              <a:rPr lang="it-IT" sz="1400" dirty="0"/>
-              <a:t> and </a:t>
-            </a:r>
-            <a:r>
-              <a:rPr lang="it-IT" sz="1400" dirty="0" err="1"/>
-              <a:t>centroid</a:t>
-            </a:r>
-            <a:r>
-              <a:rPr lang="it-IT" sz="1400" dirty="0"/>
-              <a:t> of </a:t>
-            </a:r>
-            <a:r>
-              <a:rPr lang="it-IT" sz="1400" dirty="0" err="1"/>
+              <a:rPr lang="it-IT" sz="1200" dirty="0" err="1"/>
+              <a:t>level</a:t>
+            </a:r>
+            <a:r>
+              <a:rPr lang="it-IT" sz="1200" dirty="0"/>
+              <a:t>» to «</a:t>
+            </a:r>
+            <a:r>
+              <a:rPr lang="it-IT" sz="1200" dirty="0" err="1"/>
               <a:t>neighborhood</a:t>
             </a:r>
             <a:r>
-              <a:rPr lang="it-IT" sz="1400" dirty="0"/>
-              <a:t>) for </a:t>
-            </a:r>
-            <a:r>
-              <a:rPr lang="it-IT" sz="1400" dirty="0" err="1"/>
-              <a:t>each</a:t>
-            </a:r>
-            <a:r>
-              <a:rPr lang="it-IT" sz="1400" dirty="0"/>
+              <a:rPr lang="it-IT" sz="1200" dirty="0"/>
               <a:t> </a:t>
             </a:r>
             <a:r>
-              <a:rPr lang="it-IT" sz="1400" dirty="0" err="1"/>
-              <a:t>year</a:t>
-            </a:r>
-            <a:endParaRPr lang="it-IT" sz="1400" dirty="0"/>
+              <a:rPr lang="it-IT" sz="1200" dirty="0" err="1"/>
+              <a:t>level</a:t>
+            </a:r>
+            <a:r>
+              <a:rPr lang="it-IT" sz="1200" dirty="0"/>
+              <a:t>» of the </a:t>
+            </a:r>
+            <a:r>
+              <a:rPr lang="it-IT" sz="1200" dirty="0" err="1"/>
+              <a:t>constructions</a:t>
+            </a:r>
+            <a:r>
+              <a:rPr lang="it-IT" sz="1200" dirty="0"/>
+              <a:t>)</a:t>
+            </a:r>
           </a:p>
           <a:p>
             <a:pPr marL="285750" indent="-285750" algn="just">
@@ -7639,73 +8328,146 @@
               <a:buChar char="•"/>
             </a:pPr>
             <a:r>
-              <a:rPr lang="it-IT" sz="1400" dirty="0"/>
-              <a:t>Compute the </a:t>
-            </a:r>
-            <a:r>
-              <a:rPr lang="it-IT" sz="1400" dirty="0" err="1"/>
-              <a:t>number</a:t>
-            </a:r>
-            <a:r>
-              <a:rPr lang="it-IT" sz="1400" dirty="0"/>
-              <a:t> of </a:t>
-            </a:r>
-            <a:r>
-              <a:rPr lang="it-IT" sz="1400" dirty="0" err="1"/>
-              <a:t>recent</a:t>
-            </a:r>
-            <a:r>
-              <a:rPr lang="it-IT" sz="1400" dirty="0"/>
+              <a:rPr lang="it-IT" sz="1200" dirty="0" err="1"/>
+              <a:t>Threshold</a:t>
+            </a:r>
+            <a:r>
+              <a:rPr lang="it-IT" sz="1200" dirty="0"/>
+              <a:t>: </a:t>
+            </a:r>
+            <a:r>
+              <a:rPr lang="it-IT" sz="1200" dirty="0" err="1"/>
+              <a:t>past</a:t>
+            </a:r>
+            <a:r>
+              <a:rPr lang="it-IT" sz="1200" dirty="0"/>
               <a:t> </a:t>
             </a:r>
             <a:r>
-              <a:rPr lang="it-IT" sz="1400" dirty="0" err="1"/>
+              <a:rPr lang="it-IT" sz="1200" dirty="0" err="1"/>
               <a:t>constructions</a:t>
             </a:r>
             <a:r>
-              <a:rPr lang="it-IT" sz="1400" dirty="0"/>
+              <a:rPr lang="it-IT" sz="1200" dirty="0"/>
+              <a:t> </a:t>
+            </a:r>
+            <a:r>
+              <a:rPr lang="it-IT" sz="1200" dirty="0" err="1"/>
+              <a:t>have</a:t>
+            </a:r>
+            <a:r>
+              <a:rPr lang="it-IT" sz="1200" dirty="0"/>
+              <a:t> an </a:t>
+            </a:r>
+            <a:r>
+              <a:rPr lang="it-IT" sz="1200" dirty="0" err="1"/>
+              <a:t>effect</a:t>
+            </a:r>
+            <a:r>
+              <a:rPr lang="it-IT" sz="1200" dirty="0"/>
               <a:t> for </a:t>
             </a:r>
             <a:r>
-              <a:rPr lang="it-IT" sz="1400" dirty="0" err="1"/>
-              <a:t>each</a:t>
-            </a:r>
-            <a:r>
-              <a:rPr lang="it-IT" sz="1400" dirty="0"/>
+              <a:rPr lang="it-IT" sz="1200" dirty="0" err="1"/>
+              <a:t>several</a:t>
+            </a:r>
+            <a:r>
+              <a:rPr lang="it-IT" sz="1200" dirty="0"/>
               <a:t> </a:t>
             </a:r>
             <a:r>
-              <a:rPr lang="it-IT" sz="1400" dirty="0" err="1"/>
-              <a:t>parcel</a:t>
-            </a:r>
-            <a:r>
-              <a:rPr lang="it-IT" sz="1400" dirty="0"/>
-              <a:t> for </a:t>
-            </a:r>
-            <a:r>
-              <a:rPr lang="it-IT" sz="1400" dirty="0" err="1"/>
-              <a:t>each</a:t>
-            </a:r>
-            <a:r>
-              <a:rPr lang="it-IT" sz="1400" dirty="0"/>
+              <a:rPr lang="it-IT" sz="1200" dirty="0" err="1"/>
+              <a:t>years</a:t>
+            </a:r>
+            <a:r>
+              <a:rPr lang="it-IT" sz="1200" dirty="0"/>
+              <a:t> on </a:t>
+            </a:r>
+            <a:r>
+              <a:rPr lang="it-IT" sz="1200" dirty="0" err="1"/>
+              <a:t>nearby</a:t>
+            </a:r>
+            <a:r>
+              <a:rPr lang="it-IT" sz="1200" dirty="0"/>
               <a:t> </a:t>
             </a:r>
             <a:r>
-              <a:rPr lang="it-IT" sz="1400" dirty="0" err="1"/>
+              <a:rPr lang="it-IT" sz="1200" dirty="0" err="1"/>
+              <a:t>rents</a:t>
+            </a:r>
+            <a:r>
+              <a:rPr lang="it-IT" sz="1200" dirty="0"/>
+              <a:t>. </a:t>
+            </a:r>
+            <a:r>
+              <a:rPr lang="it-IT" sz="1200" dirty="0" err="1"/>
+              <a:t>We’ll</a:t>
+            </a:r>
+            <a:r>
+              <a:rPr lang="it-IT" sz="1200" dirty="0"/>
+              <a:t> set a </a:t>
+            </a:r>
+            <a:r>
+              <a:rPr lang="it-IT" sz="1200" dirty="0" err="1"/>
+              <a:t>threshold</a:t>
+            </a:r>
+            <a:r>
+              <a:rPr lang="it-IT" sz="1200" dirty="0"/>
+              <a:t> </a:t>
+            </a:r>
+            <a:r>
+              <a:rPr lang="it-IT" sz="1200" dirty="0" err="1"/>
+              <a:t>as</a:t>
+            </a:r>
+            <a:r>
+              <a:rPr lang="it-IT" sz="1200" dirty="0"/>
+              <a:t> the </a:t>
+            </a:r>
+            <a:r>
+              <a:rPr lang="it-IT" sz="1200" dirty="0" err="1"/>
               <a:t>year</a:t>
             </a:r>
             <a:r>
-              <a:rPr lang="it-IT" sz="1400" dirty="0"/>
+              <a:rPr lang="it-IT" sz="1200" dirty="0"/>
+              <a:t> s.t. the </a:t>
+            </a:r>
+            <a:r>
+              <a:rPr lang="it-IT" sz="1200" dirty="0" err="1"/>
+              <a:t>effect</a:t>
+            </a:r>
+            <a:r>
+              <a:rPr lang="it-IT" sz="1200" dirty="0"/>
+              <a:t> on </a:t>
+            </a:r>
+            <a:r>
+              <a:rPr lang="it-IT" sz="1200" dirty="0" err="1"/>
+              <a:t>eviction</a:t>
+            </a:r>
+            <a:r>
+              <a:rPr lang="it-IT" sz="1200" dirty="0"/>
               <a:t> </a:t>
             </a:r>
             <a:r>
-              <a:rPr lang="it-IT" sz="1400" dirty="0" err="1"/>
-              <a:t>within</a:t>
-            </a:r>
-            <a:r>
-              <a:rPr lang="it-IT" sz="1400" dirty="0"/>
-              <a:t> 0.5, 1 , 2.5 km </a:t>
-            </a:r>
+              <a:rPr lang="it-IT" sz="1200" dirty="0" err="1"/>
+              <a:t>notices</a:t>
+            </a:r>
+            <a:r>
+              <a:rPr lang="it-IT" sz="1200" dirty="0"/>
+              <a:t> </a:t>
+            </a:r>
+            <a:r>
+              <a:rPr lang="it-IT" sz="1200" dirty="0" err="1"/>
+              <a:t>is</a:t>
+            </a:r>
+            <a:r>
+              <a:rPr lang="it-IT" sz="1200" dirty="0"/>
+              <a:t> </a:t>
+            </a:r>
+            <a:r>
+              <a:rPr lang="it-IT" sz="1200" dirty="0" err="1"/>
+              <a:t>negligible</a:t>
+            </a:r>
+            <a:endParaRPr lang="it-IT" sz="1200" dirty="0"/>
           </a:p>
           <a:p>
             <a:pPr marL="285750" indent="-285750" algn="just">
@@ -7713,274 +8475,94 @@
               <a:buChar char="•"/>
             </a:pPr>
             <a:r>
-              <a:rPr lang="it-IT" sz="1400" dirty="0"/>
+              <a:rPr lang="it-IT" sz="1200" dirty="0"/>
               <a:t>Build the GAM model and </a:t>
             </a:r>
             <a:r>
-              <a:rPr lang="it-IT" sz="1400" dirty="0" err="1"/>
+              <a:rPr lang="it-IT" sz="1200" dirty="0" err="1"/>
               <a:t>analyze</a:t>
             </a:r>
             <a:r>
-              <a:rPr lang="it-IT" sz="1400" dirty="0"/>
+              <a:rPr lang="it-IT" sz="1200" dirty="0"/>
               <a:t> the </a:t>
             </a:r>
             <a:r>
-              <a:rPr lang="it-IT" sz="1400" dirty="0" err="1"/>
+              <a:rPr lang="it-IT" sz="1200" dirty="0" err="1"/>
               <a:t>results</a:t>
             </a:r>
-            <a:endParaRPr lang="it-IT" sz="1400" dirty="0"/>
-          </a:p>
-        </p:txBody>
-      </p:sp>
-      <p:sp>
-        <p:nvSpPr>
-          <p:cNvPr id="5" name="CasellaDiTesto 4">
-            <a:extLst>
-              <a:ext uri="{FF2B5EF4-FFF2-40B4-BE49-F238E27FC236}">
-                <a16:creationId xmlns:a16="http://schemas.microsoft.com/office/drawing/2014/main" id="{0D743A18-F021-ADC8-FEC1-B753467B8CE6}"/>
-              </a:ext>
-            </a:extLst>
-          </p:cNvPr>
-          <p:cNvSpPr txBox="1"/>
-          <p:nvPr/>
-        </p:nvSpPr>
-        <p:spPr>
-          <a:xfrm>
-            <a:off x="707977" y="4931864"/>
-            <a:ext cx="10776046" cy="1169551"/>
-          </a:xfrm>
-          <a:prstGeom prst="rect">
-            <a:avLst/>
-          </a:prstGeom>
-          <a:noFill/>
-        </p:spPr>
-        <p:txBody>
-          <a:bodyPr wrap="square" rtlCol="0">
-            <a:spAutoFit/>
-          </a:bodyPr>
-          <a:lstStyle/>
-          <a:p>
-            <a:pPr algn="just"/>
-            <a:r>
-              <a:rPr lang="it-IT" sz="1400" dirty="0"/>
-              <a:t>For point 3 </a:t>
-            </a:r>
-            <a:r>
-              <a:rPr lang="it-IT" sz="1400" dirty="0" err="1"/>
-              <a:t>we</a:t>
-            </a:r>
-            <a:r>
-              <a:rPr lang="it-IT" sz="1400" dirty="0"/>
-              <a:t> are planning to :</a:t>
-            </a:r>
-          </a:p>
-          <a:p>
-            <a:pPr marL="285750" indent="-285750" algn="just">
-              <a:buFont typeface="Arial" panose="020B0604020202020204" pitchFamily="34" charset="0"/>
-              <a:buChar char="•"/>
-            </a:pPr>
-            <a:r>
-              <a:rPr lang="it-IT" sz="1400" dirty="0"/>
-              <a:t>Compute the </a:t>
-            </a:r>
-            <a:r>
-              <a:rPr lang="it-IT" sz="1400" dirty="0" err="1"/>
-              <a:t>number</a:t>
-            </a:r>
-            <a:r>
-              <a:rPr lang="it-IT" sz="1400" dirty="0"/>
-              <a:t> of </a:t>
-            </a:r>
-            <a:r>
-              <a:rPr lang="it-IT" sz="1400" dirty="0" err="1"/>
+            <a:r>
+              <a:rPr lang="it-IT" sz="1200" dirty="0"/>
+              <a:t>, </a:t>
+            </a:r>
+            <a:r>
+              <a:rPr lang="it-IT" sz="1200" dirty="0" err="1"/>
+              <a:t>looking</a:t>
+            </a:r>
+            <a:r>
+              <a:rPr lang="it-IT" sz="1200" dirty="0"/>
+              <a:t> in the </a:t>
+            </a:r>
+            <a:r>
+              <a:rPr lang="it-IT" sz="1200" dirty="0" err="1"/>
+              <a:t>particular</a:t>
+            </a:r>
+            <a:r>
+              <a:rPr lang="it-IT" sz="1200" dirty="0"/>
+              <a:t> </a:t>
+            </a:r>
+            <a:r>
+              <a:rPr lang="it-IT" sz="1200" dirty="0" err="1"/>
+              <a:t>at</a:t>
+            </a:r>
+            <a:r>
+              <a:rPr lang="it-IT" sz="1200" dirty="0"/>
+              <a:t> the </a:t>
+            </a:r>
+            <a:r>
+              <a:rPr lang="it-IT" sz="1200" dirty="0" err="1"/>
+              <a:t>relationship</a:t>
+            </a:r>
+            <a:r>
+              <a:rPr lang="it-IT" sz="1200" dirty="0"/>
+              <a:t> </a:t>
+            </a:r>
+            <a:r>
+              <a:rPr lang="it-IT" sz="1200" dirty="0" err="1"/>
+              <a:t>between</a:t>
+            </a:r>
+            <a:r>
+              <a:rPr lang="it-IT" sz="1200" dirty="0"/>
+              <a:t> </a:t>
+            </a:r>
+            <a:r>
+              <a:rPr lang="it-IT" sz="1200" dirty="0" err="1"/>
+              <a:t>rent</a:t>
+            </a:r>
+            <a:r>
+              <a:rPr lang="it-IT" sz="1200" dirty="0"/>
+              <a:t> prices &amp; new </a:t>
+            </a:r>
+            <a:r>
+              <a:rPr lang="it-IT" sz="1200" dirty="0" err="1"/>
+              <a:t>construction</a:t>
+            </a:r>
+            <a:r>
+              <a:rPr lang="it-IT" sz="1200" dirty="0"/>
+              <a:t> and </a:t>
+            </a:r>
+            <a:r>
+              <a:rPr lang="it-IT" sz="1200" dirty="0" err="1"/>
               <a:t>eviction</a:t>
             </a:r>
             <a:r>
-              <a:rPr lang="it-IT" sz="1400" dirty="0"/>
+              <a:rPr lang="it-IT" sz="1200" dirty="0"/>
               <a:t> </a:t>
             </a:r>
             <a:r>
-              <a:rPr lang="it-IT" sz="1400" dirty="0" err="1"/>
+              <a:rPr lang="it-IT" sz="1200" dirty="0" err="1"/>
               <a:t>notices</a:t>
             </a:r>
-            <a:r>
-              <a:rPr lang="it-IT" sz="1400" dirty="0"/>
-              <a:t> for </a:t>
-            </a:r>
-            <a:r>
-              <a:rPr lang="it-IT" sz="1400" dirty="0" err="1"/>
-              <a:t>each</a:t>
-            </a:r>
-            <a:r>
-              <a:rPr lang="it-IT" sz="1400" dirty="0"/>
-              <a:t> </a:t>
-            </a:r>
-            <a:r>
-              <a:rPr lang="it-IT" sz="1400" dirty="0" err="1"/>
-              <a:t>neighborhood</a:t>
-            </a:r>
-            <a:r>
-              <a:rPr lang="it-IT" sz="1400" dirty="0"/>
-              <a:t> for </a:t>
-            </a:r>
-            <a:r>
-              <a:rPr lang="it-IT" sz="1400" dirty="0" err="1"/>
-              <a:t>each</a:t>
-            </a:r>
-            <a:r>
-              <a:rPr lang="it-IT" sz="1400" dirty="0"/>
-              <a:t> </a:t>
-            </a:r>
-            <a:r>
-              <a:rPr lang="it-IT" sz="1400" dirty="0" err="1"/>
-              <a:t>year</a:t>
-            </a:r>
-            <a:endParaRPr lang="it-IT" sz="1400" dirty="0"/>
-          </a:p>
-          <a:p>
-            <a:pPr marL="285750" indent="-285750" algn="just">
-              <a:buFont typeface="Arial" panose="020B0604020202020204" pitchFamily="34" charset="0"/>
-              <a:buChar char="•"/>
-            </a:pPr>
-            <a:r>
-              <a:rPr lang="it-IT" sz="1400" dirty="0"/>
-              <a:t>Compute the </a:t>
-            </a:r>
-            <a:r>
-              <a:rPr lang="it-IT" sz="1400" dirty="0" err="1"/>
-              <a:t>number</a:t>
-            </a:r>
-            <a:r>
-              <a:rPr lang="it-IT" sz="1400" dirty="0"/>
-              <a:t> of new </a:t>
-            </a:r>
-            <a:r>
-              <a:rPr lang="it-IT" sz="1400" dirty="0" err="1"/>
-              <a:t>constructions</a:t>
-            </a:r>
-            <a:r>
-              <a:rPr lang="it-IT" sz="1400" dirty="0"/>
-              <a:t> in </a:t>
-            </a:r>
-            <a:r>
-              <a:rPr lang="it-IT" sz="1400" dirty="0" err="1"/>
-              <a:t>each</a:t>
-            </a:r>
-            <a:r>
-              <a:rPr lang="it-IT" sz="1400" dirty="0"/>
-              <a:t> </a:t>
-            </a:r>
-            <a:r>
-              <a:rPr lang="it-IT" sz="1400" dirty="0" err="1"/>
-              <a:t>neighborhood</a:t>
-            </a:r>
-            <a:r>
-              <a:rPr lang="it-IT" sz="1400" dirty="0"/>
-              <a:t> for </a:t>
-            </a:r>
-            <a:r>
-              <a:rPr lang="it-IT" sz="1400" dirty="0" err="1"/>
-              <a:t>each</a:t>
-            </a:r>
-            <a:r>
-              <a:rPr lang="it-IT" sz="1400" dirty="0"/>
-              <a:t> </a:t>
-            </a:r>
-            <a:r>
-              <a:rPr lang="it-IT" sz="1400" dirty="0" err="1"/>
-              <a:t>year</a:t>
-            </a:r>
-            <a:r>
-              <a:rPr lang="it-IT" sz="1400" dirty="0"/>
-              <a:t> (to do so, </a:t>
-            </a:r>
-            <a:r>
-              <a:rPr lang="it-IT" sz="1400" dirty="0" err="1"/>
-              <a:t>we</a:t>
-            </a:r>
-            <a:r>
-              <a:rPr lang="it-IT" sz="1400" dirty="0"/>
-              <a:t> are </a:t>
-            </a:r>
-            <a:r>
-              <a:rPr lang="it-IT" sz="1400" dirty="0" err="1"/>
-              <a:t>trying</a:t>
-            </a:r>
-            <a:r>
-              <a:rPr lang="it-IT" sz="1400" dirty="0"/>
-              <a:t> to </a:t>
-            </a:r>
-            <a:r>
-              <a:rPr lang="it-IT" sz="1400" dirty="0" err="1"/>
-              <a:t>find</a:t>
-            </a:r>
-            <a:r>
-              <a:rPr lang="it-IT" sz="1400" dirty="0"/>
-              <a:t> a way to pass from «</a:t>
-            </a:r>
-            <a:r>
-              <a:rPr lang="it-IT" sz="1400" dirty="0" err="1"/>
-              <a:t>address</a:t>
-            </a:r>
-            <a:r>
-              <a:rPr lang="it-IT" sz="1400" dirty="0"/>
-              <a:t> </a:t>
-            </a:r>
-            <a:r>
-              <a:rPr lang="it-IT" sz="1400" dirty="0" err="1"/>
-              <a:t>level</a:t>
-            </a:r>
-            <a:r>
-              <a:rPr lang="it-IT" sz="1400" dirty="0"/>
-              <a:t>» to «</a:t>
-            </a:r>
-            <a:r>
-              <a:rPr lang="it-IT" sz="1400" dirty="0" err="1"/>
-              <a:t>neighborhood</a:t>
-            </a:r>
-            <a:r>
-              <a:rPr lang="it-IT" sz="1400" dirty="0"/>
-              <a:t> </a:t>
-            </a:r>
-            <a:r>
-              <a:rPr lang="it-IT" sz="1400" dirty="0" err="1"/>
-              <a:t>level</a:t>
-            </a:r>
-            <a:r>
-              <a:rPr lang="it-IT" sz="1400" dirty="0"/>
-              <a:t>» of the </a:t>
-            </a:r>
-            <a:r>
-              <a:rPr lang="it-IT" sz="1400" dirty="0" err="1"/>
-              <a:t>constructions</a:t>
-            </a:r>
-            <a:r>
-              <a:rPr lang="it-IT" sz="1400" dirty="0"/>
-              <a:t>)</a:t>
-            </a:r>
-          </a:p>
-          <a:p>
-            <a:pPr marL="285750" indent="-285750" algn="just">
-              <a:buFont typeface="Arial" panose="020B0604020202020204" pitchFamily="34" charset="0"/>
-              <a:buChar char="•"/>
-            </a:pPr>
-            <a:r>
-              <a:rPr lang="it-IT" sz="1400" dirty="0"/>
-              <a:t>Build the GAM model and </a:t>
-            </a:r>
-            <a:r>
-              <a:rPr lang="it-IT" sz="1400" dirty="0" err="1"/>
-              <a:t>analyze</a:t>
-            </a:r>
-            <a:r>
-              <a:rPr lang="it-IT" sz="1400" dirty="0"/>
-              <a:t> the </a:t>
-            </a:r>
-            <a:r>
-              <a:rPr lang="it-IT" sz="1400" dirty="0" err="1"/>
-              <a:t>results</a:t>
-            </a:r>
-            <a:endParaRPr lang="it-IT" sz="1400" dirty="0"/>
+            <a:endParaRPr lang="it-IT" sz="1200" dirty="0"/>
           </a:p>
         </p:txBody>
       </p:sp>

--- a/ppt_parziale.pptx
+++ b/ppt_parziale.pptx
@@ -6611,8 +6611,8 @@
           </a:p>
         </p:txBody>
       </p:sp>
-      <mc:AlternateContent xmlns:mc="http://schemas.openxmlformats.org/markup-compatibility/2006">
-        <mc:Choice xmlns:a14="http://schemas.microsoft.com/office/drawing/2010/main" Requires="a14">
+      <mc:AlternateContent xmlns:mc="http://schemas.openxmlformats.org/markup-compatibility/2006" xmlns:a14="http://schemas.microsoft.com/office/drawing/2010/main">
+        <mc:Choice Requires="a14">
           <p:sp>
             <p:nvSpPr>
               <p:cNvPr id="3" name="Sottotitolo 2">
@@ -7434,7 +7434,7 @@
             </p:txBody>
           </p:sp>
         </mc:Choice>
-        <mc:Fallback>
+        <mc:Fallback xmlns="">
           <p:sp>
             <p:nvSpPr>
               <p:cNvPr id="3" name="Sottotitolo 2">
@@ -7492,8 +7492,8 @@
         </p:nvSpPr>
         <p:spPr>
           <a:xfrm>
-            <a:off x="707977" y="3392683"/>
-            <a:ext cx="10776046" cy="1569660"/>
+            <a:off x="707977" y="3271154"/>
+            <a:ext cx="10776046" cy="1754326"/>
           </a:xfrm>
           <a:prstGeom prst="rect">
             <a:avLst/>
@@ -7508,15 +7508,15 @@
           <a:p>
             <a:pPr algn="just"/>
             <a:r>
-              <a:rPr lang="it-IT" sz="1200" dirty="0"/>
+              <a:rPr lang="it-IT" sz="1200" b="1" dirty="0"/>
               <a:t>For point 2 </a:t>
             </a:r>
             <a:r>
-              <a:rPr lang="it-IT" sz="1200" dirty="0" err="1"/>
+              <a:rPr lang="it-IT" sz="1200" b="1" dirty="0" err="1"/>
               <a:t>we</a:t>
             </a:r>
             <a:r>
-              <a:rPr lang="it-IT" sz="1200" dirty="0"/>
+              <a:rPr lang="it-IT" sz="1200" b="1" dirty="0"/>
               <a:t> are planning to :</a:t>
             </a:r>
           </a:p>
@@ -7654,6 +7654,14 @@
             </a:r>
             <a:r>
               <a:rPr lang="it-IT" sz="1200" dirty="0"/>
+              <a:t> </a:t>
+            </a:r>
+            <a:r>
+              <a:rPr lang="it-IT" sz="1200" dirty="0" err="1"/>
+              <a:t>rent</a:t>
+            </a:r>
+            <a:r>
+              <a:rPr lang="it-IT" sz="1200" dirty="0"/>
               <a:t> prices of the </a:t>
             </a:r>
             <a:r>
@@ -7828,7 +7836,7 @@
             </a:r>
             <a:r>
               <a:rPr lang="it-IT" sz="1200" dirty="0" err="1"/>
-              <a:t>those</a:t>
+              <a:t>these</a:t>
             </a:r>
             <a:r>
               <a:rPr lang="it-IT" sz="1200" dirty="0"/>
@@ -7958,7 +7966,7 @@
             </a:r>
             <a:r>
               <a:rPr lang="it-IT" sz="1200" dirty="0"/>
-              <a:t> set a </a:t>
+              <a:t> set the </a:t>
             </a:r>
             <a:r>
               <a:rPr lang="it-IT" sz="1200" dirty="0" err="1"/>
@@ -7966,35 +7974,43 @@
             </a:r>
             <a:r>
               <a:rPr lang="it-IT" sz="1200" dirty="0"/>
+              <a:t> by </a:t>
+            </a:r>
+            <a:r>
+              <a:rPr lang="it-IT" sz="1200" dirty="0" err="1"/>
+              <a:t>trying</a:t>
+            </a:r>
+            <a:r>
+              <a:rPr lang="it-IT" sz="1200" dirty="0"/>
+              <a:t> with more </a:t>
+            </a:r>
+            <a:r>
+              <a:rPr lang="it-IT" sz="1200" dirty="0" err="1"/>
+              <a:t>than</a:t>
+            </a:r>
+            <a:r>
+              <a:rPr lang="it-IT" sz="1200" dirty="0"/>
+              <a:t> one </a:t>
+            </a:r>
+            <a:r>
+              <a:rPr lang="it-IT" sz="1200" dirty="0" err="1"/>
+              <a:t>value</a:t>
+            </a:r>
+            <a:r>
+              <a:rPr lang="it-IT" sz="1200" dirty="0"/>
               <a:t> </a:t>
             </a:r>
             <a:r>
               <a:rPr lang="it-IT" sz="1200" dirty="0" err="1"/>
-              <a:t>as</a:t>
-            </a:r>
-            <a:r>
-              <a:rPr lang="it-IT" sz="1200" dirty="0"/>
-              <a:t> the </a:t>
-            </a:r>
-            <a:r>
-              <a:rPr lang="it-IT" sz="1200" dirty="0" err="1"/>
-              <a:t>year</a:t>
-            </a:r>
-            <a:r>
-              <a:rPr lang="it-IT" sz="1200" dirty="0"/>
-              <a:t> s.t. the </a:t>
-            </a:r>
-            <a:r>
-              <a:rPr lang="it-IT" sz="1200" dirty="0" err="1"/>
-              <a:t>effect</a:t>
-            </a:r>
-            <a:r>
-              <a:rPr lang="it-IT" sz="1200" dirty="0"/>
-              <a:t> on </a:t>
-            </a:r>
-            <a:r>
-              <a:rPr lang="it-IT" sz="1200" dirty="0" err="1"/>
-              <a:t>rents</a:t>
+              <a:t>looking</a:t>
+            </a:r>
+            <a:r>
+              <a:rPr lang="it-IT" sz="1200" dirty="0"/>
+              <a:t> for the </a:t>
+            </a:r>
+            <a:r>
+              <a:rPr lang="it-IT" sz="1200" dirty="0" err="1"/>
+              <a:t>most</a:t>
             </a:r>
             <a:r>
               <a:rPr lang="it-IT" sz="1200" dirty="0"/>
@@ -8002,17 +8018,12 @@
             </a:r>
             <a:r>
               <a:rPr lang="it-IT" sz="1200" dirty="0" err="1"/>
-              <a:t>is</a:t>
-            </a:r>
-            <a:r>
-              <a:rPr lang="it-IT" sz="1200" dirty="0"/>
-              <a:t> </a:t>
-            </a:r>
-            <a:r>
-              <a:rPr lang="it-IT" sz="1200" dirty="0" err="1"/>
-              <a:t>negligible</a:t>
-            </a:r>
-            <a:endParaRPr lang="it-IT" sz="1200" dirty="0"/>
+              <a:t>significant</a:t>
+            </a:r>
+            <a:r>
+              <a:rPr lang="it-IT" sz="1200" dirty="0"/>
+              <a:t> one</a:t>
+            </a:r>
           </a:p>
           <a:p>
             <a:pPr marL="285750" indent="-285750" algn="just">
@@ -8133,15 +8144,15 @@
           <a:p>
             <a:pPr algn="just"/>
             <a:r>
-              <a:rPr lang="it-IT" sz="1200" dirty="0"/>
+              <a:rPr lang="it-IT" sz="1200" b="1" dirty="0"/>
               <a:t>For point 3 </a:t>
             </a:r>
             <a:r>
-              <a:rPr lang="it-IT" sz="1200" dirty="0" err="1"/>
+              <a:rPr lang="it-IT" sz="1200" b="1" dirty="0" err="1"/>
               <a:t>we</a:t>
             </a:r>
             <a:r>
-              <a:rPr lang="it-IT" sz="1200" dirty="0"/>
+              <a:rPr lang="it-IT" sz="1200" b="1" dirty="0"/>
               <a:t> are planning to :</a:t>
             </a:r>
           </a:p>
@@ -8397,7 +8408,7 @@
             </a:r>
             <a:r>
               <a:rPr lang="it-IT" sz="1200" dirty="0"/>
-              <a:t>. </a:t>
+              <a:t>. . </a:t>
             </a:r>
             <a:r>
               <a:rPr lang="it-IT" sz="1200" dirty="0" err="1"/>
@@ -8405,7 +8416,7 @@
             </a:r>
             <a:r>
               <a:rPr lang="it-IT" sz="1200" dirty="0"/>
-              <a:t> set a </a:t>
+              <a:t> set the </a:t>
             </a:r>
             <a:r>
               <a:rPr lang="it-IT" sz="1200" dirty="0" err="1"/>
@@ -8413,35 +8424,43 @@
             </a:r>
             <a:r>
               <a:rPr lang="it-IT" sz="1200" dirty="0"/>
+              <a:t> by </a:t>
+            </a:r>
+            <a:r>
+              <a:rPr lang="it-IT" sz="1200" dirty="0" err="1"/>
+              <a:t>trying</a:t>
+            </a:r>
+            <a:r>
+              <a:rPr lang="it-IT" sz="1200" dirty="0"/>
+              <a:t> with more </a:t>
+            </a:r>
+            <a:r>
+              <a:rPr lang="it-IT" sz="1200" dirty="0" err="1"/>
+              <a:t>than</a:t>
+            </a:r>
+            <a:r>
+              <a:rPr lang="it-IT" sz="1200" dirty="0"/>
+              <a:t> one </a:t>
+            </a:r>
+            <a:r>
+              <a:rPr lang="it-IT" sz="1200" dirty="0" err="1"/>
+              <a:t>value</a:t>
+            </a:r>
+            <a:r>
+              <a:rPr lang="it-IT" sz="1200" dirty="0"/>
               <a:t> </a:t>
             </a:r>
             <a:r>
               <a:rPr lang="it-IT" sz="1200" dirty="0" err="1"/>
-              <a:t>as</a:t>
-            </a:r>
-            <a:r>
-              <a:rPr lang="it-IT" sz="1200" dirty="0"/>
-              <a:t> the </a:t>
-            </a:r>
-            <a:r>
-              <a:rPr lang="it-IT" sz="1200" dirty="0" err="1"/>
-              <a:t>year</a:t>
-            </a:r>
-            <a:r>
-              <a:rPr lang="it-IT" sz="1200" dirty="0"/>
-              <a:t> s.t. the </a:t>
-            </a:r>
-            <a:r>
-              <a:rPr lang="it-IT" sz="1200" dirty="0" err="1"/>
-              <a:t>effect</a:t>
-            </a:r>
-            <a:r>
-              <a:rPr lang="it-IT" sz="1200" dirty="0"/>
-              <a:t> on </a:t>
-            </a:r>
-            <a:r>
-              <a:rPr lang="it-IT" sz="1200" dirty="0" err="1"/>
-              <a:t>eviction</a:t>
+              <a:t>looking</a:t>
+            </a:r>
+            <a:r>
+              <a:rPr lang="it-IT" sz="1200" dirty="0"/>
+              <a:t> for the </a:t>
+            </a:r>
+            <a:r>
+              <a:rPr lang="it-IT" sz="1200" dirty="0" err="1"/>
+              <a:t>most</a:t>
             </a:r>
             <a:r>
               <a:rPr lang="it-IT" sz="1200" dirty="0"/>
@@ -8449,25 +8468,12 @@
             </a:r>
             <a:r>
               <a:rPr lang="it-IT" sz="1200" dirty="0" err="1"/>
-              <a:t>notices</a:t>
-            </a:r>
-            <a:r>
-              <a:rPr lang="it-IT" sz="1200" dirty="0"/>
-              <a:t> </a:t>
-            </a:r>
-            <a:r>
-              <a:rPr lang="it-IT" sz="1200" dirty="0" err="1"/>
-              <a:t>is</a:t>
-            </a:r>
-            <a:r>
-              <a:rPr lang="it-IT" sz="1200" dirty="0"/>
-              <a:t> </a:t>
-            </a:r>
-            <a:r>
-              <a:rPr lang="it-IT" sz="1200" dirty="0" err="1"/>
-              <a:t>negligible</a:t>
-            </a:r>
-            <a:endParaRPr lang="it-IT" sz="1200" dirty="0"/>
+              <a:t>significant</a:t>
+            </a:r>
+            <a:r>
+              <a:rPr lang="it-IT" sz="1200" dirty="0"/>
+              <a:t> one</a:t>
+            </a:r>
           </a:p>
           <a:p>
             <a:pPr marL="285750" indent="-285750" algn="just">
